--- a/prezentacja.pptx
+++ b/prezentacja.pptx
@@ -1,21 +1,24 @@
 
 <file path=ppt/presentation.xml><?xml version="1.0" encoding="utf-8"?>
-<p:presentation xmlns:a="http://schemas.openxmlformats.org/drawingml/2006/main" xmlns:r="http://schemas.openxmlformats.org/officeDocument/2006/relationships" xmlns:mc="http://schemas.openxmlformats.org/markup-compatibility/2006" xmlns:mv="urn:schemas-microsoft-com:mac:vml" xmlns:p="http://schemas.openxmlformats.org/presentationml/2006/main" xmlns:c="http://schemas.openxmlformats.org/drawingml/2006/chart" xmlns:dgm="http://schemas.openxmlformats.org/drawingml/2006/diagram" xmlns:o="urn:schemas-microsoft-com:office:office" xmlns:v="urn:schemas-microsoft-com:vml" xmlns:pvml="urn:schemas-microsoft-com:office:powerpoint" xmlns:com="http://schemas.openxmlformats.org/drawingml/2006/compatibility" xmlns:p14="http://schemas.microsoft.com/office/powerpoint/2010/main" xmlns:p15="http://schemas.microsoft.com/office/powerpoint/2012/main" xmlns:ahyp="http://schemas.microsoft.com/office/drawing/2018/hyperlinkcolor" autoCompressPictures="0" embedTrueTypeFonts="1" strictFirstAndLastChars="0" saveSubsetFonts="1">
+<p:presentation xmlns:a="http://schemas.openxmlformats.org/drawingml/2006/main" xmlns:r="http://schemas.openxmlformats.org/officeDocument/2006/relationships" xmlns:p="http://schemas.openxmlformats.org/presentationml/2006/main" strictFirstAndLastChars="0" embedTrueTypeFonts="1" saveSubsetFonts="1" autoCompressPictures="0">
   <p:sldMasterIdLst>
-    <p:sldMasterId id="2147483659" r:id="rId4"/>
+    <p:sldMasterId id="2147483659" r:id="rId1"/>
   </p:sldMasterIdLst>
   <p:notesMasterIdLst>
-    <p:notesMasterId r:id="rId5"/>
+    <p:notesMasterId r:id="rId7"/>
   </p:notesMasterIdLst>
   <p:sldIdLst>
-    <p:sldId id="256" r:id="rId6"/>
-    <p:sldId id="257" r:id="rId7"/>
+    <p:sldId id="256" r:id="rId2"/>
+    <p:sldId id="257" r:id="rId3"/>
+    <p:sldId id="258" r:id="rId4"/>
+    <p:sldId id="259" r:id="rId5"/>
+    <p:sldId id="261" r:id="rId6"/>
   </p:sldIdLst>
-  <p:sldSz cy="5143500" cx="9144000"/>
+  <p:sldSz cx="9144000" cy="5143500" type="screen16x9"/>
   <p:notesSz cx="6858000" cy="9144000"/>
   <p:embeddedFontLst>
     <p:embeddedFont>
-      <p:font typeface="Nunito"/>
+      <p:font typeface="Nunito" pitchFamily="2" charset="77"/>
       <p:regular r:id="rId8"/>
       <p:bold r:id="rId9"/>
       <p:italic r:id="rId10"/>
@@ -23,7 +26,7 @@
     </p:embeddedFont>
   </p:embeddedFontLst>
   <p:defaultTextStyle>
-    <a:defPPr lvl="0" marR="0" rtl="0" algn="l">
+    <a:defPPr marR="0" lvl="0" algn="l" rtl="0">
       <a:lnSpc>
         <a:spcPct val="100000"/>
       </a:lnSpc>
@@ -34,7 +37,7 @@
         <a:spcPts val="0"/>
       </a:spcAft>
     </a:defPPr>
-    <a:lvl1pPr lvl="0" marR="0" rtl="0" algn="l">
+    <a:lvl1pPr marR="0" lvl="0" algn="l" rtl="0">
       <a:lnSpc>
         <a:spcPct val="100000"/>
       </a:lnSpc>
@@ -48,7 +51,7 @@
         <a:srgbClr val="000000"/>
       </a:buClr>
       <a:buFont typeface="Arial"/>
-      <a:defRPr b="0" i="0" sz="1400" u="none" cap="none" strike="noStrike">
+      <a:defRPr sz="1400" b="0" i="0" u="none" strike="noStrike" cap="none">
         <a:solidFill>
           <a:srgbClr val="000000"/>
         </a:solidFill>
@@ -58,7 +61,7 @@
         <a:sym typeface="Arial"/>
       </a:defRPr>
     </a:lvl1pPr>
-    <a:lvl2pPr lvl="1" marR="0" rtl="0" algn="l">
+    <a:lvl2pPr marR="0" lvl="1" algn="l" rtl="0">
       <a:lnSpc>
         <a:spcPct val="100000"/>
       </a:lnSpc>
@@ -72,7 +75,7 @@
         <a:srgbClr val="000000"/>
       </a:buClr>
       <a:buFont typeface="Arial"/>
-      <a:defRPr b="0" i="0" sz="1400" u="none" cap="none" strike="noStrike">
+      <a:defRPr sz="1400" b="0" i="0" u="none" strike="noStrike" cap="none">
         <a:solidFill>
           <a:srgbClr val="000000"/>
         </a:solidFill>
@@ -82,7 +85,7 @@
         <a:sym typeface="Arial"/>
       </a:defRPr>
     </a:lvl2pPr>
-    <a:lvl3pPr lvl="2" marR="0" rtl="0" algn="l">
+    <a:lvl3pPr marR="0" lvl="2" algn="l" rtl="0">
       <a:lnSpc>
         <a:spcPct val="100000"/>
       </a:lnSpc>
@@ -96,7 +99,7 @@
         <a:srgbClr val="000000"/>
       </a:buClr>
       <a:buFont typeface="Arial"/>
-      <a:defRPr b="0" i="0" sz="1400" u="none" cap="none" strike="noStrike">
+      <a:defRPr sz="1400" b="0" i="0" u="none" strike="noStrike" cap="none">
         <a:solidFill>
           <a:srgbClr val="000000"/>
         </a:solidFill>
@@ -106,7 +109,7 @@
         <a:sym typeface="Arial"/>
       </a:defRPr>
     </a:lvl3pPr>
-    <a:lvl4pPr lvl="3" marR="0" rtl="0" algn="l">
+    <a:lvl4pPr marR="0" lvl="3" algn="l" rtl="0">
       <a:lnSpc>
         <a:spcPct val="100000"/>
       </a:lnSpc>
@@ -120,7 +123,7 @@
         <a:srgbClr val="000000"/>
       </a:buClr>
       <a:buFont typeface="Arial"/>
-      <a:defRPr b="0" i="0" sz="1400" u="none" cap="none" strike="noStrike">
+      <a:defRPr sz="1400" b="0" i="0" u="none" strike="noStrike" cap="none">
         <a:solidFill>
           <a:srgbClr val="000000"/>
         </a:solidFill>
@@ -130,7 +133,7 @@
         <a:sym typeface="Arial"/>
       </a:defRPr>
     </a:lvl4pPr>
-    <a:lvl5pPr lvl="4" marR="0" rtl="0" algn="l">
+    <a:lvl5pPr marR="0" lvl="4" algn="l" rtl="0">
       <a:lnSpc>
         <a:spcPct val="100000"/>
       </a:lnSpc>
@@ -144,7 +147,7 @@
         <a:srgbClr val="000000"/>
       </a:buClr>
       <a:buFont typeface="Arial"/>
-      <a:defRPr b="0" i="0" sz="1400" u="none" cap="none" strike="noStrike">
+      <a:defRPr sz="1400" b="0" i="0" u="none" strike="noStrike" cap="none">
         <a:solidFill>
           <a:srgbClr val="000000"/>
         </a:solidFill>
@@ -154,7 +157,7 @@
         <a:sym typeface="Arial"/>
       </a:defRPr>
     </a:lvl5pPr>
-    <a:lvl6pPr lvl="5" marR="0" rtl="0" algn="l">
+    <a:lvl6pPr marR="0" lvl="5" algn="l" rtl="0">
       <a:lnSpc>
         <a:spcPct val="100000"/>
       </a:lnSpc>
@@ -168,7 +171,7 @@
         <a:srgbClr val="000000"/>
       </a:buClr>
       <a:buFont typeface="Arial"/>
-      <a:defRPr b="0" i="0" sz="1400" u="none" cap="none" strike="noStrike">
+      <a:defRPr sz="1400" b="0" i="0" u="none" strike="noStrike" cap="none">
         <a:solidFill>
           <a:srgbClr val="000000"/>
         </a:solidFill>
@@ -178,7 +181,7 @@
         <a:sym typeface="Arial"/>
       </a:defRPr>
     </a:lvl6pPr>
-    <a:lvl7pPr lvl="6" marR="0" rtl="0" algn="l">
+    <a:lvl7pPr marR="0" lvl="6" algn="l" rtl="0">
       <a:lnSpc>
         <a:spcPct val="100000"/>
       </a:lnSpc>
@@ -192,7 +195,7 @@
         <a:srgbClr val="000000"/>
       </a:buClr>
       <a:buFont typeface="Arial"/>
-      <a:defRPr b="0" i="0" sz="1400" u="none" cap="none" strike="noStrike">
+      <a:defRPr sz="1400" b="0" i="0" u="none" strike="noStrike" cap="none">
         <a:solidFill>
           <a:srgbClr val="000000"/>
         </a:solidFill>
@@ -202,7 +205,7 @@
         <a:sym typeface="Arial"/>
       </a:defRPr>
     </a:lvl7pPr>
-    <a:lvl8pPr lvl="7" marR="0" rtl="0" algn="l">
+    <a:lvl8pPr marR="0" lvl="7" algn="l" rtl="0">
       <a:lnSpc>
         <a:spcPct val="100000"/>
       </a:lnSpc>
@@ -216,7 +219,7 @@
         <a:srgbClr val="000000"/>
       </a:buClr>
       <a:buFont typeface="Arial"/>
-      <a:defRPr b="0" i="0" sz="1400" u="none" cap="none" strike="noStrike">
+      <a:defRPr sz="1400" b="0" i="0" u="none" strike="noStrike" cap="none">
         <a:solidFill>
           <a:srgbClr val="000000"/>
         </a:solidFill>
@@ -226,7 +229,7 @@
         <a:sym typeface="Arial"/>
       </a:defRPr>
     </a:lvl8pPr>
-    <a:lvl9pPr lvl="8" marR="0" rtl="0" algn="l">
+    <a:lvl9pPr marR="0" lvl="8" algn="l" rtl="0">
       <a:lnSpc>
         <a:spcPct val="100000"/>
       </a:lnSpc>
@@ -240,7 +243,7 @@
         <a:srgbClr val="000000"/>
       </a:buClr>
       <a:buFont typeface="Arial"/>
-      <a:defRPr b="0" i="0" sz="1400" u="none" cap="none" strike="noStrike">
+      <a:defRPr sz="1400" b="0" i="0" u="none" strike="noStrike" cap="none">
         <a:solidFill>
           <a:srgbClr val="000000"/>
         </a:solidFill>
@@ -253,7 +256,7 @@
   </p:defaultTextStyle>
   <p:extLst>
     <p:ext uri="{EFAFB233-063F-42B5-8137-9DF3F51BA10A}">
-      <p15:sldGuideLst>
+      <p15:sldGuideLst xmlns:p15="http://schemas.microsoft.com/office/powerpoint/2012/main">
         <p15:guide id="1" orient="horz" pos="1620">
           <p15:clr>
             <a:srgbClr val="747775"/>
@@ -271,11 +274,16 @@
 </file>
 
 <file path=ppt/notesMasters/notesMaster1.xml><?xml version="1.0" encoding="utf-8"?>
-<p:notesMaster xmlns:a="http://schemas.openxmlformats.org/drawingml/2006/main" xmlns:r="http://schemas.openxmlformats.org/officeDocument/2006/relationships" xmlns:mc="http://schemas.openxmlformats.org/markup-compatibility/2006" xmlns:mv="urn:schemas-microsoft-com:mac:vml" xmlns:p="http://schemas.openxmlformats.org/presentationml/2006/main" xmlns:c="http://schemas.openxmlformats.org/drawingml/2006/chart" xmlns:dgm="http://schemas.openxmlformats.org/drawingml/2006/diagram" xmlns:o="urn:schemas-microsoft-com:office:office" xmlns:v="urn:schemas-microsoft-com:vml" xmlns:pvml="urn:schemas-microsoft-com:office:powerpoint" xmlns:com="http://schemas.openxmlformats.org/drawingml/2006/compatibility" xmlns:p14="http://schemas.microsoft.com/office/powerpoint/2010/main" xmlns:p15="http://schemas.microsoft.com/office/powerpoint/2012/main" xmlns:ahyp="http://schemas.microsoft.com/office/drawing/2018/hyperlinkcolor">
+<p:notesMaster xmlns:a="http://schemas.openxmlformats.org/drawingml/2006/main" xmlns:r="http://schemas.openxmlformats.org/officeDocument/2006/relationships" xmlns:p="http://schemas.openxmlformats.org/presentationml/2006/main">
   <p:cSld>
+    <p:bg>
+      <p:bgRef idx="1001">
+        <a:schemeClr val="bg1"/>
+      </p:bgRef>
+    </p:bg>
     <p:spTree>
       <p:nvGrpSpPr>
-        <p:cNvPr id="2" name="Shape 2"/>
+        <p:cNvPr id="1" name="Shape 2"/>
         <p:cNvGrpSpPr/>
         <p:nvPr/>
       </p:nvGrpSpPr>
@@ -290,9 +298,11 @@
       <p:sp>
         <p:nvSpPr>
           <p:cNvPr id="3" name="Google Shape;3;n"/>
-          <p:cNvSpPr/>
+          <p:cNvSpPr>
+            <a:spLocks noGrp="1" noRot="1" noChangeAspect="1"/>
+          </p:cNvSpPr>
           <p:nvPr>
-            <p:ph idx="2" type="sldImg"/>
+            <p:ph type="sldImg" idx="2"/>
           </p:nvPr>
         </p:nvSpPr>
         <p:spPr>
@@ -301,9 +311,13 @@
             <a:ext cx="6096075" cy="3429000"/>
           </a:xfrm>
           <a:custGeom>
-            <a:rect b="b" l="l" r="r" t="t"/>
+            <a:avLst/>
+            <a:gdLst/>
+            <a:ahLst/>
+            <a:cxnLst/>
+            <a:rect l="l" t="t" r="r" b="b"/>
             <a:pathLst>
-              <a:path extrusionOk="0" h="120000" w="120000">
+              <a:path w="120000" h="120000" extrusionOk="0">
                 <a:moveTo>
                   <a:pt x="0" y="0"/>
                 </a:moveTo>
@@ -321,23 +335,25 @@
             </a:pathLst>
           </a:custGeom>
           <a:noFill/>
-          <a:ln cap="flat" cmpd="sng" w="9525">
+          <a:ln w="9525" cap="flat" cmpd="sng">
             <a:solidFill>
               <a:srgbClr val="000000"/>
             </a:solidFill>
             <a:prstDash val="solid"/>
             <a:round/>
-            <a:headEnd len="sm" w="sm" type="none"/>
-            <a:tailEnd len="sm" w="sm" type="none"/>
+            <a:headEnd type="none" w="sm" len="sm"/>
+            <a:tailEnd type="none" w="sm" len="sm"/>
           </a:ln>
         </p:spPr>
       </p:sp>
       <p:sp>
         <p:nvSpPr>
           <p:cNvPr id="4" name="Google Shape;4;n"/>
-          <p:cNvSpPr txBox="1"/>
+          <p:cNvSpPr txBox="1">
+            <a:spLocks noGrp="1"/>
+          </p:cNvSpPr>
           <p:nvPr>
-            <p:ph idx="1" type="body"/>
+            <p:ph type="body" idx="1"/>
           </p:nvPr>
         </p:nvSpPr>
         <p:spPr>
@@ -354,11 +370,11 @@
           </a:ln>
         </p:spPr>
         <p:txBody>
-          <a:bodyPr anchorCtr="0" anchor="t" bIns="91425" lIns="91425" spcFirstLastPara="1" rIns="91425" wrap="square" tIns="91425">
+          <a:bodyPr spcFirstLastPara="1" wrap="square" lIns="91425" tIns="91425" rIns="91425" bIns="91425" anchor="t" anchorCtr="0">
             <a:noAutofit/>
           </a:bodyPr>
           <a:lstStyle>
-            <a:lvl1pPr indent="-298450" lvl="0" marL="457200">
+            <a:lvl1pPr marL="457200" lvl="0" indent="-298450">
               <a:spcBef>
                 <a:spcPts val="0"/>
               </a:spcBef>
@@ -369,7 +385,7 @@
               <a:buChar char="●"/>
               <a:defRPr sz="1100"/>
             </a:lvl1pPr>
-            <a:lvl2pPr indent="-298450" lvl="1" marL="914400">
+            <a:lvl2pPr marL="914400" lvl="1" indent="-298450">
               <a:spcBef>
                 <a:spcPts val="0"/>
               </a:spcBef>
@@ -380,7 +396,7 @@
               <a:buChar char="○"/>
               <a:defRPr sz="1100"/>
             </a:lvl2pPr>
-            <a:lvl3pPr indent="-298450" lvl="2" marL="1371600">
+            <a:lvl3pPr marL="1371600" lvl="2" indent="-298450">
               <a:spcBef>
                 <a:spcPts val="0"/>
               </a:spcBef>
@@ -391,7 +407,7 @@
               <a:buChar char="■"/>
               <a:defRPr sz="1100"/>
             </a:lvl3pPr>
-            <a:lvl4pPr indent="-298450" lvl="3" marL="1828800">
+            <a:lvl4pPr marL="1828800" lvl="3" indent="-298450">
               <a:spcBef>
                 <a:spcPts val="0"/>
               </a:spcBef>
@@ -402,7 +418,7 @@
               <a:buChar char="●"/>
               <a:defRPr sz="1100"/>
             </a:lvl4pPr>
-            <a:lvl5pPr indent="-298450" lvl="4" marL="2286000">
+            <a:lvl5pPr marL="2286000" lvl="4" indent="-298450">
               <a:spcBef>
                 <a:spcPts val="0"/>
               </a:spcBef>
@@ -413,7 +429,7 @@
               <a:buChar char="○"/>
               <a:defRPr sz="1100"/>
             </a:lvl5pPr>
-            <a:lvl6pPr indent="-298450" lvl="5" marL="2743200">
+            <a:lvl6pPr marL="2743200" lvl="5" indent="-298450">
               <a:spcBef>
                 <a:spcPts val="0"/>
               </a:spcBef>
@@ -424,7 +440,7 @@
               <a:buChar char="■"/>
               <a:defRPr sz="1100"/>
             </a:lvl6pPr>
-            <a:lvl7pPr indent="-298450" lvl="6" marL="3200400">
+            <a:lvl7pPr marL="3200400" lvl="6" indent="-298450">
               <a:spcBef>
                 <a:spcPts val="0"/>
               </a:spcBef>
@@ -435,7 +451,7 @@
               <a:buChar char="●"/>
               <a:defRPr sz="1100"/>
             </a:lvl7pPr>
-            <a:lvl8pPr indent="-298450" lvl="7" marL="3657600">
+            <a:lvl8pPr marL="3657600" lvl="7" indent="-298450">
               <a:spcBef>
                 <a:spcPts val="0"/>
               </a:spcBef>
@@ -446,7 +462,7 @@
               <a:buChar char="○"/>
               <a:defRPr sz="1100"/>
             </a:lvl8pPr>
-            <a:lvl9pPr indent="-298450" lvl="8" marL="4114800">
+            <a:lvl9pPr marL="4114800" lvl="8" indent="-298450">
               <a:spcBef>
                 <a:spcPts val="0"/>
               </a:spcBef>
@@ -458,14 +474,16 @@
               <a:defRPr sz="1100"/>
             </a:lvl9pPr>
           </a:lstStyle>
-          <a:p/>
+          <a:p>
+            <a:endParaRPr/>
+          </a:p>
         </p:txBody>
       </p:sp>
     </p:spTree>
   </p:cSld>
-  <p:clrMap accent1="accent1" accent2="accent2" accent3="accent3" accent4="accent4" accent5="accent5" accent6="accent6" bg1="lt1" bg2="dk2" tx1="dk1" tx2="lt2" folHlink="folHlink" hlink="hlink"/>
+  <p:clrMap bg1="lt1" tx1="dk1" bg2="dk2" tx2="lt2" accent1="accent1" accent2="accent2" accent3="accent3" accent4="accent4" accent5="accent5" accent6="accent6" hlink="hlink" folHlink="folHlink"/>
   <p:notesStyle>
-    <a:defPPr lvl="0" marR="0" rtl="0" algn="l">
+    <a:defPPr marR="0" lvl="0" algn="l" rtl="0">
       <a:lnSpc>
         <a:spcPct val="100000"/>
       </a:lnSpc>
@@ -476,7 +494,7 @@
         <a:spcPts val="0"/>
       </a:spcAft>
     </a:defPPr>
-    <a:lvl1pPr lvl="0" marR="0" rtl="0" algn="l">
+    <a:lvl1pPr marR="0" lvl="0" algn="l" rtl="0">
       <a:lnSpc>
         <a:spcPct val="100000"/>
       </a:lnSpc>
@@ -490,7 +508,7 @@
         <a:srgbClr val="000000"/>
       </a:buClr>
       <a:buFont typeface="Arial"/>
-      <a:defRPr b="0" i="0" sz="1400" u="none" cap="none" strike="noStrike">
+      <a:defRPr sz="1400" b="0" i="0" u="none" strike="noStrike" cap="none">
         <a:solidFill>
           <a:srgbClr val="000000"/>
         </a:solidFill>
@@ -500,7 +518,7 @@
         <a:sym typeface="Arial"/>
       </a:defRPr>
     </a:lvl1pPr>
-    <a:lvl2pPr lvl="1" marR="0" rtl="0" algn="l">
+    <a:lvl2pPr marR="0" lvl="1" algn="l" rtl="0">
       <a:lnSpc>
         <a:spcPct val="100000"/>
       </a:lnSpc>
@@ -514,7 +532,7 @@
         <a:srgbClr val="000000"/>
       </a:buClr>
       <a:buFont typeface="Arial"/>
-      <a:defRPr b="0" i="0" sz="1400" u="none" cap="none" strike="noStrike">
+      <a:defRPr sz="1400" b="0" i="0" u="none" strike="noStrike" cap="none">
         <a:solidFill>
           <a:srgbClr val="000000"/>
         </a:solidFill>
@@ -524,7 +542,7 @@
         <a:sym typeface="Arial"/>
       </a:defRPr>
     </a:lvl2pPr>
-    <a:lvl3pPr lvl="2" marR="0" rtl="0" algn="l">
+    <a:lvl3pPr marR="0" lvl="2" algn="l" rtl="0">
       <a:lnSpc>
         <a:spcPct val="100000"/>
       </a:lnSpc>
@@ -538,7 +556,7 @@
         <a:srgbClr val="000000"/>
       </a:buClr>
       <a:buFont typeface="Arial"/>
-      <a:defRPr b="0" i="0" sz="1400" u="none" cap="none" strike="noStrike">
+      <a:defRPr sz="1400" b="0" i="0" u="none" strike="noStrike" cap="none">
         <a:solidFill>
           <a:srgbClr val="000000"/>
         </a:solidFill>
@@ -548,7 +566,7 @@
         <a:sym typeface="Arial"/>
       </a:defRPr>
     </a:lvl3pPr>
-    <a:lvl4pPr lvl="3" marR="0" rtl="0" algn="l">
+    <a:lvl4pPr marR="0" lvl="3" algn="l" rtl="0">
       <a:lnSpc>
         <a:spcPct val="100000"/>
       </a:lnSpc>
@@ -562,7 +580,7 @@
         <a:srgbClr val="000000"/>
       </a:buClr>
       <a:buFont typeface="Arial"/>
-      <a:defRPr b="0" i="0" sz="1400" u="none" cap="none" strike="noStrike">
+      <a:defRPr sz="1400" b="0" i="0" u="none" strike="noStrike" cap="none">
         <a:solidFill>
           <a:srgbClr val="000000"/>
         </a:solidFill>
@@ -572,7 +590,7 @@
         <a:sym typeface="Arial"/>
       </a:defRPr>
     </a:lvl4pPr>
-    <a:lvl5pPr lvl="4" marR="0" rtl="0" algn="l">
+    <a:lvl5pPr marR="0" lvl="4" algn="l" rtl="0">
       <a:lnSpc>
         <a:spcPct val="100000"/>
       </a:lnSpc>
@@ -586,7 +604,7 @@
         <a:srgbClr val="000000"/>
       </a:buClr>
       <a:buFont typeface="Arial"/>
-      <a:defRPr b="0" i="0" sz="1400" u="none" cap="none" strike="noStrike">
+      <a:defRPr sz="1400" b="0" i="0" u="none" strike="noStrike" cap="none">
         <a:solidFill>
           <a:srgbClr val="000000"/>
         </a:solidFill>
@@ -596,7 +614,7 @@
         <a:sym typeface="Arial"/>
       </a:defRPr>
     </a:lvl5pPr>
-    <a:lvl6pPr lvl="5" marR="0" rtl="0" algn="l">
+    <a:lvl6pPr marR="0" lvl="5" algn="l" rtl="0">
       <a:lnSpc>
         <a:spcPct val="100000"/>
       </a:lnSpc>
@@ -610,7 +628,7 @@
         <a:srgbClr val="000000"/>
       </a:buClr>
       <a:buFont typeface="Arial"/>
-      <a:defRPr b="0" i="0" sz="1400" u="none" cap="none" strike="noStrike">
+      <a:defRPr sz="1400" b="0" i="0" u="none" strike="noStrike" cap="none">
         <a:solidFill>
           <a:srgbClr val="000000"/>
         </a:solidFill>
@@ -620,7 +638,7 @@
         <a:sym typeface="Arial"/>
       </a:defRPr>
     </a:lvl6pPr>
-    <a:lvl7pPr lvl="6" marR="0" rtl="0" algn="l">
+    <a:lvl7pPr marR="0" lvl="6" algn="l" rtl="0">
       <a:lnSpc>
         <a:spcPct val="100000"/>
       </a:lnSpc>
@@ -634,7 +652,7 @@
         <a:srgbClr val="000000"/>
       </a:buClr>
       <a:buFont typeface="Arial"/>
-      <a:defRPr b="0" i="0" sz="1400" u="none" cap="none" strike="noStrike">
+      <a:defRPr sz="1400" b="0" i="0" u="none" strike="noStrike" cap="none">
         <a:solidFill>
           <a:srgbClr val="000000"/>
         </a:solidFill>
@@ -644,7 +662,7 @@
         <a:sym typeface="Arial"/>
       </a:defRPr>
     </a:lvl7pPr>
-    <a:lvl8pPr lvl="7" marR="0" rtl="0" algn="l">
+    <a:lvl8pPr marR="0" lvl="7" algn="l" rtl="0">
       <a:lnSpc>
         <a:spcPct val="100000"/>
       </a:lnSpc>
@@ -658,7 +676,7 @@
         <a:srgbClr val="000000"/>
       </a:buClr>
       <a:buFont typeface="Arial"/>
-      <a:defRPr b="0" i="0" sz="1400" u="none" cap="none" strike="noStrike">
+      <a:defRPr sz="1400" b="0" i="0" u="none" strike="noStrike" cap="none">
         <a:solidFill>
           <a:srgbClr val="000000"/>
         </a:solidFill>
@@ -668,7 +686,7 @@
         <a:sym typeface="Arial"/>
       </a:defRPr>
     </a:lvl8pPr>
-    <a:lvl9pPr lvl="8" marR="0" rtl="0" algn="l">
+    <a:lvl9pPr marR="0" lvl="8" algn="l" rtl="0">
       <a:lnSpc>
         <a:spcPct val="100000"/>
       </a:lnSpc>
@@ -682,7 +700,7 @@
         <a:srgbClr val="000000"/>
       </a:buClr>
       <a:buFont typeface="Arial"/>
-      <a:defRPr b="0" i="0" sz="1400" u="none" cap="none" strike="noStrike">
+      <a:defRPr sz="1400" b="0" i="0" u="none" strike="noStrike" cap="none">
         <a:solidFill>
           <a:srgbClr val="000000"/>
         </a:solidFill>
@@ -697,11 +715,11 @@
 </file>
 
 <file path=ppt/notesSlides/notesSlide1.xml><?xml version="1.0" encoding="utf-8"?>
-<p:notes xmlns:a="http://schemas.openxmlformats.org/drawingml/2006/main" xmlns:r="http://schemas.openxmlformats.org/officeDocument/2006/relationships" xmlns:mc="http://schemas.openxmlformats.org/markup-compatibility/2006" xmlns:mv="urn:schemas-microsoft-com:mac:vml" xmlns:p="http://schemas.openxmlformats.org/presentationml/2006/main" xmlns:c="http://schemas.openxmlformats.org/drawingml/2006/chart" xmlns:dgm="http://schemas.openxmlformats.org/drawingml/2006/diagram" xmlns:o="urn:schemas-microsoft-com:office:office" xmlns:v="urn:schemas-microsoft-com:vml" xmlns:pvml="urn:schemas-microsoft-com:office:powerpoint" xmlns:com="http://schemas.openxmlformats.org/drawingml/2006/compatibility" xmlns:p14="http://schemas.microsoft.com/office/powerpoint/2010/main" xmlns:p15="http://schemas.microsoft.com/office/powerpoint/2012/main" xmlns:ahyp="http://schemas.microsoft.com/office/drawing/2018/hyperlinkcolor" showMasterPhAnim="0" showMasterSp="0">
+<p:notes xmlns:a="http://schemas.openxmlformats.org/drawingml/2006/main" xmlns:r="http://schemas.openxmlformats.org/officeDocument/2006/relationships" xmlns:p="http://schemas.openxmlformats.org/presentationml/2006/main" showMasterSp="0" showMasterPhAnim="0">
   <p:cSld>
     <p:spTree>
       <p:nvGrpSpPr>
-        <p:cNvPr id="124" name="Shape 124"/>
+        <p:cNvPr id="1" name="Shape 124"/>
         <p:cNvGrpSpPr/>
         <p:nvPr/>
       </p:nvGrpSpPr>
@@ -716,20 +734,26 @@
       <p:sp>
         <p:nvSpPr>
           <p:cNvPr id="125" name="Google Shape;125;p:notes"/>
-          <p:cNvSpPr/>
+          <p:cNvSpPr>
+            <a:spLocks noGrp="1" noRot="1" noChangeAspect="1"/>
+          </p:cNvSpPr>
           <p:nvPr>
-            <p:ph idx="2" type="sldImg"/>
+            <p:ph type="sldImg" idx="2"/>
           </p:nvPr>
         </p:nvSpPr>
         <p:spPr>
           <a:xfrm>
-            <a:off x="381300" y="685800"/>
-            <a:ext cx="6096075" cy="3429000"/>
+            <a:off x="381000" y="685800"/>
+            <a:ext cx="6096000" cy="3429000"/>
           </a:xfrm>
           <a:custGeom>
-            <a:rect b="b" l="l" r="r" t="t"/>
+            <a:avLst/>
+            <a:gdLst/>
+            <a:ahLst/>
+            <a:cxnLst/>
+            <a:rect l="l" t="t" r="r" b="b"/>
             <a:pathLst>
-              <a:path extrusionOk="0" h="120000" w="120000">
+              <a:path w="120000" h="120000" extrusionOk="0">
                 <a:moveTo>
                   <a:pt x="0" y="0"/>
                 </a:moveTo>
@@ -751,9 +775,11 @@
       <p:sp>
         <p:nvSpPr>
           <p:cNvPr id="126" name="Google Shape;126;p:notes"/>
-          <p:cNvSpPr txBox="1"/>
+          <p:cNvSpPr txBox="1">
+            <a:spLocks noGrp="1"/>
+          </p:cNvSpPr>
           <p:nvPr>
-            <p:ph idx="1" type="body"/>
+            <p:ph type="body" idx="1"/>
           </p:nvPr>
         </p:nvSpPr>
         <p:spPr>
@@ -766,12 +792,12 @@
           </a:prstGeom>
         </p:spPr>
         <p:txBody>
-          <a:bodyPr anchorCtr="0" anchor="t" bIns="91425" lIns="91425" spcFirstLastPara="1" rIns="91425" wrap="square" tIns="91425">
+          <a:bodyPr spcFirstLastPara="1" wrap="square" lIns="91425" tIns="91425" rIns="91425" bIns="91425" anchor="t" anchorCtr="0">
             <a:noAutofit/>
           </a:bodyPr>
           <a:lstStyle/>
           <a:p>
-            <a:pPr indent="0" lvl="0" marL="0" rtl="0" algn="l">
+            <a:pPr marL="0" lvl="0" indent="0" algn="l" rtl="0">
               <a:spcBef>
                 <a:spcPts val="0"/>
               </a:spcBef>
@@ -780,9 +806,6 @@
               </a:spcAft>
               <a:buNone/>
             </a:pPr>
-            <a:r>
-              <a:t/>
-            </a:r>
             <a:endParaRPr/>
           </a:p>
         </p:txBody>
@@ -796,11 +819,11 @@
 </file>
 
 <file path=ppt/notesSlides/notesSlide2.xml><?xml version="1.0" encoding="utf-8"?>
-<p:notes xmlns:a="http://schemas.openxmlformats.org/drawingml/2006/main" xmlns:r="http://schemas.openxmlformats.org/officeDocument/2006/relationships" xmlns:mc="http://schemas.openxmlformats.org/markup-compatibility/2006" xmlns:mv="urn:schemas-microsoft-com:mac:vml" xmlns:p="http://schemas.openxmlformats.org/presentationml/2006/main" xmlns:c="http://schemas.openxmlformats.org/drawingml/2006/chart" xmlns:dgm="http://schemas.openxmlformats.org/drawingml/2006/diagram" xmlns:o="urn:schemas-microsoft-com:office:office" xmlns:v="urn:schemas-microsoft-com:vml" xmlns:pvml="urn:schemas-microsoft-com:office:powerpoint" xmlns:com="http://schemas.openxmlformats.org/drawingml/2006/compatibility" xmlns:p14="http://schemas.microsoft.com/office/powerpoint/2010/main" xmlns:p15="http://schemas.microsoft.com/office/powerpoint/2012/main" xmlns:ahyp="http://schemas.microsoft.com/office/drawing/2018/hyperlinkcolor" showMasterPhAnim="0" showMasterSp="0">
+<p:notes xmlns:a="http://schemas.openxmlformats.org/drawingml/2006/main" xmlns:r="http://schemas.openxmlformats.org/officeDocument/2006/relationships" xmlns:p="http://schemas.openxmlformats.org/presentationml/2006/main" showMasterSp="0" showMasterPhAnim="0">
   <p:cSld>
     <p:spTree>
       <p:nvGrpSpPr>
-        <p:cNvPr id="130" name="Shape 130"/>
+        <p:cNvPr id="1" name="Shape 130"/>
         <p:cNvGrpSpPr/>
         <p:nvPr/>
       </p:nvGrpSpPr>
@@ -815,20 +838,26 @@
       <p:sp>
         <p:nvSpPr>
           <p:cNvPr id="131" name="Google Shape;131;g2a0efbe3e50_0_226:notes"/>
-          <p:cNvSpPr/>
+          <p:cNvSpPr>
+            <a:spLocks noGrp="1" noRot="1" noChangeAspect="1"/>
+          </p:cNvSpPr>
           <p:nvPr>
-            <p:ph idx="2" type="sldImg"/>
+            <p:ph type="sldImg" idx="2"/>
           </p:nvPr>
         </p:nvSpPr>
         <p:spPr>
           <a:xfrm>
-            <a:off x="381300" y="685800"/>
+            <a:off x="381000" y="685800"/>
             <a:ext cx="6096000" cy="3429000"/>
           </a:xfrm>
           <a:custGeom>
-            <a:rect b="b" l="l" r="r" t="t"/>
+            <a:avLst/>
+            <a:gdLst/>
+            <a:ahLst/>
+            <a:cxnLst/>
+            <a:rect l="l" t="t" r="r" b="b"/>
             <a:pathLst>
-              <a:path extrusionOk="0" h="120000" w="120000">
+              <a:path w="120000" h="120000" extrusionOk="0">
                 <a:moveTo>
                   <a:pt x="0" y="0"/>
                 </a:moveTo>
@@ -850,9 +879,11 @@
       <p:sp>
         <p:nvSpPr>
           <p:cNvPr id="132" name="Google Shape;132;g2a0efbe3e50_0_226:notes"/>
-          <p:cNvSpPr txBox="1"/>
+          <p:cNvSpPr txBox="1">
+            <a:spLocks noGrp="1"/>
+          </p:cNvSpPr>
           <p:nvPr>
-            <p:ph idx="1" type="body"/>
+            <p:ph type="body" idx="1"/>
           </p:nvPr>
         </p:nvSpPr>
         <p:spPr>
@@ -865,12 +896,12 @@
           </a:prstGeom>
         </p:spPr>
         <p:txBody>
-          <a:bodyPr anchorCtr="0" anchor="t" bIns="91425" lIns="91425" spcFirstLastPara="1" rIns="91425" wrap="square" tIns="91425">
+          <a:bodyPr spcFirstLastPara="1" wrap="square" lIns="91425" tIns="91425" rIns="91425" bIns="91425" anchor="t" anchorCtr="0">
             <a:noAutofit/>
           </a:bodyPr>
           <a:lstStyle/>
           <a:p>
-            <a:pPr indent="0" lvl="0" marL="0" rtl="0" algn="l">
+            <a:pPr marL="0" lvl="0" indent="0" algn="l" rtl="0">
               <a:spcBef>
                 <a:spcPts val="0"/>
               </a:spcBef>
@@ -879,9 +910,6 @@
               </a:spcAft>
               <a:buNone/>
             </a:pPr>
-            <a:r>
-              <a:t/>
-            </a:r>
             <a:endParaRPr/>
           </a:p>
         </p:txBody>
@@ -895,18 +923,19 @@
 </file>
 
 <file path=ppt/slideLayouts/slideLayout1.xml><?xml version="1.0" encoding="utf-8"?>
-<p:sldLayout xmlns:a="http://schemas.openxmlformats.org/drawingml/2006/main" xmlns:r="http://schemas.openxmlformats.org/officeDocument/2006/relationships" xmlns:mc="http://schemas.openxmlformats.org/markup-compatibility/2006" xmlns:mv="urn:schemas-microsoft-com:mac:vml" xmlns:p="http://schemas.openxmlformats.org/presentationml/2006/main" xmlns:c="http://schemas.openxmlformats.org/drawingml/2006/chart" xmlns:dgm="http://schemas.openxmlformats.org/drawingml/2006/diagram" xmlns:o="urn:schemas-microsoft-com:office:office" xmlns:v="urn:schemas-microsoft-com:vml" xmlns:pvml="urn:schemas-microsoft-com:office:powerpoint" xmlns:com="http://schemas.openxmlformats.org/drawingml/2006/compatibility" xmlns:p14="http://schemas.microsoft.com/office/powerpoint/2010/main" xmlns:p15="http://schemas.microsoft.com/office/powerpoint/2012/main" xmlns:ahyp="http://schemas.microsoft.com/office/drawing/2018/hyperlinkcolor" matchingName="Title slide" type="title">
+<p:sldLayout xmlns:a="http://schemas.openxmlformats.org/drawingml/2006/main" xmlns:r="http://schemas.openxmlformats.org/officeDocument/2006/relationships" xmlns:p="http://schemas.openxmlformats.org/presentationml/2006/main" matchingName="Title slide" type="title">
   <p:cSld name="TITLE">
     <p:bg>
       <p:bgPr>
         <a:solidFill>
           <a:schemeClr val="accent6"/>
         </a:solidFill>
+        <a:effectLst/>
       </p:bgPr>
     </p:bg>
     <p:spTree>
       <p:nvGrpSpPr>
-        <p:cNvPr id="9" name="Shape 9"/>
+        <p:cNvPr id="1" name="Shape 9"/>
         <p:cNvGrpSpPr/>
         <p:nvPr/>
       </p:nvGrpSpPr>
@@ -940,12 +969,12 @@
           </a:ln>
         </p:spPr>
         <p:txBody>
-          <a:bodyPr anchorCtr="0" anchor="ctr" bIns="91425" lIns="91425" spcFirstLastPara="1" rIns="91425" wrap="square" tIns="91425">
+          <a:bodyPr spcFirstLastPara="1" wrap="square" lIns="91425" tIns="91425" rIns="91425" bIns="91425" anchor="ctr" anchorCtr="0">
             <a:noAutofit/>
           </a:bodyPr>
           <a:lstStyle/>
           <a:p>
-            <a:pPr indent="0" lvl="0" marL="0" rtl="0" algn="l">
+            <a:pPr marL="0" lvl="0" indent="0" algn="l" rtl="0">
               <a:spcBef>
                 <a:spcPts val="0"/>
               </a:spcBef>
@@ -954,9 +983,6 @@
               </a:spcAft>
               <a:buNone/>
             </a:pPr>
-            <a:r>
-              <a:t/>
-            </a:r>
             <a:endParaRPr/>
           </a:p>
         </p:txBody>
@@ -983,12 +1009,12 @@
           </a:ln>
         </p:spPr>
         <p:txBody>
-          <a:bodyPr anchorCtr="0" anchor="ctr" bIns="91425" lIns="91425" spcFirstLastPara="1" rIns="91425" wrap="square" tIns="91425">
+          <a:bodyPr spcFirstLastPara="1" wrap="square" lIns="91425" tIns="91425" rIns="91425" bIns="91425" anchor="ctr" anchorCtr="0">
             <a:noAutofit/>
           </a:bodyPr>
           <a:lstStyle/>
           <a:p>
-            <a:pPr indent="0" lvl="0" marL="0" rtl="0" algn="l">
+            <a:pPr marL="0" lvl="0" indent="0" algn="l" rtl="0">
               <a:spcBef>
                 <a:spcPts val="0"/>
               </a:spcBef>
@@ -997,9 +1023,6 @@
               </a:spcAft>
               <a:buNone/>
             </a:pPr>
-            <a:r>
-              <a:t/>
-            </a:r>
             <a:endParaRPr/>
           </a:p>
         </p:txBody>
@@ -1026,12 +1049,12 @@
           </a:ln>
         </p:spPr>
         <p:txBody>
-          <a:bodyPr anchorCtr="0" anchor="ctr" bIns="91425" lIns="91425" spcFirstLastPara="1" rIns="91425" wrap="square" tIns="91425">
+          <a:bodyPr spcFirstLastPara="1" wrap="square" lIns="91425" tIns="91425" rIns="91425" bIns="91425" anchor="ctr" anchorCtr="0">
             <a:noAutofit/>
           </a:bodyPr>
           <a:lstStyle/>
           <a:p>
-            <a:pPr indent="0" lvl="0" marL="0" rtl="0" algn="l">
+            <a:pPr marL="0" lvl="0" indent="0" algn="l" rtl="0">
               <a:spcBef>
                 <a:spcPts val="0"/>
               </a:spcBef>
@@ -1040,9 +1063,6 @@
               </a:spcAft>
               <a:buNone/>
             </a:pPr>
-            <a:r>
-              <a:t/>
-            </a:r>
             <a:endParaRPr/>
           </a:p>
         </p:txBody>
@@ -1068,7 +1088,7 @@
             <a:noFill/>
           </a:ln>
           <a:effectLst>
-            <a:outerShdw blurRad="228600" sx="101000" rotWithShape="0" algn="ctr" sy="101000">
+            <a:outerShdw blurRad="228600" sx="101000" sy="101000" algn="ctr" rotWithShape="0">
               <a:srgbClr val="000000">
                 <a:alpha val="40000"/>
               </a:srgbClr>
@@ -1076,12 +1096,12 @@
           </a:effectLst>
         </p:spPr>
         <p:txBody>
-          <a:bodyPr anchorCtr="0" anchor="ctr" bIns="91425" lIns="91425" spcFirstLastPara="1" rIns="91425" wrap="square" tIns="91425">
+          <a:bodyPr spcFirstLastPara="1" wrap="square" lIns="91425" tIns="91425" rIns="91425" bIns="91425" anchor="ctr" anchorCtr="0">
             <a:noAutofit/>
           </a:bodyPr>
           <a:lstStyle/>
           <a:p>
-            <a:pPr indent="0" lvl="0" marL="0" rtl="0" algn="l">
+            <a:pPr marL="0" lvl="0" indent="0" algn="l" rtl="0">
               <a:spcBef>
                 <a:spcPts val="0"/>
               </a:spcBef>
@@ -1090,9 +1110,6 @@
               </a:spcAft>
               <a:buNone/>
             </a:pPr>
-            <a:r>
-              <a:t/>
-            </a:r>
             <a:endParaRPr/>
           </a:p>
         </p:txBody>
@@ -1124,7 +1141,7 @@
             </a:xfrm>
             <a:prstGeom prst="parallelogram">
               <a:avLst>
-                <a:gd fmla="val 153193" name="adj"/>
+                <a:gd name="adj" fmla="val 153193"/>
               </a:avLst>
             </a:prstGeom>
             <a:solidFill>
@@ -1135,12 +1152,12 @@
             </a:ln>
           </p:spPr>
           <p:txBody>
-            <a:bodyPr anchorCtr="0" anchor="ctr" bIns="91425" lIns="91425" spcFirstLastPara="1" rIns="91425" wrap="square" tIns="91425">
+            <a:bodyPr spcFirstLastPara="1" wrap="square" lIns="91425" tIns="91425" rIns="91425" bIns="91425" anchor="ctr" anchorCtr="0">
               <a:noAutofit/>
             </a:bodyPr>
             <a:lstStyle/>
             <a:p>
-              <a:pPr indent="0" lvl="0" marL="0" rtl="0" algn="l">
+              <a:pPr marL="0" lvl="0" indent="0" algn="l" rtl="0">
                 <a:spcBef>
                   <a:spcPts val="0"/>
                 </a:spcBef>
@@ -1149,9 +1166,6 @@
                 </a:spcAft>
                 <a:buNone/>
               </a:pPr>
-              <a:r>
-                <a:t/>
-              </a:r>
               <a:endParaRPr/>
             </a:p>
           </p:txBody>
@@ -1169,7 +1183,7 @@
             </a:xfrm>
             <a:prstGeom prst="parallelogram">
               <a:avLst>
-                <a:gd fmla="val 153193" name="adj"/>
+                <a:gd name="adj" fmla="val 153193"/>
               </a:avLst>
             </a:prstGeom>
             <a:solidFill>
@@ -1180,12 +1194,12 @@
             </a:ln>
           </p:spPr>
           <p:txBody>
-            <a:bodyPr anchorCtr="0" anchor="ctr" bIns="91425" lIns="91425" spcFirstLastPara="1" rIns="91425" wrap="square" tIns="91425">
+            <a:bodyPr spcFirstLastPara="1" wrap="square" lIns="91425" tIns="91425" rIns="91425" bIns="91425" anchor="ctr" anchorCtr="0">
               <a:noAutofit/>
             </a:bodyPr>
             <a:lstStyle/>
             <a:p>
-              <a:pPr indent="0" lvl="0" marL="0" rtl="0" algn="l">
+              <a:pPr marL="0" lvl="0" indent="0" algn="l" rtl="0">
                 <a:spcBef>
                   <a:spcPts val="0"/>
                 </a:spcBef>
@@ -1194,9 +1208,6 @@
                 </a:spcAft>
                 <a:buNone/>
               </a:pPr>
-              <a:r>
-                <a:t/>
-              </a:r>
               <a:endParaRPr/>
             </a:p>
           </p:txBody>
@@ -1214,7 +1225,7 @@
             </a:xfrm>
             <a:prstGeom prst="parallelogram">
               <a:avLst>
-                <a:gd fmla="val 153193" name="adj"/>
+                <a:gd name="adj" fmla="val 153193"/>
               </a:avLst>
             </a:prstGeom>
             <a:solidFill>
@@ -1225,12 +1236,12 @@
             </a:ln>
           </p:spPr>
           <p:txBody>
-            <a:bodyPr anchorCtr="0" anchor="ctr" bIns="91425" lIns="91425" spcFirstLastPara="1" rIns="91425" wrap="square" tIns="91425">
+            <a:bodyPr spcFirstLastPara="1" wrap="square" lIns="91425" tIns="91425" rIns="91425" bIns="91425" anchor="ctr" anchorCtr="0">
               <a:noAutofit/>
             </a:bodyPr>
             <a:lstStyle/>
             <a:p>
-              <a:pPr indent="0" lvl="0" marL="0" rtl="0" algn="l">
+              <a:pPr marL="0" lvl="0" indent="0" algn="l" rtl="0">
                 <a:spcBef>
                   <a:spcPts val="0"/>
                 </a:spcBef>
@@ -1239,9 +1250,6 @@
                 </a:spcAft>
                 <a:buNone/>
               </a:pPr>
-              <a:r>
-                <a:t/>
-              </a:r>
               <a:endParaRPr/>
             </a:p>
           </p:txBody>
@@ -1274,7 +1282,7 @@
             </a:xfrm>
             <a:prstGeom prst="parallelogram">
               <a:avLst>
-                <a:gd fmla="val 153193" name="adj"/>
+                <a:gd name="adj" fmla="val 153193"/>
               </a:avLst>
             </a:prstGeom>
             <a:solidFill>
@@ -1285,12 +1293,12 @@
             </a:ln>
           </p:spPr>
           <p:txBody>
-            <a:bodyPr anchorCtr="0" anchor="ctr" bIns="91425" lIns="91425" spcFirstLastPara="1" rIns="91425" wrap="square" tIns="91425">
+            <a:bodyPr spcFirstLastPara="1" wrap="square" lIns="91425" tIns="91425" rIns="91425" bIns="91425" anchor="ctr" anchorCtr="0">
               <a:noAutofit/>
             </a:bodyPr>
             <a:lstStyle/>
             <a:p>
-              <a:pPr indent="0" lvl="0" marL="0" rtl="0" algn="l">
+              <a:pPr marL="0" lvl="0" indent="0" algn="l" rtl="0">
                 <a:spcBef>
                   <a:spcPts val="0"/>
                 </a:spcBef>
@@ -1299,9 +1307,6 @@
                 </a:spcAft>
                 <a:buNone/>
               </a:pPr>
-              <a:r>
-                <a:t/>
-              </a:r>
               <a:endParaRPr/>
             </a:p>
           </p:txBody>
@@ -1319,7 +1324,7 @@
             </a:xfrm>
             <a:prstGeom prst="parallelogram">
               <a:avLst>
-                <a:gd fmla="val 153193" name="adj"/>
+                <a:gd name="adj" fmla="val 153193"/>
               </a:avLst>
             </a:prstGeom>
             <a:solidFill>
@@ -1330,12 +1335,12 @@
             </a:ln>
           </p:spPr>
           <p:txBody>
-            <a:bodyPr anchorCtr="0" anchor="ctr" bIns="91425" lIns="91425" spcFirstLastPara="1" rIns="91425" wrap="square" tIns="91425">
+            <a:bodyPr spcFirstLastPara="1" wrap="square" lIns="91425" tIns="91425" rIns="91425" bIns="91425" anchor="ctr" anchorCtr="0">
               <a:noAutofit/>
             </a:bodyPr>
             <a:lstStyle/>
             <a:p>
-              <a:pPr indent="0" lvl="0" marL="0" rtl="0" algn="l">
+              <a:pPr marL="0" lvl="0" indent="0" algn="l" rtl="0">
                 <a:spcBef>
                   <a:spcPts val="0"/>
                 </a:spcBef>
@@ -1344,9 +1349,6 @@
                 </a:spcAft>
                 <a:buNone/>
               </a:pPr>
-              <a:r>
-                <a:t/>
-              </a:r>
               <a:endParaRPr/>
             </a:p>
           </p:txBody>
@@ -1364,7 +1366,7 @@
             </a:xfrm>
             <a:prstGeom prst="parallelogram">
               <a:avLst>
-                <a:gd fmla="val 153193" name="adj"/>
+                <a:gd name="adj" fmla="val 153193"/>
               </a:avLst>
             </a:prstGeom>
             <a:solidFill>
@@ -1375,12 +1377,12 @@
             </a:ln>
           </p:spPr>
           <p:txBody>
-            <a:bodyPr anchorCtr="0" anchor="ctr" bIns="91425" lIns="91425" spcFirstLastPara="1" rIns="91425" wrap="square" tIns="91425">
+            <a:bodyPr spcFirstLastPara="1" wrap="square" lIns="91425" tIns="91425" rIns="91425" bIns="91425" anchor="ctr" anchorCtr="0">
               <a:noAutofit/>
             </a:bodyPr>
             <a:lstStyle/>
             <a:p>
-              <a:pPr indent="0" lvl="0" marL="0" rtl="0" algn="l">
+              <a:pPr marL="0" lvl="0" indent="0" algn="l" rtl="0">
                 <a:spcBef>
                   <a:spcPts val="0"/>
                 </a:spcBef>
@@ -1389,9 +1391,6 @@
                 </a:spcAft>
                 <a:buNone/>
               </a:pPr>
-              <a:r>
-                <a:t/>
-              </a:r>
               <a:endParaRPr/>
             </a:p>
           </p:txBody>
@@ -1424,7 +1423,7 @@
             </a:xfrm>
             <a:prstGeom prst="parallelogram">
               <a:avLst>
-                <a:gd fmla="val 158024" name="adj"/>
+                <a:gd name="adj" fmla="val 158024"/>
               </a:avLst>
             </a:prstGeom>
             <a:solidFill>
@@ -1435,12 +1434,12 @@
             </a:ln>
           </p:spPr>
           <p:txBody>
-            <a:bodyPr anchorCtr="0" anchor="ctr" bIns="91425" lIns="91425" spcFirstLastPara="1" rIns="91425" wrap="square" tIns="91425">
+            <a:bodyPr spcFirstLastPara="1" wrap="square" lIns="91425" tIns="91425" rIns="91425" bIns="91425" anchor="ctr" anchorCtr="0">
               <a:noAutofit/>
             </a:bodyPr>
             <a:lstStyle/>
             <a:p>
-              <a:pPr indent="0" lvl="0" marL="0" rtl="0" algn="l">
+              <a:pPr marL="0" lvl="0" indent="0" algn="l" rtl="0">
                 <a:spcBef>
                   <a:spcPts val="0"/>
                 </a:spcBef>
@@ -1449,9 +1448,6 @@
                 </a:spcAft>
                 <a:buNone/>
               </a:pPr>
-              <a:r>
-                <a:t/>
-              </a:r>
               <a:endParaRPr/>
             </a:p>
           </p:txBody>
@@ -1469,7 +1465,7 @@
             </a:xfrm>
             <a:prstGeom prst="parallelogram">
               <a:avLst>
-                <a:gd fmla="val 158024" name="adj"/>
+                <a:gd name="adj" fmla="val 158024"/>
               </a:avLst>
             </a:prstGeom>
             <a:solidFill>
@@ -1480,12 +1476,12 @@
             </a:ln>
           </p:spPr>
           <p:txBody>
-            <a:bodyPr anchorCtr="0" anchor="ctr" bIns="91425" lIns="91425" spcFirstLastPara="1" rIns="91425" wrap="square" tIns="91425">
+            <a:bodyPr spcFirstLastPara="1" wrap="square" lIns="91425" tIns="91425" rIns="91425" bIns="91425" anchor="ctr" anchorCtr="0">
               <a:noAutofit/>
             </a:bodyPr>
             <a:lstStyle/>
             <a:p>
-              <a:pPr indent="0" lvl="0" marL="0" rtl="0" algn="l">
+              <a:pPr marL="0" lvl="0" indent="0" algn="l" rtl="0">
                 <a:spcBef>
                   <a:spcPts val="0"/>
                 </a:spcBef>
@@ -1494,9 +1490,6 @@
                 </a:spcAft>
                 <a:buNone/>
               </a:pPr>
-              <a:r>
-                <a:t/>
-              </a:r>
               <a:endParaRPr/>
             </a:p>
           </p:txBody>
@@ -1514,7 +1507,7 @@
             </a:xfrm>
             <a:prstGeom prst="parallelogram">
               <a:avLst>
-                <a:gd fmla="val 158024" name="adj"/>
+                <a:gd name="adj" fmla="val 158024"/>
               </a:avLst>
             </a:prstGeom>
             <a:solidFill>
@@ -1525,12 +1518,12 @@
             </a:ln>
           </p:spPr>
           <p:txBody>
-            <a:bodyPr anchorCtr="0" anchor="ctr" bIns="91425" lIns="91425" spcFirstLastPara="1" rIns="91425" wrap="square" tIns="91425">
+            <a:bodyPr spcFirstLastPara="1" wrap="square" lIns="91425" tIns="91425" rIns="91425" bIns="91425" anchor="ctr" anchorCtr="0">
               <a:noAutofit/>
             </a:bodyPr>
             <a:lstStyle/>
             <a:p>
-              <a:pPr indent="0" lvl="0" marL="0" rtl="0" algn="l">
+              <a:pPr marL="0" lvl="0" indent="0" algn="l" rtl="0">
                 <a:spcBef>
                   <a:spcPts val="0"/>
                 </a:spcBef>
@@ -1539,9 +1532,6 @@
                 </a:spcAft>
                 <a:buNone/>
               </a:pPr>
-              <a:r>
-                <a:t/>
-              </a:r>
               <a:endParaRPr/>
             </a:p>
           </p:txBody>
@@ -1574,7 +1564,7 @@
             </a:xfrm>
             <a:prstGeom prst="parallelogram">
               <a:avLst>
-                <a:gd fmla="val 158024" name="adj"/>
+                <a:gd name="adj" fmla="val 158024"/>
               </a:avLst>
             </a:prstGeom>
             <a:solidFill>
@@ -1585,12 +1575,12 @@
             </a:ln>
           </p:spPr>
           <p:txBody>
-            <a:bodyPr anchorCtr="0" anchor="ctr" bIns="91425" lIns="91425" spcFirstLastPara="1" rIns="91425" wrap="square" tIns="91425">
+            <a:bodyPr spcFirstLastPara="1" wrap="square" lIns="91425" tIns="91425" rIns="91425" bIns="91425" anchor="ctr" anchorCtr="0">
               <a:noAutofit/>
             </a:bodyPr>
             <a:lstStyle/>
             <a:p>
-              <a:pPr indent="0" lvl="0" marL="0" rtl="0" algn="l">
+              <a:pPr marL="0" lvl="0" indent="0" algn="l" rtl="0">
                 <a:spcBef>
                   <a:spcPts val="0"/>
                 </a:spcBef>
@@ -1599,9 +1589,6 @@
                 </a:spcAft>
                 <a:buNone/>
               </a:pPr>
-              <a:r>
-                <a:t/>
-              </a:r>
               <a:endParaRPr/>
             </a:p>
           </p:txBody>
@@ -1619,7 +1606,7 @@
             </a:xfrm>
             <a:prstGeom prst="parallelogram">
               <a:avLst>
-                <a:gd fmla="val 158024" name="adj"/>
+                <a:gd name="adj" fmla="val 158024"/>
               </a:avLst>
             </a:prstGeom>
             <a:solidFill>
@@ -1630,12 +1617,12 @@
             </a:ln>
           </p:spPr>
           <p:txBody>
-            <a:bodyPr anchorCtr="0" anchor="ctr" bIns="91425" lIns="91425" spcFirstLastPara="1" rIns="91425" wrap="square" tIns="91425">
+            <a:bodyPr spcFirstLastPara="1" wrap="square" lIns="91425" tIns="91425" rIns="91425" bIns="91425" anchor="ctr" anchorCtr="0">
               <a:noAutofit/>
             </a:bodyPr>
             <a:lstStyle/>
             <a:p>
-              <a:pPr indent="0" lvl="0" marL="0" rtl="0" algn="l">
+              <a:pPr marL="0" lvl="0" indent="0" algn="l" rtl="0">
                 <a:spcBef>
                   <a:spcPts val="0"/>
                 </a:spcBef>
@@ -1644,9 +1631,6 @@
                 </a:spcAft>
                 <a:buNone/>
               </a:pPr>
-              <a:r>
-                <a:t/>
-              </a:r>
               <a:endParaRPr/>
             </a:p>
           </p:txBody>
@@ -1664,7 +1648,7 @@
             </a:xfrm>
             <a:prstGeom prst="parallelogram">
               <a:avLst>
-                <a:gd fmla="val 158024" name="adj"/>
+                <a:gd name="adj" fmla="val 158024"/>
               </a:avLst>
             </a:prstGeom>
             <a:solidFill>
@@ -1675,12 +1659,12 @@
             </a:ln>
           </p:spPr>
           <p:txBody>
-            <a:bodyPr anchorCtr="0" anchor="ctr" bIns="91425" lIns="91425" spcFirstLastPara="1" rIns="91425" wrap="square" tIns="91425">
+            <a:bodyPr spcFirstLastPara="1" wrap="square" lIns="91425" tIns="91425" rIns="91425" bIns="91425" anchor="ctr" anchorCtr="0">
               <a:noAutofit/>
             </a:bodyPr>
             <a:lstStyle/>
             <a:p>
-              <a:pPr indent="0" lvl="0" marL="0" rtl="0" algn="l">
+              <a:pPr marL="0" lvl="0" indent="0" algn="l" rtl="0">
                 <a:spcBef>
                   <a:spcPts val="0"/>
                 </a:spcBef>
@@ -1689,9 +1673,6 @@
                 </a:spcAft>
                 <a:buNone/>
               </a:pPr>
-              <a:r>
-                <a:t/>
-              </a:r>
               <a:endParaRPr/>
             </a:p>
           </p:txBody>
@@ -1724,7 +1705,7 @@
             </a:xfrm>
             <a:prstGeom prst="parallelogram">
               <a:avLst>
-                <a:gd fmla="val 158024" name="adj"/>
+                <a:gd name="adj" fmla="val 158024"/>
               </a:avLst>
             </a:prstGeom>
             <a:solidFill>
@@ -1735,12 +1716,12 @@
             </a:ln>
           </p:spPr>
           <p:txBody>
-            <a:bodyPr anchorCtr="0" anchor="ctr" bIns="91425" lIns="91425" spcFirstLastPara="1" rIns="91425" wrap="square" tIns="91425">
+            <a:bodyPr spcFirstLastPara="1" wrap="square" lIns="91425" tIns="91425" rIns="91425" bIns="91425" anchor="ctr" anchorCtr="0">
               <a:noAutofit/>
             </a:bodyPr>
             <a:lstStyle/>
             <a:p>
-              <a:pPr indent="0" lvl="0" marL="0" rtl="0" algn="l">
+              <a:pPr marL="0" lvl="0" indent="0" algn="l" rtl="0">
                 <a:spcBef>
                   <a:spcPts val="0"/>
                 </a:spcBef>
@@ -1749,9 +1730,6 @@
                 </a:spcAft>
                 <a:buNone/>
               </a:pPr>
-              <a:r>
-                <a:t/>
-              </a:r>
               <a:endParaRPr/>
             </a:p>
           </p:txBody>
@@ -1769,7 +1747,7 @@
             </a:xfrm>
             <a:prstGeom prst="parallelogram">
               <a:avLst>
-                <a:gd fmla="val 158024" name="adj"/>
+                <a:gd name="adj" fmla="val 158024"/>
               </a:avLst>
             </a:prstGeom>
             <a:solidFill>
@@ -1780,12 +1758,12 @@
             </a:ln>
           </p:spPr>
           <p:txBody>
-            <a:bodyPr anchorCtr="0" anchor="ctr" bIns="91425" lIns="91425" spcFirstLastPara="1" rIns="91425" wrap="square" tIns="91425">
+            <a:bodyPr spcFirstLastPara="1" wrap="square" lIns="91425" tIns="91425" rIns="91425" bIns="91425" anchor="ctr" anchorCtr="0">
               <a:noAutofit/>
             </a:bodyPr>
             <a:lstStyle/>
             <a:p>
-              <a:pPr indent="0" lvl="0" marL="0" rtl="0" algn="l">
+              <a:pPr marL="0" lvl="0" indent="0" algn="l" rtl="0">
                 <a:spcBef>
                   <a:spcPts val="0"/>
                 </a:spcBef>
@@ -1794,9 +1772,6 @@
                 </a:spcAft>
                 <a:buNone/>
               </a:pPr>
-              <a:r>
-                <a:t/>
-              </a:r>
               <a:endParaRPr/>
             </a:p>
           </p:txBody>
@@ -1814,7 +1789,7 @@
             </a:xfrm>
             <a:prstGeom prst="parallelogram">
               <a:avLst>
-                <a:gd fmla="val 158024" name="adj"/>
+                <a:gd name="adj" fmla="val 158024"/>
               </a:avLst>
             </a:prstGeom>
             <a:solidFill>
@@ -1825,12 +1800,12 @@
             </a:ln>
           </p:spPr>
           <p:txBody>
-            <a:bodyPr anchorCtr="0" anchor="ctr" bIns="91425" lIns="91425" spcFirstLastPara="1" rIns="91425" wrap="square" tIns="91425">
+            <a:bodyPr spcFirstLastPara="1" wrap="square" lIns="91425" tIns="91425" rIns="91425" bIns="91425" anchor="ctr" anchorCtr="0">
               <a:noAutofit/>
             </a:bodyPr>
             <a:lstStyle/>
             <a:p>
-              <a:pPr indent="0" lvl="0" marL="0" rtl="0" algn="l">
+              <a:pPr marL="0" lvl="0" indent="0" algn="l" rtl="0">
                 <a:spcBef>
                   <a:spcPts val="0"/>
                 </a:spcBef>
@@ -1839,9 +1814,6 @@
                 </a:spcAft>
                 <a:buNone/>
               </a:pPr>
-              <a:r>
-                <a:t/>
-              </a:r>
               <a:endParaRPr/>
             </a:p>
           </p:txBody>
@@ -1850,7 +1822,9 @@
       <p:sp>
         <p:nvSpPr>
           <p:cNvPr id="34" name="Google Shape;34;p2"/>
-          <p:cNvSpPr txBox="1"/>
+          <p:cNvSpPr txBox="1">
+            <a:spLocks noGrp="1"/>
+          </p:cNvSpPr>
           <p:nvPr>
             <p:ph type="ctrTitle"/>
           </p:nvPr>
@@ -1865,7 +1839,7 @@
           </a:prstGeom>
         </p:spPr>
         <p:txBody>
-          <a:bodyPr anchorCtr="0" anchor="ctr" bIns="91425" lIns="91425" spcFirstLastPara="1" rIns="91425" wrap="square" tIns="91425">
+          <a:bodyPr spcFirstLastPara="1" wrap="square" lIns="91425" tIns="91425" rIns="91425" bIns="91425" anchor="ctr" anchorCtr="0">
             <a:normAutofit/>
           </a:bodyPr>
           <a:lstStyle>
@@ -1969,15 +1943,19 @@
               <a:defRPr sz="3800"/>
             </a:lvl9pPr>
           </a:lstStyle>
-          <a:p/>
+          <a:p>
+            <a:endParaRPr/>
+          </a:p>
         </p:txBody>
       </p:sp>
       <p:sp>
         <p:nvSpPr>
           <p:cNvPr id="35" name="Google Shape;35;p2"/>
-          <p:cNvSpPr txBox="1"/>
+          <p:cNvSpPr txBox="1">
+            <a:spLocks noGrp="1"/>
+          </p:cNvSpPr>
           <p:nvPr>
-            <p:ph idx="1" type="subTitle"/>
+            <p:ph type="subTitle" idx="1"/>
           </p:nvPr>
         </p:nvSpPr>
         <p:spPr>
@@ -1990,7 +1968,7 @@
           </a:prstGeom>
         </p:spPr>
         <p:txBody>
-          <a:bodyPr anchorCtr="0" anchor="t" bIns="91425" lIns="91425" spcFirstLastPara="1" rIns="91425" wrap="square" tIns="91425">
+          <a:bodyPr spcFirstLastPara="1" wrap="square" lIns="91425" tIns="91425" rIns="91425" bIns="91425" anchor="t" anchorCtr="0">
             <a:normAutofit/>
           </a:bodyPr>
           <a:lstStyle>
@@ -2184,15 +2162,19 @@
               </a:defRPr>
             </a:lvl9pPr>
           </a:lstStyle>
-          <a:p/>
+          <a:p>
+            <a:endParaRPr/>
+          </a:p>
         </p:txBody>
       </p:sp>
       <p:sp>
         <p:nvSpPr>
           <p:cNvPr id="36" name="Google Shape;36;p2"/>
-          <p:cNvSpPr txBox="1"/>
+          <p:cNvSpPr txBox="1">
+            <a:spLocks noGrp="1"/>
+          </p:cNvSpPr>
           <p:nvPr>
-            <p:ph idx="12" type="sldNum"/>
+            <p:ph type="sldNum" idx="12"/>
           </p:nvPr>
         </p:nvSpPr>
         <p:spPr>
@@ -2205,7 +2187,7 @@
           </a:prstGeom>
         </p:spPr>
         <p:txBody>
-          <a:bodyPr anchorCtr="0" anchor="ctr" bIns="91425" lIns="91425" spcFirstLastPara="1" rIns="91425" wrap="square" tIns="91425">
+          <a:bodyPr spcFirstLastPara="1" wrap="square" lIns="91425" tIns="91425" rIns="91425" bIns="91425" anchor="ctr" anchorCtr="0">
             <a:normAutofit/>
           </a:bodyPr>
           <a:lstStyle>
@@ -2247,7 +2229,7 @@
             </a:lvl9pPr>
           </a:lstStyle>
           <a:p>
-            <a:pPr indent="0" lvl="0" marL="0" rtl="0" algn="r">
+            <a:pPr marL="0" lvl="0" indent="0" algn="r" rtl="0">
               <a:spcBef>
                 <a:spcPts val="0"/>
               </a:spcBef>
@@ -2273,18 +2255,19 @@
 </file>
 
 <file path=ppt/slideLayouts/slideLayout10.xml><?xml version="1.0" encoding="utf-8"?>
-<p:sldLayout xmlns:a="http://schemas.openxmlformats.org/drawingml/2006/main" xmlns:r="http://schemas.openxmlformats.org/officeDocument/2006/relationships" xmlns:mc="http://schemas.openxmlformats.org/markup-compatibility/2006" xmlns:mv="urn:schemas-microsoft-com:mac:vml" xmlns:p="http://schemas.openxmlformats.org/presentationml/2006/main" xmlns:c="http://schemas.openxmlformats.org/drawingml/2006/chart" xmlns:dgm="http://schemas.openxmlformats.org/drawingml/2006/diagram" xmlns:o="urn:schemas-microsoft-com:office:office" xmlns:v="urn:schemas-microsoft-com:vml" xmlns:pvml="urn:schemas-microsoft-com:office:powerpoint" xmlns:com="http://schemas.openxmlformats.org/drawingml/2006/compatibility" xmlns:p14="http://schemas.microsoft.com/office/powerpoint/2010/main" xmlns:p15="http://schemas.microsoft.com/office/powerpoint/2012/main" xmlns:ahyp="http://schemas.microsoft.com/office/drawing/2018/hyperlinkcolor" matchingName="Big number">
+<p:sldLayout xmlns:a="http://schemas.openxmlformats.org/drawingml/2006/main" xmlns:r="http://schemas.openxmlformats.org/officeDocument/2006/relationships" xmlns:p="http://schemas.openxmlformats.org/presentationml/2006/main" matchingName="Big number">
   <p:cSld name="BIG_NUMBER">
     <p:bg>
       <p:bgPr>
         <a:solidFill>
           <a:schemeClr val="accent3"/>
         </a:solidFill>
+        <a:effectLst/>
       </p:bgPr>
     </p:bg>
     <p:spTree>
       <p:nvGrpSpPr>
-        <p:cNvPr id="109" name="Shape 109"/>
+        <p:cNvPr id="1" name="Shape 109"/>
         <p:cNvGrpSpPr/>
         <p:nvPr/>
       </p:nvGrpSpPr>
@@ -2318,12 +2301,12 @@
           </a:ln>
         </p:spPr>
         <p:txBody>
-          <a:bodyPr anchorCtr="0" anchor="ctr" bIns="91425" lIns="91425" spcFirstLastPara="1" rIns="91425" wrap="square" tIns="91425">
+          <a:bodyPr spcFirstLastPara="1" wrap="square" lIns="91425" tIns="91425" rIns="91425" bIns="91425" anchor="ctr" anchorCtr="0">
             <a:noAutofit/>
           </a:bodyPr>
           <a:lstStyle/>
           <a:p>
-            <a:pPr indent="0" lvl="0" marL="0" rtl="0" algn="l">
+            <a:pPr marL="0" lvl="0" indent="0" algn="l" rtl="0">
               <a:spcBef>
                 <a:spcPts val="0"/>
               </a:spcBef>
@@ -2332,9 +2315,6 @@
               </a:spcAft>
               <a:buNone/>
             </a:pPr>
-            <a:r>
-              <a:t/>
-            </a:r>
             <a:endParaRPr/>
           </a:p>
         </p:txBody>
@@ -2366,7 +2346,7 @@
             </a:xfrm>
             <a:prstGeom prst="parallelogram">
               <a:avLst>
-                <a:gd fmla="val 158024" name="adj"/>
+                <a:gd name="adj" fmla="val 158024"/>
               </a:avLst>
             </a:prstGeom>
             <a:solidFill>
@@ -2377,12 +2357,12 @@
             </a:ln>
           </p:spPr>
           <p:txBody>
-            <a:bodyPr anchorCtr="0" anchor="ctr" bIns="91425" lIns="91425" spcFirstLastPara="1" rIns="91425" wrap="square" tIns="91425">
+            <a:bodyPr spcFirstLastPara="1" wrap="square" lIns="91425" tIns="91425" rIns="91425" bIns="91425" anchor="ctr" anchorCtr="0">
               <a:noAutofit/>
             </a:bodyPr>
             <a:lstStyle/>
             <a:p>
-              <a:pPr indent="0" lvl="0" marL="0" rtl="0" algn="l">
+              <a:pPr marL="0" lvl="0" indent="0" algn="l" rtl="0">
                 <a:spcBef>
                   <a:spcPts val="0"/>
                 </a:spcBef>
@@ -2391,9 +2371,6 @@
                 </a:spcAft>
                 <a:buNone/>
               </a:pPr>
-              <a:r>
-                <a:t/>
-              </a:r>
               <a:endParaRPr/>
             </a:p>
           </p:txBody>
@@ -2411,7 +2388,7 @@
             </a:xfrm>
             <a:prstGeom prst="parallelogram">
               <a:avLst>
-                <a:gd fmla="val 158024" name="adj"/>
+                <a:gd name="adj" fmla="val 158024"/>
               </a:avLst>
             </a:prstGeom>
             <a:solidFill>
@@ -2422,12 +2399,12 @@
             </a:ln>
           </p:spPr>
           <p:txBody>
-            <a:bodyPr anchorCtr="0" anchor="ctr" bIns="91425" lIns="91425" spcFirstLastPara="1" rIns="91425" wrap="square" tIns="91425">
+            <a:bodyPr spcFirstLastPara="1" wrap="square" lIns="91425" tIns="91425" rIns="91425" bIns="91425" anchor="ctr" anchorCtr="0">
               <a:noAutofit/>
             </a:bodyPr>
             <a:lstStyle/>
             <a:p>
-              <a:pPr indent="0" lvl="0" marL="0" rtl="0" algn="l">
+              <a:pPr marL="0" lvl="0" indent="0" algn="l" rtl="0">
                 <a:spcBef>
                   <a:spcPts val="0"/>
                 </a:spcBef>
@@ -2436,9 +2413,6 @@
                 </a:spcAft>
                 <a:buNone/>
               </a:pPr>
-              <a:r>
-                <a:t/>
-              </a:r>
               <a:endParaRPr/>
             </a:p>
           </p:txBody>
@@ -2456,7 +2430,7 @@
             </a:xfrm>
             <a:prstGeom prst="parallelogram">
               <a:avLst>
-                <a:gd fmla="val 158024" name="adj"/>
+                <a:gd name="adj" fmla="val 158024"/>
               </a:avLst>
             </a:prstGeom>
             <a:solidFill>
@@ -2467,12 +2441,12 @@
             </a:ln>
           </p:spPr>
           <p:txBody>
-            <a:bodyPr anchorCtr="0" anchor="ctr" bIns="91425" lIns="91425" spcFirstLastPara="1" rIns="91425" wrap="square" tIns="91425">
+            <a:bodyPr spcFirstLastPara="1" wrap="square" lIns="91425" tIns="91425" rIns="91425" bIns="91425" anchor="ctr" anchorCtr="0">
               <a:noAutofit/>
             </a:bodyPr>
             <a:lstStyle/>
             <a:p>
-              <a:pPr indent="0" lvl="0" marL="0" rtl="0" algn="l">
+              <a:pPr marL="0" lvl="0" indent="0" algn="l" rtl="0">
                 <a:spcBef>
                   <a:spcPts val="0"/>
                 </a:spcBef>
@@ -2481,9 +2455,6 @@
                 </a:spcAft>
                 <a:buNone/>
               </a:pPr>
-              <a:r>
-                <a:t/>
-              </a:r>
               <a:endParaRPr/>
             </a:p>
           </p:txBody>
@@ -2516,7 +2487,7 @@
             </a:xfrm>
             <a:prstGeom prst="parallelogram">
               <a:avLst>
-                <a:gd fmla="val 158024" name="adj"/>
+                <a:gd name="adj" fmla="val 158024"/>
               </a:avLst>
             </a:prstGeom>
             <a:solidFill>
@@ -2527,12 +2498,12 @@
             </a:ln>
           </p:spPr>
           <p:txBody>
-            <a:bodyPr anchorCtr="0" anchor="ctr" bIns="91425" lIns="91425" spcFirstLastPara="1" rIns="91425" wrap="square" tIns="91425">
+            <a:bodyPr spcFirstLastPara="1" wrap="square" lIns="91425" tIns="91425" rIns="91425" bIns="91425" anchor="ctr" anchorCtr="0">
               <a:noAutofit/>
             </a:bodyPr>
             <a:lstStyle/>
             <a:p>
-              <a:pPr indent="0" lvl="0" marL="0" rtl="0" algn="l">
+              <a:pPr marL="0" lvl="0" indent="0" algn="l" rtl="0">
                 <a:spcBef>
                   <a:spcPts val="0"/>
                 </a:spcBef>
@@ -2541,9 +2512,6 @@
                 </a:spcAft>
                 <a:buNone/>
               </a:pPr>
-              <a:r>
-                <a:t/>
-              </a:r>
               <a:endParaRPr/>
             </a:p>
           </p:txBody>
@@ -2561,7 +2529,7 @@
             </a:xfrm>
             <a:prstGeom prst="parallelogram">
               <a:avLst>
-                <a:gd fmla="val 158024" name="adj"/>
+                <a:gd name="adj" fmla="val 158024"/>
               </a:avLst>
             </a:prstGeom>
             <a:solidFill>
@@ -2572,12 +2540,12 @@
             </a:ln>
           </p:spPr>
           <p:txBody>
-            <a:bodyPr anchorCtr="0" anchor="ctr" bIns="91425" lIns="91425" spcFirstLastPara="1" rIns="91425" wrap="square" tIns="91425">
+            <a:bodyPr spcFirstLastPara="1" wrap="square" lIns="91425" tIns="91425" rIns="91425" bIns="91425" anchor="ctr" anchorCtr="0">
               <a:noAutofit/>
             </a:bodyPr>
             <a:lstStyle/>
             <a:p>
-              <a:pPr indent="0" lvl="0" marL="0" rtl="0" algn="l">
+              <a:pPr marL="0" lvl="0" indent="0" algn="l" rtl="0">
                 <a:spcBef>
                   <a:spcPts val="0"/>
                 </a:spcBef>
@@ -2586,9 +2554,6 @@
                 </a:spcAft>
                 <a:buNone/>
               </a:pPr>
-              <a:r>
-                <a:t/>
-              </a:r>
               <a:endParaRPr/>
             </a:p>
           </p:txBody>
@@ -2606,7 +2571,7 @@
             </a:xfrm>
             <a:prstGeom prst="parallelogram">
               <a:avLst>
-                <a:gd fmla="val 158024" name="adj"/>
+                <a:gd name="adj" fmla="val 158024"/>
               </a:avLst>
             </a:prstGeom>
             <a:solidFill>
@@ -2617,12 +2582,12 @@
             </a:ln>
           </p:spPr>
           <p:txBody>
-            <a:bodyPr anchorCtr="0" anchor="ctr" bIns="91425" lIns="91425" spcFirstLastPara="1" rIns="91425" wrap="square" tIns="91425">
+            <a:bodyPr spcFirstLastPara="1" wrap="square" lIns="91425" tIns="91425" rIns="91425" bIns="91425" anchor="ctr" anchorCtr="0">
               <a:noAutofit/>
             </a:bodyPr>
             <a:lstStyle/>
             <a:p>
-              <a:pPr indent="0" lvl="0" marL="0" rtl="0" algn="l">
+              <a:pPr marL="0" lvl="0" indent="0" algn="l" rtl="0">
                 <a:spcBef>
                   <a:spcPts val="0"/>
                 </a:spcBef>
@@ -2631,9 +2596,6 @@
                 </a:spcAft>
                 <a:buNone/>
               </a:pPr>
-              <a:r>
-                <a:t/>
-              </a:r>
               <a:endParaRPr/>
             </a:p>
           </p:txBody>
@@ -2642,9 +2604,11 @@
       <p:sp>
         <p:nvSpPr>
           <p:cNvPr id="119" name="Google Shape;119;p11"/>
-          <p:cNvSpPr txBox="1"/>
+          <p:cNvSpPr txBox="1">
+            <a:spLocks noGrp="1"/>
+          </p:cNvSpPr>
           <p:nvPr>
-            <p:ph hasCustomPrompt="1" type="title"/>
+            <p:ph type="title" hasCustomPrompt="1"/>
           </p:nvPr>
         </p:nvSpPr>
         <p:spPr>
@@ -2657,7 +2621,7 @@
           </a:prstGeom>
         </p:spPr>
         <p:txBody>
-          <a:bodyPr anchorCtr="0" anchor="ctr" bIns="91425" lIns="91425" spcFirstLastPara="1" rIns="91425" wrap="square" tIns="91425">
+          <a:bodyPr spcFirstLastPara="1" wrap="square" lIns="91425" tIns="91425" rIns="91425" bIns="91425" anchor="ctr" anchorCtr="0">
             <a:normAutofit/>
           </a:bodyPr>
           <a:lstStyle>
@@ -2834,9 +2798,11 @@
       <p:sp>
         <p:nvSpPr>
           <p:cNvPr id="120" name="Google Shape;120;p11"/>
-          <p:cNvSpPr txBox="1"/>
+          <p:cNvSpPr txBox="1">
+            <a:spLocks noGrp="1"/>
+          </p:cNvSpPr>
           <p:nvPr>
-            <p:ph idx="1" type="body"/>
+            <p:ph type="body" idx="1"/>
           </p:nvPr>
         </p:nvSpPr>
         <p:spPr>
@@ -2849,11 +2815,11 @@
           </a:prstGeom>
         </p:spPr>
         <p:txBody>
-          <a:bodyPr anchorCtr="0" anchor="t" bIns="91425" lIns="91425" spcFirstLastPara="1" rIns="91425" wrap="square" tIns="91425">
+          <a:bodyPr spcFirstLastPara="1" wrap="square" lIns="91425" tIns="91425" rIns="91425" bIns="91425" anchor="t" anchorCtr="0">
             <a:normAutofit/>
           </a:bodyPr>
           <a:lstStyle>
-            <a:lvl1pPr indent="-311150" lvl="0" marL="457200" algn="ctr">
+            <a:lvl1pPr marL="457200" lvl="0" indent="-311150" algn="ctr">
               <a:spcBef>
                 <a:spcPts val="0"/>
               </a:spcBef>
@@ -2864,7 +2830,7 @@
               <a:buChar char="●"/>
               <a:defRPr/>
             </a:lvl1pPr>
-            <a:lvl2pPr indent="-298450" lvl="1" marL="914400" algn="ctr">
+            <a:lvl2pPr marL="914400" lvl="1" indent="-298450" algn="ctr">
               <a:spcBef>
                 <a:spcPts val="0"/>
               </a:spcBef>
@@ -2875,7 +2841,7 @@
               <a:buChar char="○"/>
               <a:defRPr/>
             </a:lvl2pPr>
-            <a:lvl3pPr indent="-298450" lvl="2" marL="1371600" algn="ctr">
+            <a:lvl3pPr marL="1371600" lvl="2" indent="-298450" algn="ctr">
               <a:spcBef>
                 <a:spcPts val="0"/>
               </a:spcBef>
@@ -2886,7 +2852,7 @@
               <a:buChar char="■"/>
               <a:defRPr/>
             </a:lvl3pPr>
-            <a:lvl4pPr indent="-298450" lvl="3" marL="1828800" algn="ctr">
+            <a:lvl4pPr marL="1828800" lvl="3" indent="-298450" algn="ctr">
               <a:spcBef>
                 <a:spcPts val="0"/>
               </a:spcBef>
@@ -2897,7 +2863,7 @@
               <a:buChar char="●"/>
               <a:defRPr/>
             </a:lvl4pPr>
-            <a:lvl5pPr indent="-298450" lvl="4" marL="2286000" algn="ctr">
+            <a:lvl5pPr marL="2286000" lvl="4" indent="-298450" algn="ctr">
               <a:spcBef>
                 <a:spcPts val="0"/>
               </a:spcBef>
@@ -2908,7 +2874,7 @@
               <a:buChar char="○"/>
               <a:defRPr/>
             </a:lvl5pPr>
-            <a:lvl6pPr indent="-298450" lvl="5" marL="2743200" algn="ctr">
+            <a:lvl6pPr marL="2743200" lvl="5" indent="-298450" algn="ctr">
               <a:spcBef>
                 <a:spcPts val="0"/>
               </a:spcBef>
@@ -2919,7 +2885,7 @@
               <a:buChar char="■"/>
               <a:defRPr/>
             </a:lvl6pPr>
-            <a:lvl7pPr indent="-298450" lvl="6" marL="3200400" algn="ctr">
+            <a:lvl7pPr marL="3200400" lvl="6" indent="-298450" algn="ctr">
               <a:spcBef>
                 <a:spcPts val="0"/>
               </a:spcBef>
@@ -2930,7 +2896,7 @@
               <a:buChar char="●"/>
               <a:defRPr/>
             </a:lvl7pPr>
-            <a:lvl8pPr indent="-298450" lvl="7" marL="3657600" algn="ctr">
+            <a:lvl8pPr marL="3657600" lvl="7" indent="-298450" algn="ctr">
               <a:spcBef>
                 <a:spcPts val="0"/>
               </a:spcBef>
@@ -2941,7 +2907,7 @@
               <a:buChar char="○"/>
               <a:defRPr/>
             </a:lvl8pPr>
-            <a:lvl9pPr indent="-298450" lvl="8" marL="4114800" algn="ctr">
+            <a:lvl9pPr marL="4114800" lvl="8" indent="-298450" algn="ctr">
               <a:spcBef>
                 <a:spcPts val="0"/>
               </a:spcBef>
@@ -2953,15 +2919,19 @@
               <a:defRPr/>
             </a:lvl9pPr>
           </a:lstStyle>
-          <a:p/>
+          <a:p>
+            <a:endParaRPr/>
+          </a:p>
         </p:txBody>
       </p:sp>
       <p:sp>
         <p:nvSpPr>
           <p:cNvPr id="121" name="Google Shape;121;p11"/>
-          <p:cNvSpPr txBox="1"/>
+          <p:cNvSpPr txBox="1">
+            <a:spLocks noGrp="1"/>
+          </p:cNvSpPr>
           <p:nvPr>
-            <p:ph idx="12" type="sldNum"/>
+            <p:ph type="sldNum" idx="12"/>
           </p:nvPr>
         </p:nvSpPr>
         <p:spPr>
@@ -2974,7 +2944,7 @@
           </a:prstGeom>
         </p:spPr>
         <p:txBody>
-          <a:bodyPr anchorCtr="0" anchor="ctr" bIns="91425" lIns="91425" spcFirstLastPara="1" rIns="91425" wrap="square" tIns="91425">
+          <a:bodyPr spcFirstLastPara="1" wrap="square" lIns="91425" tIns="91425" rIns="91425" bIns="91425" anchor="ctr" anchorCtr="0">
             <a:normAutofit/>
           </a:bodyPr>
           <a:lstStyle>
@@ -3016,7 +2986,7 @@
             </a:lvl9pPr>
           </a:lstStyle>
           <a:p>
-            <a:pPr indent="0" lvl="0" marL="0" rtl="0" algn="r">
+            <a:pPr marL="0" lvl="0" indent="0" algn="r" rtl="0">
               <a:spcBef>
                 <a:spcPts val="0"/>
               </a:spcBef>
@@ -3042,11 +3012,11 @@
 </file>
 
 <file path=ppt/slideLayouts/slideLayout11.xml><?xml version="1.0" encoding="utf-8"?>
-<p:sldLayout xmlns:a="http://schemas.openxmlformats.org/drawingml/2006/main" xmlns:r="http://schemas.openxmlformats.org/officeDocument/2006/relationships" xmlns:mc="http://schemas.openxmlformats.org/markup-compatibility/2006" xmlns:mv="urn:schemas-microsoft-com:mac:vml" xmlns:p="http://schemas.openxmlformats.org/presentationml/2006/main" xmlns:c="http://schemas.openxmlformats.org/drawingml/2006/chart" xmlns:dgm="http://schemas.openxmlformats.org/drawingml/2006/diagram" xmlns:o="urn:schemas-microsoft-com:office:office" xmlns:v="urn:schemas-microsoft-com:vml" xmlns:pvml="urn:schemas-microsoft-com:office:powerpoint" xmlns:com="http://schemas.openxmlformats.org/drawingml/2006/compatibility" xmlns:p14="http://schemas.microsoft.com/office/powerpoint/2010/main" xmlns:p15="http://schemas.microsoft.com/office/powerpoint/2012/main" xmlns:ahyp="http://schemas.microsoft.com/office/drawing/2018/hyperlinkcolor" matchingName="Blank" type="blank">
+<p:sldLayout xmlns:a="http://schemas.openxmlformats.org/drawingml/2006/main" xmlns:r="http://schemas.openxmlformats.org/officeDocument/2006/relationships" xmlns:p="http://schemas.openxmlformats.org/presentationml/2006/main" matchingName="Blank" type="blank">
   <p:cSld name="BLANK">
     <p:spTree>
       <p:nvGrpSpPr>
-        <p:cNvPr id="122" name="Shape 122"/>
+        <p:cNvPr id="1" name="Shape 122"/>
         <p:cNvGrpSpPr/>
         <p:nvPr/>
       </p:nvGrpSpPr>
@@ -3061,9 +3031,11 @@
       <p:sp>
         <p:nvSpPr>
           <p:cNvPr id="123" name="Google Shape;123;p12"/>
-          <p:cNvSpPr txBox="1"/>
+          <p:cNvSpPr txBox="1">
+            <a:spLocks noGrp="1"/>
+          </p:cNvSpPr>
           <p:nvPr>
-            <p:ph idx="12" type="sldNum"/>
+            <p:ph type="sldNum" idx="12"/>
           </p:nvPr>
         </p:nvSpPr>
         <p:spPr>
@@ -3076,7 +3048,7 @@
           </a:prstGeom>
         </p:spPr>
         <p:txBody>
-          <a:bodyPr anchorCtr="0" anchor="ctr" bIns="91425" lIns="91425" spcFirstLastPara="1" rIns="91425" wrap="square" tIns="91425">
+          <a:bodyPr spcFirstLastPara="1" wrap="square" lIns="91425" tIns="91425" rIns="91425" bIns="91425" anchor="ctr" anchorCtr="0">
             <a:normAutofit/>
           </a:bodyPr>
           <a:lstStyle>
@@ -3118,7 +3090,7 @@
             </a:lvl9pPr>
           </a:lstStyle>
           <a:p>
-            <a:pPr indent="0" lvl="0" marL="0" rtl="0" algn="r">
+            <a:pPr marL="0" lvl="0" indent="0" algn="r" rtl="0">
               <a:spcBef>
                 <a:spcPts val="0"/>
               </a:spcBef>
@@ -3144,18 +3116,19 @@
 </file>
 
 <file path=ppt/slideLayouts/slideLayout2.xml><?xml version="1.0" encoding="utf-8"?>
-<p:sldLayout xmlns:a="http://schemas.openxmlformats.org/drawingml/2006/main" xmlns:r="http://schemas.openxmlformats.org/officeDocument/2006/relationships" xmlns:mc="http://schemas.openxmlformats.org/markup-compatibility/2006" xmlns:mv="urn:schemas-microsoft-com:mac:vml" xmlns:p="http://schemas.openxmlformats.org/presentationml/2006/main" xmlns:c="http://schemas.openxmlformats.org/drawingml/2006/chart" xmlns:dgm="http://schemas.openxmlformats.org/drawingml/2006/diagram" xmlns:o="urn:schemas-microsoft-com:office:office" xmlns:v="urn:schemas-microsoft-com:vml" xmlns:pvml="urn:schemas-microsoft-com:office:powerpoint" xmlns:com="http://schemas.openxmlformats.org/drawingml/2006/compatibility" xmlns:p14="http://schemas.microsoft.com/office/powerpoint/2010/main" xmlns:p15="http://schemas.microsoft.com/office/powerpoint/2012/main" xmlns:ahyp="http://schemas.microsoft.com/office/drawing/2018/hyperlinkcolor" matchingName="Section header" type="secHead">
+<p:sldLayout xmlns:a="http://schemas.openxmlformats.org/drawingml/2006/main" xmlns:r="http://schemas.openxmlformats.org/officeDocument/2006/relationships" xmlns:p="http://schemas.openxmlformats.org/presentationml/2006/main" matchingName="Section header" type="secHead">
   <p:cSld name="SECTION_HEADER">
     <p:bg>
       <p:bgPr>
         <a:solidFill>
           <a:schemeClr val="accent3"/>
         </a:solidFill>
+        <a:effectLst/>
       </p:bgPr>
     </p:bg>
     <p:spTree>
       <p:nvGrpSpPr>
-        <p:cNvPr id="37" name="Shape 37"/>
+        <p:cNvPr id="1" name="Shape 37"/>
         <p:cNvGrpSpPr/>
         <p:nvPr/>
       </p:nvGrpSpPr>
@@ -3189,12 +3162,12 @@
           </a:ln>
         </p:spPr>
         <p:txBody>
-          <a:bodyPr anchorCtr="0" anchor="ctr" bIns="91425" lIns="91425" spcFirstLastPara="1" rIns="91425" wrap="square" tIns="91425">
+          <a:bodyPr spcFirstLastPara="1" wrap="square" lIns="91425" tIns="91425" rIns="91425" bIns="91425" anchor="ctr" anchorCtr="0">
             <a:noAutofit/>
           </a:bodyPr>
           <a:lstStyle/>
           <a:p>
-            <a:pPr indent="0" lvl="0" marL="0" rtl="0" algn="l">
+            <a:pPr marL="0" lvl="0" indent="0" algn="l" rtl="0">
               <a:spcBef>
                 <a:spcPts val="0"/>
               </a:spcBef>
@@ -3203,9 +3176,6 @@
               </a:spcAft>
               <a:buNone/>
             </a:pPr>
-            <a:r>
-              <a:t/>
-            </a:r>
             <a:endParaRPr/>
           </a:p>
         </p:txBody>
@@ -3237,7 +3207,7 @@
             </a:xfrm>
             <a:prstGeom prst="parallelogram">
               <a:avLst>
-                <a:gd fmla="val 158024" name="adj"/>
+                <a:gd name="adj" fmla="val 158024"/>
               </a:avLst>
             </a:prstGeom>
             <a:solidFill>
@@ -3248,12 +3218,12 @@
             </a:ln>
           </p:spPr>
           <p:txBody>
-            <a:bodyPr anchorCtr="0" anchor="ctr" bIns="91425" lIns="91425" spcFirstLastPara="1" rIns="91425" wrap="square" tIns="91425">
+            <a:bodyPr spcFirstLastPara="1" wrap="square" lIns="91425" tIns="91425" rIns="91425" bIns="91425" anchor="ctr" anchorCtr="0">
               <a:noAutofit/>
             </a:bodyPr>
             <a:lstStyle/>
             <a:p>
-              <a:pPr indent="0" lvl="0" marL="0" rtl="0" algn="l">
+              <a:pPr marL="0" lvl="0" indent="0" algn="l" rtl="0">
                 <a:spcBef>
                   <a:spcPts val="0"/>
                 </a:spcBef>
@@ -3262,9 +3232,6 @@
                 </a:spcAft>
                 <a:buNone/>
               </a:pPr>
-              <a:r>
-                <a:t/>
-              </a:r>
               <a:endParaRPr/>
             </a:p>
           </p:txBody>
@@ -3282,7 +3249,7 @@
             </a:xfrm>
             <a:prstGeom prst="parallelogram">
               <a:avLst>
-                <a:gd fmla="val 158024" name="adj"/>
+                <a:gd name="adj" fmla="val 158024"/>
               </a:avLst>
             </a:prstGeom>
             <a:solidFill>
@@ -3293,12 +3260,12 @@
             </a:ln>
           </p:spPr>
           <p:txBody>
-            <a:bodyPr anchorCtr="0" anchor="ctr" bIns="91425" lIns="91425" spcFirstLastPara="1" rIns="91425" wrap="square" tIns="91425">
+            <a:bodyPr spcFirstLastPara="1" wrap="square" lIns="91425" tIns="91425" rIns="91425" bIns="91425" anchor="ctr" anchorCtr="0">
               <a:noAutofit/>
             </a:bodyPr>
             <a:lstStyle/>
             <a:p>
-              <a:pPr indent="0" lvl="0" marL="0" rtl="0" algn="l">
+              <a:pPr marL="0" lvl="0" indent="0" algn="l" rtl="0">
                 <a:spcBef>
                   <a:spcPts val="0"/>
                 </a:spcBef>
@@ -3307,9 +3274,6 @@
                 </a:spcAft>
                 <a:buNone/>
               </a:pPr>
-              <a:r>
-                <a:t/>
-              </a:r>
               <a:endParaRPr/>
             </a:p>
           </p:txBody>
@@ -3327,7 +3291,7 @@
             </a:xfrm>
             <a:prstGeom prst="parallelogram">
               <a:avLst>
-                <a:gd fmla="val 158024" name="adj"/>
+                <a:gd name="adj" fmla="val 158024"/>
               </a:avLst>
             </a:prstGeom>
             <a:solidFill>
@@ -3338,12 +3302,12 @@
             </a:ln>
           </p:spPr>
           <p:txBody>
-            <a:bodyPr anchorCtr="0" anchor="ctr" bIns="91425" lIns="91425" spcFirstLastPara="1" rIns="91425" wrap="square" tIns="91425">
+            <a:bodyPr spcFirstLastPara="1" wrap="square" lIns="91425" tIns="91425" rIns="91425" bIns="91425" anchor="ctr" anchorCtr="0">
               <a:noAutofit/>
             </a:bodyPr>
             <a:lstStyle/>
             <a:p>
-              <a:pPr indent="0" lvl="0" marL="0" rtl="0" algn="l">
+              <a:pPr marL="0" lvl="0" indent="0" algn="l" rtl="0">
                 <a:spcBef>
                   <a:spcPts val="0"/>
                 </a:spcBef>
@@ -3352,9 +3316,6 @@
                 </a:spcAft>
                 <a:buNone/>
               </a:pPr>
-              <a:r>
-                <a:t/>
-              </a:r>
               <a:endParaRPr/>
             </a:p>
           </p:txBody>
@@ -3387,7 +3348,7 @@
             </a:xfrm>
             <a:prstGeom prst="parallelogram">
               <a:avLst>
-                <a:gd fmla="val 158024" name="adj"/>
+                <a:gd name="adj" fmla="val 158024"/>
               </a:avLst>
             </a:prstGeom>
             <a:solidFill>
@@ -3398,12 +3359,12 @@
             </a:ln>
           </p:spPr>
           <p:txBody>
-            <a:bodyPr anchorCtr="0" anchor="ctr" bIns="91425" lIns="91425" spcFirstLastPara="1" rIns="91425" wrap="square" tIns="91425">
+            <a:bodyPr spcFirstLastPara="1" wrap="square" lIns="91425" tIns="91425" rIns="91425" bIns="91425" anchor="ctr" anchorCtr="0">
               <a:noAutofit/>
             </a:bodyPr>
             <a:lstStyle/>
             <a:p>
-              <a:pPr indent="0" lvl="0" marL="0" rtl="0" algn="l">
+              <a:pPr marL="0" lvl="0" indent="0" algn="l" rtl="0">
                 <a:spcBef>
                   <a:spcPts val="0"/>
                 </a:spcBef>
@@ -3412,9 +3373,6 @@
                 </a:spcAft>
                 <a:buNone/>
               </a:pPr>
-              <a:r>
-                <a:t/>
-              </a:r>
               <a:endParaRPr/>
             </a:p>
           </p:txBody>
@@ -3432,7 +3390,7 @@
             </a:xfrm>
             <a:prstGeom prst="parallelogram">
               <a:avLst>
-                <a:gd fmla="val 158024" name="adj"/>
+                <a:gd name="adj" fmla="val 158024"/>
               </a:avLst>
             </a:prstGeom>
             <a:solidFill>
@@ -3443,12 +3401,12 @@
             </a:ln>
           </p:spPr>
           <p:txBody>
-            <a:bodyPr anchorCtr="0" anchor="ctr" bIns="91425" lIns="91425" spcFirstLastPara="1" rIns="91425" wrap="square" tIns="91425">
+            <a:bodyPr spcFirstLastPara="1" wrap="square" lIns="91425" tIns="91425" rIns="91425" bIns="91425" anchor="ctr" anchorCtr="0">
               <a:noAutofit/>
             </a:bodyPr>
             <a:lstStyle/>
             <a:p>
-              <a:pPr indent="0" lvl="0" marL="0" rtl="0" algn="l">
+              <a:pPr marL="0" lvl="0" indent="0" algn="l" rtl="0">
                 <a:spcBef>
                   <a:spcPts val="0"/>
                 </a:spcBef>
@@ -3457,9 +3415,6 @@
                 </a:spcAft>
                 <a:buNone/>
               </a:pPr>
-              <a:r>
-                <a:t/>
-              </a:r>
               <a:endParaRPr/>
             </a:p>
           </p:txBody>
@@ -3477,7 +3432,7 @@
             </a:xfrm>
             <a:prstGeom prst="parallelogram">
               <a:avLst>
-                <a:gd fmla="val 158024" name="adj"/>
+                <a:gd name="adj" fmla="val 158024"/>
               </a:avLst>
             </a:prstGeom>
             <a:solidFill>
@@ -3488,12 +3443,12 @@
             </a:ln>
           </p:spPr>
           <p:txBody>
-            <a:bodyPr anchorCtr="0" anchor="ctr" bIns="91425" lIns="91425" spcFirstLastPara="1" rIns="91425" wrap="square" tIns="91425">
+            <a:bodyPr spcFirstLastPara="1" wrap="square" lIns="91425" tIns="91425" rIns="91425" bIns="91425" anchor="ctr" anchorCtr="0">
               <a:noAutofit/>
             </a:bodyPr>
             <a:lstStyle/>
             <a:p>
-              <a:pPr indent="0" lvl="0" marL="0" rtl="0" algn="l">
+              <a:pPr marL="0" lvl="0" indent="0" algn="l" rtl="0">
                 <a:spcBef>
                   <a:spcPts val="0"/>
                 </a:spcBef>
@@ -3502,9 +3457,6 @@
                 </a:spcAft>
                 <a:buNone/>
               </a:pPr>
-              <a:r>
-                <a:t/>
-              </a:r>
               <a:endParaRPr/>
             </a:p>
           </p:txBody>
@@ -3513,7 +3465,9 @@
       <p:sp>
         <p:nvSpPr>
           <p:cNvPr id="47" name="Google Shape;47;p3"/>
-          <p:cNvSpPr txBox="1"/>
+          <p:cNvSpPr txBox="1">
+            <a:spLocks noGrp="1"/>
+          </p:cNvSpPr>
           <p:nvPr>
             <p:ph type="title"/>
           </p:nvPr>
@@ -3528,7 +3482,7 @@
           </a:prstGeom>
         </p:spPr>
         <p:txBody>
-          <a:bodyPr anchorCtr="0" anchor="ctr" bIns="91425" lIns="91425" spcFirstLastPara="1" rIns="91425" wrap="square" tIns="91425">
+          <a:bodyPr spcFirstLastPara="1" wrap="square" lIns="91425" tIns="91425" rIns="91425" bIns="91425" anchor="ctr" anchorCtr="0">
             <a:normAutofit/>
           </a:bodyPr>
           <a:lstStyle>
@@ -3695,15 +3649,19 @@
               </a:defRPr>
             </a:lvl9pPr>
           </a:lstStyle>
-          <a:p/>
+          <a:p>
+            <a:endParaRPr/>
+          </a:p>
         </p:txBody>
       </p:sp>
       <p:sp>
         <p:nvSpPr>
           <p:cNvPr id="48" name="Google Shape;48;p3"/>
-          <p:cNvSpPr txBox="1"/>
+          <p:cNvSpPr txBox="1">
+            <a:spLocks noGrp="1"/>
+          </p:cNvSpPr>
           <p:nvPr>
-            <p:ph idx="12" type="sldNum"/>
+            <p:ph type="sldNum" idx="12"/>
           </p:nvPr>
         </p:nvSpPr>
         <p:spPr>
@@ -3716,7 +3674,7 @@
           </a:prstGeom>
         </p:spPr>
         <p:txBody>
-          <a:bodyPr anchorCtr="0" anchor="ctr" bIns="91425" lIns="91425" spcFirstLastPara="1" rIns="91425" wrap="square" tIns="91425">
+          <a:bodyPr spcFirstLastPara="1" wrap="square" lIns="91425" tIns="91425" rIns="91425" bIns="91425" anchor="ctr" anchorCtr="0">
             <a:normAutofit/>
           </a:bodyPr>
           <a:lstStyle>
@@ -3758,7 +3716,7 @@
             </a:lvl9pPr>
           </a:lstStyle>
           <a:p>
-            <a:pPr indent="0" lvl="0" marL="0" rtl="0" algn="r">
+            <a:pPr marL="0" lvl="0" indent="0" algn="r" rtl="0">
               <a:spcBef>
                 <a:spcPts val="0"/>
               </a:spcBef>
@@ -3784,18 +3742,19 @@
 </file>
 
 <file path=ppt/slideLayouts/slideLayout3.xml><?xml version="1.0" encoding="utf-8"?>
-<p:sldLayout xmlns:a="http://schemas.openxmlformats.org/drawingml/2006/main" xmlns:r="http://schemas.openxmlformats.org/officeDocument/2006/relationships" xmlns:mc="http://schemas.openxmlformats.org/markup-compatibility/2006" xmlns:mv="urn:schemas-microsoft-com:mac:vml" xmlns:p="http://schemas.openxmlformats.org/presentationml/2006/main" xmlns:c="http://schemas.openxmlformats.org/drawingml/2006/chart" xmlns:dgm="http://schemas.openxmlformats.org/drawingml/2006/diagram" xmlns:o="urn:schemas-microsoft-com:office:office" xmlns:v="urn:schemas-microsoft-com:vml" xmlns:pvml="urn:schemas-microsoft-com:office:powerpoint" xmlns:com="http://schemas.openxmlformats.org/drawingml/2006/compatibility" xmlns:p14="http://schemas.microsoft.com/office/powerpoint/2010/main" xmlns:p15="http://schemas.microsoft.com/office/powerpoint/2012/main" xmlns:ahyp="http://schemas.microsoft.com/office/drawing/2018/hyperlinkcolor" matchingName="Title and body" type="tx">
+<p:sldLayout xmlns:a="http://schemas.openxmlformats.org/drawingml/2006/main" xmlns:r="http://schemas.openxmlformats.org/officeDocument/2006/relationships" xmlns:p="http://schemas.openxmlformats.org/presentationml/2006/main" matchingName="Title and body" type="tx">
   <p:cSld name="TITLE_AND_BODY">
     <p:bg>
       <p:bgPr>
         <a:solidFill>
           <a:schemeClr val="dk2"/>
         </a:solidFill>
+        <a:effectLst/>
       </p:bgPr>
     </p:bg>
     <p:spTree>
       <p:nvGrpSpPr>
-        <p:cNvPr id="49" name="Shape 49"/>
+        <p:cNvPr id="1" name="Shape 49"/>
         <p:cNvGrpSpPr/>
         <p:nvPr/>
       </p:nvGrpSpPr>
@@ -3829,12 +3788,12 @@
           </a:ln>
         </p:spPr>
         <p:txBody>
-          <a:bodyPr anchorCtr="0" anchor="ctr" bIns="91425" lIns="91425" spcFirstLastPara="1" rIns="91425" wrap="square" tIns="91425">
+          <a:bodyPr spcFirstLastPara="1" wrap="square" lIns="91425" tIns="91425" rIns="91425" bIns="91425" anchor="ctr" anchorCtr="0">
             <a:noAutofit/>
           </a:bodyPr>
           <a:lstStyle/>
           <a:p>
-            <a:pPr indent="0" lvl="0" marL="0" rtl="0" algn="l">
+            <a:pPr marL="0" lvl="0" indent="0" algn="l" rtl="0">
               <a:spcBef>
                 <a:spcPts val="0"/>
               </a:spcBef>
@@ -3843,9 +3802,6 @@
               </a:spcAft>
               <a:buNone/>
             </a:pPr>
-            <a:r>
-              <a:t/>
-            </a:r>
             <a:endParaRPr/>
           </a:p>
         </p:txBody>
@@ -3872,12 +3828,12 @@
           </a:ln>
         </p:spPr>
         <p:txBody>
-          <a:bodyPr anchorCtr="0" anchor="ctr" bIns="91425" lIns="91425" spcFirstLastPara="1" rIns="91425" wrap="square" tIns="91425">
+          <a:bodyPr spcFirstLastPara="1" wrap="square" lIns="91425" tIns="91425" rIns="91425" bIns="91425" anchor="ctr" anchorCtr="0">
             <a:noAutofit/>
           </a:bodyPr>
           <a:lstStyle/>
           <a:p>
-            <a:pPr indent="0" lvl="0" marL="0" rtl="0" algn="l">
+            <a:pPr marL="0" lvl="0" indent="0" algn="l" rtl="0">
               <a:spcBef>
                 <a:spcPts val="0"/>
               </a:spcBef>
@@ -3886,9 +3842,6 @@
               </a:spcAft>
               <a:buNone/>
             </a:pPr>
-            <a:r>
-              <a:t/>
-            </a:r>
             <a:endParaRPr/>
           </a:p>
         </p:txBody>
@@ -3914,7 +3867,7 @@
             <a:noFill/>
           </a:ln>
           <a:effectLst>
-            <a:outerShdw blurRad="228600" sx="101000" rotWithShape="0" algn="ctr" sy="101000">
+            <a:outerShdw blurRad="228600" sx="101000" sy="101000" algn="ctr" rotWithShape="0">
               <a:srgbClr val="000000">
                 <a:alpha val="40000"/>
               </a:srgbClr>
@@ -3922,12 +3875,12 @@
           </a:effectLst>
         </p:spPr>
         <p:txBody>
-          <a:bodyPr anchorCtr="0" anchor="ctr" bIns="91425" lIns="91425" spcFirstLastPara="1" rIns="91425" wrap="square" tIns="91425">
+          <a:bodyPr spcFirstLastPara="1" wrap="square" lIns="91425" tIns="91425" rIns="91425" bIns="91425" anchor="ctr" anchorCtr="0">
             <a:noAutofit/>
           </a:bodyPr>
           <a:lstStyle/>
           <a:p>
-            <a:pPr indent="0" lvl="0" marL="0" rtl="0" algn="l">
+            <a:pPr marL="0" lvl="0" indent="0" algn="l" rtl="0">
               <a:spcBef>
                 <a:spcPts val="0"/>
               </a:spcBef>
@@ -3936,9 +3889,6 @@
               </a:spcAft>
               <a:buNone/>
             </a:pPr>
-            <a:r>
-              <a:t/>
-            </a:r>
             <a:endParaRPr/>
           </a:p>
         </p:txBody>
@@ -3946,7 +3896,9 @@
       <p:sp>
         <p:nvSpPr>
           <p:cNvPr id="53" name="Google Shape;53;p4"/>
-          <p:cNvSpPr txBox="1"/>
+          <p:cNvSpPr txBox="1">
+            <a:spLocks noGrp="1"/>
+          </p:cNvSpPr>
           <p:nvPr>
             <p:ph type="title"/>
           </p:nvPr>
@@ -3961,7 +3913,7 @@
           </a:prstGeom>
         </p:spPr>
         <p:txBody>
-          <a:bodyPr anchorCtr="0" anchor="t" bIns="91425" lIns="91425" spcFirstLastPara="1" rIns="91425" wrap="square" tIns="91425">
+          <a:bodyPr spcFirstLastPara="1" wrap="square" lIns="91425" tIns="91425" rIns="91425" bIns="91425" anchor="t" anchorCtr="0">
             <a:normAutofit/>
           </a:bodyPr>
           <a:lstStyle>
@@ -4065,15 +4017,19 @@
               <a:defRPr sz="3000"/>
             </a:lvl9pPr>
           </a:lstStyle>
-          <a:p/>
+          <a:p>
+            <a:endParaRPr/>
+          </a:p>
         </p:txBody>
       </p:sp>
       <p:sp>
         <p:nvSpPr>
           <p:cNvPr id="54" name="Google Shape;54;p4"/>
-          <p:cNvSpPr txBox="1"/>
+          <p:cNvSpPr txBox="1">
+            <a:spLocks noGrp="1"/>
+          </p:cNvSpPr>
           <p:nvPr>
-            <p:ph idx="1" type="body"/>
+            <p:ph type="body" idx="1"/>
           </p:nvPr>
         </p:nvSpPr>
         <p:spPr>
@@ -4086,11 +4042,11 @@
           </a:prstGeom>
         </p:spPr>
         <p:txBody>
-          <a:bodyPr anchorCtr="0" anchor="t" bIns="91425" lIns="91425" spcFirstLastPara="1" rIns="91425" wrap="square" tIns="91425">
+          <a:bodyPr spcFirstLastPara="1" wrap="square" lIns="91425" tIns="91425" rIns="91425" bIns="91425" anchor="t" anchorCtr="0">
             <a:normAutofit/>
           </a:bodyPr>
           <a:lstStyle>
-            <a:lvl1pPr indent="-311150" lvl="0" marL="457200">
+            <a:lvl1pPr marL="457200" lvl="0" indent="-311150">
               <a:spcBef>
                 <a:spcPts val="0"/>
               </a:spcBef>
@@ -4101,7 +4057,7 @@
               <a:buChar char="●"/>
               <a:defRPr/>
             </a:lvl1pPr>
-            <a:lvl2pPr indent="-298450" lvl="1" marL="914400">
+            <a:lvl2pPr marL="914400" lvl="1" indent="-298450">
               <a:spcBef>
                 <a:spcPts val="0"/>
               </a:spcBef>
@@ -4112,7 +4068,7 @@
               <a:buChar char="○"/>
               <a:defRPr/>
             </a:lvl2pPr>
-            <a:lvl3pPr indent="-298450" lvl="2" marL="1371600">
+            <a:lvl3pPr marL="1371600" lvl="2" indent="-298450">
               <a:spcBef>
                 <a:spcPts val="0"/>
               </a:spcBef>
@@ -4123,7 +4079,7 @@
               <a:buChar char="■"/>
               <a:defRPr/>
             </a:lvl3pPr>
-            <a:lvl4pPr indent="-298450" lvl="3" marL="1828800">
+            <a:lvl4pPr marL="1828800" lvl="3" indent="-298450">
               <a:spcBef>
                 <a:spcPts val="0"/>
               </a:spcBef>
@@ -4134,7 +4090,7 @@
               <a:buChar char="●"/>
               <a:defRPr/>
             </a:lvl4pPr>
-            <a:lvl5pPr indent="-298450" lvl="4" marL="2286000">
+            <a:lvl5pPr marL="2286000" lvl="4" indent="-298450">
               <a:spcBef>
                 <a:spcPts val="0"/>
               </a:spcBef>
@@ -4145,7 +4101,7 @@
               <a:buChar char="○"/>
               <a:defRPr/>
             </a:lvl5pPr>
-            <a:lvl6pPr indent="-298450" lvl="5" marL="2743200">
+            <a:lvl6pPr marL="2743200" lvl="5" indent="-298450">
               <a:spcBef>
                 <a:spcPts val="0"/>
               </a:spcBef>
@@ -4156,7 +4112,7 @@
               <a:buChar char="■"/>
               <a:defRPr/>
             </a:lvl6pPr>
-            <a:lvl7pPr indent="-298450" lvl="6" marL="3200400">
+            <a:lvl7pPr marL="3200400" lvl="6" indent="-298450">
               <a:spcBef>
                 <a:spcPts val="0"/>
               </a:spcBef>
@@ -4167,7 +4123,7 @@
               <a:buChar char="●"/>
               <a:defRPr/>
             </a:lvl7pPr>
-            <a:lvl8pPr indent="-298450" lvl="7" marL="3657600">
+            <a:lvl8pPr marL="3657600" lvl="7" indent="-298450">
               <a:spcBef>
                 <a:spcPts val="0"/>
               </a:spcBef>
@@ -4178,7 +4134,7 @@
               <a:buChar char="○"/>
               <a:defRPr/>
             </a:lvl8pPr>
-            <a:lvl9pPr indent="-298450" lvl="8" marL="4114800">
+            <a:lvl9pPr marL="4114800" lvl="8" indent="-298450">
               <a:spcBef>
                 <a:spcPts val="0"/>
               </a:spcBef>
@@ -4190,15 +4146,19 @@
               <a:defRPr/>
             </a:lvl9pPr>
           </a:lstStyle>
-          <a:p/>
+          <a:p>
+            <a:endParaRPr/>
+          </a:p>
         </p:txBody>
       </p:sp>
       <p:sp>
         <p:nvSpPr>
           <p:cNvPr id="55" name="Google Shape;55;p4"/>
-          <p:cNvSpPr txBox="1"/>
+          <p:cNvSpPr txBox="1">
+            <a:spLocks noGrp="1"/>
+          </p:cNvSpPr>
           <p:nvPr>
-            <p:ph idx="12" type="sldNum"/>
+            <p:ph type="sldNum" idx="12"/>
           </p:nvPr>
         </p:nvSpPr>
         <p:spPr>
@@ -4211,7 +4171,7 @@
           </a:prstGeom>
         </p:spPr>
         <p:txBody>
-          <a:bodyPr anchorCtr="0" anchor="ctr" bIns="91425" lIns="91425" spcFirstLastPara="1" rIns="91425" wrap="square" tIns="91425">
+          <a:bodyPr spcFirstLastPara="1" wrap="square" lIns="91425" tIns="91425" rIns="91425" bIns="91425" anchor="ctr" anchorCtr="0">
             <a:normAutofit/>
           </a:bodyPr>
           <a:lstStyle>
@@ -4253,7 +4213,7 @@
             </a:lvl9pPr>
           </a:lstStyle>
           <a:p>
-            <a:pPr indent="0" lvl="0" marL="0" rtl="0" algn="r">
+            <a:pPr marL="0" lvl="0" indent="0" algn="r" rtl="0">
               <a:spcBef>
                 <a:spcPts val="0"/>
               </a:spcBef>
@@ -4279,18 +4239,19 @@
 </file>
 
 <file path=ppt/slideLayouts/slideLayout4.xml><?xml version="1.0" encoding="utf-8"?>
-<p:sldLayout xmlns:a="http://schemas.openxmlformats.org/drawingml/2006/main" xmlns:r="http://schemas.openxmlformats.org/officeDocument/2006/relationships" xmlns:mc="http://schemas.openxmlformats.org/markup-compatibility/2006" xmlns:mv="urn:schemas-microsoft-com:mac:vml" xmlns:p="http://schemas.openxmlformats.org/presentationml/2006/main" xmlns:c="http://schemas.openxmlformats.org/drawingml/2006/chart" xmlns:dgm="http://schemas.openxmlformats.org/drawingml/2006/diagram" xmlns:o="urn:schemas-microsoft-com:office:office" xmlns:v="urn:schemas-microsoft-com:vml" xmlns:pvml="urn:schemas-microsoft-com:office:powerpoint" xmlns:com="http://schemas.openxmlformats.org/drawingml/2006/compatibility" xmlns:p14="http://schemas.microsoft.com/office/powerpoint/2010/main" xmlns:p15="http://schemas.microsoft.com/office/powerpoint/2012/main" xmlns:ahyp="http://schemas.microsoft.com/office/drawing/2018/hyperlinkcolor" matchingName="Title and two columns" type="twoColTx">
+<p:sldLayout xmlns:a="http://schemas.openxmlformats.org/drawingml/2006/main" xmlns:r="http://schemas.openxmlformats.org/officeDocument/2006/relationships" xmlns:p="http://schemas.openxmlformats.org/presentationml/2006/main" matchingName="Title and two columns" type="twoColTx">
   <p:cSld name="TITLE_AND_TWO_COLUMNS">
     <p:bg>
       <p:bgPr>
         <a:solidFill>
           <a:schemeClr val="dk2"/>
         </a:solidFill>
+        <a:effectLst/>
       </p:bgPr>
     </p:bg>
     <p:spTree>
       <p:nvGrpSpPr>
-        <p:cNvPr id="56" name="Shape 56"/>
+        <p:cNvPr id="1" name="Shape 56"/>
         <p:cNvGrpSpPr/>
         <p:nvPr/>
       </p:nvGrpSpPr>
@@ -4324,12 +4285,12 @@
           </a:ln>
         </p:spPr>
         <p:txBody>
-          <a:bodyPr anchorCtr="0" anchor="ctr" bIns="91425" lIns="91425" spcFirstLastPara="1" rIns="91425" wrap="square" tIns="91425">
+          <a:bodyPr spcFirstLastPara="1" wrap="square" lIns="91425" tIns="91425" rIns="91425" bIns="91425" anchor="ctr" anchorCtr="0">
             <a:noAutofit/>
           </a:bodyPr>
           <a:lstStyle/>
           <a:p>
-            <a:pPr indent="0" lvl="0" marL="0" rtl="0" algn="l">
+            <a:pPr marL="0" lvl="0" indent="0" algn="l" rtl="0">
               <a:spcBef>
                 <a:spcPts val="0"/>
               </a:spcBef>
@@ -4338,9 +4299,6 @@
               </a:spcAft>
               <a:buNone/>
             </a:pPr>
-            <a:r>
-              <a:t/>
-            </a:r>
             <a:endParaRPr/>
           </a:p>
         </p:txBody>
@@ -4367,12 +4325,12 @@
           </a:ln>
         </p:spPr>
         <p:txBody>
-          <a:bodyPr anchorCtr="0" anchor="ctr" bIns="91425" lIns="91425" spcFirstLastPara="1" rIns="91425" wrap="square" tIns="91425">
+          <a:bodyPr spcFirstLastPara="1" wrap="square" lIns="91425" tIns="91425" rIns="91425" bIns="91425" anchor="ctr" anchorCtr="0">
             <a:noAutofit/>
           </a:bodyPr>
           <a:lstStyle/>
           <a:p>
-            <a:pPr indent="0" lvl="0" marL="0" rtl="0" algn="l">
+            <a:pPr marL="0" lvl="0" indent="0" algn="l" rtl="0">
               <a:spcBef>
                 <a:spcPts val="0"/>
               </a:spcBef>
@@ -4381,9 +4339,6 @@
               </a:spcAft>
               <a:buNone/>
             </a:pPr>
-            <a:r>
-              <a:t/>
-            </a:r>
             <a:endParaRPr/>
           </a:p>
         </p:txBody>
@@ -4409,7 +4364,7 @@
             <a:noFill/>
           </a:ln>
           <a:effectLst>
-            <a:outerShdw blurRad="228600" sx="101000" rotWithShape="0" algn="ctr" sy="101000">
+            <a:outerShdw blurRad="228600" sx="101000" sy="101000" algn="ctr" rotWithShape="0">
               <a:srgbClr val="000000">
                 <a:alpha val="40000"/>
               </a:srgbClr>
@@ -4417,12 +4372,12 @@
           </a:effectLst>
         </p:spPr>
         <p:txBody>
-          <a:bodyPr anchorCtr="0" anchor="ctr" bIns="91425" lIns="91425" spcFirstLastPara="1" rIns="91425" wrap="square" tIns="91425">
+          <a:bodyPr spcFirstLastPara="1" wrap="square" lIns="91425" tIns="91425" rIns="91425" bIns="91425" anchor="ctr" anchorCtr="0">
             <a:noAutofit/>
           </a:bodyPr>
           <a:lstStyle/>
           <a:p>
-            <a:pPr indent="0" lvl="0" marL="0" rtl="0" algn="l">
+            <a:pPr marL="0" lvl="0" indent="0" algn="l" rtl="0">
               <a:spcBef>
                 <a:spcPts val="0"/>
               </a:spcBef>
@@ -4431,9 +4386,6 @@
               </a:spcAft>
               <a:buNone/>
             </a:pPr>
-            <a:r>
-              <a:t/>
-            </a:r>
             <a:endParaRPr/>
           </a:p>
         </p:txBody>
@@ -4441,7 +4393,9 @@
       <p:sp>
         <p:nvSpPr>
           <p:cNvPr id="60" name="Google Shape;60;p5"/>
-          <p:cNvSpPr txBox="1"/>
+          <p:cNvSpPr txBox="1">
+            <a:spLocks noGrp="1"/>
+          </p:cNvSpPr>
           <p:nvPr>
             <p:ph type="title"/>
           </p:nvPr>
@@ -4456,7 +4410,7 @@
           </a:prstGeom>
         </p:spPr>
         <p:txBody>
-          <a:bodyPr anchorCtr="0" anchor="t" bIns="91425" lIns="91425" spcFirstLastPara="1" rIns="91425" wrap="square" tIns="91425">
+          <a:bodyPr spcFirstLastPara="1" wrap="square" lIns="91425" tIns="91425" rIns="91425" bIns="91425" anchor="t" anchorCtr="0">
             <a:normAutofit/>
           </a:bodyPr>
           <a:lstStyle>
@@ -4560,15 +4514,19 @@
               <a:defRPr sz="3000"/>
             </a:lvl9pPr>
           </a:lstStyle>
-          <a:p/>
+          <a:p>
+            <a:endParaRPr/>
+          </a:p>
         </p:txBody>
       </p:sp>
       <p:sp>
         <p:nvSpPr>
           <p:cNvPr id="61" name="Google Shape;61;p5"/>
-          <p:cNvSpPr txBox="1"/>
+          <p:cNvSpPr txBox="1">
+            <a:spLocks noGrp="1"/>
+          </p:cNvSpPr>
           <p:nvPr>
-            <p:ph idx="1" type="body"/>
+            <p:ph type="body" idx="1"/>
           </p:nvPr>
         </p:nvSpPr>
         <p:spPr>
@@ -4581,11 +4539,11 @@
           </a:prstGeom>
         </p:spPr>
         <p:txBody>
-          <a:bodyPr anchorCtr="0" anchor="t" bIns="91425" lIns="91425" spcFirstLastPara="1" rIns="91425" wrap="square" tIns="91425">
+          <a:bodyPr spcFirstLastPara="1" wrap="square" lIns="91425" tIns="91425" rIns="91425" bIns="91425" anchor="t" anchorCtr="0">
             <a:normAutofit/>
           </a:bodyPr>
           <a:lstStyle>
-            <a:lvl1pPr indent="-311150" lvl="0" marL="457200">
+            <a:lvl1pPr marL="457200" lvl="0" indent="-311150">
               <a:spcBef>
                 <a:spcPts val="0"/>
               </a:spcBef>
@@ -4596,7 +4554,7 @@
               <a:buChar char="●"/>
               <a:defRPr/>
             </a:lvl1pPr>
-            <a:lvl2pPr indent="-298450" lvl="1" marL="914400">
+            <a:lvl2pPr marL="914400" lvl="1" indent="-298450">
               <a:spcBef>
                 <a:spcPts val="0"/>
               </a:spcBef>
@@ -4607,7 +4565,7 @@
               <a:buChar char="○"/>
               <a:defRPr/>
             </a:lvl2pPr>
-            <a:lvl3pPr indent="-298450" lvl="2" marL="1371600">
+            <a:lvl3pPr marL="1371600" lvl="2" indent="-298450">
               <a:spcBef>
                 <a:spcPts val="0"/>
               </a:spcBef>
@@ -4618,7 +4576,7 @@
               <a:buChar char="■"/>
               <a:defRPr/>
             </a:lvl3pPr>
-            <a:lvl4pPr indent="-298450" lvl="3" marL="1828800">
+            <a:lvl4pPr marL="1828800" lvl="3" indent="-298450">
               <a:spcBef>
                 <a:spcPts val="0"/>
               </a:spcBef>
@@ -4629,7 +4587,7 @@
               <a:buChar char="●"/>
               <a:defRPr/>
             </a:lvl4pPr>
-            <a:lvl5pPr indent="-298450" lvl="4" marL="2286000">
+            <a:lvl5pPr marL="2286000" lvl="4" indent="-298450">
               <a:spcBef>
                 <a:spcPts val="0"/>
               </a:spcBef>
@@ -4640,7 +4598,7 @@
               <a:buChar char="○"/>
               <a:defRPr/>
             </a:lvl5pPr>
-            <a:lvl6pPr indent="-298450" lvl="5" marL="2743200">
+            <a:lvl6pPr marL="2743200" lvl="5" indent="-298450">
               <a:spcBef>
                 <a:spcPts val="0"/>
               </a:spcBef>
@@ -4651,7 +4609,7 @@
               <a:buChar char="■"/>
               <a:defRPr/>
             </a:lvl6pPr>
-            <a:lvl7pPr indent="-298450" lvl="6" marL="3200400">
+            <a:lvl7pPr marL="3200400" lvl="6" indent="-298450">
               <a:spcBef>
                 <a:spcPts val="0"/>
               </a:spcBef>
@@ -4662,7 +4620,7 @@
               <a:buChar char="●"/>
               <a:defRPr/>
             </a:lvl7pPr>
-            <a:lvl8pPr indent="-298450" lvl="7" marL="3657600">
+            <a:lvl8pPr marL="3657600" lvl="7" indent="-298450">
               <a:spcBef>
                 <a:spcPts val="0"/>
               </a:spcBef>
@@ -4673,7 +4631,7 @@
               <a:buChar char="○"/>
               <a:defRPr/>
             </a:lvl8pPr>
-            <a:lvl9pPr indent="-298450" lvl="8" marL="4114800">
+            <a:lvl9pPr marL="4114800" lvl="8" indent="-298450">
               <a:spcBef>
                 <a:spcPts val="0"/>
               </a:spcBef>
@@ -4685,15 +4643,19 @@
               <a:defRPr/>
             </a:lvl9pPr>
           </a:lstStyle>
-          <a:p/>
+          <a:p>
+            <a:endParaRPr/>
+          </a:p>
         </p:txBody>
       </p:sp>
       <p:sp>
         <p:nvSpPr>
           <p:cNvPr id="62" name="Google Shape;62;p5"/>
-          <p:cNvSpPr txBox="1"/>
+          <p:cNvSpPr txBox="1">
+            <a:spLocks noGrp="1"/>
+          </p:cNvSpPr>
           <p:nvPr>
-            <p:ph idx="2" type="body"/>
+            <p:ph type="body" idx="2"/>
           </p:nvPr>
         </p:nvSpPr>
         <p:spPr>
@@ -4706,11 +4668,11 @@
           </a:prstGeom>
         </p:spPr>
         <p:txBody>
-          <a:bodyPr anchorCtr="0" anchor="t" bIns="91425" lIns="91425" spcFirstLastPara="1" rIns="91425" wrap="square" tIns="91425">
+          <a:bodyPr spcFirstLastPara="1" wrap="square" lIns="91425" tIns="91425" rIns="91425" bIns="91425" anchor="t" anchorCtr="0">
             <a:normAutofit/>
           </a:bodyPr>
           <a:lstStyle>
-            <a:lvl1pPr indent="-311150" lvl="0" marL="457200">
+            <a:lvl1pPr marL="457200" lvl="0" indent="-311150">
               <a:spcBef>
                 <a:spcPts val="0"/>
               </a:spcBef>
@@ -4721,7 +4683,7 @@
               <a:buChar char="●"/>
               <a:defRPr/>
             </a:lvl1pPr>
-            <a:lvl2pPr indent="-298450" lvl="1" marL="914400">
+            <a:lvl2pPr marL="914400" lvl="1" indent="-298450">
               <a:spcBef>
                 <a:spcPts val="0"/>
               </a:spcBef>
@@ -4732,7 +4694,7 @@
               <a:buChar char="○"/>
               <a:defRPr/>
             </a:lvl2pPr>
-            <a:lvl3pPr indent="-298450" lvl="2" marL="1371600">
+            <a:lvl3pPr marL="1371600" lvl="2" indent="-298450">
               <a:spcBef>
                 <a:spcPts val="0"/>
               </a:spcBef>
@@ -4743,7 +4705,7 @@
               <a:buChar char="■"/>
               <a:defRPr/>
             </a:lvl3pPr>
-            <a:lvl4pPr indent="-298450" lvl="3" marL="1828800">
+            <a:lvl4pPr marL="1828800" lvl="3" indent="-298450">
               <a:spcBef>
                 <a:spcPts val="0"/>
               </a:spcBef>
@@ -4754,7 +4716,7 @@
               <a:buChar char="●"/>
               <a:defRPr/>
             </a:lvl4pPr>
-            <a:lvl5pPr indent="-298450" lvl="4" marL="2286000">
+            <a:lvl5pPr marL="2286000" lvl="4" indent="-298450">
               <a:spcBef>
                 <a:spcPts val="0"/>
               </a:spcBef>
@@ -4765,7 +4727,7 @@
               <a:buChar char="○"/>
               <a:defRPr/>
             </a:lvl5pPr>
-            <a:lvl6pPr indent="-298450" lvl="5" marL="2743200">
+            <a:lvl6pPr marL="2743200" lvl="5" indent="-298450">
               <a:spcBef>
                 <a:spcPts val="0"/>
               </a:spcBef>
@@ -4776,7 +4738,7 @@
               <a:buChar char="■"/>
               <a:defRPr/>
             </a:lvl6pPr>
-            <a:lvl7pPr indent="-298450" lvl="6" marL="3200400">
+            <a:lvl7pPr marL="3200400" lvl="6" indent="-298450">
               <a:spcBef>
                 <a:spcPts val="0"/>
               </a:spcBef>
@@ -4787,7 +4749,7 @@
               <a:buChar char="●"/>
               <a:defRPr/>
             </a:lvl7pPr>
-            <a:lvl8pPr indent="-298450" lvl="7" marL="3657600">
+            <a:lvl8pPr marL="3657600" lvl="7" indent="-298450">
               <a:spcBef>
                 <a:spcPts val="0"/>
               </a:spcBef>
@@ -4798,7 +4760,7 @@
               <a:buChar char="○"/>
               <a:defRPr/>
             </a:lvl8pPr>
-            <a:lvl9pPr indent="-298450" lvl="8" marL="4114800">
+            <a:lvl9pPr marL="4114800" lvl="8" indent="-298450">
               <a:spcBef>
                 <a:spcPts val="0"/>
               </a:spcBef>
@@ -4810,15 +4772,19 @@
               <a:defRPr/>
             </a:lvl9pPr>
           </a:lstStyle>
-          <a:p/>
+          <a:p>
+            <a:endParaRPr/>
+          </a:p>
         </p:txBody>
       </p:sp>
       <p:sp>
         <p:nvSpPr>
           <p:cNvPr id="63" name="Google Shape;63;p5"/>
-          <p:cNvSpPr txBox="1"/>
+          <p:cNvSpPr txBox="1">
+            <a:spLocks noGrp="1"/>
+          </p:cNvSpPr>
           <p:nvPr>
-            <p:ph idx="12" type="sldNum"/>
+            <p:ph type="sldNum" idx="12"/>
           </p:nvPr>
         </p:nvSpPr>
         <p:spPr>
@@ -4831,7 +4797,7 @@
           </a:prstGeom>
         </p:spPr>
         <p:txBody>
-          <a:bodyPr anchorCtr="0" anchor="ctr" bIns="91425" lIns="91425" spcFirstLastPara="1" rIns="91425" wrap="square" tIns="91425">
+          <a:bodyPr spcFirstLastPara="1" wrap="square" lIns="91425" tIns="91425" rIns="91425" bIns="91425" anchor="ctr" anchorCtr="0">
             <a:normAutofit/>
           </a:bodyPr>
           <a:lstStyle>
@@ -4873,7 +4839,7 @@
             </a:lvl9pPr>
           </a:lstStyle>
           <a:p>
-            <a:pPr indent="0" lvl="0" marL="0" rtl="0" algn="r">
+            <a:pPr marL="0" lvl="0" indent="0" algn="r" rtl="0">
               <a:spcBef>
                 <a:spcPts val="0"/>
               </a:spcBef>
@@ -4899,18 +4865,19 @@
 </file>
 
 <file path=ppt/slideLayouts/slideLayout5.xml><?xml version="1.0" encoding="utf-8"?>
-<p:sldLayout xmlns:a="http://schemas.openxmlformats.org/drawingml/2006/main" xmlns:r="http://schemas.openxmlformats.org/officeDocument/2006/relationships" xmlns:mc="http://schemas.openxmlformats.org/markup-compatibility/2006" xmlns:mv="urn:schemas-microsoft-com:mac:vml" xmlns:p="http://schemas.openxmlformats.org/presentationml/2006/main" xmlns:c="http://schemas.openxmlformats.org/drawingml/2006/chart" xmlns:dgm="http://schemas.openxmlformats.org/drawingml/2006/diagram" xmlns:o="urn:schemas-microsoft-com:office:office" xmlns:v="urn:schemas-microsoft-com:vml" xmlns:pvml="urn:schemas-microsoft-com:office:powerpoint" xmlns:com="http://schemas.openxmlformats.org/drawingml/2006/compatibility" xmlns:p14="http://schemas.microsoft.com/office/powerpoint/2010/main" xmlns:p15="http://schemas.microsoft.com/office/powerpoint/2012/main" xmlns:ahyp="http://schemas.microsoft.com/office/drawing/2018/hyperlinkcolor" matchingName="Title only" type="titleOnly">
+<p:sldLayout xmlns:a="http://schemas.openxmlformats.org/drawingml/2006/main" xmlns:r="http://schemas.openxmlformats.org/officeDocument/2006/relationships" xmlns:p="http://schemas.openxmlformats.org/presentationml/2006/main" matchingName="Title only" type="titleOnly">
   <p:cSld name="TITLE_ONLY">
     <p:bg>
       <p:bgPr>
         <a:solidFill>
           <a:schemeClr val="dk2"/>
         </a:solidFill>
+        <a:effectLst/>
       </p:bgPr>
     </p:bg>
     <p:spTree>
       <p:nvGrpSpPr>
-        <p:cNvPr id="64" name="Shape 64"/>
+        <p:cNvPr id="1" name="Shape 64"/>
         <p:cNvGrpSpPr/>
         <p:nvPr/>
       </p:nvGrpSpPr>
@@ -4944,12 +4911,12 @@
           </a:ln>
         </p:spPr>
         <p:txBody>
-          <a:bodyPr anchorCtr="0" anchor="ctr" bIns="91425" lIns="91425" spcFirstLastPara="1" rIns="91425" wrap="square" tIns="91425">
+          <a:bodyPr spcFirstLastPara="1" wrap="square" lIns="91425" tIns="91425" rIns="91425" bIns="91425" anchor="ctr" anchorCtr="0">
             <a:noAutofit/>
           </a:bodyPr>
           <a:lstStyle/>
           <a:p>
-            <a:pPr indent="0" lvl="0" marL="0" rtl="0" algn="l">
+            <a:pPr marL="0" lvl="0" indent="0" algn="l" rtl="0">
               <a:spcBef>
                 <a:spcPts val="0"/>
               </a:spcBef>
@@ -4958,9 +4925,6 @@
               </a:spcAft>
               <a:buNone/>
             </a:pPr>
-            <a:r>
-              <a:t/>
-            </a:r>
             <a:endParaRPr/>
           </a:p>
         </p:txBody>
@@ -4987,12 +4951,12 @@
           </a:ln>
         </p:spPr>
         <p:txBody>
-          <a:bodyPr anchorCtr="0" anchor="ctr" bIns="91425" lIns="91425" spcFirstLastPara="1" rIns="91425" wrap="square" tIns="91425">
+          <a:bodyPr spcFirstLastPara="1" wrap="square" lIns="91425" tIns="91425" rIns="91425" bIns="91425" anchor="ctr" anchorCtr="0">
             <a:noAutofit/>
           </a:bodyPr>
           <a:lstStyle/>
           <a:p>
-            <a:pPr indent="0" lvl="0" marL="0" rtl="0" algn="l">
+            <a:pPr marL="0" lvl="0" indent="0" algn="l" rtl="0">
               <a:spcBef>
                 <a:spcPts val="0"/>
               </a:spcBef>
@@ -5001,9 +4965,6 @@
               </a:spcAft>
               <a:buNone/>
             </a:pPr>
-            <a:r>
-              <a:t/>
-            </a:r>
             <a:endParaRPr/>
           </a:p>
         </p:txBody>
@@ -5029,7 +4990,7 @@
             <a:noFill/>
           </a:ln>
           <a:effectLst>
-            <a:outerShdw blurRad="228600" sx="101000" rotWithShape="0" algn="ctr" sy="101000">
+            <a:outerShdw blurRad="228600" sx="101000" sy="101000" algn="ctr" rotWithShape="0">
               <a:srgbClr val="000000">
                 <a:alpha val="40000"/>
               </a:srgbClr>
@@ -5037,12 +4998,12 @@
           </a:effectLst>
         </p:spPr>
         <p:txBody>
-          <a:bodyPr anchorCtr="0" anchor="ctr" bIns="91425" lIns="91425" spcFirstLastPara="1" rIns="91425" wrap="square" tIns="91425">
+          <a:bodyPr spcFirstLastPara="1" wrap="square" lIns="91425" tIns="91425" rIns="91425" bIns="91425" anchor="ctr" anchorCtr="0">
             <a:noAutofit/>
           </a:bodyPr>
           <a:lstStyle/>
           <a:p>
-            <a:pPr indent="0" lvl="0" marL="0" rtl="0" algn="l">
+            <a:pPr marL="0" lvl="0" indent="0" algn="l" rtl="0">
               <a:spcBef>
                 <a:spcPts val="0"/>
               </a:spcBef>
@@ -5051,9 +5012,6 @@
               </a:spcAft>
               <a:buNone/>
             </a:pPr>
-            <a:r>
-              <a:t/>
-            </a:r>
             <a:endParaRPr/>
           </a:p>
         </p:txBody>
@@ -5061,7 +5019,9 @@
       <p:sp>
         <p:nvSpPr>
           <p:cNvPr id="68" name="Google Shape;68;p6"/>
-          <p:cNvSpPr txBox="1"/>
+          <p:cNvSpPr txBox="1">
+            <a:spLocks noGrp="1"/>
+          </p:cNvSpPr>
           <p:nvPr>
             <p:ph type="title"/>
           </p:nvPr>
@@ -5076,7 +5036,7 @@
           </a:prstGeom>
         </p:spPr>
         <p:txBody>
-          <a:bodyPr anchorCtr="0" anchor="t" bIns="91425" lIns="91425" spcFirstLastPara="1" rIns="91425" wrap="square" tIns="91425">
+          <a:bodyPr spcFirstLastPara="1" wrap="square" lIns="91425" tIns="91425" rIns="91425" bIns="91425" anchor="t" anchorCtr="0">
             <a:normAutofit/>
           </a:bodyPr>
           <a:lstStyle>
@@ -5180,15 +5140,19 @@
               <a:defRPr sz="3000"/>
             </a:lvl9pPr>
           </a:lstStyle>
-          <a:p/>
+          <a:p>
+            <a:endParaRPr/>
+          </a:p>
         </p:txBody>
       </p:sp>
       <p:sp>
         <p:nvSpPr>
           <p:cNvPr id="69" name="Google Shape;69;p6"/>
-          <p:cNvSpPr txBox="1"/>
+          <p:cNvSpPr txBox="1">
+            <a:spLocks noGrp="1"/>
+          </p:cNvSpPr>
           <p:nvPr>
-            <p:ph idx="12" type="sldNum"/>
+            <p:ph type="sldNum" idx="12"/>
           </p:nvPr>
         </p:nvSpPr>
         <p:spPr>
@@ -5201,7 +5165,7 @@
           </a:prstGeom>
         </p:spPr>
         <p:txBody>
-          <a:bodyPr anchorCtr="0" anchor="ctr" bIns="91425" lIns="91425" spcFirstLastPara="1" rIns="91425" wrap="square" tIns="91425">
+          <a:bodyPr spcFirstLastPara="1" wrap="square" lIns="91425" tIns="91425" rIns="91425" bIns="91425" anchor="ctr" anchorCtr="0">
             <a:normAutofit/>
           </a:bodyPr>
           <a:lstStyle>
@@ -5243,7 +5207,7 @@
             </a:lvl9pPr>
           </a:lstStyle>
           <a:p>
-            <a:pPr indent="0" lvl="0" marL="0" rtl="0" algn="r">
+            <a:pPr marL="0" lvl="0" indent="0" algn="r" rtl="0">
               <a:spcBef>
                 <a:spcPts val="0"/>
               </a:spcBef>
@@ -5269,18 +5233,19 @@
 </file>
 
 <file path=ppt/slideLayouts/slideLayout6.xml><?xml version="1.0" encoding="utf-8"?>
-<p:sldLayout xmlns:a="http://schemas.openxmlformats.org/drawingml/2006/main" xmlns:r="http://schemas.openxmlformats.org/officeDocument/2006/relationships" xmlns:mc="http://schemas.openxmlformats.org/markup-compatibility/2006" xmlns:mv="urn:schemas-microsoft-com:mac:vml" xmlns:p="http://schemas.openxmlformats.org/presentationml/2006/main" xmlns:c="http://schemas.openxmlformats.org/drawingml/2006/chart" xmlns:dgm="http://schemas.openxmlformats.org/drawingml/2006/diagram" xmlns:o="urn:schemas-microsoft-com:office:office" xmlns:v="urn:schemas-microsoft-com:vml" xmlns:pvml="urn:schemas-microsoft-com:office:powerpoint" xmlns:com="http://schemas.openxmlformats.org/drawingml/2006/compatibility" xmlns:p14="http://schemas.microsoft.com/office/powerpoint/2010/main" xmlns:p15="http://schemas.microsoft.com/office/powerpoint/2012/main" xmlns:ahyp="http://schemas.microsoft.com/office/drawing/2018/hyperlinkcolor" matchingName="One column text">
+<p:sldLayout xmlns:a="http://schemas.openxmlformats.org/drawingml/2006/main" xmlns:r="http://schemas.openxmlformats.org/officeDocument/2006/relationships" xmlns:p="http://schemas.openxmlformats.org/presentationml/2006/main" matchingName="One column text">
   <p:cSld name="ONE_COLUMN_TEXT">
     <p:bg>
       <p:bgPr>
         <a:solidFill>
           <a:schemeClr val="accent3"/>
         </a:solidFill>
+        <a:effectLst/>
       </p:bgPr>
     </p:bg>
     <p:spTree>
       <p:nvGrpSpPr>
-        <p:cNvPr id="70" name="Shape 70"/>
+        <p:cNvPr id="1" name="Shape 70"/>
         <p:cNvGrpSpPr/>
         <p:nvPr/>
       </p:nvGrpSpPr>
@@ -5314,12 +5279,12 @@
           </a:ln>
         </p:spPr>
         <p:txBody>
-          <a:bodyPr anchorCtr="0" anchor="ctr" bIns="91425" lIns="91425" spcFirstLastPara="1" rIns="91425" wrap="square" tIns="91425">
+          <a:bodyPr spcFirstLastPara="1" wrap="square" lIns="91425" tIns="91425" rIns="91425" bIns="91425" anchor="ctr" anchorCtr="0">
             <a:noAutofit/>
           </a:bodyPr>
           <a:lstStyle/>
           <a:p>
-            <a:pPr indent="0" lvl="0" marL="0" rtl="0" algn="l">
+            <a:pPr marL="0" lvl="0" indent="0" algn="l" rtl="0">
               <a:spcBef>
                 <a:spcPts val="0"/>
               </a:spcBef>
@@ -5328,9 +5293,6 @@
               </a:spcAft>
               <a:buNone/>
             </a:pPr>
-            <a:r>
-              <a:t/>
-            </a:r>
             <a:endParaRPr/>
           </a:p>
         </p:txBody>
@@ -5357,12 +5319,12 @@
           </a:ln>
         </p:spPr>
         <p:txBody>
-          <a:bodyPr anchorCtr="0" anchor="ctr" bIns="91425" lIns="91425" spcFirstLastPara="1" rIns="91425" wrap="square" tIns="91425">
+          <a:bodyPr spcFirstLastPara="1" wrap="square" lIns="91425" tIns="91425" rIns="91425" bIns="91425" anchor="ctr" anchorCtr="0">
             <a:noAutofit/>
           </a:bodyPr>
           <a:lstStyle/>
           <a:p>
-            <a:pPr indent="0" lvl="0" marL="0" rtl="0" algn="l">
+            <a:pPr marL="0" lvl="0" indent="0" algn="l" rtl="0">
               <a:spcBef>
                 <a:spcPts val="0"/>
               </a:spcBef>
@@ -5371,9 +5333,6 @@
               </a:spcAft>
               <a:buNone/>
             </a:pPr>
-            <a:r>
-              <a:t/>
-            </a:r>
             <a:endParaRPr/>
           </a:p>
         </p:txBody>
@@ -5399,7 +5358,7 @@
             <a:noFill/>
           </a:ln>
           <a:effectLst>
-            <a:outerShdw blurRad="228600" sx="101000" rotWithShape="0" algn="ctr" sy="101000">
+            <a:outerShdw blurRad="228600" sx="101000" sy="101000" algn="ctr" rotWithShape="0">
               <a:srgbClr val="000000">
                 <a:alpha val="40000"/>
               </a:srgbClr>
@@ -5407,12 +5366,12 @@
           </a:effectLst>
         </p:spPr>
         <p:txBody>
-          <a:bodyPr anchorCtr="0" anchor="ctr" bIns="91425" lIns="91425" spcFirstLastPara="1" rIns="91425" wrap="square" tIns="91425">
+          <a:bodyPr spcFirstLastPara="1" wrap="square" lIns="91425" tIns="91425" rIns="91425" bIns="91425" anchor="ctr" anchorCtr="0">
             <a:noAutofit/>
           </a:bodyPr>
           <a:lstStyle/>
           <a:p>
-            <a:pPr indent="0" lvl="0" marL="0" rtl="0" algn="l">
+            <a:pPr marL="0" lvl="0" indent="0" algn="l" rtl="0">
               <a:spcBef>
                 <a:spcPts val="0"/>
               </a:spcBef>
@@ -5421,9 +5380,6 @@
               </a:spcAft>
               <a:buNone/>
             </a:pPr>
-            <a:r>
-              <a:t/>
-            </a:r>
             <a:endParaRPr/>
           </a:p>
         </p:txBody>
@@ -5431,7 +5387,9 @@
       <p:sp>
         <p:nvSpPr>
           <p:cNvPr id="74" name="Google Shape;74;p7"/>
-          <p:cNvSpPr txBox="1"/>
+          <p:cNvSpPr txBox="1">
+            <a:spLocks noGrp="1"/>
+          </p:cNvSpPr>
           <p:nvPr>
             <p:ph type="title"/>
           </p:nvPr>
@@ -5446,7 +5404,7 @@
           </a:prstGeom>
         </p:spPr>
         <p:txBody>
-          <a:bodyPr anchorCtr="0" anchor="t" bIns="91425" lIns="91425" spcFirstLastPara="1" rIns="91425" wrap="square" tIns="91425">
+          <a:bodyPr spcFirstLastPara="1" wrap="square" lIns="91425" tIns="91425" rIns="91425" bIns="91425" anchor="t" anchorCtr="0">
             <a:normAutofit/>
           </a:bodyPr>
           <a:lstStyle>
@@ -5550,15 +5508,19 @@
               <a:defRPr sz="3000"/>
             </a:lvl9pPr>
           </a:lstStyle>
-          <a:p/>
+          <a:p>
+            <a:endParaRPr/>
+          </a:p>
         </p:txBody>
       </p:sp>
       <p:sp>
         <p:nvSpPr>
           <p:cNvPr id="75" name="Google Shape;75;p7"/>
-          <p:cNvSpPr txBox="1"/>
+          <p:cNvSpPr txBox="1">
+            <a:spLocks noGrp="1"/>
+          </p:cNvSpPr>
           <p:nvPr>
-            <p:ph idx="1" type="body"/>
+            <p:ph type="body" idx="1"/>
           </p:nvPr>
         </p:nvSpPr>
         <p:spPr>
@@ -5571,11 +5533,11 @@
           </a:prstGeom>
         </p:spPr>
         <p:txBody>
-          <a:bodyPr anchorCtr="0" anchor="t" bIns="91425" lIns="91425" spcFirstLastPara="1" rIns="91425" wrap="square" tIns="91425">
+          <a:bodyPr spcFirstLastPara="1" wrap="square" lIns="91425" tIns="91425" rIns="91425" bIns="91425" anchor="t" anchorCtr="0">
             <a:normAutofit/>
           </a:bodyPr>
           <a:lstStyle>
-            <a:lvl1pPr indent="-311150" lvl="0" marL="457200">
+            <a:lvl1pPr marL="457200" lvl="0" indent="-311150">
               <a:spcBef>
                 <a:spcPts val="0"/>
               </a:spcBef>
@@ -5586,7 +5548,7 @@
               <a:buChar char="●"/>
               <a:defRPr/>
             </a:lvl1pPr>
-            <a:lvl2pPr indent="-298450" lvl="1" marL="914400">
+            <a:lvl2pPr marL="914400" lvl="1" indent="-298450">
               <a:spcBef>
                 <a:spcPts val="0"/>
               </a:spcBef>
@@ -5597,7 +5559,7 @@
               <a:buChar char="○"/>
               <a:defRPr/>
             </a:lvl2pPr>
-            <a:lvl3pPr indent="-298450" lvl="2" marL="1371600">
+            <a:lvl3pPr marL="1371600" lvl="2" indent="-298450">
               <a:spcBef>
                 <a:spcPts val="0"/>
               </a:spcBef>
@@ -5608,7 +5570,7 @@
               <a:buChar char="■"/>
               <a:defRPr/>
             </a:lvl3pPr>
-            <a:lvl4pPr indent="-298450" lvl="3" marL="1828800">
+            <a:lvl4pPr marL="1828800" lvl="3" indent="-298450">
               <a:spcBef>
                 <a:spcPts val="0"/>
               </a:spcBef>
@@ -5619,7 +5581,7 @@
               <a:buChar char="●"/>
               <a:defRPr/>
             </a:lvl4pPr>
-            <a:lvl5pPr indent="-298450" lvl="4" marL="2286000">
+            <a:lvl5pPr marL="2286000" lvl="4" indent="-298450">
               <a:spcBef>
                 <a:spcPts val="0"/>
               </a:spcBef>
@@ -5630,7 +5592,7 @@
               <a:buChar char="○"/>
               <a:defRPr/>
             </a:lvl5pPr>
-            <a:lvl6pPr indent="-298450" lvl="5" marL="2743200">
+            <a:lvl6pPr marL="2743200" lvl="5" indent="-298450">
               <a:spcBef>
                 <a:spcPts val="0"/>
               </a:spcBef>
@@ -5641,7 +5603,7 @@
               <a:buChar char="■"/>
               <a:defRPr/>
             </a:lvl6pPr>
-            <a:lvl7pPr indent="-298450" lvl="6" marL="3200400">
+            <a:lvl7pPr marL="3200400" lvl="6" indent="-298450">
               <a:spcBef>
                 <a:spcPts val="0"/>
               </a:spcBef>
@@ -5652,7 +5614,7 @@
               <a:buChar char="●"/>
               <a:defRPr/>
             </a:lvl7pPr>
-            <a:lvl8pPr indent="-298450" lvl="7" marL="3657600">
+            <a:lvl8pPr marL="3657600" lvl="7" indent="-298450">
               <a:spcBef>
                 <a:spcPts val="0"/>
               </a:spcBef>
@@ -5663,7 +5625,7 @@
               <a:buChar char="○"/>
               <a:defRPr/>
             </a:lvl8pPr>
-            <a:lvl9pPr indent="-298450" lvl="8" marL="4114800">
+            <a:lvl9pPr marL="4114800" lvl="8" indent="-298450">
               <a:spcBef>
                 <a:spcPts val="0"/>
               </a:spcBef>
@@ -5675,15 +5637,19 @@
               <a:defRPr/>
             </a:lvl9pPr>
           </a:lstStyle>
-          <a:p/>
+          <a:p>
+            <a:endParaRPr/>
+          </a:p>
         </p:txBody>
       </p:sp>
       <p:sp>
         <p:nvSpPr>
           <p:cNvPr id="76" name="Google Shape;76;p7"/>
-          <p:cNvSpPr txBox="1"/>
+          <p:cNvSpPr txBox="1">
+            <a:spLocks noGrp="1"/>
+          </p:cNvSpPr>
           <p:nvPr>
-            <p:ph idx="12" type="sldNum"/>
+            <p:ph type="sldNum" idx="12"/>
           </p:nvPr>
         </p:nvSpPr>
         <p:spPr>
@@ -5696,7 +5662,7 @@
           </a:prstGeom>
         </p:spPr>
         <p:txBody>
-          <a:bodyPr anchorCtr="0" anchor="ctr" bIns="91425" lIns="91425" spcFirstLastPara="1" rIns="91425" wrap="square" tIns="91425">
+          <a:bodyPr spcFirstLastPara="1" wrap="square" lIns="91425" tIns="91425" rIns="91425" bIns="91425" anchor="ctr" anchorCtr="0">
             <a:normAutofit/>
           </a:bodyPr>
           <a:lstStyle>
@@ -5738,7 +5704,7 @@
             </a:lvl9pPr>
           </a:lstStyle>
           <a:p>
-            <a:pPr indent="0" lvl="0" marL="0" rtl="0" algn="r">
+            <a:pPr marL="0" lvl="0" indent="0" algn="r" rtl="0">
               <a:spcBef>
                 <a:spcPts val="0"/>
               </a:spcBef>
@@ -5764,18 +5730,19 @@
 </file>
 
 <file path=ppt/slideLayouts/slideLayout7.xml><?xml version="1.0" encoding="utf-8"?>
-<p:sldLayout xmlns:a="http://schemas.openxmlformats.org/drawingml/2006/main" xmlns:r="http://schemas.openxmlformats.org/officeDocument/2006/relationships" xmlns:mc="http://schemas.openxmlformats.org/markup-compatibility/2006" xmlns:mv="urn:schemas-microsoft-com:mac:vml" xmlns:p="http://schemas.openxmlformats.org/presentationml/2006/main" xmlns:c="http://schemas.openxmlformats.org/drawingml/2006/chart" xmlns:dgm="http://schemas.openxmlformats.org/drawingml/2006/diagram" xmlns:o="urn:schemas-microsoft-com:office:office" xmlns:v="urn:schemas-microsoft-com:vml" xmlns:pvml="urn:schemas-microsoft-com:office:powerpoint" xmlns:com="http://schemas.openxmlformats.org/drawingml/2006/compatibility" xmlns:p14="http://schemas.microsoft.com/office/powerpoint/2010/main" xmlns:p15="http://schemas.microsoft.com/office/powerpoint/2012/main" xmlns:ahyp="http://schemas.microsoft.com/office/drawing/2018/hyperlinkcolor" matchingName="Main point">
+<p:sldLayout xmlns:a="http://schemas.openxmlformats.org/drawingml/2006/main" xmlns:r="http://schemas.openxmlformats.org/officeDocument/2006/relationships" xmlns:p="http://schemas.openxmlformats.org/presentationml/2006/main" matchingName="Main point">
   <p:cSld name="MAIN_POINT">
     <p:bg>
       <p:bgPr>
         <a:solidFill>
           <a:schemeClr val="accent1"/>
         </a:solidFill>
+        <a:effectLst/>
       </p:bgPr>
     </p:bg>
     <p:spTree>
       <p:nvGrpSpPr>
-        <p:cNvPr id="77" name="Shape 77"/>
+        <p:cNvPr id="1" name="Shape 77"/>
         <p:cNvGrpSpPr/>
         <p:nvPr/>
       </p:nvGrpSpPr>
@@ -5809,12 +5776,12 @@
           </a:ln>
         </p:spPr>
         <p:txBody>
-          <a:bodyPr anchorCtr="0" anchor="ctr" bIns="91425" lIns="91425" spcFirstLastPara="1" rIns="91425" wrap="square" tIns="91425">
+          <a:bodyPr spcFirstLastPara="1" wrap="square" lIns="91425" tIns="91425" rIns="91425" bIns="91425" anchor="ctr" anchorCtr="0">
             <a:noAutofit/>
           </a:bodyPr>
           <a:lstStyle/>
           <a:p>
-            <a:pPr indent="0" lvl="0" marL="0" rtl="0" algn="l">
+            <a:pPr marL="0" lvl="0" indent="0" algn="l" rtl="0">
               <a:spcBef>
                 <a:spcPts val="0"/>
               </a:spcBef>
@@ -5823,9 +5790,6 @@
               </a:spcAft>
               <a:buNone/>
             </a:pPr>
-            <a:r>
-              <a:t/>
-            </a:r>
             <a:endParaRPr/>
           </a:p>
         </p:txBody>
@@ -5852,12 +5816,12 @@
           </a:ln>
         </p:spPr>
         <p:txBody>
-          <a:bodyPr anchorCtr="0" anchor="ctr" bIns="91425" lIns="91425" spcFirstLastPara="1" rIns="91425" wrap="square" tIns="91425">
+          <a:bodyPr spcFirstLastPara="1" wrap="square" lIns="91425" tIns="91425" rIns="91425" bIns="91425" anchor="ctr" anchorCtr="0">
             <a:noAutofit/>
           </a:bodyPr>
           <a:lstStyle/>
           <a:p>
-            <a:pPr indent="0" lvl="0" marL="0" rtl="0" algn="l">
+            <a:pPr marL="0" lvl="0" indent="0" algn="l" rtl="0">
               <a:spcBef>
                 <a:spcPts val="0"/>
               </a:spcBef>
@@ -5866,9 +5830,6 @@
               </a:spcAft>
               <a:buNone/>
             </a:pPr>
-            <a:r>
-              <a:t/>
-            </a:r>
             <a:endParaRPr/>
           </a:p>
         </p:txBody>
@@ -5900,7 +5861,7 @@
             </a:xfrm>
             <a:prstGeom prst="parallelogram">
               <a:avLst>
-                <a:gd fmla="val 153193" name="adj"/>
+                <a:gd name="adj" fmla="val 153193"/>
               </a:avLst>
             </a:prstGeom>
             <a:solidFill>
@@ -5911,12 +5872,12 @@
             </a:ln>
           </p:spPr>
           <p:txBody>
-            <a:bodyPr anchorCtr="0" anchor="ctr" bIns="91425" lIns="91425" spcFirstLastPara="1" rIns="91425" wrap="square" tIns="91425">
+            <a:bodyPr spcFirstLastPara="1" wrap="square" lIns="91425" tIns="91425" rIns="91425" bIns="91425" anchor="ctr" anchorCtr="0">
               <a:noAutofit/>
             </a:bodyPr>
             <a:lstStyle/>
             <a:p>
-              <a:pPr indent="0" lvl="0" marL="0" rtl="0" algn="l">
+              <a:pPr marL="0" lvl="0" indent="0" algn="l" rtl="0">
                 <a:spcBef>
                   <a:spcPts val="0"/>
                 </a:spcBef>
@@ -5925,9 +5886,6 @@
                 </a:spcAft>
                 <a:buNone/>
               </a:pPr>
-              <a:r>
-                <a:t/>
-              </a:r>
               <a:endParaRPr/>
             </a:p>
           </p:txBody>
@@ -5945,7 +5903,7 @@
             </a:xfrm>
             <a:prstGeom prst="parallelogram">
               <a:avLst>
-                <a:gd fmla="val 153193" name="adj"/>
+                <a:gd name="adj" fmla="val 153193"/>
               </a:avLst>
             </a:prstGeom>
             <a:solidFill>
@@ -5956,12 +5914,12 @@
             </a:ln>
           </p:spPr>
           <p:txBody>
-            <a:bodyPr anchorCtr="0" anchor="ctr" bIns="91425" lIns="91425" spcFirstLastPara="1" rIns="91425" wrap="square" tIns="91425">
+            <a:bodyPr spcFirstLastPara="1" wrap="square" lIns="91425" tIns="91425" rIns="91425" bIns="91425" anchor="ctr" anchorCtr="0">
               <a:noAutofit/>
             </a:bodyPr>
             <a:lstStyle/>
             <a:p>
-              <a:pPr indent="0" lvl="0" marL="0" rtl="0" algn="l">
+              <a:pPr marL="0" lvl="0" indent="0" algn="l" rtl="0">
                 <a:spcBef>
                   <a:spcPts val="0"/>
                 </a:spcBef>
@@ -5970,9 +5928,6 @@
                 </a:spcAft>
                 <a:buNone/>
               </a:pPr>
-              <a:r>
-                <a:t/>
-              </a:r>
               <a:endParaRPr/>
             </a:p>
           </p:txBody>
@@ -5990,7 +5945,7 @@
             </a:xfrm>
             <a:prstGeom prst="parallelogram">
               <a:avLst>
-                <a:gd fmla="val 153193" name="adj"/>
+                <a:gd name="adj" fmla="val 153193"/>
               </a:avLst>
             </a:prstGeom>
             <a:solidFill>
@@ -6001,12 +5956,12 @@
             </a:ln>
           </p:spPr>
           <p:txBody>
-            <a:bodyPr anchorCtr="0" anchor="ctr" bIns="91425" lIns="91425" spcFirstLastPara="1" rIns="91425" wrap="square" tIns="91425">
+            <a:bodyPr spcFirstLastPara="1" wrap="square" lIns="91425" tIns="91425" rIns="91425" bIns="91425" anchor="ctr" anchorCtr="0">
               <a:noAutofit/>
             </a:bodyPr>
             <a:lstStyle/>
             <a:p>
-              <a:pPr indent="0" lvl="0" marL="0" rtl="0" algn="l">
+              <a:pPr marL="0" lvl="0" indent="0" algn="l" rtl="0">
                 <a:spcBef>
                   <a:spcPts val="0"/>
                 </a:spcBef>
@@ -6015,9 +5970,6 @@
                 </a:spcAft>
                 <a:buNone/>
               </a:pPr>
-              <a:r>
-                <a:t/>
-              </a:r>
               <a:endParaRPr/>
             </a:p>
           </p:txBody>
@@ -6044,7 +5996,7 @@
             <a:noFill/>
           </a:ln>
           <a:effectLst>
-            <a:outerShdw blurRad="228600" sx="101000" rotWithShape="0" algn="ctr" sy="101000">
+            <a:outerShdw blurRad="228600" sx="101000" sy="101000" algn="ctr" rotWithShape="0">
               <a:srgbClr val="000000">
                 <a:alpha val="40000"/>
               </a:srgbClr>
@@ -6052,12 +6004,12 @@
           </a:effectLst>
         </p:spPr>
         <p:txBody>
-          <a:bodyPr anchorCtr="0" anchor="ctr" bIns="91425" lIns="91425" spcFirstLastPara="1" rIns="91425" wrap="square" tIns="91425">
+          <a:bodyPr spcFirstLastPara="1" wrap="square" lIns="91425" tIns="91425" rIns="91425" bIns="91425" anchor="ctr" anchorCtr="0">
             <a:noAutofit/>
           </a:bodyPr>
           <a:lstStyle/>
           <a:p>
-            <a:pPr indent="0" lvl="0" marL="0" rtl="0" algn="l">
+            <a:pPr marL="0" lvl="0" indent="0" algn="l" rtl="0">
               <a:spcBef>
                 <a:spcPts val="0"/>
               </a:spcBef>
@@ -6066,9 +6018,6 @@
               </a:spcAft>
               <a:buNone/>
             </a:pPr>
-            <a:r>
-              <a:t/>
-            </a:r>
             <a:endParaRPr/>
           </a:p>
         </p:txBody>
@@ -6100,7 +6049,7 @@
             </a:xfrm>
             <a:prstGeom prst="parallelogram">
               <a:avLst>
-                <a:gd fmla="val 158024" name="adj"/>
+                <a:gd name="adj" fmla="val 158024"/>
               </a:avLst>
             </a:prstGeom>
             <a:solidFill>
@@ -6111,12 +6060,12 @@
             </a:ln>
           </p:spPr>
           <p:txBody>
-            <a:bodyPr anchorCtr="0" anchor="ctr" bIns="91425" lIns="91425" spcFirstLastPara="1" rIns="91425" wrap="square" tIns="91425">
+            <a:bodyPr spcFirstLastPara="1" wrap="square" lIns="91425" tIns="91425" rIns="91425" bIns="91425" anchor="ctr" anchorCtr="0">
               <a:noAutofit/>
             </a:bodyPr>
             <a:lstStyle/>
             <a:p>
-              <a:pPr indent="0" lvl="0" marL="0" rtl="0" algn="l">
+              <a:pPr marL="0" lvl="0" indent="0" algn="l" rtl="0">
                 <a:spcBef>
                   <a:spcPts val="0"/>
                 </a:spcBef>
@@ -6125,9 +6074,6 @@
                 </a:spcAft>
                 <a:buNone/>
               </a:pPr>
-              <a:r>
-                <a:t/>
-              </a:r>
               <a:endParaRPr/>
             </a:p>
           </p:txBody>
@@ -6145,7 +6091,7 @@
             </a:xfrm>
             <a:prstGeom prst="parallelogram">
               <a:avLst>
-                <a:gd fmla="val 158024" name="adj"/>
+                <a:gd name="adj" fmla="val 158024"/>
               </a:avLst>
             </a:prstGeom>
             <a:solidFill>
@@ -6156,12 +6102,12 @@
             </a:ln>
           </p:spPr>
           <p:txBody>
-            <a:bodyPr anchorCtr="0" anchor="ctr" bIns="91425" lIns="91425" spcFirstLastPara="1" rIns="91425" wrap="square" tIns="91425">
+            <a:bodyPr spcFirstLastPara="1" wrap="square" lIns="91425" tIns="91425" rIns="91425" bIns="91425" anchor="ctr" anchorCtr="0">
               <a:noAutofit/>
             </a:bodyPr>
             <a:lstStyle/>
             <a:p>
-              <a:pPr indent="0" lvl="0" marL="0" rtl="0" algn="l">
+              <a:pPr marL="0" lvl="0" indent="0" algn="l" rtl="0">
                 <a:spcBef>
                   <a:spcPts val="0"/>
                 </a:spcBef>
@@ -6170,9 +6116,6 @@
                 </a:spcAft>
                 <a:buNone/>
               </a:pPr>
-              <a:r>
-                <a:t/>
-              </a:r>
               <a:endParaRPr/>
             </a:p>
           </p:txBody>
@@ -6190,7 +6133,7 @@
             </a:xfrm>
             <a:prstGeom prst="parallelogram">
               <a:avLst>
-                <a:gd fmla="val 158024" name="adj"/>
+                <a:gd name="adj" fmla="val 158024"/>
               </a:avLst>
             </a:prstGeom>
             <a:solidFill>
@@ -6201,12 +6144,12 @@
             </a:ln>
           </p:spPr>
           <p:txBody>
-            <a:bodyPr anchorCtr="0" anchor="ctr" bIns="91425" lIns="91425" spcFirstLastPara="1" rIns="91425" wrap="square" tIns="91425">
+            <a:bodyPr spcFirstLastPara="1" wrap="square" lIns="91425" tIns="91425" rIns="91425" bIns="91425" anchor="ctr" anchorCtr="0">
               <a:noAutofit/>
             </a:bodyPr>
             <a:lstStyle/>
             <a:p>
-              <a:pPr indent="0" lvl="0" marL="0" rtl="0" algn="l">
+              <a:pPr marL="0" lvl="0" indent="0" algn="l" rtl="0">
                 <a:spcBef>
                   <a:spcPts val="0"/>
                 </a:spcBef>
@@ -6215,9 +6158,6 @@
                 </a:spcAft>
                 <a:buNone/>
               </a:pPr>
-              <a:r>
-                <a:t/>
-              </a:r>
               <a:endParaRPr/>
             </a:p>
           </p:txBody>
@@ -6250,7 +6190,7 @@
             </a:xfrm>
             <a:prstGeom prst="parallelogram">
               <a:avLst>
-                <a:gd fmla="val 158024" name="adj"/>
+                <a:gd name="adj" fmla="val 158024"/>
               </a:avLst>
             </a:prstGeom>
             <a:solidFill>
@@ -6261,12 +6201,12 @@
             </a:ln>
           </p:spPr>
           <p:txBody>
-            <a:bodyPr anchorCtr="0" anchor="ctr" bIns="91425" lIns="91425" spcFirstLastPara="1" rIns="91425" wrap="square" tIns="91425">
+            <a:bodyPr spcFirstLastPara="1" wrap="square" lIns="91425" tIns="91425" rIns="91425" bIns="91425" anchor="ctr" anchorCtr="0">
               <a:noAutofit/>
             </a:bodyPr>
             <a:lstStyle/>
             <a:p>
-              <a:pPr indent="0" lvl="0" marL="0" rtl="0" algn="l">
+              <a:pPr marL="0" lvl="0" indent="0" algn="l" rtl="0">
                 <a:spcBef>
                   <a:spcPts val="0"/>
                 </a:spcBef>
@@ -6275,9 +6215,6 @@
                 </a:spcAft>
                 <a:buNone/>
               </a:pPr>
-              <a:r>
-                <a:t/>
-              </a:r>
               <a:endParaRPr/>
             </a:p>
           </p:txBody>
@@ -6295,7 +6232,7 @@
             </a:xfrm>
             <a:prstGeom prst="parallelogram">
               <a:avLst>
-                <a:gd fmla="val 158024" name="adj"/>
+                <a:gd name="adj" fmla="val 158024"/>
               </a:avLst>
             </a:prstGeom>
             <a:solidFill>
@@ -6306,12 +6243,12 @@
             </a:ln>
           </p:spPr>
           <p:txBody>
-            <a:bodyPr anchorCtr="0" anchor="ctr" bIns="91425" lIns="91425" spcFirstLastPara="1" rIns="91425" wrap="square" tIns="91425">
+            <a:bodyPr spcFirstLastPara="1" wrap="square" lIns="91425" tIns="91425" rIns="91425" bIns="91425" anchor="ctr" anchorCtr="0">
               <a:noAutofit/>
             </a:bodyPr>
             <a:lstStyle/>
             <a:p>
-              <a:pPr indent="0" lvl="0" marL="0" rtl="0" algn="l">
+              <a:pPr marL="0" lvl="0" indent="0" algn="l" rtl="0">
                 <a:spcBef>
                   <a:spcPts val="0"/>
                 </a:spcBef>
@@ -6320,9 +6257,6 @@
                 </a:spcAft>
                 <a:buNone/>
               </a:pPr>
-              <a:r>
-                <a:t/>
-              </a:r>
               <a:endParaRPr/>
             </a:p>
           </p:txBody>
@@ -6340,7 +6274,7 @@
             </a:xfrm>
             <a:prstGeom prst="parallelogram">
               <a:avLst>
-                <a:gd fmla="val 158024" name="adj"/>
+                <a:gd name="adj" fmla="val 158024"/>
               </a:avLst>
             </a:prstGeom>
             <a:solidFill>
@@ -6351,12 +6285,12 @@
             </a:ln>
           </p:spPr>
           <p:txBody>
-            <a:bodyPr anchorCtr="0" anchor="ctr" bIns="91425" lIns="91425" spcFirstLastPara="1" rIns="91425" wrap="square" tIns="91425">
+            <a:bodyPr spcFirstLastPara="1" wrap="square" lIns="91425" tIns="91425" rIns="91425" bIns="91425" anchor="ctr" anchorCtr="0">
               <a:noAutofit/>
             </a:bodyPr>
             <a:lstStyle/>
             <a:p>
-              <a:pPr indent="0" lvl="0" marL="0" rtl="0" algn="l">
+              <a:pPr marL="0" lvl="0" indent="0" algn="l" rtl="0">
                 <a:spcBef>
                   <a:spcPts val="0"/>
                 </a:spcBef>
@@ -6365,9 +6299,6 @@
                 </a:spcAft>
                 <a:buNone/>
               </a:pPr>
-              <a:r>
-                <a:t/>
-              </a:r>
               <a:endParaRPr/>
             </a:p>
           </p:txBody>
@@ -6376,7 +6307,9 @@
       <p:sp>
         <p:nvSpPr>
           <p:cNvPr id="93" name="Google Shape;93;p8"/>
-          <p:cNvSpPr txBox="1"/>
+          <p:cNvSpPr txBox="1">
+            <a:spLocks noGrp="1"/>
+          </p:cNvSpPr>
           <p:nvPr>
             <p:ph type="title"/>
           </p:nvPr>
@@ -6391,7 +6324,7 @@
           </a:prstGeom>
         </p:spPr>
         <p:txBody>
-          <a:bodyPr anchorCtr="0" anchor="ctr" bIns="91425" lIns="91425" spcFirstLastPara="1" rIns="91425" wrap="square" tIns="91425">
+          <a:bodyPr spcFirstLastPara="1" wrap="square" lIns="91425" tIns="91425" rIns="91425" bIns="91425" anchor="ctr" anchorCtr="0">
             <a:normAutofit/>
           </a:bodyPr>
           <a:lstStyle>
@@ -6495,15 +6428,19 @@
               <a:defRPr sz="3200"/>
             </a:lvl9pPr>
           </a:lstStyle>
-          <a:p/>
+          <a:p>
+            <a:endParaRPr/>
+          </a:p>
         </p:txBody>
       </p:sp>
       <p:sp>
         <p:nvSpPr>
           <p:cNvPr id="94" name="Google Shape;94;p8"/>
-          <p:cNvSpPr txBox="1"/>
+          <p:cNvSpPr txBox="1">
+            <a:spLocks noGrp="1"/>
+          </p:cNvSpPr>
           <p:nvPr>
-            <p:ph idx="12" type="sldNum"/>
+            <p:ph type="sldNum" idx="12"/>
           </p:nvPr>
         </p:nvSpPr>
         <p:spPr>
@@ -6516,7 +6453,7 @@
           </a:prstGeom>
         </p:spPr>
         <p:txBody>
-          <a:bodyPr anchorCtr="0" anchor="ctr" bIns="91425" lIns="91425" spcFirstLastPara="1" rIns="91425" wrap="square" tIns="91425">
+          <a:bodyPr spcFirstLastPara="1" wrap="square" lIns="91425" tIns="91425" rIns="91425" bIns="91425" anchor="ctr" anchorCtr="0">
             <a:normAutofit/>
           </a:bodyPr>
           <a:lstStyle>
@@ -6558,7 +6495,7 @@
             </a:lvl9pPr>
           </a:lstStyle>
           <a:p>
-            <a:pPr indent="0" lvl="0" marL="0" rtl="0" algn="r">
+            <a:pPr marL="0" lvl="0" indent="0" algn="r" rtl="0">
               <a:spcBef>
                 <a:spcPts val="0"/>
               </a:spcBef>
@@ -6584,18 +6521,19 @@
 </file>
 
 <file path=ppt/slideLayouts/slideLayout8.xml><?xml version="1.0" encoding="utf-8"?>
-<p:sldLayout xmlns:a="http://schemas.openxmlformats.org/drawingml/2006/main" xmlns:r="http://schemas.openxmlformats.org/officeDocument/2006/relationships" xmlns:mc="http://schemas.openxmlformats.org/markup-compatibility/2006" xmlns:mv="urn:schemas-microsoft-com:mac:vml" xmlns:p="http://schemas.openxmlformats.org/presentationml/2006/main" xmlns:c="http://schemas.openxmlformats.org/drawingml/2006/chart" xmlns:dgm="http://schemas.openxmlformats.org/drawingml/2006/diagram" xmlns:o="urn:schemas-microsoft-com:office:office" xmlns:v="urn:schemas-microsoft-com:vml" xmlns:pvml="urn:schemas-microsoft-com:office:powerpoint" xmlns:com="http://schemas.openxmlformats.org/drawingml/2006/compatibility" xmlns:p14="http://schemas.microsoft.com/office/powerpoint/2010/main" xmlns:p15="http://schemas.microsoft.com/office/powerpoint/2012/main" xmlns:ahyp="http://schemas.microsoft.com/office/drawing/2018/hyperlinkcolor" matchingName="Section title and description">
+<p:sldLayout xmlns:a="http://schemas.openxmlformats.org/drawingml/2006/main" xmlns:r="http://schemas.openxmlformats.org/officeDocument/2006/relationships" xmlns:p="http://schemas.openxmlformats.org/presentationml/2006/main" matchingName="Section title and description">
   <p:cSld name="SECTION_TITLE_AND_DESCRIPTION">
     <p:bg>
       <p:bgPr>
         <a:solidFill>
           <a:schemeClr val="dk2"/>
         </a:solidFill>
+        <a:effectLst/>
       </p:bgPr>
     </p:bg>
     <p:spTree>
       <p:nvGrpSpPr>
-        <p:cNvPr id="95" name="Shape 95"/>
+        <p:cNvPr id="1" name="Shape 95"/>
         <p:cNvGrpSpPr/>
         <p:nvPr/>
       </p:nvGrpSpPr>
@@ -6629,12 +6567,12 @@
           </a:ln>
         </p:spPr>
         <p:txBody>
-          <a:bodyPr anchorCtr="0" anchor="ctr" bIns="91425" lIns="91425" spcFirstLastPara="1" rIns="91425" wrap="square" tIns="91425">
+          <a:bodyPr spcFirstLastPara="1" wrap="square" lIns="91425" tIns="91425" rIns="91425" bIns="91425" anchor="ctr" anchorCtr="0">
             <a:noAutofit/>
           </a:bodyPr>
           <a:lstStyle/>
           <a:p>
-            <a:pPr indent="0" lvl="0" marL="0" rtl="0" algn="l">
+            <a:pPr marL="0" lvl="0" indent="0" algn="l" rtl="0">
               <a:spcBef>
                 <a:spcPts val="0"/>
               </a:spcBef>
@@ -6643,9 +6581,6 @@
               </a:spcAft>
               <a:buNone/>
             </a:pPr>
-            <a:r>
-              <a:t/>
-            </a:r>
             <a:endParaRPr/>
           </a:p>
         </p:txBody>
@@ -6672,12 +6607,12 @@
           </a:ln>
         </p:spPr>
         <p:txBody>
-          <a:bodyPr anchorCtr="0" anchor="ctr" bIns="91425" lIns="91425" spcFirstLastPara="1" rIns="91425" wrap="square" tIns="91425">
+          <a:bodyPr spcFirstLastPara="1" wrap="square" lIns="91425" tIns="91425" rIns="91425" bIns="91425" anchor="ctr" anchorCtr="0">
             <a:noAutofit/>
           </a:bodyPr>
           <a:lstStyle/>
           <a:p>
-            <a:pPr indent="0" lvl="0" marL="0" rtl="0" algn="l">
+            <a:pPr marL="0" lvl="0" indent="0" algn="l" rtl="0">
               <a:spcBef>
                 <a:spcPts val="0"/>
               </a:spcBef>
@@ -6686,9 +6621,6 @@
               </a:spcAft>
               <a:buNone/>
             </a:pPr>
-            <a:r>
-              <a:t/>
-            </a:r>
             <a:endParaRPr/>
           </a:p>
         </p:txBody>
@@ -6714,7 +6646,7 @@
             <a:noFill/>
           </a:ln>
           <a:effectLst>
-            <a:outerShdw blurRad="228600" sx="101000" rotWithShape="0" algn="ctr" sy="101000">
+            <a:outerShdw blurRad="228600" sx="101000" sy="101000" algn="ctr" rotWithShape="0">
               <a:srgbClr val="000000">
                 <a:alpha val="40000"/>
               </a:srgbClr>
@@ -6722,12 +6654,12 @@
           </a:effectLst>
         </p:spPr>
         <p:txBody>
-          <a:bodyPr anchorCtr="0" anchor="ctr" bIns="91425" lIns="91425" spcFirstLastPara="1" rIns="91425" wrap="square" tIns="91425">
+          <a:bodyPr spcFirstLastPara="1" wrap="square" lIns="91425" tIns="91425" rIns="91425" bIns="91425" anchor="ctr" anchorCtr="0">
             <a:noAutofit/>
           </a:bodyPr>
           <a:lstStyle/>
           <a:p>
-            <a:pPr indent="0" lvl="0" marL="0" rtl="0" algn="l">
+            <a:pPr marL="0" lvl="0" indent="0" algn="l" rtl="0">
               <a:spcBef>
                 <a:spcPts val="0"/>
               </a:spcBef>
@@ -6736,9 +6668,6 @@
               </a:spcAft>
               <a:buNone/>
             </a:pPr>
-            <a:r>
-              <a:t/>
-            </a:r>
             <a:endParaRPr/>
           </a:p>
         </p:txBody>
@@ -6746,7 +6675,9 @@
       <p:sp>
         <p:nvSpPr>
           <p:cNvPr id="99" name="Google Shape;99;p9"/>
-          <p:cNvSpPr txBox="1"/>
+          <p:cNvSpPr txBox="1">
+            <a:spLocks noGrp="1"/>
+          </p:cNvSpPr>
           <p:nvPr>
             <p:ph type="title"/>
           </p:nvPr>
@@ -6761,7 +6692,7 @@
           </a:prstGeom>
         </p:spPr>
         <p:txBody>
-          <a:bodyPr anchorCtr="0" anchor="t" bIns="91425" lIns="91425" spcFirstLastPara="1" rIns="91425" wrap="square" tIns="91425">
+          <a:bodyPr spcFirstLastPara="1" wrap="square" lIns="91425" tIns="91425" rIns="91425" bIns="91425" anchor="t" anchorCtr="0">
             <a:normAutofit/>
           </a:bodyPr>
           <a:lstStyle>
@@ -6865,15 +6796,19 @@
               <a:defRPr sz="3000"/>
             </a:lvl9pPr>
           </a:lstStyle>
-          <a:p/>
+          <a:p>
+            <a:endParaRPr/>
+          </a:p>
         </p:txBody>
       </p:sp>
       <p:sp>
         <p:nvSpPr>
           <p:cNvPr id="100" name="Google Shape;100;p9"/>
-          <p:cNvSpPr txBox="1"/>
+          <p:cNvSpPr txBox="1">
+            <a:spLocks noGrp="1"/>
+          </p:cNvSpPr>
           <p:nvPr>
-            <p:ph idx="1" type="subTitle"/>
+            <p:ph type="subTitle" idx="1"/>
           </p:nvPr>
         </p:nvSpPr>
         <p:spPr>
@@ -6886,7 +6821,7 @@
           </a:prstGeom>
         </p:spPr>
         <p:txBody>
-          <a:bodyPr anchorCtr="0" anchor="t" bIns="91425" lIns="91425" spcFirstLastPara="1" rIns="91425" wrap="square" tIns="91425">
+          <a:bodyPr spcFirstLastPara="1" wrap="square" lIns="91425" tIns="91425" rIns="91425" bIns="91425" anchor="t" anchorCtr="0">
             <a:normAutofit/>
           </a:bodyPr>
           <a:lstStyle>
@@ -7080,15 +7015,19 @@
               </a:defRPr>
             </a:lvl9pPr>
           </a:lstStyle>
-          <a:p/>
+          <a:p>
+            <a:endParaRPr/>
+          </a:p>
         </p:txBody>
       </p:sp>
       <p:sp>
         <p:nvSpPr>
           <p:cNvPr id="101" name="Google Shape;101;p9"/>
-          <p:cNvSpPr txBox="1"/>
+          <p:cNvSpPr txBox="1">
+            <a:spLocks noGrp="1"/>
+          </p:cNvSpPr>
           <p:nvPr>
-            <p:ph idx="2" type="body"/>
+            <p:ph type="body" idx="2"/>
           </p:nvPr>
         </p:nvSpPr>
         <p:spPr>
@@ -7101,11 +7040,11 @@
           </a:prstGeom>
         </p:spPr>
         <p:txBody>
-          <a:bodyPr anchorCtr="0" anchor="t" bIns="91425" lIns="91425" spcFirstLastPara="1" rIns="91425" wrap="square" tIns="91425">
+          <a:bodyPr spcFirstLastPara="1" wrap="square" lIns="91425" tIns="91425" rIns="91425" bIns="91425" anchor="t" anchorCtr="0">
             <a:normAutofit/>
           </a:bodyPr>
           <a:lstStyle>
-            <a:lvl1pPr indent="-311150" lvl="0" marL="457200">
+            <a:lvl1pPr marL="457200" lvl="0" indent="-311150">
               <a:spcBef>
                 <a:spcPts val="0"/>
               </a:spcBef>
@@ -7116,7 +7055,7 @@
               <a:buChar char="●"/>
               <a:defRPr/>
             </a:lvl1pPr>
-            <a:lvl2pPr indent="-298450" lvl="1" marL="914400">
+            <a:lvl2pPr marL="914400" lvl="1" indent="-298450">
               <a:spcBef>
                 <a:spcPts val="0"/>
               </a:spcBef>
@@ -7127,7 +7066,7 @@
               <a:buChar char="○"/>
               <a:defRPr/>
             </a:lvl2pPr>
-            <a:lvl3pPr indent="-298450" lvl="2" marL="1371600">
+            <a:lvl3pPr marL="1371600" lvl="2" indent="-298450">
               <a:spcBef>
                 <a:spcPts val="0"/>
               </a:spcBef>
@@ -7138,7 +7077,7 @@
               <a:buChar char="■"/>
               <a:defRPr/>
             </a:lvl3pPr>
-            <a:lvl4pPr indent="-298450" lvl="3" marL="1828800">
+            <a:lvl4pPr marL="1828800" lvl="3" indent="-298450">
               <a:spcBef>
                 <a:spcPts val="0"/>
               </a:spcBef>
@@ -7149,7 +7088,7 @@
               <a:buChar char="●"/>
               <a:defRPr/>
             </a:lvl4pPr>
-            <a:lvl5pPr indent="-298450" lvl="4" marL="2286000">
+            <a:lvl5pPr marL="2286000" lvl="4" indent="-298450">
               <a:spcBef>
                 <a:spcPts val="0"/>
               </a:spcBef>
@@ -7160,7 +7099,7 @@
               <a:buChar char="○"/>
               <a:defRPr/>
             </a:lvl5pPr>
-            <a:lvl6pPr indent="-298450" lvl="5" marL="2743200">
+            <a:lvl6pPr marL="2743200" lvl="5" indent="-298450">
               <a:spcBef>
                 <a:spcPts val="0"/>
               </a:spcBef>
@@ -7171,7 +7110,7 @@
               <a:buChar char="■"/>
               <a:defRPr/>
             </a:lvl6pPr>
-            <a:lvl7pPr indent="-298450" lvl="6" marL="3200400">
+            <a:lvl7pPr marL="3200400" lvl="6" indent="-298450">
               <a:spcBef>
                 <a:spcPts val="0"/>
               </a:spcBef>
@@ -7182,7 +7121,7 @@
               <a:buChar char="●"/>
               <a:defRPr/>
             </a:lvl7pPr>
-            <a:lvl8pPr indent="-298450" lvl="7" marL="3657600">
+            <a:lvl8pPr marL="3657600" lvl="7" indent="-298450">
               <a:spcBef>
                 <a:spcPts val="0"/>
               </a:spcBef>
@@ -7193,7 +7132,7 @@
               <a:buChar char="○"/>
               <a:defRPr/>
             </a:lvl8pPr>
-            <a:lvl9pPr indent="-298450" lvl="8" marL="4114800">
+            <a:lvl9pPr marL="4114800" lvl="8" indent="-298450">
               <a:spcBef>
                 <a:spcPts val="0"/>
               </a:spcBef>
@@ -7205,15 +7144,19 @@
               <a:defRPr/>
             </a:lvl9pPr>
           </a:lstStyle>
-          <a:p/>
+          <a:p>
+            <a:endParaRPr/>
+          </a:p>
         </p:txBody>
       </p:sp>
       <p:sp>
         <p:nvSpPr>
           <p:cNvPr id="102" name="Google Shape;102;p9"/>
-          <p:cNvSpPr txBox="1"/>
+          <p:cNvSpPr txBox="1">
+            <a:spLocks noGrp="1"/>
+          </p:cNvSpPr>
           <p:nvPr>
-            <p:ph idx="12" type="sldNum"/>
+            <p:ph type="sldNum" idx="12"/>
           </p:nvPr>
         </p:nvSpPr>
         <p:spPr>
@@ -7226,7 +7169,7 @@
           </a:prstGeom>
         </p:spPr>
         <p:txBody>
-          <a:bodyPr anchorCtr="0" anchor="ctr" bIns="91425" lIns="91425" spcFirstLastPara="1" rIns="91425" wrap="square" tIns="91425">
+          <a:bodyPr spcFirstLastPara="1" wrap="square" lIns="91425" tIns="91425" rIns="91425" bIns="91425" anchor="ctr" anchorCtr="0">
             <a:normAutofit/>
           </a:bodyPr>
           <a:lstStyle>
@@ -7268,7 +7211,7 @@
             </a:lvl9pPr>
           </a:lstStyle>
           <a:p>
-            <a:pPr indent="0" lvl="0" marL="0" rtl="0" algn="r">
+            <a:pPr marL="0" lvl="0" indent="0" algn="r" rtl="0">
               <a:spcBef>
                 <a:spcPts val="0"/>
               </a:spcBef>
@@ -7294,18 +7237,19 @@
 </file>
 
 <file path=ppt/slideLayouts/slideLayout9.xml><?xml version="1.0" encoding="utf-8"?>
-<p:sldLayout xmlns:a="http://schemas.openxmlformats.org/drawingml/2006/main" xmlns:r="http://schemas.openxmlformats.org/officeDocument/2006/relationships" xmlns:mc="http://schemas.openxmlformats.org/markup-compatibility/2006" xmlns:mv="urn:schemas-microsoft-com:mac:vml" xmlns:p="http://schemas.openxmlformats.org/presentationml/2006/main" xmlns:c="http://schemas.openxmlformats.org/drawingml/2006/chart" xmlns:dgm="http://schemas.openxmlformats.org/drawingml/2006/diagram" xmlns:o="urn:schemas-microsoft-com:office:office" xmlns:v="urn:schemas-microsoft-com:vml" xmlns:pvml="urn:schemas-microsoft-com:office:powerpoint" xmlns:com="http://schemas.openxmlformats.org/drawingml/2006/compatibility" xmlns:p14="http://schemas.microsoft.com/office/powerpoint/2010/main" xmlns:p15="http://schemas.microsoft.com/office/powerpoint/2012/main" xmlns:ahyp="http://schemas.microsoft.com/office/drawing/2018/hyperlinkcolor" matchingName="Caption">
+<p:sldLayout xmlns:a="http://schemas.openxmlformats.org/drawingml/2006/main" xmlns:r="http://schemas.openxmlformats.org/officeDocument/2006/relationships" xmlns:p="http://schemas.openxmlformats.org/presentationml/2006/main" matchingName="Caption">
   <p:cSld name="CAPTION_ONLY">
     <p:bg>
       <p:bgPr>
         <a:solidFill>
           <a:schemeClr val="accent1"/>
         </a:solidFill>
+        <a:effectLst/>
       </p:bgPr>
     </p:bg>
     <p:spTree>
       <p:nvGrpSpPr>
-        <p:cNvPr id="103" name="Shape 103"/>
+        <p:cNvPr id="1" name="Shape 103"/>
         <p:cNvGrpSpPr/>
         <p:nvPr/>
       </p:nvGrpSpPr>
@@ -7339,12 +7283,12 @@
           </a:ln>
         </p:spPr>
         <p:txBody>
-          <a:bodyPr anchorCtr="0" anchor="ctr" bIns="91425" lIns="91425" spcFirstLastPara="1" rIns="91425" wrap="square" tIns="91425">
+          <a:bodyPr spcFirstLastPara="1" wrap="square" lIns="91425" tIns="91425" rIns="91425" bIns="91425" anchor="ctr" anchorCtr="0">
             <a:noAutofit/>
           </a:bodyPr>
           <a:lstStyle/>
           <a:p>
-            <a:pPr indent="0" lvl="0" marL="0" rtl="0" algn="l">
+            <a:pPr marL="0" lvl="0" indent="0" algn="l" rtl="0">
               <a:spcBef>
                 <a:spcPts val="0"/>
               </a:spcBef>
@@ -7353,9 +7297,6 @@
               </a:spcAft>
               <a:buNone/>
             </a:pPr>
-            <a:r>
-              <a:t/>
-            </a:r>
             <a:endParaRPr/>
           </a:p>
         </p:txBody>
@@ -7382,12 +7323,12 @@
           </a:ln>
         </p:spPr>
         <p:txBody>
-          <a:bodyPr anchorCtr="0" anchor="ctr" bIns="91425" lIns="91425" spcFirstLastPara="1" rIns="91425" wrap="square" tIns="91425">
+          <a:bodyPr spcFirstLastPara="1" wrap="square" lIns="91425" tIns="91425" rIns="91425" bIns="91425" anchor="ctr" anchorCtr="0">
             <a:noAutofit/>
           </a:bodyPr>
           <a:lstStyle/>
           <a:p>
-            <a:pPr indent="0" lvl="0" marL="0" rtl="0" algn="l">
+            <a:pPr marL="0" lvl="0" indent="0" algn="l" rtl="0">
               <a:spcBef>
                 <a:spcPts val="0"/>
               </a:spcBef>
@@ -7396,9 +7337,6 @@
               </a:spcAft>
               <a:buNone/>
             </a:pPr>
-            <a:r>
-              <a:t/>
-            </a:r>
             <a:endParaRPr/>
           </a:p>
         </p:txBody>
@@ -7424,7 +7362,7 @@
             <a:noFill/>
           </a:ln>
           <a:effectLst>
-            <a:outerShdw blurRad="228600" sx="101000" rotWithShape="0" algn="ctr" sy="101000">
+            <a:outerShdw blurRad="228600" sx="101000" sy="101000" algn="ctr" rotWithShape="0">
               <a:srgbClr val="000000">
                 <a:alpha val="40000"/>
               </a:srgbClr>
@@ -7432,12 +7370,12 @@
           </a:effectLst>
         </p:spPr>
         <p:txBody>
-          <a:bodyPr anchorCtr="0" anchor="ctr" bIns="91425" lIns="91425" spcFirstLastPara="1" rIns="91425" wrap="square" tIns="91425">
+          <a:bodyPr spcFirstLastPara="1" wrap="square" lIns="91425" tIns="91425" rIns="91425" bIns="91425" anchor="ctr" anchorCtr="0">
             <a:noAutofit/>
           </a:bodyPr>
           <a:lstStyle/>
           <a:p>
-            <a:pPr indent="0" lvl="0" marL="0" rtl="0" algn="l">
+            <a:pPr marL="0" lvl="0" indent="0" algn="l" rtl="0">
               <a:spcBef>
                 <a:spcPts val="0"/>
               </a:spcBef>
@@ -7446,9 +7384,6 @@
               </a:spcAft>
               <a:buNone/>
             </a:pPr>
-            <a:r>
-              <a:t/>
-            </a:r>
             <a:endParaRPr/>
           </a:p>
         </p:txBody>
@@ -7456,9 +7391,11 @@
       <p:sp>
         <p:nvSpPr>
           <p:cNvPr id="107" name="Google Shape;107;p10"/>
-          <p:cNvSpPr txBox="1"/>
+          <p:cNvSpPr txBox="1">
+            <a:spLocks noGrp="1"/>
+          </p:cNvSpPr>
           <p:nvPr>
-            <p:ph idx="1" type="body"/>
+            <p:ph type="body" idx="1"/>
           </p:nvPr>
         </p:nvSpPr>
         <p:spPr>
@@ -7471,11 +7408,11 @@
           </a:prstGeom>
         </p:spPr>
         <p:txBody>
-          <a:bodyPr anchorCtr="0" anchor="b" bIns="91425" lIns="91425" spcFirstLastPara="1" rIns="91425" wrap="square" tIns="91425">
+          <a:bodyPr spcFirstLastPara="1" wrap="square" lIns="91425" tIns="91425" rIns="91425" bIns="91425" anchor="b" anchorCtr="0">
             <a:normAutofit/>
           </a:bodyPr>
           <a:lstStyle>
-            <a:lvl1pPr indent="-228600" lvl="0" marL="457200">
+            <a:lvl1pPr marL="457200" lvl="0" indent="-228600">
               <a:lnSpc>
                 <a:spcPct val="100000"/>
               </a:lnSpc>
@@ -7490,15 +7427,19 @@
               <a:defRPr/>
             </a:lvl1pPr>
           </a:lstStyle>
-          <a:p/>
+          <a:p>
+            <a:endParaRPr/>
+          </a:p>
         </p:txBody>
       </p:sp>
       <p:sp>
         <p:nvSpPr>
           <p:cNvPr id="108" name="Google Shape;108;p10"/>
-          <p:cNvSpPr txBox="1"/>
+          <p:cNvSpPr txBox="1">
+            <a:spLocks noGrp="1"/>
+          </p:cNvSpPr>
           <p:nvPr>
-            <p:ph idx="12" type="sldNum"/>
+            <p:ph type="sldNum" idx="12"/>
           </p:nvPr>
         </p:nvSpPr>
         <p:spPr>
@@ -7511,7 +7452,7 @@
           </a:prstGeom>
         </p:spPr>
         <p:txBody>
-          <a:bodyPr anchorCtr="0" anchor="ctr" bIns="91425" lIns="91425" spcFirstLastPara="1" rIns="91425" wrap="square" tIns="91425">
+          <a:bodyPr spcFirstLastPara="1" wrap="square" lIns="91425" tIns="91425" rIns="91425" bIns="91425" anchor="ctr" anchorCtr="0">
             <a:normAutofit/>
           </a:bodyPr>
           <a:lstStyle>
@@ -7553,7 +7494,7 @@
             </a:lvl9pPr>
           </a:lstStyle>
           <a:p>
-            <a:pPr indent="0" lvl="0" marL="0" rtl="0" algn="r">
+            <a:pPr marL="0" lvl="0" indent="0" algn="r" rtl="0">
               <a:spcBef>
                 <a:spcPts val="0"/>
               </a:spcBef>
@@ -7579,18 +7520,19 @@
 </file>
 
 <file path=ppt/slideMasters/slideMaster1.xml><?xml version="1.0" encoding="utf-8"?>
-<p:sldMaster xmlns:a="http://schemas.openxmlformats.org/drawingml/2006/main" xmlns:r="http://schemas.openxmlformats.org/officeDocument/2006/relationships" xmlns:mc="http://schemas.openxmlformats.org/markup-compatibility/2006" xmlns:mv="urn:schemas-microsoft-com:mac:vml" xmlns:p="http://schemas.openxmlformats.org/presentationml/2006/main" xmlns:c="http://schemas.openxmlformats.org/drawingml/2006/chart" xmlns:dgm="http://schemas.openxmlformats.org/drawingml/2006/diagram" xmlns:o="urn:schemas-microsoft-com:office:office" xmlns:v="urn:schemas-microsoft-com:vml" xmlns:pvml="urn:schemas-microsoft-com:office:powerpoint" xmlns:com="http://schemas.openxmlformats.org/drawingml/2006/compatibility" xmlns:p14="http://schemas.microsoft.com/office/powerpoint/2010/main" xmlns:p15="http://schemas.microsoft.com/office/powerpoint/2012/main" xmlns:ahyp="http://schemas.microsoft.com/office/drawing/2018/hyperlinkcolor">
+<p:sldMaster xmlns:a="http://schemas.openxmlformats.org/drawingml/2006/main" xmlns:r="http://schemas.openxmlformats.org/officeDocument/2006/relationships" xmlns:p="http://schemas.openxmlformats.org/presentationml/2006/main">
   <p:cSld name="shift">
     <p:bg>
       <p:bgPr>
         <a:solidFill>
           <a:schemeClr val="dk1"/>
         </a:solidFill>
+        <a:effectLst/>
       </p:bgPr>
     </p:bg>
     <p:spTree>
       <p:nvGrpSpPr>
-        <p:cNvPr id="5" name="Shape 5"/>
+        <p:cNvPr id="1" name="Shape 5"/>
         <p:cNvGrpSpPr/>
         <p:nvPr/>
       </p:nvGrpSpPr>
@@ -7605,7 +7547,9 @@
       <p:sp>
         <p:nvSpPr>
           <p:cNvPr id="6" name="Google Shape;6;p1"/>
-          <p:cNvSpPr txBox="1"/>
+          <p:cNvSpPr txBox="1">
+            <a:spLocks noGrp="1"/>
+          </p:cNvSpPr>
           <p:nvPr>
             <p:ph type="title"/>
           </p:nvPr>
@@ -7624,7 +7568,7 @@
           </a:ln>
         </p:spPr>
         <p:txBody>
-          <a:bodyPr anchorCtr="0" anchor="t" bIns="91425" lIns="91425" spcFirstLastPara="1" rIns="91425" wrap="square" tIns="91425">
+          <a:bodyPr spcFirstLastPara="1" wrap="square" lIns="91425" tIns="91425" rIns="91425" bIns="91425" anchor="t" anchorCtr="0">
             <a:normAutofit/>
           </a:bodyPr>
           <a:lstStyle>
@@ -7836,15 +7780,19 @@
               </a:defRPr>
             </a:lvl9pPr>
           </a:lstStyle>
-          <a:p/>
+          <a:p>
+            <a:endParaRPr/>
+          </a:p>
         </p:txBody>
       </p:sp>
       <p:sp>
         <p:nvSpPr>
           <p:cNvPr id="7" name="Google Shape;7;p1"/>
-          <p:cNvSpPr txBox="1"/>
+          <p:cNvSpPr txBox="1">
+            <a:spLocks noGrp="1"/>
+          </p:cNvSpPr>
           <p:nvPr>
-            <p:ph idx="1" type="body"/>
+            <p:ph type="body" idx="1"/>
           </p:nvPr>
         </p:nvSpPr>
         <p:spPr>
@@ -7861,11 +7809,11 @@
           </a:ln>
         </p:spPr>
         <p:txBody>
-          <a:bodyPr anchorCtr="0" anchor="t" bIns="91425" lIns="91425" spcFirstLastPara="1" rIns="91425" wrap="square" tIns="91425">
+          <a:bodyPr spcFirstLastPara="1" wrap="square" lIns="91425" tIns="91425" rIns="91425" bIns="91425" anchor="t" anchorCtr="0">
             <a:normAutofit/>
           </a:bodyPr>
           <a:lstStyle>
-            <a:lvl1pPr indent="-311150" lvl="0" marL="457200">
+            <a:lvl1pPr marL="457200" lvl="0" indent="-311150">
               <a:lnSpc>
                 <a:spcPct val="115000"/>
               </a:lnSpc>
@@ -7891,7 +7839,7 @@
                 <a:sym typeface="Calibri"/>
               </a:defRPr>
             </a:lvl1pPr>
-            <a:lvl2pPr indent="-298450" lvl="1" marL="914400">
+            <a:lvl2pPr marL="914400" lvl="1" indent="-298450">
               <a:lnSpc>
                 <a:spcPct val="115000"/>
               </a:lnSpc>
@@ -7917,7 +7865,7 @@
                 <a:sym typeface="Calibri"/>
               </a:defRPr>
             </a:lvl2pPr>
-            <a:lvl3pPr indent="-298450" lvl="2" marL="1371600">
+            <a:lvl3pPr marL="1371600" lvl="2" indent="-298450">
               <a:lnSpc>
                 <a:spcPct val="115000"/>
               </a:lnSpc>
@@ -7943,7 +7891,7 @@
                 <a:sym typeface="Calibri"/>
               </a:defRPr>
             </a:lvl3pPr>
-            <a:lvl4pPr indent="-298450" lvl="3" marL="1828800">
+            <a:lvl4pPr marL="1828800" lvl="3" indent="-298450">
               <a:lnSpc>
                 <a:spcPct val="115000"/>
               </a:lnSpc>
@@ -7969,7 +7917,7 @@
                 <a:sym typeface="Calibri"/>
               </a:defRPr>
             </a:lvl4pPr>
-            <a:lvl5pPr indent="-298450" lvl="4" marL="2286000">
+            <a:lvl5pPr marL="2286000" lvl="4" indent="-298450">
               <a:lnSpc>
                 <a:spcPct val="115000"/>
               </a:lnSpc>
@@ -7995,7 +7943,7 @@
                 <a:sym typeface="Calibri"/>
               </a:defRPr>
             </a:lvl5pPr>
-            <a:lvl6pPr indent="-298450" lvl="5" marL="2743200">
+            <a:lvl6pPr marL="2743200" lvl="5" indent="-298450">
               <a:lnSpc>
                 <a:spcPct val="115000"/>
               </a:lnSpc>
@@ -8021,7 +7969,7 @@
                 <a:sym typeface="Calibri"/>
               </a:defRPr>
             </a:lvl6pPr>
-            <a:lvl7pPr indent="-298450" lvl="6" marL="3200400">
+            <a:lvl7pPr marL="3200400" lvl="6" indent="-298450">
               <a:lnSpc>
                 <a:spcPct val="115000"/>
               </a:lnSpc>
@@ -8047,7 +7995,7 @@
                 <a:sym typeface="Calibri"/>
               </a:defRPr>
             </a:lvl7pPr>
-            <a:lvl8pPr indent="-298450" lvl="7" marL="3657600">
+            <a:lvl8pPr marL="3657600" lvl="7" indent="-298450">
               <a:lnSpc>
                 <a:spcPct val="115000"/>
               </a:lnSpc>
@@ -8073,7 +8021,7 @@
                 <a:sym typeface="Calibri"/>
               </a:defRPr>
             </a:lvl8pPr>
-            <a:lvl9pPr indent="-298450" lvl="8" marL="4114800">
+            <a:lvl9pPr marL="4114800" lvl="8" indent="-298450">
               <a:lnSpc>
                 <a:spcPct val="115000"/>
               </a:lnSpc>
@@ -8100,15 +8048,19 @@
               </a:defRPr>
             </a:lvl9pPr>
           </a:lstStyle>
-          <a:p/>
+          <a:p>
+            <a:endParaRPr/>
+          </a:p>
         </p:txBody>
       </p:sp>
       <p:sp>
         <p:nvSpPr>
           <p:cNvPr id="8" name="Google Shape;8;p1"/>
-          <p:cNvSpPr txBox="1"/>
+          <p:cNvSpPr txBox="1">
+            <a:spLocks noGrp="1"/>
+          </p:cNvSpPr>
           <p:nvPr>
-            <p:ph idx="12" type="sldNum"/>
+            <p:ph type="sldNum" idx="12"/>
           </p:nvPr>
         </p:nvSpPr>
         <p:spPr>
@@ -8125,7 +8077,7 @@
           </a:ln>
         </p:spPr>
         <p:txBody>
-          <a:bodyPr anchorCtr="0" anchor="ctr" bIns="91425" lIns="91425" spcFirstLastPara="1" rIns="91425" wrap="square" tIns="91425">
+          <a:bodyPr spcFirstLastPara="1" wrap="square" lIns="91425" tIns="91425" rIns="91425" bIns="91425" anchor="ctr" anchorCtr="0">
             <a:normAutofit/>
           </a:bodyPr>
           <a:lstStyle>
@@ -8239,7 +8191,7 @@
             </a:lvl9pPr>
           </a:lstStyle>
           <a:p>
-            <a:pPr indent="0" lvl="0" marL="0" rtl="0" algn="r">
+            <a:pPr marL="0" lvl="0" indent="0" algn="r" rtl="0">
               <a:spcBef>
                 <a:spcPts val="0"/>
               </a:spcBef>
@@ -8258,7 +8210,7 @@
       </p:sp>
     </p:spTree>
   </p:cSld>
-  <p:clrMap accent1="accent1" accent2="accent2" accent3="accent3" accent4="accent4" accent5="accent5" accent6="accent6" bg1="lt1" bg2="dk2" tx1="dk1" tx2="lt2" folHlink="folHlink" hlink="hlink"/>
+  <p:clrMap bg1="lt1" tx1="dk1" bg2="dk2" tx2="lt2" accent1="accent1" accent2="accent2" accent3="accent3" accent4="accent4" accent5="accent5" accent6="accent6" hlink="hlink" folHlink="folHlink"/>
   <p:sldLayoutIdLst>
     <p:sldLayoutId id="2147483648" r:id="rId1"/>
     <p:sldLayoutId id="2147483649" r:id="rId2"/>
@@ -8272,10 +8224,10 @@
     <p:sldLayoutId id="2147483657" r:id="rId10"/>
     <p:sldLayoutId id="2147483658" r:id="rId11"/>
   </p:sldLayoutIdLst>
-  <p:hf dt="0" ftr="0" hdr="0" sldNum="0"/>
+  <p:hf sldNum="0" hdr="0" ftr="0" dt="0"/>
   <p:txStyles>
     <p:titleStyle>
-      <a:defPPr lvl="0" marR="0" rtl="0" algn="l">
+      <a:defPPr marR="0" lvl="0" algn="l" rtl="0">
         <a:lnSpc>
           <a:spcPct val="100000"/>
         </a:lnSpc>
@@ -8286,7 +8238,7 @@
           <a:spcPts val="0"/>
         </a:spcAft>
       </a:defPPr>
-      <a:lvl1pPr lvl="0" marR="0" rtl="0" algn="l">
+      <a:lvl1pPr marR="0" lvl="0" algn="l" rtl="0">
         <a:lnSpc>
           <a:spcPct val="100000"/>
         </a:lnSpc>
@@ -8300,7 +8252,7 @@
           <a:srgbClr val="000000"/>
         </a:buClr>
         <a:buFont typeface="Arial"/>
-        <a:defRPr b="0" i="0" sz="1400" u="none" cap="none" strike="noStrike">
+        <a:defRPr sz="1400" b="0" i="0" u="none" strike="noStrike" cap="none">
           <a:solidFill>
             <a:srgbClr val="000000"/>
           </a:solidFill>
@@ -8310,7 +8262,7 @@
           <a:sym typeface="Arial"/>
         </a:defRPr>
       </a:lvl1pPr>
-      <a:lvl2pPr lvl="1" marR="0" rtl="0" algn="l">
+      <a:lvl2pPr marR="0" lvl="1" algn="l" rtl="0">
         <a:lnSpc>
           <a:spcPct val="100000"/>
         </a:lnSpc>
@@ -8324,7 +8276,7 @@
           <a:srgbClr val="000000"/>
         </a:buClr>
         <a:buFont typeface="Arial"/>
-        <a:defRPr b="0" i="0" sz="1400" u="none" cap="none" strike="noStrike">
+        <a:defRPr sz="1400" b="0" i="0" u="none" strike="noStrike" cap="none">
           <a:solidFill>
             <a:srgbClr val="000000"/>
           </a:solidFill>
@@ -8334,7 +8286,7 @@
           <a:sym typeface="Arial"/>
         </a:defRPr>
       </a:lvl2pPr>
-      <a:lvl3pPr lvl="2" marR="0" rtl="0" algn="l">
+      <a:lvl3pPr marR="0" lvl="2" algn="l" rtl="0">
         <a:lnSpc>
           <a:spcPct val="100000"/>
         </a:lnSpc>
@@ -8348,7 +8300,7 @@
           <a:srgbClr val="000000"/>
         </a:buClr>
         <a:buFont typeface="Arial"/>
-        <a:defRPr b="0" i="0" sz="1400" u="none" cap="none" strike="noStrike">
+        <a:defRPr sz="1400" b="0" i="0" u="none" strike="noStrike" cap="none">
           <a:solidFill>
             <a:srgbClr val="000000"/>
           </a:solidFill>
@@ -8358,7 +8310,7 @@
           <a:sym typeface="Arial"/>
         </a:defRPr>
       </a:lvl3pPr>
-      <a:lvl4pPr lvl="3" marR="0" rtl="0" algn="l">
+      <a:lvl4pPr marR="0" lvl="3" algn="l" rtl="0">
         <a:lnSpc>
           <a:spcPct val="100000"/>
         </a:lnSpc>
@@ -8372,7 +8324,7 @@
           <a:srgbClr val="000000"/>
         </a:buClr>
         <a:buFont typeface="Arial"/>
-        <a:defRPr b="0" i="0" sz="1400" u="none" cap="none" strike="noStrike">
+        <a:defRPr sz="1400" b="0" i="0" u="none" strike="noStrike" cap="none">
           <a:solidFill>
             <a:srgbClr val="000000"/>
           </a:solidFill>
@@ -8382,7 +8334,7 @@
           <a:sym typeface="Arial"/>
         </a:defRPr>
       </a:lvl4pPr>
-      <a:lvl5pPr lvl="4" marR="0" rtl="0" algn="l">
+      <a:lvl5pPr marR="0" lvl="4" algn="l" rtl="0">
         <a:lnSpc>
           <a:spcPct val="100000"/>
         </a:lnSpc>
@@ -8396,7 +8348,7 @@
           <a:srgbClr val="000000"/>
         </a:buClr>
         <a:buFont typeface="Arial"/>
-        <a:defRPr b="0" i="0" sz="1400" u="none" cap="none" strike="noStrike">
+        <a:defRPr sz="1400" b="0" i="0" u="none" strike="noStrike" cap="none">
           <a:solidFill>
             <a:srgbClr val="000000"/>
           </a:solidFill>
@@ -8406,7 +8358,7 @@
           <a:sym typeface="Arial"/>
         </a:defRPr>
       </a:lvl5pPr>
-      <a:lvl6pPr lvl="5" marR="0" rtl="0" algn="l">
+      <a:lvl6pPr marR="0" lvl="5" algn="l" rtl="0">
         <a:lnSpc>
           <a:spcPct val="100000"/>
         </a:lnSpc>
@@ -8420,7 +8372,7 @@
           <a:srgbClr val="000000"/>
         </a:buClr>
         <a:buFont typeface="Arial"/>
-        <a:defRPr b="0" i="0" sz="1400" u="none" cap="none" strike="noStrike">
+        <a:defRPr sz="1400" b="0" i="0" u="none" strike="noStrike" cap="none">
           <a:solidFill>
             <a:srgbClr val="000000"/>
           </a:solidFill>
@@ -8430,7 +8382,7 @@
           <a:sym typeface="Arial"/>
         </a:defRPr>
       </a:lvl6pPr>
-      <a:lvl7pPr lvl="6" marR="0" rtl="0" algn="l">
+      <a:lvl7pPr marR="0" lvl="6" algn="l" rtl="0">
         <a:lnSpc>
           <a:spcPct val="100000"/>
         </a:lnSpc>
@@ -8444,7 +8396,7 @@
           <a:srgbClr val="000000"/>
         </a:buClr>
         <a:buFont typeface="Arial"/>
-        <a:defRPr b="0" i="0" sz="1400" u="none" cap="none" strike="noStrike">
+        <a:defRPr sz="1400" b="0" i="0" u="none" strike="noStrike" cap="none">
           <a:solidFill>
             <a:srgbClr val="000000"/>
           </a:solidFill>
@@ -8454,7 +8406,7 @@
           <a:sym typeface="Arial"/>
         </a:defRPr>
       </a:lvl7pPr>
-      <a:lvl8pPr lvl="7" marR="0" rtl="0" algn="l">
+      <a:lvl8pPr marR="0" lvl="7" algn="l" rtl="0">
         <a:lnSpc>
           <a:spcPct val="100000"/>
         </a:lnSpc>
@@ -8468,7 +8420,7 @@
           <a:srgbClr val="000000"/>
         </a:buClr>
         <a:buFont typeface="Arial"/>
-        <a:defRPr b="0" i="0" sz="1400" u="none" cap="none" strike="noStrike">
+        <a:defRPr sz="1400" b="0" i="0" u="none" strike="noStrike" cap="none">
           <a:solidFill>
             <a:srgbClr val="000000"/>
           </a:solidFill>
@@ -8478,7 +8430,7 @@
           <a:sym typeface="Arial"/>
         </a:defRPr>
       </a:lvl8pPr>
-      <a:lvl9pPr lvl="8" marR="0" rtl="0" algn="l">
+      <a:lvl9pPr marR="0" lvl="8" algn="l" rtl="0">
         <a:lnSpc>
           <a:spcPct val="100000"/>
         </a:lnSpc>
@@ -8492,7 +8444,7 @@
           <a:srgbClr val="000000"/>
         </a:buClr>
         <a:buFont typeface="Arial"/>
-        <a:defRPr b="0" i="0" sz="1400" u="none" cap="none" strike="noStrike">
+        <a:defRPr sz="1400" b="0" i="0" u="none" strike="noStrike" cap="none">
           <a:solidFill>
             <a:srgbClr val="000000"/>
           </a:solidFill>
@@ -8504,7 +8456,7 @@
       </a:lvl9pPr>
     </p:titleStyle>
     <p:bodyStyle>
-      <a:defPPr lvl="0" marR="0" rtl="0" algn="l">
+      <a:defPPr marR="0" lvl="0" algn="l" rtl="0">
         <a:lnSpc>
           <a:spcPct val="100000"/>
         </a:lnSpc>
@@ -8515,7 +8467,7 @@
           <a:spcPts val="0"/>
         </a:spcAft>
       </a:defPPr>
-      <a:lvl1pPr lvl="0" marR="0" rtl="0" algn="l">
+      <a:lvl1pPr marR="0" lvl="0" algn="l" rtl="0">
         <a:lnSpc>
           <a:spcPct val="100000"/>
         </a:lnSpc>
@@ -8529,7 +8481,7 @@
           <a:srgbClr val="000000"/>
         </a:buClr>
         <a:buFont typeface="Arial"/>
-        <a:defRPr b="0" i="0" sz="1400" u="none" cap="none" strike="noStrike">
+        <a:defRPr sz="1400" b="0" i="0" u="none" strike="noStrike" cap="none">
           <a:solidFill>
             <a:srgbClr val="000000"/>
           </a:solidFill>
@@ -8539,7 +8491,7 @@
           <a:sym typeface="Arial"/>
         </a:defRPr>
       </a:lvl1pPr>
-      <a:lvl2pPr lvl="1" marR="0" rtl="0" algn="l">
+      <a:lvl2pPr marR="0" lvl="1" algn="l" rtl="0">
         <a:lnSpc>
           <a:spcPct val="100000"/>
         </a:lnSpc>
@@ -8553,7 +8505,7 @@
           <a:srgbClr val="000000"/>
         </a:buClr>
         <a:buFont typeface="Arial"/>
-        <a:defRPr b="0" i="0" sz="1400" u="none" cap="none" strike="noStrike">
+        <a:defRPr sz="1400" b="0" i="0" u="none" strike="noStrike" cap="none">
           <a:solidFill>
             <a:srgbClr val="000000"/>
           </a:solidFill>
@@ -8563,7 +8515,7 @@
           <a:sym typeface="Arial"/>
         </a:defRPr>
       </a:lvl2pPr>
-      <a:lvl3pPr lvl="2" marR="0" rtl="0" algn="l">
+      <a:lvl3pPr marR="0" lvl="2" algn="l" rtl="0">
         <a:lnSpc>
           <a:spcPct val="100000"/>
         </a:lnSpc>
@@ -8577,7 +8529,7 @@
           <a:srgbClr val="000000"/>
         </a:buClr>
         <a:buFont typeface="Arial"/>
-        <a:defRPr b="0" i="0" sz="1400" u="none" cap="none" strike="noStrike">
+        <a:defRPr sz="1400" b="0" i="0" u="none" strike="noStrike" cap="none">
           <a:solidFill>
             <a:srgbClr val="000000"/>
           </a:solidFill>
@@ -8587,7 +8539,7 @@
           <a:sym typeface="Arial"/>
         </a:defRPr>
       </a:lvl3pPr>
-      <a:lvl4pPr lvl="3" marR="0" rtl="0" algn="l">
+      <a:lvl4pPr marR="0" lvl="3" algn="l" rtl="0">
         <a:lnSpc>
           <a:spcPct val="100000"/>
         </a:lnSpc>
@@ -8601,7 +8553,7 @@
           <a:srgbClr val="000000"/>
         </a:buClr>
         <a:buFont typeface="Arial"/>
-        <a:defRPr b="0" i="0" sz="1400" u="none" cap="none" strike="noStrike">
+        <a:defRPr sz="1400" b="0" i="0" u="none" strike="noStrike" cap="none">
           <a:solidFill>
             <a:srgbClr val="000000"/>
           </a:solidFill>
@@ -8611,7 +8563,7 @@
           <a:sym typeface="Arial"/>
         </a:defRPr>
       </a:lvl4pPr>
-      <a:lvl5pPr lvl="4" marR="0" rtl="0" algn="l">
+      <a:lvl5pPr marR="0" lvl="4" algn="l" rtl="0">
         <a:lnSpc>
           <a:spcPct val="100000"/>
         </a:lnSpc>
@@ -8625,7 +8577,7 @@
           <a:srgbClr val="000000"/>
         </a:buClr>
         <a:buFont typeface="Arial"/>
-        <a:defRPr b="0" i="0" sz="1400" u="none" cap="none" strike="noStrike">
+        <a:defRPr sz="1400" b="0" i="0" u="none" strike="noStrike" cap="none">
           <a:solidFill>
             <a:srgbClr val="000000"/>
           </a:solidFill>
@@ -8635,7 +8587,7 @@
           <a:sym typeface="Arial"/>
         </a:defRPr>
       </a:lvl5pPr>
-      <a:lvl6pPr lvl="5" marR="0" rtl="0" algn="l">
+      <a:lvl6pPr marR="0" lvl="5" algn="l" rtl="0">
         <a:lnSpc>
           <a:spcPct val="100000"/>
         </a:lnSpc>
@@ -8649,7 +8601,7 @@
           <a:srgbClr val="000000"/>
         </a:buClr>
         <a:buFont typeface="Arial"/>
-        <a:defRPr b="0" i="0" sz="1400" u="none" cap="none" strike="noStrike">
+        <a:defRPr sz="1400" b="0" i="0" u="none" strike="noStrike" cap="none">
           <a:solidFill>
             <a:srgbClr val="000000"/>
           </a:solidFill>
@@ -8659,7 +8611,7 @@
           <a:sym typeface="Arial"/>
         </a:defRPr>
       </a:lvl6pPr>
-      <a:lvl7pPr lvl="6" marR="0" rtl="0" algn="l">
+      <a:lvl7pPr marR="0" lvl="6" algn="l" rtl="0">
         <a:lnSpc>
           <a:spcPct val="100000"/>
         </a:lnSpc>
@@ -8673,7 +8625,7 @@
           <a:srgbClr val="000000"/>
         </a:buClr>
         <a:buFont typeface="Arial"/>
-        <a:defRPr b="0" i="0" sz="1400" u="none" cap="none" strike="noStrike">
+        <a:defRPr sz="1400" b="0" i="0" u="none" strike="noStrike" cap="none">
           <a:solidFill>
             <a:srgbClr val="000000"/>
           </a:solidFill>
@@ -8683,7 +8635,7 @@
           <a:sym typeface="Arial"/>
         </a:defRPr>
       </a:lvl7pPr>
-      <a:lvl8pPr lvl="7" marR="0" rtl="0" algn="l">
+      <a:lvl8pPr marR="0" lvl="7" algn="l" rtl="0">
         <a:lnSpc>
           <a:spcPct val="100000"/>
         </a:lnSpc>
@@ -8697,7 +8649,7 @@
           <a:srgbClr val="000000"/>
         </a:buClr>
         <a:buFont typeface="Arial"/>
-        <a:defRPr b="0" i="0" sz="1400" u="none" cap="none" strike="noStrike">
+        <a:defRPr sz="1400" b="0" i="0" u="none" strike="noStrike" cap="none">
           <a:solidFill>
             <a:srgbClr val="000000"/>
           </a:solidFill>
@@ -8707,7 +8659,7 @@
           <a:sym typeface="Arial"/>
         </a:defRPr>
       </a:lvl8pPr>
-      <a:lvl9pPr lvl="8" marR="0" rtl="0" algn="l">
+      <a:lvl9pPr marR="0" lvl="8" algn="l" rtl="0">
         <a:lnSpc>
           <a:spcPct val="100000"/>
         </a:lnSpc>
@@ -8721,7 +8673,7 @@
           <a:srgbClr val="000000"/>
         </a:buClr>
         <a:buFont typeface="Arial"/>
-        <a:defRPr b="0" i="0" sz="1400" u="none" cap="none" strike="noStrike">
+        <a:defRPr sz="1400" b="0" i="0" u="none" strike="noStrike" cap="none">
           <a:solidFill>
             <a:srgbClr val="000000"/>
           </a:solidFill>
@@ -8733,7 +8685,7 @@
       </a:lvl9pPr>
     </p:bodyStyle>
     <p:otherStyle>
-      <a:defPPr lvl="0" marR="0" rtl="0" algn="l">
+      <a:defPPr marR="0" lvl="0" algn="l" rtl="0">
         <a:lnSpc>
           <a:spcPct val="100000"/>
         </a:lnSpc>
@@ -8744,7 +8696,7 @@
           <a:spcPts val="0"/>
         </a:spcAft>
       </a:defPPr>
-      <a:lvl1pPr lvl="0" marR="0" rtl="0" algn="l">
+      <a:lvl1pPr marR="0" lvl="0" algn="l" rtl="0">
         <a:lnSpc>
           <a:spcPct val="100000"/>
         </a:lnSpc>
@@ -8758,7 +8710,7 @@
           <a:srgbClr val="000000"/>
         </a:buClr>
         <a:buFont typeface="Arial"/>
-        <a:defRPr b="0" i="0" sz="1400" u="none" cap="none" strike="noStrike">
+        <a:defRPr sz="1400" b="0" i="0" u="none" strike="noStrike" cap="none">
           <a:solidFill>
             <a:srgbClr val="000000"/>
           </a:solidFill>
@@ -8768,7 +8720,7 @@
           <a:sym typeface="Arial"/>
         </a:defRPr>
       </a:lvl1pPr>
-      <a:lvl2pPr lvl="1" marR="0" rtl="0" algn="l">
+      <a:lvl2pPr marR="0" lvl="1" algn="l" rtl="0">
         <a:lnSpc>
           <a:spcPct val="100000"/>
         </a:lnSpc>
@@ -8782,7 +8734,7 @@
           <a:srgbClr val="000000"/>
         </a:buClr>
         <a:buFont typeface="Arial"/>
-        <a:defRPr b="0" i="0" sz="1400" u="none" cap="none" strike="noStrike">
+        <a:defRPr sz="1400" b="0" i="0" u="none" strike="noStrike" cap="none">
           <a:solidFill>
             <a:srgbClr val="000000"/>
           </a:solidFill>
@@ -8792,7 +8744,7 @@
           <a:sym typeface="Arial"/>
         </a:defRPr>
       </a:lvl2pPr>
-      <a:lvl3pPr lvl="2" marR="0" rtl="0" algn="l">
+      <a:lvl3pPr marR="0" lvl="2" algn="l" rtl="0">
         <a:lnSpc>
           <a:spcPct val="100000"/>
         </a:lnSpc>
@@ -8806,7 +8758,7 @@
           <a:srgbClr val="000000"/>
         </a:buClr>
         <a:buFont typeface="Arial"/>
-        <a:defRPr b="0" i="0" sz="1400" u="none" cap="none" strike="noStrike">
+        <a:defRPr sz="1400" b="0" i="0" u="none" strike="noStrike" cap="none">
           <a:solidFill>
             <a:srgbClr val="000000"/>
           </a:solidFill>
@@ -8816,7 +8768,7 @@
           <a:sym typeface="Arial"/>
         </a:defRPr>
       </a:lvl3pPr>
-      <a:lvl4pPr lvl="3" marR="0" rtl="0" algn="l">
+      <a:lvl4pPr marR="0" lvl="3" algn="l" rtl="0">
         <a:lnSpc>
           <a:spcPct val="100000"/>
         </a:lnSpc>
@@ -8830,7 +8782,7 @@
           <a:srgbClr val="000000"/>
         </a:buClr>
         <a:buFont typeface="Arial"/>
-        <a:defRPr b="0" i="0" sz="1400" u="none" cap="none" strike="noStrike">
+        <a:defRPr sz="1400" b="0" i="0" u="none" strike="noStrike" cap="none">
           <a:solidFill>
             <a:srgbClr val="000000"/>
           </a:solidFill>
@@ -8840,7 +8792,7 @@
           <a:sym typeface="Arial"/>
         </a:defRPr>
       </a:lvl4pPr>
-      <a:lvl5pPr lvl="4" marR="0" rtl="0" algn="l">
+      <a:lvl5pPr marR="0" lvl="4" algn="l" rtl="0">
         <a:lnSpc>
           <a:spcPct val="100000"/>
         </a:lnSpc>
@@ -8854,7 +8806,7 @@
           <a:srgbClr val="000000"/>
         </a:buClr>
         <a:buFont typeface="Arial"/>
-        <a:defRPr b="0" i="0" sz="1400" u="none" cap="none" strike="noStrike">
+        <a:defRPr sz="1400" b="0" i="0" u="none" strike="noStrike" cap="none">
           <a:solidFill>
             <a:srgbClr val="000000"/>
           </a:solidFill>
@@ -8864,7 +8816,7 @@
           <a:sym typeface="Arial"/>
         </a:defRPr>
       </a:lvl5pPr>
-      <a:lvl6pPr lvl="5" marR="0" rtl="0" algn="l">
+      <a:lvl6pPr marR="0" lvl="5" algn="l" rtl="0">
         <a:lnSpc>
           <a:spcPct val="100000"/>
         </a:lnSpc>
@@ -8878,7 +8830,7 @@
           <a:srgbClr val="000000"/>
         </a:buClr>
         <a:buFont typeface="Arial"/>
-        <a:defRPr b="0" i="0" sz="1400" u="none" cap="none" strike="noStrike">
+        <a:defRPr sz="1400" b="0" i="0" u="none" strike="noStrike" cap="none">
           <a:solidFill>
             <a:srgbClr val="000000"/>
           </a:solidFill>
@@ -8888,7 +8840,7 @@
           <a:sym typeface="Arial"/>
         </a:defRPr>
       </a:lvl6pPr>
-      <a:lvl7pPr lvl="6" marR="0" rtl="0" algn="l">
+      <a:lvl7pPr marR="0" lvl="6" algn="l" rtl="0">
         <a:lnSpc>
           <a:spcPct val="100000"/>
         </a:lnSpc>
@@ -8902,7 +8854,7 @@
           <a:srgbClr val="000000"/>
         </a:buClr>
         <a:buFont typeface="Arial"/>
-        <a:defRPr b="0" i="0" sz="1400" u="none" cap="none" strike="noStrike">
+        <a:defRPr sz="1400" b="0" i="0" u="none" strike="noStrike" cap="none">
           <a:solidFill>
             <a:srgbClr val="000000"/>
           </a:solidFill>
@@ -8912,7 +8864,7 @@
           <a:sym typeface="Arial"/>
         </a:defRPr>
       </a:lvl7pPr>
-      <a:lvl8pPr lvl="7" marR="0" rtl="0" algn="l">
+      <a:lvl8pPr marR="0" lvl="7" algn="l" rtl="0">
         <a:lnSpc>
           <a:spcPct val="100000"/>
         </a:lnSpc>
@@ -8926,7 +8878,7 @@
           <a:srgbClr val="000000"/>
         </a:buClr>
         <a:buFont typeface="Arial"/>
-        <a:defRPr b="0" i="0" sz="1400" u="none" cap="none" strike="noStrike">
+        <a:defRPr sz="1400" b="0" i="0" u="none" strike="noStrike" cap="none">
           <a:solidFill>
             <a:srgbClr val="000000"/>
           </a:solidFill>
@@ -8936,7 +8888,7 @@
           <a:sym typeface="Arial"/>
         </a:defRPr>
       </a:lvl8pPr>
-      <a:lvl9pPr lvl="8" marR="0" rtl="0" algn="l">
+      <a:lvl9pPr marR="0" lvl="8" algn="l" rtl="0">
         <a:lnSpc>
           <a:spcPct val="100000"/>
         </a:lnSpc>
@@ -8950,7 +8902,7 @@
           <a:srgbClr val="000000"/>
         </a:buClr>
         <a:buFont typeface="Arial"/>
-        <a:defRPr b="0" i="0" sz="1400" u="none" cap="none" strike="noStrike">
+        <a:defRPr sz="1400" b="0" i="0" u="none" strike="noStrike" cap="none">
           <a:solidFill>
             <a:srgbClr val="000000"/>
           </a:solidFill>
@@ -8966,11 +8918,11 @@
 </file>
 
 <file path=ppt/slides/slide1.xml><?xml version="1.0" encoding="utf-8"?>
-<p:sld xmlns:a="http://schemas.openxmlformats.org/drawingml/2006/main" xmlns:r="http://schemas.openxmlformats.org/officeDocument/2006/relationships" xmlns:mc="http://schemas.openxmlformats.org/markup-compatibility/2006" xmlns:mv="urn:schemas-microsoft-com:mac:vml" xmlns:p="http://schemas.openxmlformats.org/presentationml/2006/main" xmlns:c="http://schemas.openxmlformats.org/drawingml/2006/chart" xmlns:dgm="http://schemas.openxmlformats.org/drawingml/2006/diagram" xmlns:o="urn:schemas-microsoft-com:office:office" xmlns:v="urn:schemas-microsoft-com:vml" xmlns:pvml="urn:schemas-microsoft-com:office:powerpoint" xmlns:com="http://schemas.openxmlformats.org/drawingml/2006/compatibility" xmlns:p14="http://schemas.microsoft.com/office/powerpoint/2010/main" xmlns:p15="http://schemas.microsoft.com/office/powerpoint/2012/main" xmlns:ahyp="http://schemas.microsoft.com/office/drawing/2018/hyperlinkcolor">
+<p:sld xmlns:a="http://schemas.openxmlformats.org/drawingml/2006/main" xmlns:r="http://schemas.openxmlformats.org/officeDocument/2006/relationships" xmlns:p="http://schemas.openxmlformats.org/presentationml/2006/main">
   <p:cSld>
     <p:spTree>
       <p:nvGrpSpPr>
-        <p:cNvPr id="127" name="Shape 127"/>
+        <p:cNvPr id="1" name="Shape 127"/>
         <p:cNvGrpSpPr/>
         <p:nvPr/>
       </p:nvGrpSpPr>
@@ -8985,7 +8937,9 @@
       <p:sp>
         <p:nvSpPr>
           <p:cNvPr id="128" name="Google Shape;128;p13"/>
-          <p:cNvSpPr txBox="1"/>
+          <p:cNvSpPr txBox="1">
+            <a:spLocks noGrp="1"/>
+          </p:cNvSpPr>
           <p:nvPr>
             <p:ph type="ctrTitle"/>
           </p:nvPr>
@@ -9000,12 +8954,12 @@
           </a:prstGeom>
         </p:spPr>
         <p:txBody>
-          <a:bodyPr anchorCtr="0" anchor="ctr" bIns="91425" lIns="91425" spcFirstLastPara="1" rIns="91425" wrap="square" tIns="91425">
+          <a:bodyPr spcFirstLastPara="1" wrap="square" lIns="91425" tIns="91425" rIns="91425" bIns="91425" anchor="ctr" anchorCtr="0">
             <a:normAutofit/>
           </a:bodyPr>
           <a:lstStyle/>
           <a:p>
-            <a:pPr indent="0" lvl="0" marL="0" rtl="0" algn="ctr">
+            <a:pPr marL="0" lvl="0" indent="0" algn="ctr" rtl="0">
               <a:spcBef>
                 <a:spcPts val="0"/>
               </a:spcBef>
@@ -9015,7 +8969,7 @@
               <a:buNone/>
             </a:pPr>
             <a:r>
-              <a:rPr lang="pl">
+              <a:rPr lang="pl" dirty="0">
                 <a:latin typeface="Arial"/>
                 <a:ea typeface="Arial"/>
                 <a:cs typeface="Arial"/>
@@ -9023,7 +8977,7 @@
               </a:rPr>
               <a:t>Planer dydaktycznych</a:t>
             </a:r>
-            <a:endParaRPr>
+            <a:endParaRPr dirty="0">
               <a:latin typeface="Arial"/>
               <a:ea typeface="Arial"/>
               <a:cs typeface="Arial"/>
@@ -9031,7 +8985,7 @@
             </a:endParaRPr>
           </a:p>
           <a:p>
-            <a:pPr indent="0" lvl="0" marL="0" rtl="0" algn="ctr">
+            <a:pPr marL="0" lvl="0" indent="0" algn="ctr" rtl="0">
               <a:spcBef>
                 <a:spcPts val="0"/>
               </a:spcBef>
@@ -9041,7 +8995,7 @@
               <a:buNone/>
             </a:pPr>
             <a:r>
-              <a:rPr lang="pl">
+              <a:rPr lang="pl" dirty="0">
                 <a:latin typeface="Arial"/>
                 <a:ea typeface="Arial"/>
                 <a:cs typeface="Arial"/>
@@ -9049,7 +9003,7 @@
               </a:rPr>
               <a:t>zadań grupowych</a:t>
             </a:r>
-            <a:endParaRPr>
+            <a:endParaRPr dirty="0">
               <a:latin typeface="Arial"/>
               <a:ea typeface="Arial"/>
               <a:cs typeface="Arial"/>
@@ -9061,9 +9015,11 @@
       <p:sp>
         <p:nvSpPr>
           <p:cNvPr id="129" name="Google Shape;129;p13"/>
-          <p:cNvSpPr txBox="1"/>
+          <p:cNvSpPr txBox="1">
+            <a:spLocks noGrp="1"/>
+          </p:cNvSpPr>
           <p:nvPr>
-            <p:ph idx="1" type="subTitle"/>
+            <p:ph type="subTitle" idx="1"/>
           </p:nvPr>
         </p:nvSpPr>
         <p:spPr>
@@ -9076,12 +9032,12 @@
           </a:prstGeom>
         </p:spPr>
         <p:txBody>
-          <a:bodyPr anchorCtr="0" anchor="t" bIns="91425" lIns="91425" spcFirstLastPara="1" rIns="91425" wrap="square" tIns="91425">
-            <a:normAutofit fontScale="85000" lnSpcReduction="20000"/>
+          <a:bodyPr spcFirstLastPara="1" wrap="square" lIns="91425" tIns="91425" rIns="91425" bIns="91425" anchor="t" anchorCtr="0">
+            <a:normAutofit fontScale="77500" lnSpcReduction="20000"/>
           </a:bodyPr>
           <a:lstStyle/>
           <a:p>
-            <a:pPr indent="0" lvl="0" marL="0" rtl="0" algn="ctr">
+            <a:pPr marL="0" lvl="0" indent="0" algn="ctr" rtl="0">
               <a:spcBef>
                 <a:spcPts val="0"/>
               </a:spcBef>
@@ -9091,7 +9047,7 @@
               <a:buNone/>
             </a:pPr>
             <a:r>
-              <a:rPr lang="pl">
+              <a:rPr lang="pl" dirty="0">
                 <a:latin typeface="Arial"/>
                 <a:ea typeface="Arial"/>
                 <a:cs typeface="Arial"/>
@@ -9099,7 +9055,7 @@
               </a:rPr>
               <a:t>Narzędzie dla nauczyciela pozwalające na przeprowadzanie zadań grupowych wśród swoich uczniów. </a:t>
             </a:r>
-            <a:endParaRPr>
+            <a:endParaRPr dirty="0">
               <a:latin typeface="Arial"/>
               <a:ea typeface="Arial"/>
               <a:cs typeface="Arial"/>
@@ -9117,11 +9073,11 @@
 </file>
 
 <file path=ppt/slides/slide2.xml><?xml version="1.0" encoding="utf-8"?>
-<p:sld xmlns:a="http://schemas.openxmlformats.org/drawingml/2006/main" xmlns:r="http://schemas.openxmlformats.org/officeDocument/2006/relationships" xmlns:mc="http://schemas.openxmlformats.org/markup-compatibility/2006" xmlns:mv="urn:schemas-microsoft-com:mac:vml" xmlns:p="http://schemas.openxmlformats.org/presentationml/2006/main" xmlns:c="http://schemas.openxmlformats.org/drawingml/2006/chart" xmlns:dgm="http://schemas.openxmlformats.org/drawingml/2006/diagram" xmlns:o="urn:schemas-microsoft-com:office:office" xmlns:v="urn:schemas-microsoft-com:vml" xmlns:pvml="urn:schemas-microsoft-com:office:powerpoint" xmlns:com="http://schemas.openxmlformats.org/drawingml/2006/compatibility" xmlns:p14="http://schemas.microsoft.com/office/powerpoint/2010/main" xmlns:p15="http://schemas.microsoft.com/office/powerpoint/2012/main" xmlns:ahyp="http://schemas.microsoft.com/office/drawing/2018/hyperlinkcolor">
+<p:sld xmlns:a="http://schemas.openxmlformats.org/drawingml/2006/main" xmlns:r="http://schemas.openxmlformats.org/officeDocument/2006/relationships" xmlns:p="http://schemas.openxmlformats.org/presentationml/2006/main">
   <p:cSld>
     <p:spTree>
       <p:nvGrpSpPr>
-        <p:cNvPr id="133" name="Shape 133"/>
+        <p:cNvPr id="1" name="Shape 133"/>
         <p:cNvGrpSpPr/>
         <p:nvPr/>
       </p:nvGrpSpPr>
@@ -9136,14 +9092,16 @@
       <p:sp>
         <p:nvSpPr>
           <p:cNvPr id="134" name="Google Shape;134;p14"/>
-          <p:cNvSpPr txBox="1"/>
+          <p:cNvSpPr txBox="1">
+            <a:spLocks noGrp="1"/>
+          </p:cNvSpPr>
           <p:nvPr>
             <p:ph type="title"/>
           </p:nvPr>
         </p:nvSpPr>
         <p:spPr>
           <a:xfrm>
-            <a:off x="992250" y="1965550"/>
+            <a:off x="819150" y="1977127"/>
             <a:ext cx="7505700" cy="720900"/>
           </a:xfrm>
           <a:prstGeom prst="rect">
@@ -9151,12 +9109,12 @@
           </a:prstGeom>
         </p:spPr>
         <p:txBody>
-          <a:bodyPr anchorCtr="0" anchor="t" bIns="91425" lIns="91425" spcFirstLastPara="1" rIns="91425" wrap="square" tIns="91425">
+          <a:bodyPr spcFirstLastPara="1" wrap="square" lIns="91425" tIns="91425" rIns="91425" bIns="91425" anchor="t" anchorCtr="0">
             <a:normAutofit/>
           </a:bodyPr>
           <a:lstStyle/>
           <a:p>
-            <a:pPr indent="0" lvl="0" marL="0" rtl="0" algn="l">
+            <a:pPr marL="0" lvl="0" indent="0" algn="l" rtl="0">
               <a:spcBef>
                 <a:spcPts val="0"/>
               </a:spcBef>
@@ -9166,19 +9124,21 @@
               <a:buNone/>
             </a:pPr>
             <a:r>
-              <a:rPr lang="pl"/>
+              <a:rPr lang="pl" dirty="0"/>
               <a:t>Najważniejsze funkcjonalności</a:t>
             </a:r>
-            <a:endParaRPr/>
+            <a:endParaRPr dirty="0"/>
           </a:p>
         </p:txBody>
       </p:sp>
       <p:sp>
         <p:nvSpPr>
           <p:cNvPr id="135" name="Google Shape;135;p14"/>
-          <p:cNvSpPr txBox="1"/>
+          <p:cNvSpPr txBox="1">
+            <a:spLocks noGrp="1"/>
+          </p:cNvSpPr>
           <p:nvPr>
-            <p:ph idx="1" type="body"/>
+            <p:ph type="body" idx="1"/>
           </p:nvPr>
         </p:nvSpPr>
         <p:spPr>
@@ -9191,27 +9151,21 @@
           </a:prstGeom>
         </p:spPr>
         <p:txBody>
-          <a:bodyPr anchorCtr="0" anchor="t" bIns="91425" lIns="91425" spcFirstLastPara="1" rIns="91425" wrap="square" tIns="91425">
-            <a:normAutofit lnSpcReduction="20000"/>
+          <a:bodyPr spcFirstLastPara="1" wrap="square" lIns="91425" tIns="91425" rIns="91425" bIns="91425" anchor="t" anchorCtr="0">
+            <a:normAutofit/>
           </a:bodyPr>
           <a:lstStyle/>
           <a:p>
-            <a:pPr indent="-304800" lvl="0" marL="457200" rtl="0" algn="l">
-              <a:lnSpc>
-                <a:spcPct val="115000"/>
-              </a:lnSpc>
-              <a:spcBef>
-                <a:spcPts val="0"/>
-              </a:spcBef>
-              <a:spcAft>
-                <a:spcPts val="0"/>
-              </a:spcAft>
+            <a:pPr marL="323850" indent="-171450">
               <a:buSzPts val="1200"/>
-              <a:buFont typeface="Arial"/>
-              <a:buChar char="-"/>
             </a:pPr>
             <a:r>
-              <a:rPr lang="pl" sz="1200">
+              <a:rPr lang="pl" sz="1200" dirty="0">
+                <a:solidFill>
+                  <a:schemeClr val="tx2">
+                    <a:lumMod val="10000"/>
+                  </a:schemeClr>
+                </a:solidFill>
                 <a:latin typeface="Arial"/>
                 <a:ea typeface="Arial"/>
                 <a:cs typeface="Arial"/>
@@ -9219,7 +9173,12 @@
               </a:rPr>
               <a:t>Tworzenie zadań grupowych z poziomu konta nauczyciela. Ustalanie wielkości grup, treści zadania oraz wymagań,</a:t>
             </a:r>
-            <a:endParaRPr sz="1200">
+            <a:endParaRPr sz="1200" dirty="0">
+              <a:solidFill>
+                <a:schemeClr val="tx2">
+                  <a:lumMod val="10000"/>
+                </a:schemeClr>
+              </a:solidFill>
               <a:latin typeface="Arial"/>
               <a:ea typeface="Arial"/>
               <a:cs typeface="Arial"/>
@@ -9227,22 +9186,16 @@
             </a:endParaRPr>
           </a:p>
           <a:p>
-            <a:pPr indent="-304800" lvl="0" marL="457200" rtl="0" algn="l">
-              <a:lnSpc>
-                <a:spcPct val="115000"/>
-              </a:lnSpc>
-              <a:spcBef>
-                <a:spcPts val="0"/>
-              </a:spcBef>
-              <a:spcAft>
-                <a:spcPts val="0"/>
-              </a:spcAft>
+            <a:pPr marL="323850" indent="-171450">
               <a:buSzPts val="1200"/>
-              <a:buFont typeface="Arial"/>
-              <a:buChar char="-"/>
             </a:pPr>
             <a:r>
-              <a:rPr lang="pl" sz="1200">
+              <a:rPr lang="pl" sz="1200" dirty="0">
+                <a:solidFill>
+                  <a:schemeClr val="tx2">
+                    <a:lumMod val="10000"/>
+                  </a:schemeClr>
+                </a:solidFill>
                 <a:latin typeface="Arial"/>
                 <a:ea typeface="Arial"/>
                 <a:cs typeface="Arial"/>
@@ -9250,7 +9203,12 @@
               </a:rPr>
               <a:t>Łączenie się uczestników w grupy poprzez link do zadania udostępniony przez nauczyciela,</a:t>
             </a:r>
-            <a:endParaRPr sz="1200">
+            <a:endParaRPr sz="1200" dirty="0">
+              <a:solidFill>
+                <a:schemeClr val="tx2">
+                  <a:lumMod val="10000"/>
+                </a:schemeClr>
+              </a:solidFill>
               <a:latin typeface="Arial"/>
               <a:ea typeface="Arial"/>
               <a:cs typeface="Arial"/>
@@ -9258,30 +9216,29 @@
             </a:endParaRPr>
           </a:p>
           <a:p>
-            <a:pPr indent="-304800" lvl="0" marL="457200" rtl="0" algn="l">
-              <a:lnSpc>
-                <a:spcPct val="115000"/>
-              </a:lnSpc>
-              <a:spcBef>
-                <a:spcPts val="0"/>
-              </a:spcBef>
-              <a:spcAft>
-                <a:spcPts val="0"/>
-              </a:spcAft>
+            <a:pPr marL="323850" indent="-171450">
               <a:buSzPts val="1200"/>
-              <a:buFont typeface="Arial"/>
-              <a:buChar char="-"/>
             </a:pPr>
             <a:r>
-              <a:rPr lang="pl" sz="1200">
+              <a:rPr lang="pl" sz="1200" dirty="0">
+                <a:solidFill>
+                  <a:schemeClr val="tx2">
+                    <a:lumMod val="10000"/>
+                  </a:schemeClr>
+                </a:solidFill>
                 <a:latin typeface="Arial"/>
                 <a:ea typeface="Arial"/>
                 <a:cs typeface="Arial"/>
                 <a:sym typeface="Arial"/>
               </a:rPr>
-              <a:t>Opcja ustalenia stałej listy sekcji i zadań atomowych przez nauczyciela lub pozostawienie planowania uczestnikom grupy,</a:t>
-            </a:r>
-            <a:endParaRPr sz="1200">
+              <a:t>Opcja ustalenia stałej listy sekcji i zadań atomowych przez nauczyciela,</a:t>
+            </a:r>
+            <a:endParaRPr sz="1200" dirty="0">
+              <a:solidFill>
+                <a:schemeClr val="tx2">
+                  <a:lumMod val="10000"/>
+                </a:schemeClr>
+              </a:solidFill>
               <a:latin typeface="Arial"/>
               <a:ea typeface="Arial"/>
               <a:cs typeface="Arial"/>
@@ -9289,22 +9246,16 @@
             </a:endParaRPr>
           </a:p>
           <a:p>
-            <a:pPr indent="-304800" lvl="0" marL="457200" rtl="0" algn="l">
-              <a:lnSpc>
-                <a:spcPct val="115000"/>
-              </a:lnSpc>
-              <a:spcBef>
-                <a:spcPts val="0"/>
-              </a:spcBef>
-              <a:spcAft>
-                <a:spcPts val="0"/>
-              </a:spcAft>
+            <a:pPr marL="323850" indent="-171450">
               <a:buSzPts val="1200"/>
-              <a:buFont typeface="Arial"/>
-              <a:buChar char="-"/>
             </a:pPr>
             <a:r>
-              <a:rPr lang="pl" sz="1200">
+              <a:rPr lang="pl" sz="1200" dirty="0">
+                <a:solidFill>
+                  <a:schemeClr val="tx2">
+                    <a:lumMod val="10000"/>
+                  </a:schemeClr>
+                </a:solidFill>
                 <a:latin typeface="Arial"/>
                 <a:ea typeface="Arial"/>
                 <a:cs typeface="Arial"/>
@@ -9312,7 +9263,12 @@
               </a:rPr>
               <a:t>Funkcjonalność zliczania czasu jaki został przeznaczony przez danego uczestnika na konkretne zadanie,</a:t>
             </a:r>
-            <a:endParaRPr sz="1200">
+            <a:endParaRPr sz="1200" dirty="0">
+              <a:solidFill>
+                <a:schemeClr val="tx2">
+                  <a:lumMod val="10000"/>
+                </a:schemeClr>
+              </a:solidFill>
               <a:latin typeface="Arial"/>
               <a:ea typeface="Arial"/>
               <a:cs typeface="Arial"/>
@@ -9320,89 +9276,29 @@
             </a:endParaRPr>
           </a:p>
           <a:p>
-            <a:pPr indent="-304800" lvl="0" marL="457200" rtl="0" algn="l">
-              <a:lnSpc>
-                <a:spcPct val="115000"/>
-              </a:lnSpc>
-              <a:spcBef>
-                <a:spcPts val="0"/>
-              </a:spcBef>
-              <a:spcAft>
-                <a:spcPts val="0"/>
-              </a:spcAft>
+            <a:pPr marL="323850" indent="-171450">
               <a:buSzPts val="1200"/>
-              <a:buFont typeface="Arial"/>
-              <a:buChar char="-"/>
             </a:pPr>
             <a:r>
-              <a:rPr lang="pl" sz="1200">
+              <a:rPr lang="pl" sz="1200" dirty="0">
+                <a:solidFill>
+                  <a:schemeClr val="tx2">
+                    <a:lumMod val="10000"/>
+                  </a:schemeClr>
+                </a:solidFill>
                 <a:latin typeface="Arial"/>
                 <a:ea typeface="Arial"/>
                 <a:cs typeface="Arial"/>
                 <a:sym typeface="Arial"/>
               </a:rPr>
-              <a:t>Statystyki nauczyciela pozwalające na wgląd w pracę uczestników zadania (przepracowany czas, aktywność),</a:t>
-            </a:r>
-            <a:endParaRPr sz="1200">
-              <a:latin typeface="Arial"/>
-              <a:ea typeface="Arial"/>
-              <a:cs typeface="Arial"/>
-              <a:sym typeface="Arial"/>
-            </a:endParaRPr>
-          </a:p>
-          <a:p>
-            <a:pPr indent="-304800" lvl="0" marL="457200" rtl="0" algn="l">
-              <a:lnSpc>
-                <a:spcPct val="115000"/>
-              </a:lnSpc>
-              <a:spcBef>
-                <a:spcPts val="0"/>
-              </a:spcBef>
-              <a:spcAft>
-                <a:spcPts val="0"/>
-              </a:spcAft>
-              <a:buSzPts val="1200"/>
-              <a:buFont typeface="Arial"/>
-              <a:buChar char="-"/>
-            </a:pPr>
-            <a:r>
-              <a:rPr lang="pl" sz="1200">
-                <a:latin typeface="Arial"/>
-                <a:ea typeface="Arial"/>
-                <a:cs typeface="Arial"/>
-                <a:sym typeface="Arial"/>
-              </a:rPr>
-              <a:t>Opcja dyskusji dostępna w każdej sekcji lub zadaniu,</a:t>
-            </a:r>
-            <a:endParaRPr sz="1200">
-              <a:latin typeface="Arial"/>
-              <a:ea typeface="Arial"/>
-              <a:cs typeface="Arial"/>
-              <a:sym typeface="Arial"/>
-            </a:endParaRPr>
-          </a:p>
-          <a:p>
-            <a:pPr indent="-304800" lvl="0" marL="457200" rtl="0" algn="l">
-              <a:spcBef>
-                <a:spcPts val="0"/>
-              </a:spcBef>
-              <a:spcAft>
-                <a:spcPts val="0"/>
-              </a:spcAft>
-              <a:buSzPts val="1200"/>
-              <a:buFont typeface="Arial"/>
-              <a:buChar char="-"/>
-            </a:pPr>
-            <a:r>
-              <a:rPr lang="pl" sz="1200">
-                <a:latin typeface="Arial"/>
-                <a:ea typeface="Arial"/>
-                <a:cs typeface="Arial"/>
-                <a:sym typeface="Arial"/>
-              </a:rPr>
-              <a:t>Możliwość ustalenia sekcji i zadań atomowych poprzez wirtualnego pomocnika (integracja z api chat gpt),</a:t>
-            </a:r>
-            <a:endParaRPr sz="1200">
+              <a:t>Statystyki nauczyciela pozwalające na wgląd w pracę uczestników zadania (przepracowany czas, aktywność)</a:t>
+            </a:r>
+            <a:endParaRPr sz="1200" dirty="0">
+              <a:solidFill>
+                <a:schemeClr val="tx2">
+                  <a:lumMod val="10000"/>
+                </a:schemeClr>
+              </a:solidFill>
               <a:latin typeface="Arial"/>
               <a:ea typeface="Arial"/>
               <a:cs typeface="Arial"/>
@@ -9414,14 +9310,16 @@
       <p:sp>
         <p:nvSpPr>
           <p:cNvPr id="136" name="Google Shape;136;p14"/>
-          <p:cNvSpPr txBox="1"/>
+          <p:cNvSpPr txBox="1">
+            <a:spLocks noGrp="1"/>
+          </p:cNvSpPr>
           <p:nvPr>
             <p:ph type="title"/>
           </p:nvPr>
         </p:nvSpPr>
         <p:spPr>
           <a:xfrm>
-            <a:off x="992250" y="429100"/>
+            <a:off x="819150" y="402681"/>
             <a:ext cx="7505700" cy="675000"/>
           </a:xfrm>
           <a:prstGeom prst="rect">
@@ -9429,12 +9327,12 @@
           </a:prstGeom>
         </p:spPr>
         <p:txBody>
-          <a:bodyPr anchorCtr="0" anchor="t" bIns="91425" lIns="91425" spcFirstLastPara="1" rIns="91425" wrap="square" tIns="91425">
+          <a:bodyPr spcFirstLastPara="1" wrap="square" lIns="91425" tIns="91425" rIns="91425" bIns="91425" anchor="t" anchorCtr="0">
             <a:normAutofit/>
           </a:bodyPr>
           <a:lstStyle/>
           <a:p>
-            <a:pPr indent="0" lvl="0" marL="0" rtl="0" algn="l">
+            <a:pPr marL="0" lvl="0" indent="0" algn="l" rtl="0">
               <a:spcBef>
                 <a:spcPts val="0"/>
               </a:spcBef>
@@ -9444,24 +9342,34 @@
               <a:buNone/>
             </a:pPr>
             <a:r>
-              <a:rPr lang="pl"/>
+              <a:rPr lang="pl" dirty="0">
+                <a:solidFill>
+                  <a:schemeClr val="bg1"/>
+                </a:solidFill>
+              </a:rPr>
               <a:t>Technologie / Rozwiązania</a:t>
             </a:r>
-            <a:endParaRPr/>
+            <a:endParaRPr dirty="0">
+              <a:solidFill>
+                <a:schemeClr val="bg1"/>
+              </a:solidFill>
+            </a:endParaRPr>
           </a:p>
         </p:txBody>
       </p:sp>
       <p:sp>
         <p:nvSpPr>
           <p:cNvPr id="137" name="Google Shape;137;p14"/>
-          <p:cNvSpPr txBox="1"/>
+          <p:cNvSpPr txBox="1">
+            <a:spLocks noGrp="1"/>
+          </p:cNvSpPr>
           <p:nvPr>
-            <p:ph idx="1" type="body"/>
+            <p:ph type="body" idx="1"/>
           </p:nvPr>
         </p:nvSpPr>
         <p:spPr>
           <a:xfrm>
-            <a:off x="819150" y="1015575"/>
+            <a:off x="819150" y="951404"/>
             <a:ext cx="7505700" cy="1197900"/>
           </a:xfrm>
           <a:prstGeom prst="rect">
@@ -9469,77 +9377,101 @@
           </a:prstGeom>
         </p:spPr>
         <p:txBody>
-          <a:bodyPr anchorCtr="0" anchor="t" bIns="91425" lIns="91425" spcFirstLastPara="1" rIns="91425" wrap="square" tIns="91425">
+          <a:bodyPr spcFirstLastPara="1" wrap="square" lIns="91425" tIns="91425" rIns="91425" bIns="91425" anchor="t" anchorCtr="0">
             <a:normAutofit/>
           </a:bodyPr>
           <a:lstStyle/>
           <a:p>
-            <a:pPr indent="-311150" lvl="0" marL="457200" rtl="0" algn="l">
-              <a:spcBef>
-                <a:spcPts val="0"/>
-              </a:spcBef>
-              <a:spcAft>
-                <a:spcPts val="0"/>
-              </a:spcAft>
-              <a:buSzPts val="1300"/>
-              <a:buChar char="-"/>
-            </a:pPr>
-            <a:r>
-              <a:rPr lang="pl"/>
+            <a:r>
+              <a:rPr lang="pl" sz="1200" dirty="0">
+                <a:solidFill>
+                  <a:schemeClr val="tx2">
+                    <a:lumMod val="10000"/>
+                  </a:schemeClr>
+                </a:solidFill>
+                <a:latin typeface="Arial" panose="020B0604020202020204" pitchFamily="34" charset="0"/>
+                <a:cs typeface="Arial" panose="020B0604020202020204" pitchFamily="34" charset="0"/>
+              </a:rPr>
               <a:t>Laravel,</a:t>
             </a:r>
-            <a:endParaRPr/>
+            <a:endParaRPr sz="1200" dirty="0">
+              <a:solidFill>
+                <a:schemeClr val="tx2">
+                  <a:lumMod val="10000"/>
+                </a:schemeClr>
+              </a:solidFill>
+              <a:latin typeface="Arial" panose="020B0604020202020204" pitchFamily="34" charset="0"/>
+              <a:cs typeface="Arial" panose="020B0604020202020204" pitchFamily="34" charset="0"/>
+            </a:endParaRPr>
           </a:p>
           <a:p>
-            <a:pPr indent="-311150" lvl="0" marL="457200" rtl="0" algn="l">
-              <a:spcBef>
-                <a:spcPts val="0"/>
-              </a:spcBef>
-              <a:spcAft>
-                <a:spcPts val="0"/>
-              </a:spcAft>
-              <a:buSzPts val="1300"/>
-              <a:buChar char="-"/>
-            </a:pPr>
-            <a:r>
-              <a:rPr lang="pl"/>
+            <a:r>
+              <a:rPr lang="pl" sz="1200" dirty="0">
+                <a:solidFill>
+                  <a:schemeClr val="tx2">
+                    <a:lumMod val="10000"/>
+                  </a:schemeClr>
+                </a:solidFill>
+                <a:latin typeface="Arial" panose="020B0604020202020204" pitchFamily="34" charset="0"/>
+                <a:cs typeface="Arial" panose="020B0604020202020204" pitchFamily="34" charset="0"/>
+              </a:rPr>
               <a:t>Vue,</a:t>
             </a:r>
-            <a:endParaRPr/>
+            <a:endParaRPr sz="1200" dirty="0">
+              <a:solidFill>
+                <a:schemeClr val="tx2">
+                  <a:lumMod val="10000"/>
+                </a:schemeClr>
+              </a:solidFill>
+              <a:latin typeface="Arial" panose="020B0604020202020204" pitchFamily="34" charset="0"/>
+              <a:cs typeface="Arial" panose="020B0604020202020204" pitchFamily="34" charset="0"/>
+            </a:endParaRPr>
           </a:p>
           <a:p>
-            <a:pPr indent="-311150" lvl="0" marL="457200" rtl="0" algn="l">
-              <a:spcBef>
-                <a:spcPts val="0"/>
-              </a:spcBef>
-              <a:spcAft>
-                <a:spcPts val="0"/>
-              </a:spcAft>
-              <a:buSzPts val="1300"/>
-              <a:buChar char="-"/>
-            </a:pPr>
-            <a:r>
-              <a:rPr lang="pl"/>
+            <a:r>
+              <a:rPr lang="pl" sz="1200" dirty="0">
+                <a:solidFill>
+                  <a:schemeClr val="tx2">
+                    <a:lumMod val="10000"/>
+                  </a:schemeClr>
+                </a:solidFill>
+                <a:latin typeface="Arial" panose="020B0604020202020204" pitchFamily="34" charset="0"/>
+                <a:cs typeface="Arial" panose="020B0604020202020204" pitchFamily="34" charset="0"/>
+              </a:rPr>
               <a:t>Typescript,</a:t>
             </a:r>
-            <a:endParaRPr/>
+            <a:endParaRPr sz="1200" dirty="0">
+              <a:solidFill>
+                <a:schemeClr val="tx2">
+                  <a:lumMod val="10000"/>
+                </a:schemeClr>
+              </a:solidFill>
+              <a:latin typeface="Arial" panose="020B0604020202020204" pitchFamily="34" charset="0"/>
+              <a:cs typeface="Arial" panose="020B0604020202020204" pitchFamily="34" charset="0"/>
+            </a:endParaRPr>
           </a:p>
           <a:p>
-            <a:pPr indent="-311150" lvl="0" marL="457200" rtl="0" algn="l">
-              <a:spcBef>
-                <a:spcPts val="0"/>
-              </a:spcBef>
-              <a:spcAft>
-                <a:spcPts val="0"/>
-              </a:spcAft>
-              <a:buSzPts val="1300"/>
-              <a:buChar char="-"/>
-            </a:pPr>
-            <a:r>
-              <a:rPr lang="pl"/>
+            <a:r>
+              <a:rPr lang="pl" sz="1200" dirty="0">
+                <a:solidFill>
+                  <a:schemeClr val="tx2">
+                    <a:lumMod val="10000"/>
+                  </a:schemeClr>
+                </a:solidFill>
+                <a:latin typeface="Arial" panose="020B0604020202020204" pitchFamily="34" charset="0"/>
+                <a:cs typeface="Arial" panose="020B0604020202020204" pitchFamily="34" charset="0"/>
+              </a:rPr>
               <a:t>GIT</a:t>
             </a:r>
-            <a:endParaRPr/>
+            <a:endParaRPr sz="1200" dirty="0">
+              <a:solidFill>
+                <a:schemeClr val="tx2">
+                  <a:lumMod val="10000"/>
+                </a:schemeClr>
+              </a:solidFill>
+              <a:latin typeface="Arial" panose="020B0604020202020204" pitchFamily="34" charset="0"/>
+              <a:cs typeface="Arial" panose="020B0604020202020204" pitchFamily="34" charset="0"/>
+            </a:endParaRPr>
           </a:p>
         </p:txBody>
       </p:sp>
@@ -9551,8 +9483,2993 @@
 </p:sld>
 </file>
 
+<file path=ppt/slides/slide3.xml><?xml version="1.0" encoding="utf-8"?>
+<p:sld xmlns:a="http://schemas.openxmlformats.org/drawingml/2006/main" xmlns:r="http://schemas.openxmlformats.org/officeDocument/2006/relationships" xmlns:p="http://schemas.openxmlformats.org/presentationml/2006/main">
+  <p:cSld>
+    <p:spTree>
+      <p:nvGrpSpPr>
+        <p:cNvPr id="1" name=""/>
+        <p:cNvGrpSpPr/>
+        <p:nvPr/>
+      </p:nvGrpSpPr>
+      <p:grpSpPr>
+        <a:xfrm>
+          <a:off x="0" y="0"/>
+          <a:ext cx="0" cy="0"/>
+          <a:chOff x="0" y="0"/>
+          <a:chExt cx="0" cy="0"/>
+        </a:xfrm>
+      </p:grpSpPr>
+      <p:sp>
+        <p:nvSpPr>
+          <p:cNvPr id="2" name="Title 1">
+            <a:extLst>
+              <a:ext uri="{FF2B5EF4-FFF2-40B4-BE49-F238E27FC236}">
+                <a16:creationId xmlns:a16="http://schemas.microsoft.com/office/drawing/2014/main" id="{83BBFFC3-457A-BB7F-26E8-36310F22ADF7}"/>
+              </a:ext>
+            </a:extLst>
+          </p:cNvPr>
+          <p:cNvSpPr>
+            <a:spLocks noGrp="1"/>
+          </p:cNvSpPr>
+          <p:nvPr>
+            <p:ph type="title"/>
+          </p:nvPr>
+        </p:nvSpPr>
+        <p:spPr/>
+        <p:txBody>
+          <a:bodyPr/>
+          <a:lstStyle/>
+          <a:p>
+            <a:r>
+              <a:rPr lang="en-GB" b="0" i="0" u="none" strike="noStrike" dirty="0" err="1">
+                <a:solidFill>
+                  <a:schemeClr val="bg1"/>
+                </a:solidFill>
+                <a:effectLst/>
+                <a:latin typeface="Nunito" pitchFamily="2" charset="77"/>
+              </a:rPr>
+              <a:t>Struktura</a:t>
+            </a:r>
+            <a:r>
+              <a:rPr lang="en-GB" b="0" i="0" u="none" strike="noStrike" dirty="0">
+                <a:solidFill>
+                  <a:schemeClr val="bg1"/>
+                </a:solidFill>
+                <a:effectLst/>
+                <a:latin typeface="Nunito" pitchFamily="2" charset="77"/>
+              </a:rPr>
+              <a:t> </a:t>
+            </a:r>
+            <a:r>
+              <a:rPr lang="en-GB" b="0" i="0" u="none" strike="noStrike" dirty="0" err="1">
+                <a:solidFill>
+                  <a:schemeClr val="bg1"/>
+                </a:solidFill>
+                <a:effectLst/>
+                <a:latin typeface="Nunito" pitchFamily="2" charset="77"/>
+              </a:rPr>
+              <a:t>Aplikacji</a:t>
+            </a:r>
+            <a:endParaRPr lang="en-PL" dirty="0">
+              <a:solidFill>
+                <a:schemeClr val="bg1"/>
+              </a:solidFill>
+              <a:latin typeface="Nunito" pitchFamily="2" charset="77"/>
+            </a:endParaRPr>
+          </a:p>
+        </p:txBody>
+      </p:sp>
+      <p:sp>
+        <p:nvSpPr>
+          <p:cNvPr id="3" name="Text Placeholder 2">
+            <a:extLst>
+              <a:ext uri="{FF2B5EF4-FFF2-40B4-BE49-F238E27FC236}">
+                <a16:creationId xmlns:a16="http://schemas.microsoft.com/office/drawing/2014/main" id="{C5F1E6C5-B560-10CD-B1D4-640F623819CC}"/>
+              </a:ext>
+            </a:extLst>
+          </p:cNvPr>
+          <p:cNvSpPr>
+            <a:spLocks noGrp="1"/>
+          </p:cNvSpPr>
+          <p:nvPr>
+            <p:ph type="body" idx="1"/>
+          </p:nvPr>
+        </p:nvSpPr>
+        <p:spPr/>
+        <p:txBody>
+          <a:bodyPr>
+            <a:normAutofit/>
+          </a:bodyPr>
+          <a:lstStyle/>
+          <a:p>
+            <a:r>
+              <a:rPr lang="en-GB" sz="1200" b="0" i="0" u="none" strike="noStrike" dirty="0" err="1">
+                <a:solidFill>
+                  <a:srgbClr val="000000"/>
+                </a:solidFill>
+                <a:effectLst/>
+                <a:latin typeface="Arial" panose="020B0604020202020204" pitchFamily="34" charset="0"/>
+                <a:cs typeface="Arial" panose="020B0604020202020204" pitchFamily="34" charset="0"/>
+              </a:rPr>
+              <a:t>Aplikacja</a:t>
+            </a:r>
+            <a:r>
+              <a:rPr lang="en-GB" sz="1200" b="0" i="0" u="none" strike="noStrike" dirty="0">
+                <a:solidFill>
+                  <a:srgbClr val="000000"/>
+                </a:solidFill>
+                <a:effectLst/>
+                <a:latin typeface="Arial" panose="020B0604020202020204" pitchFamily="34" charset="0"/>
+                <a:cs typeface="Arial" panose="020B0604020202020204" pitchFamily="34" charset="0"/>
+              </a:rPr>
+              <a:t> </a:t>
+            </a:r>
+            <a:r>
+              <a:rPr lang="en-GB" sz="1200" b="0" i="0" u="none" strike="noStrike" dirty="0" err="1">
+                <a:solidFill>
+                  <a:srgbClr val="000000"/>
+                </a:solidFill>
+                <a:effectLst/>
+                <a:latin typeface="Arial" panose="020B0604020202020204" pitchFamily="34" charset="0"/>
+                <a:cs typeface="Arial" panose="020B0604020202020204" pitchFamily="34" charset="0"/>
+              </a:rPr>
+              <a:t>monolityczna</a:t>
+            </a:r>
+            <a:r>
+              <a:rPr lang="en-GB" sz="1200" b="0" i="0" u="none" strike="noStrike" dirty="0">
+                <a:solidFill>
+                  <a:srgbClr val="000000"/>
+                </a:solidFill>
+                <a:effectLst/>
+                <a:latin typeface="Arial" panose="020B0604020202020204" pitchFamily="34" charset="0"/>
+                <a:cs typeface="Arial" panose="020B0604020202020204" pitchFamily="34" charset="0"/>
+              </a:rPr>
+              <a:t> </a:t>
+            </a:r>
+            <a:r>
+              <a:rPr lang="en-GB" sz="1200" b="0" i="0" u="none" strike="noStrike" dirty="0" err="1">
+                <a:solidFill>
+                  <a:srgbClr val="000000"/>
+                </a:solidFill>
+                <a:effectLst/>
+                <a:latin typeface="Arial" panose="020B0604020202020204" pitchFamily="34" charset="0"/>
+                <a:cs typeface="Arial" panose="020B0604020202020204" pitchFamily="34" charset="0"/>
+              </a:rPr>
+              <a:t>napisana</a:t>
+            </a:r>
+            <a:r>
+              <a:rPr lang="en-GB" sz="1200" b="0" i="0" u="none" strike="noStrike" dirty="0">
+                <a:solidFill>
+                  <a:srgbClr val="000000"/>
+                </a:solidFill>
+                <a:effectLst/>
+                <a:latin typeface="Arial" panose="020B0604020202020204" pitchFamily="34" charset="0"/>
+                <a:cs typeface="Arial" panose="020B0604020202020204" pitchFamily="34" charset="0"/>
+              </a:rPr>
+              <a:t> w Laravel,</a:t>
+            </a:r>
+          </a:p>
+          <a:p>
+            <a:r>
+              <a:rPr lang="en-GB" sz="1200" b="0" i="0" u="none" strike="noStrike" dirty="0" err="1">
+                <a:solidFill>
+                  <a:srgbClr val="000000"/>
+                </a:solidFill>
+                <a:effectLst/>
+                <a:latin typeface="Arial" panose="020B0604020202020204" pitchFamily="34" charset="0"/>
+                <a:cs typeface="Arial" panose="020B0604020202020204" pitchFamily="34" charset="0"/>
+              </a:rPr>
+              <a:t>Wykorzystanie</a:t>
+            </a:r>
+            <a:r>
+              <a:rPr lang="en-GB" sz="1200" b="0" i="0" u="none" strike="noStrike" dirty="0">
+                <a:solidFill>
+                  <a:srgbClr val="000000"/>
+                </a:solidFill>
+                <a:effectLst/>
+                <a:latin typeface="Arial" panose="020B0604020202020204" pitchFamily="34" charset="0"/>
+                <a:cs typeface="Arial" panose="020B0604020202020204" pitchFamily="34" charset="0"/>
+              </a:rPr>
+              <a:t> Laravel Jetstream (Vue + </a:t>
+            </a:r>
+            <a:r>
+              <a:rPr lang="en-GB" sz="1200" b="0" i="0" u="none" strike="noStrike" dirty="0" err="1">
+                <a:solidFill>
+                  <a:srgbClr val="000000"/>
+                </a:solidFill>
+                <a:effectLst/>
+                <a:latin typeface="Arial" panose="020B0604020202020204" pitchFamily="34" charset="0"/>
+                <a:cs typeface="Arial" panose="020B0604020202020204" pitchFamily="34" charset="0"/>
+              </a:rPr>
+              <a:t>Inertia.js</a:t>
+            </a:r>
+            <a:r>
+              <a:rPr lang="en-GB" sz="1200" b="0" i="0" u="none" strike="noStrike" dirty="0">
+                <a:solidFill>
+                  <a:srgbClr val="000000"/>
+                </a:solidFill>
+                <a:effectLst/>
+                <a:latin typeface="Arial" panose="020B0604020202020204" pitchFamily="34" charset="0"/>
+                <a:cs typeface="Arial" panose="020B0604020202020204" pitchFamily="34" charset="0"/>
+              </a:rPr>
+              <a:t>) do </a:t>
+            </a:r>
+            <a:r>
+              <a:rPr lang="en-GB" sz="1200" b="0" i="0" u="none" strike="noStrike" dirty="0" err="1">
+                <a:solidFill>
+                  <a:srgbClr val="000000"/>
+                </a:solidFill>
+                <a:effectLst/>
+                <a:latin typeface="Arial" panose="020B0604020202020204" pitchFamily="34" charset="0"/>
+                <a:cs typeface="Arial" panose="020B0604020202020204" pitchFamily="34" charset="0"/>
+              </a:rPr>
+              <a:t>autoryzacji</a:t>
+            </a:r>
+            <a:r>
+              <a:rPr lang="en-GB" sz="1200" b="0" i="0" u="none" strike="noStrike" dirty="0">
+                <a:solidFill>
+                  <a:srgbClr val="000000"/>
+                </a:solidFill>
+                <a:effectLst/>
+                <a:latin typeface="Arial" panose="020B0604020202020204" pitchFamily="34" charset="0"/>
+                <a:cs typeface="Arial" panose="020B0604020202020204" pitchFamily="34" charset="0"/>
+              </a:rPr>
+              <a:t> </a:t>
+            </a:r>
+            <a:r>
+              <a:rPr lang="en-GB" sz="1200" b="0" i="0" u="none" strike="noStrike" dirty="0" err="1">
+                <a:solidFill>
+                  <a:srgbClr val="000000"/>
+                </a:solidFill>
+                <a:effectLst/>
+                <a:latin typeface="Arial" panose="020B0604020202020204" pitchFamily="34" charset="0"/>
+                <a:cs typeface="Arial" panose="020B0604020202020204" pitchFamily="34" charset="0"/>
+              </a:rPr>
+              <a:t>i</a:t>
+            </a:r>
+            <a:r>
+              <a:rPr lang="en-GB" sz="1200" b="0" i="0" u="none" strike="noStrike" dirty="0">
+                <a:solidFill>
+                  <a:srgbClr val="000000"/>
+                </a:solidFill>
+                <a:effectLst/>
+                <a:latin typeface="Arial" panose="020B0604020202020204" pitchFamily="34" charset="0"/>
+                <a:cs typeface="Arial" panose="020B0604020202020204" pitchFamily="34" charset="0"/>
+              </a:rPr>
+              <a:t> </a:t>
+            </a:r>
+            <a:r>
+              <a:rPr lang="en-GB" sz="1200" b="0" i="0" u="none" strike="noStrike" dirty="0" err="1">
+                <a:solidFill>
+                  <a:srgbClr val="000000"/>
+                </a:solidFill>
+                <a:effectLst/>
+                <a:latin typeface="Arial" panose="020B0604020202020204" pitchFamily="34" charset="0"/>
+                <a:cs typeface="Arial" panose="020B0604020202020204" pitchFamily="34" charset="0"/>
+              </a:rPr>
+              <a:t>fundamentu</a:t>
+            </a:r>
+            <a:r>
+              <a:rPr lang="en-GB" sz="1200" b="0" i="0" u="none" strike="noStrike" dirty="0">
+                <a:solidFill>
+                  <a:srgbClr val="000000"/>
+                </a:solidFill>
+                <a:effectLst/>
+                <a:latin typeface="Arial" panose="020B0604020202020204" pitchFamily="34" charset="0"/>
+                <a:cs typeface="Arial" panose="020B0604020202020204" pitchFamily="34" charset="0"/>
+              </a:rPr>
+              <a:t> </a:t>
+            </a:r>
+            <a:r>
+              <a:rPr lang="en-GB" sz="1200" b="0" i="0" u="none" strike="noStrike" dirty="0" err="1">
+                <a:solidFill>
+                  <a:srgbClr val="000000"/>
+                </a:solidFill>
+                <a:effectLst/>
+                <a:latin typeface="Arial" panose="020B0604020202020204" pitchFamily="34" charset="0"/>
+                <a:cs typeface="Arial" panose="020B0604020202020204" pitchFamily="34" charset="0"/>
+              </a:rPr>
+              <a:t>interfejsów</a:t>
+            </a:r>
+            <a:r>
+              <a:rPr lang="en-GB" sz="1200" b="0" i="0" u="none" strike="noStrike" dirty="0">
+                <a:solidFill>
+                  <a:srgbClr val="000000"/>
+                </a:solidFill>
+                <a:effectLst/>
+                <a:latin typeface="Arial" panose="020B0604020202020204" pitchFamily="34" charset="0"/>
+                <a:cs typeface="Arial" panose="020B0604020202020204" pitchFamily="34" charset="0"/>
+              </a:rPr>
+              <a:t> </a:t>
+            </a:r>
+            <a:r>
+              <a:rPr lang="en-GB" sz="1200" b="0" i="0" u="none" strike="noStrike" dirty="0" err="1">
+                <a:solidFill>
+                  <a:srgbClr val="000000"/>
+                </a:solidFill>
+                <a:effectLst/>
+                <a:latin typeface="Arial" panose="020B0604020202020204" pitchFamily="34" charset="0"/>
+                <a:cs typeface="Arial" panose="020B0604020202020204" pitchFamily="34" charset="0"/>
+              </a:rPr>
+              <a:t>użytkownika</a:t>
+            </a:r>
+            <a:r>
+              <a:rPr lang="en-GB" sz="1200" b="0" i="0" u="none" strike="noStrike" dirty="0">
+                <a:solidFill>
+                  <a:srgbClr val="000000"/>
+                </a:solidFill>
+                <a:effectLst/>
+                <a:latin typeface="Arial" panose="020B0604020202020204" pitchFamily="34" charset="0"/>
+                <a:cs typeface="Arial" panose="020B0604020202020204" pitchFamily="34" charset="0"/>
+              </a:rPr>
+              <a:t>,</a:t>
+            </a:r>
+            <a:endParaRPr lang="en-GB" sz="1200" dirty="0">
+              <a:solidFill>
+                <a:srgbClr val="000000"/>
+              </a:solidFill>
+              <a:latin typeface="Arial" panose="020B0604020202020204" pitchFamily="34" charset="0"/>
+              <a:cs typeface="Arial" panose="020B0604020202020204" pitchFamily="34" charset="0"/>
+            </a:endParaRPr>
+          </a:p>
+          <a:p>
+            <a:r>
+              <a:rPr lang="en-GB" sz="1200" b="0" i="0" u="none" strike="noStrike" dirty="0">
+                <a:solidFill>
+                  <a:srgbClr val="000000"/>
+                </a:solidFill>
+                <a:effectLst/>
+                <a:latin typeface="Arial" panose="020B0604020202020204" pitchFamily="34" charset="0"/>
+                <a:cs typeface="Arial" panose="020B0604020202020204" pitchFamily="34" charset="0"/>
+              </a:rPr>
+              <a:t>Ziggy </a:t>
+            </a:r>
+            <a:r>
+              <a:rPr lang="en-GB" sz="1200" b="0" i="0" u="none" strike="noStrike" dirty="0" err="1">
+                <a:solidFill>
+                  <a:srgbClr val="000000"/>
+                </a:solidFill>
+                <a:effectLst/>
+                <a:latin typeface="Arial" panose="020B0604020202020204" pitchFamily="34" charset="0"/>
+                <a:cs typeface="Arial" panose="020B0604020202020204" pitchFamily="34" charset="0"/>
+              </a:rPr>
+              <a:t>dla</a:t>
+            </a:r>
+            <a:r>
+              <a:rPr lang="en-GB" sz="1200" b="0" i="0" u="none" strike="noStrike" dirty="0">
+                <a:solidFill>
+                  <a:srgbClr val="000000"/>
+                </a:solidFill>
+                <a:effectLst/>
+                <a:latin typeface="Arial" panose="020B0604020202020204" pitchFamily="34" charset="0"/>
+                <a:cs typeface="Arial" panose="020B0604020202020204" pitchFamily="34" charset="0"/>
+              </a:rPr>
+              <a:t> </a:t>
+            </a:r>
+            <a:r>
+              <a:rPr lang="en-GB" sz="1200" b="0" i="0" u="none" strike="noStrike" dirty="0" err="1">
+                <a:solidFill>
+                  <a:srgbClr val="000000"/>
+                </a:solidFill>
+                <a:effectLst/>
+                <a:latin typeface="Arial" panose="020B0604020202020204" pitchFamily="34" charset="0"/>
+                <a:cs typeface="Arial" panose="020B0604020202020204" pitchFamily="34" charset="0"/>
+              </a:rPr>
+              <a:t>zarządzania</a:t>
+            </a:r>
+            <a:r>
+              <a:rPr lang="en-GB" sz="1200" b="0" i="0" u="none" strike="noStrike" dirty="0">
+                <a:solidFill>
+                  <a:srgbClr val="000000"/>
+                </a:solidFill>
+                <a:effectLst/>
+                <a:latin typeface="Arial" panose="020B0604020202020204" pitchFamily="34" charset="0"/>
+                <a:cs typeface="Arial" panose="020B0604020202020204" pitchFamily="34" charset="0"/>
+              </a:rPr>
+              <a:t> </a:t>
+            </a:r>
+            <a:r>
+              <a:rPr lang="en-GB" sz="1200" b="0" i="0" u="none" strike="noStrike" dirty="0" err="1">
+                <a:solidFill>
+                  <a:srgbClr val="000000"/>
+                </a:solidFill>
+                <a:effectLst/>
+                <a:latin typeface="Arial" panose="020B0604020202020204" pitchFamily="34" charset="0"/>
+                <a:cs typeface="Arial" panose="020B0604020202020204" pitchFamily="34" charset="0"/>
+              </a:rPr>
+              <a:t>routami</a:t>
+            </a:r>
+            <a:r>
+              <a:rPr lang="en-GB" sz="1200" b="0" i="0" u="none" strike="noStrike" dirty="0">
+                <a:solidFill>
+                  <a:srgbClr val="000000"/>
+                </a:solidFill>
+                <a:effectLst/>
+                <a:latin typeface="Arial" panose="020B0604020202020204" pitchFamily="34" charset="0"/>
+                <a:cs typeface="Arial" panose="020B0604020202020204" pitchFamily="34" charset="0"/>
+              </a:rPr>
+              <a:t> w </a:t>
+            </a:r>
+            <a:r>
+              <a:rPr lang="en-GB" sz="1200" b="0" i="0" u="none" strike="noStrike" dirty="0" err="1">
+                <a:solidFill>
+                  <a:srgbClr val="000000"/>
+                </a:solidFill>
+                <a:effectLst/>
+                <a:latin typeface="Arial" panose="020B0604020202020204" pitchFamily="34" charset="0"/>
+                <a:cs typeface="Arial" panose="020B0604020202020204" pitchFamily="34" charset="0"/>
+              </a:rPr>
+              <a:t>aplikacji</a:t>
+            </a:r>
+            <a:r>
+              <a:rPr lang="en-GB" sz="1200" b="0" i="0" u="none" strike="noStrike" dirty="0">
+                <a:solidFill>
+                  <a:srgbClr val="000000"/>
+                </a:solidFill>
+                <a:effectLst/>
+                <a:latin typeface="Arial" panose="020B0604020202020204" pitchFamily="34" charset="0"/>
+                <a:cs typeface="Arial" panose="020B0604020202020204" pitchFamily="34" charset="0"/>
+              </a:rPr>
+              <a:t>,</a:t>
+            </a:r>
+          </a:p>
+          <a:p>
+            <a:r>
+              <a:rPr lang="en-GB" sz="1200" b="0" i="0" u="none" strike="noStrike" dirty="0">
+                <a:solidFill>
+                  <a:srgbClr val="000000"/>
+                </a:solidFill>
+                <a:effectLst/>
+                <a:latin typeface="Arial" panose="020B0604020202020204" pitchFamily="34" charset="0"/>
+                <a:cs typeface="Arial" panose="020B0604020202020204" pitchFamily="34" charset="0"/>
+              </a:rPr>
+              <a:t>Tailwind CSS do </a:t>
+            </a:r>
+            <a:r>
+              <a:rPr lang="en-GB" sz="1200" b="0" i="0" u="none" strike="noStrike" dirty="0" err="1">
+                <a:solidFill>
+                  <a:srgbClr val="000000"/>
+                </a:solidFill>
+                <a:effectLst/>
+                <a:latin typeface="Arial" panose="020B0604020202020204" pitchFamily="34" charset="0"/>
+                <a:cs typeface="Arial" panose="020B0604020202020204" pitchFamily="34" charset="0"/>
+              </a:rPr>
+              <a:t>stylizacji</a:t>
+            </a:r>
+            <a:r>
+              <a:rPr lang="en-GB" sz="1200" b="0" i="0" u="none" strike="noStrike" dirty="0">
+                <a:solidFill>
+                  <a:srgbClr val="000000"/>
+                </a:solidFill>
+                <a:effectLst/>
+                <a:latin typeface="Arial" panose="020B0604020202020204" pitchFamily="34" charset="0"/>
+                <a:cs typeface="Arial" panose="020B0604020202020204" pitchFamily="34" charset="0"/>
+              </a:rPr>
+              <a:t> </a:t>
+            </a:r>
+            <a:r>
+              <a:rPr lang="en-GB" sz="1200" b="0" i="0" u="none" strike="noStrike" dirty="0" err="1">
+                <a:solidFill>
+                  <a:srgbClr val="000000"/>
+                </a:solidFill>
+                <a:effectLst/>
+                <a:latin typeface="Arial" panose="020B0604020202020204" pitchFamily="34" charset="0"/>
+                <a:cs typeface="Arial" panose="020B0604020202020204" pitchFamily="34" charset="0"/>
+              </a:rPr>
+              <a:t>interfejsu</a:t>
+            </a:r>
+            <a:r>
+              <a:rPr lang="en-GB" sz="1200" b="0" i="0" u="none" strike="noStrike" dirty="0">
+                <a:solidFill>
+                  <a:srgbClr val="000000"/>
+                </a:solidFill>
+                <a:effectLst/>
+                <a:latin typeface="Arial" panose="020B0604020202020204" pitchFamily="34" charset="0"/>
+                <a:cs typeface="Arial" panose="020B0604020202020204" pitchFamily="34" charset="0"/>
+              </a:rPr>
+              <a:t> </a:t>
+            </a:r>
+            <a:r>
+              <a:rPr lang="en-GB" sz="1200" b="0" i="0" u="none" strike="noStrike" dirty="0" err="1">
+                <a:solidFill>
+                  <a:srgbClr val="000000"/>
+                </a:solidFill>
+                <a:effectLst/>
+                <a:latin typeface="Arial" panose="020B0604020202020204" pitchFamily="34" charset="0"/>
+                <a:cs typeface="Arial" panose="020B0604020202020204" pitchFamily="34" charset="0"/>
+              </a:rPr>
+              <a:t>użytkownika</a:t>
+            </a:r>
+            <a:r>
+              <a:rPr lang="en-GB" sz="1200" b="0" i="0" u="none" strike="noStrike" dirty="0">
+                <a:solidFill>
+                  <a:srgbClr val="000000"/>
+                </a:solidFill>
+                <a:effectLst/>
+                <a:latin typeface="Arial" panose="020B0604020202020204" pitchFamily="34" charset="0"/>
+                <a:cs typeface="Arial" panose="020B0604020202020204" pitchFamily="34" charset="0"/>
+              </a:rPr>
+              <a:t>,</a:t>
+            </a:r>
+          </a:p>
+          <a:p>
+            <a:r>
+              <a:rPr lang="en-GB" sz="1200" dirty="0" err="1">
+                <a:solidFill>
+                  <a:srgbClr val="000000"/>
+                </a:solidFill>
+                <a:latin typeface="Arial" panose="020B0604020202020204" pitchFamily="34" charset="0"/>
+                <a:cs typeface="Arial" panose="020B0604020202020204" pitchFamily="34" charset="0"/>
+              </a:rPr>
+              <a:t>Instancje</a:t>
+            </a:r>
+            <a:r>
+              <a:rPr lang="en-GB" sz="1200" dirty="0">
+                <a:solidFill>
+                  <a:srgbClr val="000000"/>
+                </a:solidFill>
+                <a:latin typeface="Arial" panose="020B0604020202020204" pitchFamily="34" charset="0"/>
+                <a:cs typeface="Arial" panose="020B0604020202020204" pitchFamily="34" charset="0"/>
+              </a:rPr>
+              <a:t> </a:t>
+            </a:r>
+            <a:r>
+              <a:rPr lang="en-GB" sz="1200" dirty="0" err="1">
+                <a:solidFill>
+                  <a:srgbClr val="000000"/>
+                </a:solidFill>
+                <a:latin typeface="Arial" panose="020B0604020202020204" pitchFamily="34" charset="0"/>
+                <a:cs typeface="Arial" panose="020B0604020202020204" pitchFamily="34" charset="0"/>
+              </a:rPr>
+              <a:t>aplikacji</a:t>
+            </a:r>
+            <a:r>
+              <a:rPr lang="en-GB" sz="1200" dirty="0">
+                <a:solidFill>
+                  <a:srgbClr val="000000"/>
+                </a:solidFill>
+                <a:latin typeface="Arial" panose="020B0604020202020204" pitchFamily="34" charset="0"/>
+                <a:cs typeface="Arial" panose="020B0604020202020204" pitchFamily="34" charset="0"/>
+              </a:rPr>
+              <a:t> </a:t>
+            </a:r>
+            <a:r>
+              <a:rPr lang="en-GB" sz="1200" dirty="0" err="1">
+                <a:solidFill>
+                  <a:srgbClr val="000000"/>
+                </a:solidFill>
+                <a:latin typeface="Arial" panose="020B0604020202020204" pitchFamily="34" charset="0"/>
+                <a:cs typeface="Arial" panose="020B0604020202020204" pitchFamily="34" charset="0"/>
+              </a:rPr>
+              <a:t>uruchamiane</a:t>
+            </a:r>
+            <a:r>
+              <a:rPr lang="en-GB" sz="1200" dirty="0">
+                <a:solidFill>
+                  <a:srgbClr val="000000"/>
+                </a:solidFill>
+                <a:latin typeface="Arial" panose="020B0604020202020204" pitchFamily="34" charset="0"/>
+                <a:cs typeface="Arial" panose="020B0604020202020204" pitchFamily="34" charset="0"/>
+              </a:rPr>
+              <a:t> w </a:t>
+            </a:r>
+            <a:r>
+              <a:rPr lang="en-GB" sz="1200" dirty="0" err="1">
+                <a:solidFill>
+                  <a:srgbClr val="000000"/>
+                </a:solidFill>
+                <a:latin typeface="Arial" panose="020B0604020202020204" pitchFamily="34" charset="0"/>
+                <a:cs typeface="Arial" panose="020B0604020202020204" pitchFamily="34" charset="0"/>
+              </a:rPr>
+              <a:t>kontenerach</a:t>
+            </a:r>
+            <a:r>
+              <a:rPr lang="en-GB" sz="1200" dirty="0">
+                <a:solidFill>
+                  <a:srgbClr val="000000"/>
+                </a:solidFill>
+                <a:latin typeface="Arial" panose="020B0604020202020204" pitchFamily="34" charset="0"/>
+                <a:cs typeface="Arial" panose="020B0604020202020204" pitchFamily="34" charset="0"/>
+              </a:rPr>
+              <a:t> Docker,</a:t>
+            </a:r>
+          </a:p>
+          <a:p>
+            <a:r>
+              <a:rPr lang="en-GB" sz="1200" b="0" i="0" u="none" strike="noStrike" dirty="0" err="1">
+                <a:solidFill>
+                  <a:srgbClr val="000000"/>
+                </a:solidFill>
+                <a:effectLst/>
+                <a:latin typeface="Arial" panose="020B0604020202020204" pitchFamily="34" charset="0"/>
+                <a:cs typeface="Arial" panose="020B0604020202020204" pitchFamily="34" charset="0"/>
+              </a:rPr>
+              <a:t>Mailgun</a:t>
+            </a:r>
+            <a:r>
+              <a:rPr lang="en-GB" sz="1200" b="0" i="0" u="none" strike="noStrike" dirty="0">
+                <a:solidFill>
+                  <a:srgbClr val="000000"/>
+                </a:solidFill>
+                <a:effectLst/>
+                <a:latin typeface="Arial" panose="020B0604020202020204" pitchFamily="34" charset="0"/>
+                <a:cs typeface="Arial" panose="020B0604020202020204" pitchFamily="34" charset="0"/>
+              </a:rPr>
+              <a:t> do </a:t>
+            </a:r>
+            <a:r>
+              <a:rPr lang="en-GB" sz="1200" b="0" i="0" u="none" strike="noStrike" dirty="0" err="1">
+                <a:solidFill>
+                  <a:srgbClr val="000000"/>
+                </a:solidFill>
+                <a:effectLst/>
+                <a:latin typeface="Arial" panose="020B0604020202020204" pitchFamily="34" charset="0"/>
+                <a:cs typeface="Arial" panose="020B0604020202020204" pitchFamily="34" charset="0"/>
+              </a:rPr>
+              <a:t>obsługi</a:t>
+            </a:r>
+            <a:r>
+              <a:rPr lang="en-GB" sz="1200" b="0" i="0" u="none" strike="noStrike" dirty="0">
+                <a:solidFill>
+                  <a:srgbClr val="000000"/>
+                </a:solidFill>
+                <a:effectLst/>
+                <a:latin typeface="Arial" panose="020B0604020202020204" pitchFamily="34" charset="0"/>
+                <a:cs typeface="Arial" panose="020B0604020202020204" pitchFamily="34" charset="0"/>
+              </a:rPr>
+              <a:t> </a:t>
+            </a:r>
+            <a:r>
+              <a:rPr lang="en-GB" sz="1200" b="0" i="0" u="none" strike="noStrike" dirty="0" err="1">
+                <a:solidFill>
+                  <a:srgbClr val="000000"/>
+                </a:solidFill>
+                <a:effectLst/>
+                <a:latin typeface="Arial" panose="020B0604020202020204" pitchFamily="34" charset="0"/>
+                <a:cs typeface="Arial" panose="020B0604020202020204" pitchFamily="34" charset="0"/>
+              </a:rPr>
+              <a:t>wysyłki</a:t>
+            </a:r>
+            <a:r>
+              <a:rPr lang="en-GB" sz="1200" b="0" i="0" u="none" strike="noStrike" dirty="0">
+                <a:solidFill>
+                  <a:srgbClr val="000000"/>
+                </a:solidFill>
+                <a:effectLst/>
+                <a:latin typeface="Arial" panose="020B0604020202020204" pitchFamily="34" charset="0"/>
+                <a:cs typeface="Arial" panose="020B0604020202020204" pitchFamily="34" charset="0"/>
+              </a:rPr>
+              <a:t> </a:t>
+            </a:r>
+            <a:r>
+              <a:rPr lang="en-GB" sz="1200" b="0" i="0" u="none" strike="noStrike" dirty="0" err="1">
+                <a:solidFill>
+                  <a:srgbClr val="000000"/>
+                </a:solidFill>
+                <a:effectLst/>
+                <a:latin typeface="Arial" panose="020B0604020202020204" pitchFamily="34" charset="0"/>
+                <a:cs typeface="Arial" panose="020B0604020202020204" pitchFamily="34" charset="0"/>
+              </a:rPr>
+              <a:t>emaili</a:t>
+            </a:r>
+            <a:r>
+              <a:rPr lang="en-GB" sz="1200" b="0" i="0" u="none" strike="noStrike" dirty="0">
+                <a:solidFill>
+                  <a:srgbClr val="000000"/>
+                </a:solidFill>
+                <a:effectLst/>
+                <a:latin typeface="Arial" panose="020B0604020202020204" pitchFamily="34" charset="0"/>
+                <a:cs typeface="Arial" panose="020B0604020202020204" pitchFamily="34" charset="0"/>
+              </a:rPr>
+              <a:t>.</a:t>
+            </a:r>
+            <a:endParaRPr lang="en-PL" sz="1200" dirty="0">
+              <a:latin typeface="Arial" panose="020B0604020202020204" pitchFamily="34" charset="0"/>
+              <a:cs typeface="Arial" panose="020B0604020202020204" pitchFamily="34" charset="0"/>
+            </a:endParaRPr>
+          </a:p>
+        </p:txBody>
+      </p:sp>
+    </p:spTree>
+    <p:extLst>
+      <p:ext uri="{BB962C8B-B14F-4D97-AF65-F5344CB8AC3E}">
+        <p14:creationId xmlns:p14="http://schemas.microsoft.com/office/powerpoint/2010/main" val="3258085618"/>
+      </p:ext>
+    </p:extLst>
+  </p:cSld>
+  <p:clrMapOvr>
+    <a:masterClrMapping/>
+  </p:clrMapOvr>
+</p:sld>
+</file>
+
+<file path=ppt/slides/slide4.xml><?xml version="1.0" encoding="utf-8"?>
+<p:sld xmlns:a="http://schemas.openxmlformats.org/drawingml/2006/main" xmlns:r="http://schemas.openxmlformats.org/officeDocument/2006/relationships" xmlns:p="http://schemas.openxmlformats.org/presentationml/2006/main">
+  <p:cSld>
+    <p:spTree>
+      <p:nvGrpSpPr>
+        <p:cNvPr id="1" name=""/>
+        <p:cNvGrpSpPr/>
+        <p:nvPr/>
+      </p:nvGrpSpPr>
+      <p:grpSpPr>
+        <a:xfrm>
+          <a:off x="0" y="0"/>
+          <a:ext cx="0" cy="0"/>
+          <a:chOff x="0" y="0"/>
+          <a:chExt cx="0" cy="0"/>
+        </a:xfrm>
+      </p:grpSpPr>
+      <p:sp>
+        <p:nvSpPr>
+          <p:cNvPr id="2" name="Title 1">
+            <a:extLst>
+              <a:ext uri="{FF2B5EF4-FFF2-40B4-BE49-F238E27FC236}">
+                <a16:creationId xmlns:a16="http://schemas.microsoft.com/office/drawing/2014/main" id="{806F02C6-2941-EFDA-53B4-F2EB06C4C194}"/>
+              </a:ext>
+            </a:extLst>
+          </p:cNvPr>
+          <p:cNvSpPr>
+            <a:spLocks noGrp="1"/>
+          </p:cNvSpPr>
+          <p:nvPr>
+            <p:ph type="title"/>
+          </p:nvPr>
+        </p:nvSpPr>
+        <p:spPr/>
+        <p:txBody>
+          <a:bodyPr/>
+          <a:lstStyle/>
+          <a:p>
+            <a:r>
+              <a:rPr lang="en-GB" b="0" i="0" u="none" strike="noStrike" dirty="0" err="1">
+                <a:solidFill>
+                  <a:schemeClr val="bg1"/>
+                </a:solidFill>
+                <a:effectLst/>
+                <a:latin typeface="Nunito" pitchFamily="2" charset="77"/>
+              </a:rPr>
+              <a:t>Środowisko</a:t>
+            </a:r>
+            <a:r>
+              <a:rPr lang="en-GB" b="0" i="0" u="none" strike="noStrike" dirty="0">
+                <a:solidFill>
+                  <a:schemeClr val="bg1"/>
+                </a:solidFill>
+                <a:effectLst/>
+                <a:latin typeface="Nunito" pitchFamily="2" charset="77"/>
+              </a:rPr>
+              <a:t> </a:t>
+            </a:r>
+            <a:r>
+              <a:rPr lang="en-GB" b="0" i="0" u="none" strike="noStrike" dirty="0" err="1">
+                <a:solidFill>
+                  <a:schemeClr val="bg1"/>
+                </a:solidFill>
+                <a:effectLst/>
+                <a:latin typeface="Nunito" pitchFamily="2" charset="77"/>
+              </a:rPr>
+              <a:t>Deweloperskie</a:t>
+            </a:r>
+            <a:endParaRPr lang="en-PL" dirty="0">
+              <a:solidFill>
+                <a:schemeClr val="bg1"/>
+              </a:solidFill>
+              <a:latin typeface="Nunito" pitchFamily="2" charset="77"/>
+            </a:endParaRPr>
+          </a:p>
+        </p:txBody>
+      </p:sp>
+      <p:sp>
+        <p:nvSpPr>
+          <p:cNvPr id="3" name="Text Placeholder 2">
+            <a:extLst>
+              <a:ext uri="{FF2B5EF4-FFF2-40B4-BE49-F238E27FC236}">
+                <a16:creationId xmlns:a16="http://schemas.microsoft.com/office/drawing/2014/main" id="{5AABCB5A-A5A8-DD2C-F6C2-E5D8787B03E2}"/>
+              </a:ext>
+            </a:extLst>
+          </p:cNvPr>
+          <p:cNvSpPr>
+            <a:spLocks noGrp="1"/>
+          </p:cNvSpPr>
+          <p:nvPr>
+            <p:ph type="body" idx="1"/>
+          </p:nvPr>
+        </p:nvSpPr>
+        <p:spPr>
+          <a:xfrm>
+            <a:off x="819150" y="1442085"/>
+            <a:ext cx="7505700" cy="954600"/>
+          </a:xfrm>
+        </p:spPr>
+        <p:txBody>
+          <a:bodyPr>
+            <a:normAutofit/>
+          </a:bodyPr>
+          <a:lstStyle/>
+          <a:p>
+            <a:r>
+              <a:rPr lang="en-GB" sz="1200" b="0" i="0" u="none" strike="noStrike" dirty="0" err="1">
+                <a:solidFill>
+                  <a:srgbClr val="000000"/>
+                </a:solidFill>
+                <a:effectLst/>
+                <a:latin typeface="Arial" panose="020B0604020202020204" pitchFamily="34" charset="0"/>
+                <a:cs typeface="Arial" panose="020B0604020202020204" pitchFamily="34" charset="0"/>
+              </a:rPr>
+              <a:t>Konfiguracja</a:t>
+            </a:r>
+            <a:r>
+              <a:rPr lang="en-GB" sz="1200" b="0" i="0" u="none" strike="noStrike" dirty="0">
+                <a:solidFill>
+                  <a:srgbClr val="000000"/>
+                </a:solidFill>
+                <a:effectLst/>
+                <a:latin typeface="Arial" panose="020B0604020202020204" pitchFamily="34" charset="0"/>
+                <a:cs typeface="Arial" panose="020B0604020202020204" pitchFamily="34" charset="0"/>
+              </a:rPr>
+              <a:t> </a:t>
+            </a:r>
+            <a:r>
+              <a:rPr lang="en-GB" sz="1200" b="0" i="0" u="none" strike="noStrike" dirty="0" err="1">
+                <a:solidFill>
+                  <a:srgbClr val="000000"/>
+                </a:solidFill>
+                <a:effectLst/>
+                <a:latin typeface="Arial" panose="020B0604020202020204" pitchFamily="34" charset="0"/>
+                <a:cs typeface="Arial" panose="020B0604020202020204" pitchFamily="34" charset="0"/>
+              </a:rPr>
+              <a:t>lokalna</a:t>
+            </a:r>
+            <a:r>
+              <a:rPr lang="en-GB" sz="1200" b="0" i="0" u="none" strike="noStrike" dirty="0">
+                <a:solidFill>
+                  <a:srgbClr val="000000"/>
+                </a:solidFill>
+                <a:effectLst/>
+                <a:latin typeface="Arial" panose="020B0604020202020204" pitchFamily="34" charset="0"/>
+                <a:cs typeface="Arial" panose="020B0604020202020204" pitchFamily="34" charset="0"/>
+              </a:rPr>
+              <a:t> </a:t>
+            </a:r>
+            <a:r>
+              <a:rPr lang="en-GB" sz="1200" b="0" i="0" u="none" strike="noStrike" dirty="0" err="1">
+                <a:solidFill>
+                  <a:srgbClr val="000000"/>
+                </a:solidFill>
+                <a:effectLst/>
+                <a:latin typeface="Arial" panose="020B0604020202020204" pitchFamily="34" charset="0"/>
+                <a:cs typeface="Arial" panose="020B0604020202020204" pitchFamily="34" charset="0"/>
+              </a:rPr>
+              <a:t>postawiona</a:t>
+            </a:r>
+            <a:r>
+              <a:rPr lang="en-GB" sz="1200" b="0" i="0" u="none" strike="noStrike" dirty="0">
+                <a:solidFill>
+                  <a:srgbClr val="000000"/>
+                </a:solidFill>
+                <a:effectLst/>
+                <a:latin typeface="Arial" panose="020B0604020202020204" pitchFamily="34" charset="0"/>
+                <a:cs typeface="Arial" panose="020B0604020202020204" pitchFamily="34" charset="0"/>
+              </a:rPr>
+              <a:t> z </a:t>
+            </a:r>
+            <a:r>
+              <a:rPr lang="en-GB" sz="1200" b="0" i="0" u="none" strike="noStrike" dirty="0" err="1">
+                <a:solidFill>
+                  <a:srgbClr val="000000"/>
+                </a:solidFill>
+                <a:effectLst/>
+                <a:latin typeface="Arial" panose="020B0604020202020204" pitchFamily="34" charset="0"/>
+                <a:cs typeface="Arial" panose="020B0604020202020204" pitchFamily="34" charset="0"/>
+              </a:rPr>
+              <a:t>użyciem</a:t>
+            </a:r>
+            <a:r>
+              <a:rPr lang="en-GB" sz="1200" b="0" i="0" u="none" strike="noStrike" dirty="0">
+                <a:solidFill>
+                  <a:srgbClr val="000000"/>
+                </a:solidFill>
+                <a:effectLst/>
+                <a:latin typeface="Arial" panose="020B0604020202020204" pitchFamily="34" charset="0"/>
+                <a:cs typeface="Arial" panose="020B0604020202020204" pitchFamily="34" charset="0"/>
+              </a:rPr>
+              <a:t> Laravel Sail,</a:t>
+            </a:r>
+          </a:p>
+          <a:p>
+            <a:r>
+              <a:rPr lang="en-GB" sz="1200" b="0" i="0" u="none" strike="noStrike" dirty="0" err="1">
+                <a:solidFill>
+                  <a:srgbClr val="000000"/>
+                </a:solidFill>
+                <a:effectLst/>
+                <a:latin typeface="Arial" panose="020B0604020202020204" pitchFamily="34" charset="0"/>
+                <a:cs typeface="Arial" panose="020B0604020202020204" pitchFamily="34" charset="0"/>
+              </a:rPr>
+              <a:t>Wykorzystanie</a:t>
+            </a:r>
+            <a:r>
+              <a:rPr lang="en-GB" sz="1200" b="0" i="0" u="none" strike="noStrike" dirty="0">
+                <a:solidFill>
+                  <a:srgbClr val="000000"/>
+                </a:solidFill>
+                <a:effectLst/>
+                <a:latin typeface="Arial" panose="020B0604020202020204" pitchFamily="34" charset="0"/>
+                <a:cs typeface="Arial" panose="020B0604020202020204" pitchFamily="34" charset="0"/>
+              </a:rPr>
+              <a:t> </a:t>
+            </a:r>
+            <a:r>
+              <a:rPr lang="en-GB" sz="1200" b="0" i="0" u="none" strike="noStrike" dirty="0" err="1">
+                <a:solidFill>
+                  <a:srgbClr val="000000"/>
+                </a:solidFill>
+                <a:effectLst/>
+                <a:latin typeface="Arial" panose="020B0604020202020204" pitchFamily="34" charset="0"/>
+                <a:cs typeface="Arial" panose="020B0604020202020204" pitchFamily="34" charset="0"/>
+              </a:rPr>
+              <a:t>narzędzi</a:t>
+            </a:r>
+            <a:r>
+              <a:rPr lang="en-GB" sz="1200" b="0" i="0" u="none" strike="noStrike" dirty="0">
+                <a:solidFill>
+                  <a:srgbClr val="000000"/>
+                </a:solidFill>
+                <a:effectLst/>
+                <a:latin typeface="Arial" panose="020B0604020202020204" pitchFamily="34" charset="0"/>
+                <a:cs typeface="Arial" panose="020B0604020202020204" pitchFamily="34" charset="0"/>
+              </a:rPr>
+              <a:t> </a:t>
+            </a:r>
+            <a:r>
+              <a:rPr lang="en-GB" sz="1200" b="0" i="0" u="none" strike="noStrike" dirty="0" err="1">
+                <a:solidFill>
+                  <a:srgbClr val="000000"/>
+                </a:solidFill>
+                <a:effectLst/>
+                <a:latin typeface="Arial" panose="020B0604020202020204" pitchFamily="34" charset="0"/>
+                <a:cs typeface="Arial" panose="020B0604020202020204" pitchFamily="34" charset="0"/>
+              </a:rPr>
+              <a:t>takich</a:t>
+            </a:r>
+            <a:r>
+              <a:rPr lang="en-GB" sz="1200" b="0" i="0" u="none" strike="noStrike" dirty="0">
+                <a:solidFill>
+                  <a:srgbClr val="000000"/>
+                </a:solidFill>
+                <a:effectLst/>
+                <a:latin typeface="Arial" panose="020B0604020202020204" pitchFamily="34" charset="0"/>
+                <a:cs typeface="Arial" panose="020B0604020202020204" pitchFamily="34" charset="0"/>
+              </a:rPr>
+              <a:t> jak </a:t>
+            </a:r>
+            <a:r>
+              <a:rPr lang="en-GB" sz="1200" b="0" i="0" u="none" strike="noStrike" dirty="0" err="1">
+                <a:solidFill>
+                  <a:srgbClr val="000000"/>
+                </a:solidFill>
+                <a:effectLst/>
+                <a:latin typeface="Arial" panose="020B0604020202020204" pitchFamily="34" charset="0"/>
+                <a:cs typeface="Arial" panose="020B0604020202020204" pitchFamily="34" charset="0"/>
+              </a:rPr>
+              <a:t>Vite</a:t>
+            </a:r>
+            <a:r>
+              <a:rPr lang="en-GB" sz="1200" b="0" i="0" u="none" strike="noStrike" dirty="0">
+                <a:solidFill>
+                  <a:srgbClr val="000000"/>
+                </a:solidFill>
+                <a:effectLst/>
+                <a:latin typeface="Arial" panose="020B0604020202020204" pitchFamily="34" charset="0"/>
+                <a:cs typeface="Arial" panose="020B0604020202020204" pitchFamily="34" charset="0"/>
+              </a:rPr>
+              <a:t>, </a:t>
+            </a:r>
+            <a:r>
+              <a:rPr lang="en-GB" sz="1200" b="0" i="0" u="none" strike="noStrike" dirty="0" err="1">
+                <a:solidFill>
+                  <a:srgbClr val="000000"/>
+                </a:solidFill>
+                <a:effectLst/>
+                <a:latin typeface="Arial" panose="020B0604020202020204" pitchFamily="34" charset="0"/>
+                <a:cs typeface="Arial" panose="020B0604020202020204" pitchFamily="34" charset="0"/>
+              </a:rPr>
+              <a:t>npm</a:t>
+            </a:r>
+            <a:r>
+              <a:rPr lang="en-GB" sz="1200" b="0" i="0" u="none" strike="noStrike" dirty="0">
+                <a:solidFill>
+                  <a:srgbClr val="000000"/>
+                </a:solidFill>
+                <a:effectLst/>
+                <a:latin typeface="Arial" panose="020B0604020202020204" pitchFamily="34" charset="0"/>
+                <a:cs typeface="Arial" panose="020B0604020202020204" pitchFamily="34" charset="0"/>
+              </a:rPr>
+              <a:t> </a:t>
+            </a:r>
+            <a:r>
+              <a:rPr lang="en-GB" sz="1200" b="0" i="0" u="none" strike="noStrike" dirty="0" err="1">
+                <a:solidFill>
+                  <a:srgbClr val="000000"/>
+                </a:solidFill>
+                <a:effectLst/>
+                <a:latin typeface="Arial" panose="020B0604020202020204" pitchFamily="34" charset="0"/>
+                <a:cs typeface="Arial" panose="020B0604020202020204" pitchFamily="34" charset="0"/>
+              </a:rPr>
+              <a:t>i</a:t>
+            </a:r>
+            <a:r>
+              <a:rPr lang="en-GB" sz="1200" b="0" i="0" u="none" strike="noStrike" dirty="0">
+                <a:solidFill>
+                  <a:srgbClr val="000000"/>
+                </a:solidFill>
+                <a:effectLst/>
+                <a:latin typeface="Arial" panose="020B0604020202020204" pitchFamily="34" charset="0"/>
+                <a:cs typeface="Arial" panose="020B0604020202020204" pitchFamily="34" charset="0"/>
+              </a:rPr>
+              <a:t> Git do </a:t>
+            </a:r>
+            <a:r>
+              <a:rPr lang="en-GB" sz="1200" b="0" i="0" u="none" strike="noStrike" dirty="0" err="1">
+                <a:solidFill>
+                  <a:srgbClr val="000000"/>
+                </a:solidFill>
+                <a:effectLst/>
+                <a:latin typeface="Arial" panose="020B0604020202020204" pitchFamily="34" charset="0"/>
+                <a:cs typeface="Arial" panose="020B0604020202020204" pitchFamily="34" charset="0"/>
+              </a:rPr>
+              <a:t>zarządzania</a:t>
+            </a:r>
+            <a:r>
+              <a:rPr lang="en-GB" sz="1200" b="0" i="0" u="none" strike="noStrike" dirty="0">
+                <a:solidFill>
+                  <a:srgbClr val="000000"/>
+                </a:solidFill>
+                <a:effectLst/>
+                <a:latin typeface="Arial" panose="020B0604020202020204" pitchFamily="34" charset="0"/>
+                <a:cs typeface="Arial" panose="020B0604020202020204" pitchFamily="34" charset="0"/>
+              </a:rPr>
+              <a:t> </a:t>
+            </a:r>
+            <a:r>
+              <a:rPr lang="en-GB" sz="1200" b="0" i="0" u="none" strike="noStrike" dirty="0" err="1">
+                <a:solidFill>
+                  <a:srgbClr val="000000"/>
+                </a:solidFill>
+                <a:effectLst/>
+                <a:latin typeface="Arial" panose="020B0604020202020204" pitchFamily="34" charset="0"/>
+                <a:cs typeface="Arial" panose="020B0604020202020204" pitchFamily="34" charset="0"/>
+              </a:rPr>
+              <a:t>kodem</a:t>
+            </a:r>
+            <a:r>
+              <a:rPr lang="en-GB" sz="1200" b="0" i="0" u="none" strike="noStrike" dirty="0">
+                <a:solidFill>
+                  <a:srgbClr val="000000"/>
+                </a:solidFill>
+                <a:effectLst/>
+                <a:latin typeface="Arial" panose="020B0604020202020204" pitchFamily="34" charset="0"/>
+                <a:cs typeface="Arial" panose="020B0604020202020204" pitchFamily="34" charset="0"/>
+              </a:rPr>
+              <a:t> </a:t>
+            </a:r>
+            <a:r>
+              <a:rPr lang="en-GB" sz="1200" b="0" i="0" u="none" strike="noStrike" dirty="0" err="1">
+                <a:solidFill>
+                  <a:srgbClr val="000000"/>
+                </a:solidFill>
+                <a:effectLst/>
+                <a:latin typeface="Arial" panose="020B0604020202020204" pitchFamily="34" charset="0"/>
+                <a:cs typeface="Arial" panose="020B0604020202020204" pitchFamily="34" charset="0"/>
+              </a:rPr>
+              <a:t>i</a:t>
+            </a:r>
+            <a:r>
+              <a:rPr lang="en-GB" sz="1200" b="0" i="0" u="none" strike="noStrike" dirty="0">
+                <a:solidFill>
+                  <a:srgbClr val="000000"/>
+                </a:solidFill>
+                <a:effectLst/>
+                <a:latin typeface="Arial" panose="020B0604020202020204" pitchFamily="34" charset="0"/>
+                <a:cs typeface="Arial" panose="020B0604020202020204" pitchFamily="34" charset="0"/>
+              </a:rPr>
+              <a:t> </a:t>
+            </a:r>
+            <a:r>
+              <a:rPr lang="en-GB" sz="1200" b="0" i="0" u="none" strike="noStrike" dirty="0" err="1">
+                <a:solidFill>
+                  <a:srgbClr val="000000"/>
+                </a:solidFill>
+                <a:effectLst/>
+                <a:latin typeface="Arial" panose="020B0604020202020204" pitchFamily="34" charset="0"/>
+                <a:cs typeface="Arial" panose="020B0604020202020204" pitchFamily="34" charset="0"/>
+              </a:rPr>
+              <a:t>zależnościami</a:t>
+            </a:r>
+            <a:r>
+              <a:rPr lang="en-GB" sz="1200" b="0" i="0" u="none" strike="noStrike" dirty="0">
+                <a:solidFill>
+                  <a:srgbClr val="000000"/>
+                </a:solidFill>
+                <a:effectLst/>
+                <a:latin typeface="Arial" panose="020B0604020202020204" pitchFamily="34" charset="0"/>
+                <a:cs typeface="Arial" panose="020B0604020202020204" pitchFamily="34" charset="0"/>
+              </a:rPr>
+              <a:t>.</a:t>
+            </a:r>
+            <a:endParaRPr lang="en-PL" sz="1200" dirty="0">
+              <a:latin typeface="Arial" panose="020B0604020202020204" pitchFamily="34" charset="0"/>
+              <a:cs typeface="Arial" panose="020B0604020202020204" pitchFamily="34" charset="0"/>
+            </a:endParaRPr>
+          </a:p>
+        </p:txBody>
+      </p:sp>
+      <p:sp>
+        <p:nvSpPr>
+          <p:cNvPr id="4" name="Title 1">
+            <a:extLst>
+              <a:ext uri="{FF2B5EF4-FFF2-40B4-BE49-F238E27FC236}">
+                <a16:creationId xmlns:a16="http://schemas.microsoft.com/office/drawing/2014/main" id="{A983BF14-7C4A-2044-E81F-1EE036664F94}"/>
+              </a:ext>
+            </a:extLst>
+          </p:cNvPr>
+          <p:cNvSpPr txBox="1">
+            <a:spLocks/>
+          </p:cNvSpPr>
+          <p:nvPr/>
+        </p:nvSpPr>
+        <p:spPr>
+          <a:xfrm>
+            <a:off x="819150" y="2746815"/>
+            <a:ext cx="7505700" cy="954600"/>
+          </a:xfrm>
+          <a:prstGeom prst="rect">
+            <a:avLst/>
+          </a:prstGeom>
+          <a:noFill/>
+          <a:ln>
+            <a:noFill/>
+          </a:ln>
+        </p:spPr>
+        <p:txBody>
+          <a:bodyPr spcFirstLastPara="1" wrap="square" lIns="91425" tIns="91425" rIns="91425" bIns="91425" anchor="t" anchorCtr="0">
+            <a:normAutofit/>
+          </a:bodyPr>
+          <a:lstStyle>
+            <a:defPPr marR="0" lvl="0" algn="l" rtl="0">
+              <a:lnSpc>
+                <a:spcPct val="100000"/>
+              </a:lnSpc>
+              <a:spcBef>
+                <a:spcPts val="0"/>
+              </a:spcBef>
+              <a:spcAft>
+                <a:spcPts val="0"/>
+              </a:spcAft>
+            </a:defPPr>
+            <a:lvl1pPr marR="0" lvl="0" algn="l" rtl="0">
+              <a:lnSpc>
+                <a:spcPct val="100000"/>
+              </a:lnSpc>
+              <a:spcBef>
+                <a:spcPts val="0"/>
+              </a:spcBef>
+              <a:spcAft>
+                <a:spcPts val="0"/>
+              </a:spcAft>
+              <a:buClr>
+                <a:schemeClr val="lt1"/>
+              </a:buClr>
+              <a:buSzPts val="3000"/>
+              <a:buFont typeface="Nunito"/>
+              <a:buNone/>
+              <a:defRPr sz="3000" b="0" i="0" u="none" strike="noStrike" cap="none">
+                <a:solidFill>
+                  <a:schemeClr val="lt1"/>
+                </a:solidFill>
+                <a:latin typeface="Nunito"/>
+                <a:ea typeface="Nunito"/>
+                <a:cs typeface="Nunito"/>
+                <a:sym typeface="Nunito"/>
+              </a:defRPr>
+            </a:lvl1pPr>
+            <a:lvl2pPr marR="0" lvl="1" algn="l" rtl="0">
+              <a:lnSpc>
+                <a:spcPct val="100000"/>
+              </a:lnSpc>
+              <a:spcBef>
+                <a:spcPts val="0"/>
+              </a:spcBef>
+              <a:spcAft>
+                <a:spcPts val="0"/>
+              </a:spcAft>
+              <a:buClr>
+                <a:schemeClr val="lt1"/>
+              </a:buClr>
+              <a:buSzPts val="3000"/>
+              <a:buFont typeface="Nunito"/>
+              <a:buNone/>
+              <a:defRPr sz="3000" b="0" i="0" u="none" strike="noStrike" cap="none">
+                <a:solidFill>
+                  <a:schemeClr val="lt1"/>
+                </a:solidFill>
+                <a:latin typeface="Nunito"/>
+                <a:ea typeface="Nunito"/>
+                <a:cs typeface="Nunito"/>
+                <a:sym typeface="Nunito"/>
+              </a:defRPr>
+            </a:lvl2pPr>
+            <a:lvl3pPr marR="0" lvl="2" algn="l" rtl="0">
+              <a:lnSpc>
+                <a:spcPct val="100000"/>
+              </a:lnSpc>
+              <a:spcBef>
+                <a:spcPts val="0"/>
+              </a:spcBef>
+              <a:spcAft>
+                <a:spcPts val="0"/>
+              </a:spcAft>
+              <a:buClr>
+                <a:schemeClr val="lt1"/>
+              </a:buClr>
+              <a:buSzPts val="3000"/>
+              <a:buFont typeface="Nunito"/>
+              <a:buNone/>
+              <a:defRPr sz="3000" b="0" i="0" u="none" strike="noStrike" cap="none">
+                <a:solidFill>
+                  <a:schemeClr val="lt1"/>
+                </a:solidFill>
+                <a:latin typeface="Nunito"/>
+                <a:ea typeface="Nunito"/>
+                <a:cs typeface="Nunito"/>
+                <a:sym typeface="Nunito"/>
+              </a:defRPr>
+            </a:lvl3pPr>
+            <a:lvl4pPr marR="0" lvl="3" algn="l" rtl="0">
+              <a:lnSpc>
+                <a:spcPct val="100000"/>
+              </a:lnSpc>
+              <a:spcBef>
+                <a:spcPts val="0"/>
+              </a:spcBef>
+              <a:spcAft>
+                <a:spcPts val="0"/>
+              </a:spcAft>
+              <a:buClr>
+                <a:schemeClr val="lt1"/>
+              </a:buClr>
+              <a:buSzPts val="3000"/>
+              <a:buFont typeface="Nunito"/>
+              <a:buNone/>
+              <a:defRPr sz="3000" b="0" i="0" u="none" strike="noStrike" cap="none">
+                <a:solidFill>
+                  <a:schemeClr val="lt1"/>
+                </a:solidFill>
+                <a:latin typeface="Nunito"/>
+                <a:ea typeface="Nunito"/>
+                <a:cs typeface="Nunito"/>
+                <a:sym typeface="Nunito"/>
+              </a:defRPr>
+            </a:lvl4pPr>
+            <a:lvl5pPr marR="0" lvl="4" algn="l" rtl="0">
+              <a:lnSpc>
+                <a:spcPct val="100000"/>
+              </a:lnSpc>
+              <a:spcBef>
+                <a:spcPts val="0"/>
+              </a:spcBef>
+              <a:spcAft>
+                <a:spcPts val="0"/>
+              </a:spcAft>
+              <a:buClr>
+                <a:schemeClr val="lt1"/>
+              </a:buClr>
+              <a:buSzPts val="3000"/>
+              <a:buFont typeface="Nunito"/>
+              <a:buNone/>
+              <a:defRPr sz="3000" b="0" i="0" u="none" strike="noStrike" cap="none">
+                <a:solidFill>
+                  <a:schemeClr val="lt1"/>
+                </a:solidFill>
+                <a:latin typeface="Nunito"/>
+                <a:ea typeface="Nunito"/>
+                <a:cs typeface="Nunito"/>
+                <a:sym typeface="Nunito"/>
+              </a:defRPr>
+            </a:lvl5pPr>
+            <a:lvl6pPr marR="0" lvl="5" algn="l" rtl="0">
+              <a:lnSpc>
+                <a:spcPct val="100000"/>
+              </a:lnSpc>
+              <a:spcBef>
+                <a:spcPts val="0"/>
+              </a:spcBef>
+              <a:spcAft>
+                <a:spcPts val="0"/>
+              </a:spcAft>
+              <a:buClr>
+                <a:schemeClr val="lt1"/>
+              </a:buClr>
+              <a:buSzPts val="3000"/>
+              <a:buFont typeface="Nunito"/>
+              <a:buNone/>
+              <a:defRPr sz="3000" b="0" i="0" u="none" strike="noStrike" cap="none">
+                <a:solidFill>
+                  <a:schemeClr val="lt1"/>
+                </a:solidFill>
+                <a:latin typeface="Nunito"/>
+                <a:ea typeface="Nunito"/>
+                <a:cs typeface="Nunito"/>
+                <a:sym typeface="Nunito"/>
+              </a:defRPr>
+            </a:lvl6pPr>
+            <a:lvl7pPr marR="0" lvl="6" algn="l" rtl="0">
+              <a:lnSpc>
+                <a:spcPct val="100000"/>
+              </a:lnSpc>
+              <a:spcBef>
+                <a:spcPts val="0"/>
+              </a:spcBef>
+              <a:spcAft>
+                <a:spcPts val="0"/>
+              </a:spcAft>
+              <a:buClr>
+                <a:schemeClr val="lt1"/>
+              </a:buClr>
+              <a:buSzPts val="3000"/>
+              <a:buFont typeface="Nunito"/>
+              <a:buNone/>
+              <a:defRPr sz="3000" b="0" i="0" u="none" strike="noStrike" cap="none">
+                <a:solidFill>
+                  <a:schemeClr val="lt1"/>
+                </a:solidFill>
+                <a:latin typeface="Nunito"/>
+                <a:ea typeface="Nunito"/>
+                <a:cs typeface="Nunito"/>
+                <a:sym typeface="Nunito"/>
+              </a:defRPr>
+            </a:lvl7pPr>
+            <a:lvl8pPr marR="0" lvl="7" algn="l" rtl="0">
+              <a:lnSpc>
+                <a:spcPct val="100000"/>
+              </a:lnSpc>
+              <a:spcBef>
+                <a:spcPts val="0"/>
+              </a:spcBef>
+              <a:spcAft>
+                <a:spcPts val="0"/>
+              </a:spcAft>
+              <a:buClr>
+                <a:schemeClr val="lt1"/>
+              </a:buClr>
+              <a:buSzPts val="3000"/>
+              <a:buFont typeface="Nunito"/>
+              <a:buNone/>
+              <a:defRPr sz="3000" b="0" i="0" u="none" strike="noStrike" cap="none">
+                <a:solidFill>
+                  <a:schemeClr val="lt1"/>
+                </a:solidFill>
+                <a:latin typeface="Nunito"/>
+                <a:ea typeface="Nunito"/>
+                <a:cs typeface="Nunito"/>
+                <a:sym typeface="Nunito"/>
+              </a:defRPr>
+            </a:lvl8pPr>
+            <a:lvl9pPr marR="0" lvl="8" algn="l" rtl="0">
+              <a:lnSpc>
+                <a:spcPct val="100000"/>
+              </a:lnSpc>
+              <a:spcBef>
+                <a:spcPts val="0"/>
+              </a:spcBef>
+              <a:spcAft>
+                <a:spcPts val="0"/>
+              </a:spcAft>
+              <a:buClr>
+                <a:schemeClr val="lt1"/>
+              </a:buClr>
+              <a:buSzPts val="3000"/>
+              <a:buFont typeface="Nunito"/>
+              <a:buNone/>
+              <a:defRPr sz="3000" b="0" i="0" u="none" strike="noStrike" cap="none">
+                <a:solidFill>
+                  <a:schemeClr val="lt1"/>
+                </a:solidFill>
+                <a:latin typeface="Nunito"/>
+                <a:ea typeface="Nunito"/>
+                <a:cs typeface="Nunito"/>
+                <a:sym typeface="Nunito"/>
+              </a:defRPr>
+            </a:lvl9pPr>
+          </a:lstStyle>
+          <a:p>
+            <a:r>
+              <a:rPr lang="en-GB" dirty="0" err="1">
+                <a:solidFill>
+                  <a:schemeClr val="bg1"/>
+                </a:solidFill>
+                <a:latin typeface="Nunito" pitchFamily="2" charset="77"/>
+              </a:rPr>
+              <a:t>Środowisko</a:t>
+            </a:r>
+            <a:r>
+              <a:rPr lang="en-GB" dirty="0">
+                <a:solidFill>
+                  <a:schemeClr val="bg1"/>
+                </a:solidFill>
+                <a:latin typeface="Nunito" pitchFamily="2" charset="77"/>
+              </a:rPr>
+              <a:t> </a:t>
+            </a:r>
+            <a:r>
+              <a:rPr lang="en-GB" dirty="0" err="1">
+                <a:solidFill>
+                  <a:schemeClr val="bg1"/>
+                </a:solidFill>
+                <a:latin typeface="Nunito" pitchFamily="2" charset="77"/>
+              </a:rPr>
+              <a:t>Produkcyjne</a:t>
+            </a:r>
+            <a:endParaRPr lang="en-PL" dirty="0">
+              <a:solidFill>
+                <a:schemeClr val="bg1"/>
+              </a:solidFill>
+              <a:latin typeface="Nunito" pitchFamily="2" charset="77"/>
+            </a:endParaRPr>
+          </a:p>
+        </p:txBody>
+      </p:sp>
+      <p:sp>
+        <p:nvSpPr>
+          <p:cNvPr id="5" name="Text Placeholder 2">
+            <a:extLst>
+              <a:ext uri="{FF2B5EF4-FFF2-40B4-BE49-F238E27FC236}">
+                <a16:creationId xmlns:a16="http://schemas.microsoft.com/office/drawing/2014/main" id="{71751B16-3FBC-47A5-F983-84D78EF79328}"/>
+              </a:ext>
+            </a:extLst>
+          </p:cNvPr>
+          <p:cNvSpPr txBox="1">
+            <a:spLocks/>
+          </p:cNvSpPr>
+          <p:nvPr/>
+        </p:nvSpPr>
+        <p:spPr>
+          <a:xfrm>
+            <a:off x="819150" y="3343300"/>
+            <a:ext cx="7505700" cy="954600"/>
+          </a:xfrm>
+          <a:prstGeom prst="rect">
+            <a:avLst/>
+          </a:prstGeom>
+          <a:noFill/>
+          <a:ln>
+            <a:noFill/>
+          </a:ln>
+        </p:spPr>
+        <p:txBody>
+          <a:bodyPr spcFirstLastPara="1" wrap="square" lIns="91425" tIns="91425" rIns="91425" bIns="91425" anchor="t" anchorCtr="0">
+            <a:normAutofit/>
+          </a:bodyPr>
+          <a:lstStyle>
+            <a:defPPr marR="0" lvl="0" algn="l" rtl="0">
+              <a:lnSpc>
+                <a:spcPct val="100000"/>
+              </a:lnSpc>
+              <a:spcBef>
+                <a:spcPts val="0"/>
+              </a:spcBef>
+              <a:spcAft>
+                <a:spcPts val="0"/>
+              </a:spcAft>
+            </a:defPPr>
+            <a:lvl1pPr marL="457200" marR="0" lvl="0" indent="-311150" algn="l" rtl="0">
+              <a:lnSpc>
+                <a:spcPct val="115000"/>
+              </a:lnSpc>
+              <a:spcBef>
+                <a:spcPts val="0"/>
+              </a:spcBef>
+              <a:spcAft>
+                <a:spcPts val="0"/>
+              </a:spcAft>
+              <a:buClr>
+                <a:schemeClr val="dk2"/>
+              </a:buClr>
+              <a:buSzPts val="1300"/>
+              <a:buFont typeface="Calibri"/>
+              <a:buChar char="●"/>
+              <a:defRPr sz="1300" b="0" i="0" u="none" strike="noStrike" cap="none">
+                <a:solidFill>
+                  <a:schemeClr val="dk2"/>
+                </a:solidFill>
+                <a:latin typeface="Calibri"/>
+                <a:ea typeface="Calibri"/>
+                <a:cs typeface="Calibri"/>
+                <a:sym typeface="Calibri"/>
+              </a:defRPr>
+            </a:lvl1pPr>
+            <a:lvl2pPr marL="914400" marR="0" lvl="1" indent="-298450" algn="l" rtl="0">
+              <a:lnSpc>
+                <a:spcPct val="115000"/>
+              </a:lnSpc>
+              <a:spcBef>
+                <a:spcPts val="0"/>
+              </a:spcBef>
+              <a:spcAft>
+                <a:spcPts val="0"/>
+              </a:spcAft>
+              <a:buClr>
+                <a:schemeClr val="dk2"/>
+              </a:buClr>
+              <a:buSzPts val="1100"/>
+              <a:buFont typeface="Calibri"/>
+              <a:buChar char="○"/>
+              <a:defRPr sz="1100" b="0" i="0" u="none" strike="noStrike" cap="none">
+                <a:solidFill>
+                  <a:schemeClr val="dk2"/>
+                </a:solidFill>
+                <a:latin typeface="Calibri"/>
+                <a:ea typeface="Calibri"/>
+                <a:cs typeface="Calibri"/>
+                <a:sym typeface="Calibri"/>
+              </a:defRPr>
+            </a:lvl2pPr>
+            <a:lvl3pPr marL="1371600" marR="0" lvl="2" indent="-298450" algn="l" rtl="0">
+              <a:lnSpc>
+                <a:spcPct val="115000"/>
+              </a:lnSpc>
+              <a:spcBef>
+                <a:spcPts val="0"/>
+              </a:spcBef>
+              <a:spcAft>
+                <a:spcPts val="0"/>
+              </a:spcAft>
+              <a:buClr>
+                <a:schemeClr val="dk2"/>
+              </a:buClr>
+              <a:buSzPts val="1100"/>
+              <a:buFont typeface="Calibri"/>
+              <a:buChar char="■"/>
+              <a:defRPr sz="1100" b="0" i="0" u="none" strike="noStrike" cap="none">
+                <a:solidFill>
+                  <a:schemeClr val="dk2"/>
+                </a:solidFill>
+                <a:latin typeface="Calibri"/>
+                <a:ea typeface="Calibri"/>
+                <a:cs typeface="Calibri"/>
+                <a:sym typeface="Calibri"/>
+              </a:defRPr>
+            </a:lvl3pPr>
+            <a:lvl4pPr marL="1828800" marR="0" lvl="3" indent="-298450" algn="l" rtl="0">
+              <a:lnSpc>
+                <a:spcPct val="115000"/>
+              </a:lnSpc>
+              <a:spcBef>
+                <a:spcPts val="0"/>
+              </a:spcBef>
+              <a:spcAft>
+                <a:spcPts val="0"/>
+              </a:spcAft>
+              <a:buClr>
+                <a:schemeClr val="dk2"/>
+              </a:buClr>
+              <a:buSzPts val="1100"/>
+              <a:buFont typeface="Calibri"/>
+              <a:buChar char="●"/>
+              <a:defRPr sz="1100" b="0" i="0" u="none" strike="noStrike" cap="none">
+                <a:solidFill>
+                  <a:schemeClr val="dk2"/>
+                </a:solidFill>
+                <a:latin typeface="Calibri"/>
+                <a:ea typeface="Calibri"/>
+                <a:cs typeface="Calibri"/>
+                <a:sym typeface="Calibri"/>
+              </a:defRPr>
+            </a:lvl4pPr>
+            <a:lvl5pPr marL="2286000" marR="0" lvl="4" indent="-298450" algn="l" rtl="0">
+              <a:lnSpc>
+                <a:spcPct val="115000"/>
+              </a:lnSpc>
+              <a:spcBef>
+                <a:spcPts val="0"/>
+              </a:spcBef>
+              <a:spcAft>
+                <a:spcPts val="0"/>
+              </a:spcAft>
+              <a:buClr>
+                <a:schemeClr val="dk2"/>
+              </a:buClr>
+              <a:buSzPts val="1100"/>
+              <a:buFont typeface="Calibri"/>
+              <a:buChar char="○"/>
+              <a:defRPr sz="1100" b="0" i="0" u="none" strike="noStrike" cap="none">
+                <a:solidFill>
+                  <a:schemeClr val="dk2"/>
+                </a:solidFill>
+                <a:latin typeface="Calibri"/>
+                <a:ea typeface="Calibri"/>
+                <a:cs typeface="Calibri"/>
+                <a:sym typeface="Calibri"/>
+              </a:defRPr>
+            </a:lvl5pPr>
+            <a:lvl6pPr marL="2743200" marR="0" lvl="5" indent="-298450" algn="l" rtl="0">
+              <a:lnSpc>
+                <a:spcPct val="115000"/>
+              </a:lnSpc>
+              <a:spcBef>
+                <a:spcPts val="0"/>
+              </a:spcBef>
+              <a:spcAft>
+                <a:spcPts val="0"/>
+              </a:spcAft>
+              <a:buClr>
+                <a:schemeClr val="dk2"/>
+              </a:buClr>
+              <a:buSzPts val="1100"/>
+              <a:buFont typeface="Calibri"/>
+              <a:buChar char="■"/>
+              <a:defRPr sz="1100" b="0" i="0" u="none" strike="noStrike" cap="none">
+                <a:solidFill>
+                  <a:schemeClr val="dk2"/>
+                </a:solidFill>
+                <a:latin typeface="Calibri"/>
+                <a:ea typeface="Calibri"/>
+                <a:cs typeface="Calibri"/>
+                <a:sym typeface="Calibri"/>
+              </a:defRPr>
+            </a:lvl6pPr>
+            <a:lvl7pPr marL="3200400" marR="0" lvl="6" indent="-298450" algn="l" rtl="0">
+              <a:lnSpc>
+                <a:spcPct val="115000"/>
+              </a:lnSpc>
+              <a:spcBef>
+                <a:spcPts val="0"/>
+              </a:spcBef>
+              <a:spcAft>
+                <a:spcPts val="0"/>
+              </a:spcAft>
+              <a:buClr>
+                <a:schemeClr val="dk2"/>
+              </a:buClr>
+              <a:buSzPts val="1100"/>
+              <a:buFont typeface="Calibri"/>
+              <a:buChar char="●"/>
+              <a:defRPr sz="1100" b="0" i="0" u="none" strike="noStrike" cap="none">
+                <a:solidFill>
+                  <a:schemeClr val="dk2"/>
+                </a:solidFill>
+                <a:latin typeface="Calibri"/>
+                <a:ea typeface="Calibri"/>
+                <a:cs typeface="Calibri"/>
+                <a:sym typeface="Calibri"/>
+              </a:defRPr>
+            </a:lvl7pPr>
+            <a:lvl8pPr marL="3657600" marR="0" lvl="7" indent="-298450" algn="l" rtl="0">
+              <a:lnSpc>
+                <a:spcPct val="115000"/>
+              </a:lnSpc>
+              <a:spcBef>
+                <a:spcPts val="0"/>
+              </a:spcBef>
+              <a:spcAft>
+                <a:spcPts val="0"/>
+              </a:spcAft>
+              <a:buClr>
+                <a:schemeClr val="dk2"/>
+              </a:buClr>
+              <a:buSzPts val="1100"/>
+              <a:buFont typeface="Calibri"/>
+              <a:buChar char="○"/>
+              <a:defRPr sz="1100" b="0" i="0" u="none" strike="noStrike" cap="none">
+                <a:solidFill>
+                  <a:schemeClr val="dk2"/>
+                </a:solidFill>
+                <a:latin typeface="Calibri"/>
+                <a:ea typeface="Calibri"/>
+                <a:cs typeface="Calibri"/>
+                <a:sym typeface="Calibri"/>
+              </a:defRPr>
+            </a:lvl8pPr>
+            <a:lvl9pPr marL="4114800" marR="0" lvl="8" indent="-298450" algn="l" rtl="0">
+              <a:lnSpc>
+                <a:spcPct val="115000"/>
+              </a:lnSpc>
+              <a:spcBef>
+                <a:spcPts val="0"/>
+              </a:spcBef>
+              <a:spcAft>
+                <a:spcPts val="0"/>
+              </a:spcAft>
+              <a:buClr>
+                <a:schemeClr val="dk2"/>
+              </a:buClr>
+              <a:buSzPts val="1100"/>
+              <a:buFont typeface="Calibri"/>
+              <a:buChar char="■"/>
+              <a:defRPr sz="1100" b="0" i="0" u="none" strike="noStrike" cap="none">
+                <a:solidFill>
+                  <a:schemeClr val="dk2"/>
+                </a:solidFill>
+                <a:latin typeface="Calibri"/>
+                <a:ea typeface="Calibri"/>
+                <a:cs typeface="Calibri"/>
+                <a:sym typeface="Calibri"/>
+              </a:defRPr>
+            </a:lvl9pPr>
+          </a:lstStyle>
+          <a:p>
+            <a:r>
+              <a:rPr lang="en-GB" sz="1200" b="0" i="0" u="none" strike="noStrike" dirty="0" err="1">
+                <a:solidFill>
+                  <a:srgbClr val="000000"/>
+                </a:solidFill>
+                <a:effectLst/>
+                <a:latin typeface="Arial" panose="020B0604020202020204" pitchFamily="34" charset="0"/>
+                <a:cs typeface="Arial" panose="020B0604020202020204" pitchFamily="34" charset="0"/>
+              </a:rPr>
+              <a:t>Wdrożenie</a:t>
+            </a:r>
+            <a:r>
+              <a:rPr lang="en-GB" sz="1200" b="0" i="0" u="none" strike="noStrike" dirty="0">
+                <a:solidFill>
+                  <a:srgbClr val="000000"/>
+                </a:solidFill>
+                <a:effectLst/>
+                <a:latin typeface="Arial" panose="020B0604020202020204" pitchFamily="34" charset="0"/>
+                <a:cs typeface="Arial" panose="020B0604020202020204" pitchFamily="34" charset="0"/>
+              </a:rPr>
+              <a:t> z </a:t>
+            </a:r>
+            <a:r>
+              <a:rPr lang="en-GB" sz="1200" b="0" i="0" u="none" strike="noStrike" dirty="0" err="1">
+                <a:solidFill>
+                  <a:srgbClr val="000000"/>
+                </a:solidFill>
+                <a:effectLst/>
+                <a:latin typeface="Arial" panose="020B0604020202020204" pitchFamily="34" charset="0"/>
+                <a:cs typeface="Arial" panose="020B0604020202020204" pitchFamily="34" charset="0"/>
+              </a:rPr>
+              <a:t>użyciem</a:t>
+            </a:r>
+            <a:r>
+              <a:rPr lang="en-GB" sz="1200" b="0" i="0" u="none" strike="noStrike" dirty="0">
+                <a:solidFill>
+                  <a:srgbClr val="000000"/>
+                </a:solidFill>
+                <a:effectLst/>
+                <a:latin typeface="Arial" panose="020B0604020202020204" pitchFamily="34" charset="0"/>
+                <a:cs typeface="Arial" panose="020B0604020202020204" pitchFamily="34" charset="0"/>
+              </a:rPr>
+              <a:t> </a:t>
+            </a:r>
+            <a:r>
+              <a:rPr lang="en-GB" sz="1200" b="0" i="0" u="none" strike="noStrike" dirty="0" err="1">
+                <a:solidFill>
+                  <a:srgbClr val="000000"/>
+                </a:solidFill>
+                <a:effectLst/>
+                <a:latin typeface="Arial" panose="020B0604020202020204" pitchFamily="34" charset="0"/>
+                <a:cs typeface="Arial" panose="020B0604020202020204" pitchFamily="34" charset="0"/>
+              </a:rPr>
+              <a:t>Dockera</a:t>
+            </a:r>
+            <a:r>
+              <a:rPr lang="en-GB" sz="1200" b="0" i="0" u="none" strike="noStrike" dirty="0">
+                <a:solidFill>
+                  <a:srgbClr val="000000"/>
+                </a:solidFill>
+                <a:effectLst/>
+                <a:latin typeface="Arial" panose="020B0604020202020204" pitchFamily="34" charset="0"/>
+                <a:cs typeface="Arial" panose="020B0604020202020204" pitchFamily="34" charset="0"/>
+              </a:rPr>
+              <a:t>,</a:t>
+            </a:r>
+          </a:p>
+          <a:p>
+            <a:r>
+              <a:rPr lang="en-GB" sz="1200" b="0" i="0" u="none" strike="noStrike" dirty="0" err="1">
+                <a:solidFill>
+                  <a:srgbClr val="000000"/>
+                </a:solidFill>
+                <a:effectLst/>
+                <a:latin typeface="Arial" panose="020B0604020202020204" pitchFamily="34" charset="0"/>
+                <a:cs typeface="Arial" panose="020B0604020202020204" pitchFamily="34" charset="0"/>
+              </a:rPr>
+              <a:t>Oddzielne</a:t>
+            </a:r>
+            <a:r>
+              <a:rPr lang="en-GB" sz="1200" b="0" i="0" u="none" strike="noStrike" dirty="0">
+                <a:solidFill>
+                  <a:srgbClr val="000000"/>
+                </a:solidFill>
+                <a:effectLst/>
+                <a:latin typeface="Arial" panose="020B0604020202020204" pitchFamily="34" charset="0"/>
+                <a:cs typeface="Arial" panose="020B0604020202020204" pitchFamily="34" charset="0"/>
+              </a:rPr>
+              <a:t> </a:t>
+            </a:r>
+            <a:r>
+              <a:rPr lang="en-GB" sz="1200" b="0" i="0" u="none" strike="noStrike" dirty="0" err="1">
+                <a:solidFill>
+                  <a:srgbClr val="000000"/>
+                </a:solidFill>
+                <a:effectLst/>
+                <a:latin typeface="Arial" panose="020B0604020202020204" pitchFamily="34" charset="0"/>
+                <a:cs typeface="Arial" panose="020B0604020202020204" pitchFamily="34" charset="0"/>
+              </a:rPr>
+              <a:t>pliki</a:t>
+            </a:r>
+            <a:r>
+              <a:rPr lang="en-GB" sz="1200" b="0" i="0" u="none" strike="noStrike" dirty="0">
+                <a:solidFill>
+                  <a:srgbClr val="000000"/>
+                </a:solidFill>
+                <a:effectLst/>
+                <a:latin typeface="Arial" panose="020B0604020202020204" pitchFamily="34" charset="0"/>
+                <a:cs typeface="Arial" panose="020B0604020202020204" pitchFamily="34" charset="0"/>
+              </a:rPr>
+              <a:t> </a:t>
+            </a:r>
+            <a:r>
+              <a:rPr lang="en-GB" sz="1200" b="0" i="0" u="none" strike="noStrike" dirty="0" err="1">
+                <a:solidFill>
+                  <a:srgbClr val="000000"/>
+                </a:solidFill>
+                <a:effectLst/>
+                <a:latin typeface="Arial" panose="020B0604020202020204" pitchFamily="34" charset="0"/>
+                <a:cs typeface="Arial" panose="020B0604020202020204" pitchFamily="34" charset="0"/>
+              </a:rPr>
+              <a:t>konfiguracyjne</a:t>
+            </a:r>
+            <a:r>
+              <a:rPr lang="en-GB" sz="1200" b="0" i="0" u="none" strike="noStrike" dirty="0">
+                <a:solidFill>
+                  <a:srgbClr val="000000"/>
+                </a:solidFill>
+                <a:effectLst/>
+                <a:latin typeface="Arial" panose="020B0604020202020204" pitchFamily="34" charset="0"/>
+                <a:cs typeface="Arial" panose="020B0604020202020204" pitchFamily="34" charset="0"/>
+              </a:rPr>
+              <a:t> Docker </a:t>
+            </a:r>
+            <a:r>
+              <a:rPr lang="en-GB" sz="1200" b="0" i="0" u="none" strike="noStrike" dirty="0" err="1">
+                <a:solidFill>
+                  <a:srgbClr val="000000"/>
+                </a:solidFill>
+                <a:effectLst/>
+                <a:latin typeface="Arial" panose="020B0604020202020204" pitchFamily="34" charset="0"/>
+                <a:cs typeface="Arial" panose="020B0604020202020204" pitchFamily="34" charset="0"/>
+              </a:rPr>
+              <a:t>dla</a:t>
+            </a:r>
+            <a:r>
+              <a:rPr lang="en-GB" sz="1200" b="0" i="0" u="none" strike="noStrike" dirty="0">
+                <a:solidFill>
+                  <a:srgbClr val="000000"/>
+                </a:solidFill>
+                <a:effectLst/>
+                <a:latin typeface="Arial" panose="020B0604020202020204" pitchFamily="34" charset="0"/>
+                <a:cs typeface="Arial" panose="020B0604020202020204" pitchFamily="34" charset="0"/>
+              </a:rPr>
+              <a:t> </a:t>
+            </a:r>
+            <a:r>
+              <a:rPr lang="en-GB" sz="1200" b="0" i="0" u="none" strike="noStrike" dirty="0" err="1">
+                <a:solidFill>
+                  <a:srgbClr val="000000"/>
+                </a:solidFill>
+                <a:effectLst/>
+                <a:latin typeface="Arial" panose="020B0604020202020204" pitchFamily="34" charset="0"/>
+                <a:cs typeface="Arial" panose="020B0604020202020204" pitchFamily="34" charset="0"/>
+              </a:rPr>
+              <a:t>różnych</a:t>
+            </a:r>
+            <a:r>
+              <a:rPr lang="en-GB" sz="1200" b="0" i="0" u="none" strike="noStrike" dirty="0">
+                <a:solidFill>
+                  <a:srgbClr val="000000"/>
+                </a:solidFill>
+                <a:effectLst/>
+                <a:latin typeface="Arial" panose="020B0604020202020204" pitchFamily="34" charset="0"/>
+                <a:cs typeface="Arial" panose="020B0604020202020204" pitchFamily="34" charset="0"/>
+              </a:rPr>
+              <a:t> </a:t>
+            </a:r>
+            <a:r>
+              <a:rPr lang="en-GB" sz="1200" b="0" i="0" u="none" strike="noStrike" dirty="0" err="1">
+                <a:solidFill>
+                  <a:srgbClr val="000000"/>
+                </a:solidFill>
+                <a:effectLst/>
+                <a:latin typeface="Arial" panose="020B0604020202020204" pitchFamily="34" charset="0"/>
+                <a:cs typeface="Arial" panose="020B0604020202020204" pitchFamily="34" charset="0"/>
+              </a:rPr>
+              <a:t>środowisk</a:t>
+            </a:r>
+            <a:r>
+              <a:rPr lang="en-GB" sz="1200" b="0" i="0" u="none" strike="noStrike" dirty="0">
+                <a:solidFill>
+                  <a:srgbClr val="000000"/>
+                </a:solidFill>
+                <a:effectLst/>
+                <a:latin typeface="Arial" panose="020B0604020202020204" pitchFamily="34" charset="0"/>
+                <a:cs typeface="Arial" panose="020B0604020202020204" pitchFamily="34" charset="0"/>
+              </a:rPr>
+              <a:t> (</a:t>
+            </a:r>
+            <a:r>
+              <a:rPr lang="en-GB" sz="1200" b="0" i="0" u="none" strike="noStrike" dirty="0" err="1">
+                <a:solidFill>
+                  <a:srgbClr val="000000"/>
+                </a:solidFill>
+                <a:effectLst/>
+                <a:latin typeface="Arial" panose="020B0604020202020204" pitchFamily="34" charset="0"/>
+                <a:cs typeface="Arial" panose="020B0604020202020204" pitchFamily="34" charset="0"/>
+              </a:rPr>
+              <a:t>deweloperskie</a:t>
+            </a:r>
+            <a:r>
+              <a:rPr lang="en-GB" sz="1200" b="0" i="0" u="none" strike="noStrike" dirty="0">
+                <a:solidFill>
+                  <a:srgbClr val="000000"/>
+                </a:solidFill>
+                <a:effectLst/>
+                <a:latin typeface="Arial" panose="020B0604020202020204" pitchFamily="34" charset="0"/>
+                <a:cs typeface="Arial" panose="020B0604020202020204" pitchFamily="34" charset="0"/>
+              </a:rPr>
+              <a:t>, </a:t>
+            </a:r>
+            <a:r>
+              <a:rPr lang="en-GB" sz="1200" b="0" i="0" u="none" strike="noStrike" dirty="0" err="1">
+                <a:solidFill>
+                  <a:srgbClr val="000000"/>
+                </a:solidFill>
+                <a:effectLst/>
+                <a:latin typeface="Arial" panose="020B0604020202020204" pitchFamily="34" charset="0"/>
+                <a:cs typeface="Arial" panose="020B0604020202020204" pitchFamily="34" charset="0"/>
+              </a:rPr>
+              <a:t>produkcyjne</a:t>
+            </a:r>
+            <a:r>
+              <a:rPr lang="en-GB" sz="1200" b="0" i="0" u="none" strike="noStrike" dirty="0">
+                <a:solidFill>
+                  <a:srgbClr val="000000"/>
+                </a:solidFill>
+                <a:effectLst/>
+                <a:latin typeface="Arial" panose="020B0604020202020204" pitchFamily="34" charset="0"/>
+                <a:cs typeface="Arial" panose="020B0604020202020204" pitchFamily="34" charset="0"/>
+              </a:rPr>
+              <a:t>).</a:t>
+            </a:r>
+          </a:p>
+        </p:txBody>
+      </p:sp>
+    </p:spTree>
+    <p:extLst>
+      <p:ext uri="{BB962C8B-B14F-4D97-AF65-F5344CB8AC3E}">
+        <p14:creationId xmlns:p14="http://schemas.microsoft.com/office/powerpoint/2010/main" val="2276399409"/>
+      </p:ext>
+    </p:extLst>
+  </p:cSld>
+  <p:clrMapOvr>
+    <a:masterClrMapping/>
+  </p:clrMapOvr>
+</p:sld>
+</file>
+
+<file path=ppt/slides/slide5.xml><?xml version="1.0" encoding="utf-8"?>
+<p:sld xmlns:a="http://schemas.openxmlformats.org/drawingml/2006/main" xmlns:r="http://schemas.openxmlformats.org/officeDocument/2006/relationships" xmlns:p="http://schemas.openxmlformats.org/presentationml/2006/main">
+  <p:cSld>
+    <p:spTree>
+      <p:nvGrpSpPr>
+        <p:cNvPr id="1" name=""/>
+        <p:cNvGrpSpPr/>
+        <p:nvPr/>
+      </p:nvGrpSpPr>
+      <p:grpSpPr>
+        <a:xfrm>
+          <a:off x="0" y="0"/>
+          <a:ext cx="0" cy="0"/>
+          <a:chOff x="0" y="0"/>
+          <a:chExt cx="0" cy="0"/>
+        </a:xfrm>
+      </p:grpSpPr>
+      <p:sp>
+        <p:nvSpPr>
+          <p:cNvPr id="2" name="Title 1">
+            <a:extLst>
+              <a:ext uri="{FF2B5EF4-FFF2-40B4-BE49-F238E27FC236}">
+                <a16:creationId xmlns:a16="http://schemas.microsoft.com/office/drawing/2014/main" id="{46908748-8F2E-5D37-188C-E1180958C530}"/>
+              </a:ext>
+            </a:extLst>
+          </p:cNvPr>
+          <p:cNvSpPr>
+            <a:spLocks noGrp="1"/>
+          </p:cNvSpPr>
+          <p:nvPr>
+            <p:ph type="title"/>
+          </p:nvPr>
+        </p:nvSpPr>
+        <p:spPr/>
+        <p:txBody>
+          <a:bodyPr/>
+          <a:lstStyle/>
+          <a:p>
+            <a:r>
+              <a:rPr lang="en-GB" b="0" i="0" u="none" strike="noStrike" dirty="0" err="1">
+                <a:solidFill>
+                  <a:schemeClr val="bg1"/>
+                </a:solidFill>
+                <a:effectLst/>
+                <a:latin typeface="Nunito" pitchFamily="2" charset="77"/>
+              </a:rPr>
+              <a:t>Podsumowanie</a:t>
+            </a:r>
+            <a:endParaRPr lang="en-PL" dirty="0">
+              <a:solidFill>
+                <a:schemeClr val="bg1"/>
+              </a:solidFill>
+              <a:latin typeface="Nunito" pitchFamily="2" charset="77"/>
+            </a:endParaRPr>
+          </a:p>
+        </p:txBody>
+      </p:sp>
+      <p:sp>
+        <p:nvSpPr>
+          <p:cNvPr id="3" name="Text Placeholder 2">
+            <a:extLst>
+              <a:ext uri="{FF2B5EF4-FFF2-40B4-BE49-F238E27FC236}">
+                <a16:creationId xmlns:a16="http://schemas.microsoft.com/office/drawing/2014/main" id="{27909A3A-8CBE-7613-621B-59D1D1E48C93}"/>
+              </a:ext>
+            </a:extLst>
+          </p:cNvPr>
+          <p:cNvSpPr>
+            <a:spLocks noGrp="1"/>
+          </p:cNvSpPr>
+          <p:nvPr>
+            <p:ph type="body" idx="1"/>
+          </p:nvPr>
+        </p:nvSpPr>
+        <p:spPr/>
+        <p:txBody>
+          <a:bodyPr/>
+          <a:lstStyle/>
+          <a:p>
+            <a:r>
+              <a:rPr lang="en-GB" sz="1200" b="0" i="0" u="none" strike="noStrike" dirty="0">
+                <a:solidFill>
+                  <a:srgbClr val="000000"/>
+                </a:solidFill>
+                <a:effectLst/>
+                <a:latin typeface="Arial" panose="020B0604020202020204" pitchFamily="34" charset="0"/>
+                <a:cs typeface="Arial" panose="020B0604020202020204" pitchFamily="34" charset="0"/>
+              </a:rPr>
+              <a:t>Planer </a:t>
+            </a:r>
+            <a:r>
+              <a:rPr lang="en-GB" sz="1200" b="0" i="0" u="none" strike="noStrike" dirty="0" err="1">
+                <a:solidFill>
+                  <a:srgbClr val="000000"/>
+                </a:solidFill>
+                <a:effectLst/>
+                <a:latin typeface="Arial" panose="020B0604020202020204" pitchFamily="34" charset="0"/>
+                <a:cs typeface="Arial" panose="020B0604020202020204" pitchFamily="34" charset="0"/>
+              </a:rPr>
+              <a:t>dydaktycznych</a:t>
+            </a:r>
+            <a:r>
+              <a:rPr lang="en-GB" sz="1200" b="0" i="0" u="none" strike="noStrike" dirty="0">
+                <a:solidFill>
+                  <a:srgbClr val="000000"/>
+                </a:solidFill>
+                <a:effectLst/>
+                <a:latin typeface="Arial" panose="020B0604020202020204" pitchFamily="34" charset="0"/>
+                <a:cs typeface="Arial" panose="020B0604020202020204" pitchFamily="34" charset="0"/>
+              </a:rPr>
+              <a:t> </a:t>
+            </a:r>
+            <a:r>
+              <a:rPr lang="en-GB" sz="1200" b="0" i="0" u="none" strike="noStrike" dirty="0" err="1">
+                <a:solidFill>
+                  <a:srgbClr val="000000"/>
+                </a:solidFill>
+                <a:effectLst/>
+                <a:latin typeface="Arial" panose="020B0604020202020204" pitchFamily="34" charset="0"/>
+                <a:cs typeface="Arial" panose="020B0604020202020204" pitchFamily="34" charset="0"/>
+              </a:rPr>
+              <a:t>zadań</a:t>
+            </a:r>
+            <a:r>
+              <a:rPr lang="en-GB" sz="1200" b="0" i="0" u="none" strike="noStrike" dirty="0">
+                <a:solidFill>
+                  <a:srgbClr val="000000"/>
+                </a:solidFill>
+                <a:effectLst/>
+                <a:latin typeface="Arial" panose="020B0604020202020204" pitchFamily="34" charset="0"/>
+                <a:cs typeface="Arial" panose="020B0604020202020204" pitchFamily="34" charset="0"/>
+              </a:rPr>
+              <a:t> </a:t>
+            </a:r>
+            <a:r>
+              <a:rPr lang="en-GB" sz="1200" b="0" i="0" u="none" strike="noStrike" dirty="0" err="1">
+                <a:solidFill>
+                  <a:srgbClr val="000000"/>
+                </a:solidFill>
+                <a:effectLst/>
+                <a:latin typeface="Arial" panose="020B0604020202020204" pitchFamily="34" charset="0"/>
+                <a:cs typeface="Arial" panose="020B0604020202020204" pitchFamily="34" charset="0"/>
+              </a:rPr>
+              <a:t>grupowych</a:t>
+            </a:r>
+            <a:r>
+              <a:rPr lang="en-GB" sz="1200" b="0" i="0" u="none" strike="noStrike" dirty="0">
+                <a:solidFill>
+                  <a:srgbClr val="000000"/>
+                </a:solidFill>
+                <a:effectLst/>
+                <a:latin typeface="Arial" panose="020B0604020202020204" pitchFamily="34" charset="0"/>
+                <a:cs typeface="Arial" panose="020B0604020202020204" pitchFamily="34" charset="0"/>
+              </a:rPr>
+              <a:t> to </a:t>
+            </a:r>
+            <a:r>
+              <a:rPr lang="en-GB" sz="1200" b="0" i="0" u="none" strike="noStrike" dirty="0" err="1">
+                <a:solidFill>
+                  <a:srgbClr val="000000"/>
+                </a:solidFill>
+                <a:effectLst/>
+                <a:latin typeface="Arial" panose="020B0604020202020204" pitchFamily="34" charset="0"/>
+                <a:cs typeface="Arial" panose="020B0604020202020204" pitchFamily="34" charset="0"/>
+              </a:rPr>
+              <a:t>narzędzie</a:t>
+            </a:r>
+            <a:r>
+              <a:rPr lang="en-GB" sz="1200" b="0" i="0" u="none" strike="noStrike" dirty="0">
+                <a:solidFill>
+                  <a:srgbClr val="000000"/>
+                </a:solidFill>
+                <a:effectLst/>
+                <a:latin typeface="Arial" panose="020B0604020202020204" pitchFamily="34" charset="0"/>
+                <a:cs typeface="Arial" panose="020B0604020202020204" pitchFamily="34" charset="0"/>
+              </a:rPr>
+              <a:t> </a:t>
+            </a:r>
+            <a:r>
+              <a:rPr lang="en-GB" sz="1200" b="0" i="0" u="none" strike="noStrike" dirty="0" err="1">
+                <a:solidFill>
+                  <a:srgbClr val="000000"/>
+                </a:solidFill>
+                <a:effectLst/>
+                <a:latin typeface="Arial" panose="020B0604020202020204" pitchFamily="34" charset="0"/>
+                <a:cs typeface="Arial" panose="020B0604020202020204" pitchFamily="34" charset="0"/>
+              </a:rPr>
+              <a:t>wspierające</a:t>
+            </a:r>
+            <a:r>
+              <a:rPr lang="en-GB" sz="1200" b="0" i="0" u="none" strike="noStrike" dirty="0">
+                <a:solidFill>
+                  <a:srgbClr val="000000"/>
+                </a:solidFill>
+                <a:effectLst/>
+                <a:latin typeface="Arial" panose="020B0604020202020204" pitchFamily="34" charset="0"/>
+                <a:cs typeface="Arial" panose="020B0604020202020204" pitchFamily="34" charset="0"/>
+              </a:rPr>
+              <a:t> </a:t>
+            </a:r>
+            <a:r>
+              <a:rPr lang="en-GB" sz="1200" b="0" i="0" u="none" strike="noStrike" dirty="0" err="1">
+                <a:solidFill>
+                  <a:srgbClr val="000000"/>
+                </a:solidFill>
+                <a:effectLst/>
+                <a:latin typeface="Arial" panose="020B0604020202020204" pitchFamily="34" charset="0"/>
+                <a:cs typeface="Arial" panose="020B0604020202020204" pitchFamily="34" charset="0"/>
+              </a:rPr>
+              <a:t>nauczycieli</a:t>
+            </a:r>
+            <a:r>
+              <a:rPr lang="en-GB" sz="1200" b="0" i="0" u="none" strike="noStrike" dirty="0">
+                <a:solidFill>
+                  <a:srgbClr val="000000"/>
+                </a:solidFill>
+                <a:effectLst/>
+                <a:latin typeface="Arial" panose="020B0604020202020204" pitchFamily="34" charset="0"/>
+                <a:cs typeface="Arial" panose="020B0604020202020204" pitchFamily="34" charset="0"/>
+              </a:rPr>
+              <a:t> w </a:t>
+            </a:r>
+            <a:r>
+              <a:rPr lang="en-GB" sz="1200" b="0" i="0" u="none" strike="noStrike" dirty="0" err="1">
+                <a:solidFill>
+                  <a:srgbClr val="000000"/>
+                </a:solidFill>
+                <a:effectLst/>
+                <a:latin typeface="Arial" panose="020B0604020202020204" pitchFamily="34" charset="0"/>
+                <a:cs typeface="Arial" panose="020B0604020202020204" pitchFamily="34" charset="0"/>
+              </a:rPr>
+              <a:t>organizacji</a:t>
+            </a:r>
+            <a:r>
+              <a:rPr lang="en-GB" sz="1200" b="0" i="0" u="none" strike="noStrike" dirty="0">
+                <a:solidFill>
+                  <a:srgbClr val="000000"/>
+                </a:solidFill>
+                <a:effectLst/>
+                <a:latin typeface="Arial" panose="020B0604020202020204" pitchFamily="34" charset="0"/>
+                <a:cs typeface="Arial" panose="020B0604020202020204" pitchFamily="34" charset="0"/>
+              </a:rPr>
+              <a:t> </a:t>
+            </a:r>
+            <a:r>
+              <a:rPr lang="en-GB" sz="1200" b="0" i="0" u="none" strike="noStrike" dirty="0" err="1">
+                <a:solidFill>
+                  <a:srgbClr val="000000"/>
+                </a:solidFill>
+                <a:effectLst/>
+                <a:latin typeface="Arial" panose="020B0604020202020204" pitchFamily="34" charset="0"/>
+                <a:cs typeface="Arial" panose="020B0604020202020204" pitchFamily="34" charset="0"/>
+              </a:rPr>
+              <a:t>i</a:t>
+            </a:r>
+            <a:r>
+              <a:rPr lang="en-GB" sz="1200" b="0" i="0" u="none" strike="noStrike" dirty="0">
+                <a:solidFill>
+                  <a:srgbClr val="000000"/>
+                </a:solidFill>
+                <a:effectLst/>
+                <a:latin typeface="Arial" panose="020B0604020202020204" pitchFamily="34" charset="0"/>
+                <a:cs typeface="Arial" panose="020B0604020202020204" pitchFamily="34" charset="0"/>
+              </a:rPr>
+              <a:t> </a:t>
+            </a:r>
+            <a:r>
+              <a:rPr lang="en-GB" sz="1200" b="0" i="0" u="none" strike="noStrike" dirty="0" err="1">
+                <a:solidFill>
+                  <a:srgbClr val="000000"/>
+                </a:solidFill>
+                <a:effectLst/>
+                <a:latin typeface="Arial" panose="020B0604020202020204" pitchFamily="34" charset="0"/>
+                <a:cs typeface="Arial" panose="020B0604020202020204" pitchFamily="34" charset="0"/>
+              </a:rPr>
+              <a:t>monitorowaniu</a:t>
+            </a:r>
+            <a:r>
+              <a:rPr lang="en-GB" sz="1200" b="0" i="0" u="none" strike="noStrike" dirty="0">
+                <a:solidFill>
+                  <a:srgbClr val="000000"/>
+                </a:solidFill>
+                <a:effectLst/>
+                <a:latin typeface="Arial" panose="020B0604020202020204" pitchFamily="34" charset="0"/>
+                <a:cs typeface="Arial" panose="020B0604020202020204" pitchFamily="34" charset="0"/>
+              </a:rPr>
+              <a:t> </a:t>
+            </a:r>
+            <a:r>
+              <a:rPr lang="en-GB" sz="1200" b="0" i="0" u="none" strike="noStrike" dirty="0" err="1">
+                <a:solidFill>
+                  <a:srgbClr val="000000"/>
+                </a:solidFill>
+                <a:effectLst/>
+                <a:latin typeface="Arial" panose="020B0604020202020204" pitchFamily="34" charset="0"/>
+                <a:cs typeface="Arial" panose="020B0604020202020204" pitchFamily="34" charset="0"/>
+              </a:rPr>
+              <a:t>pracy</a:t>
+            </a:r>
+            <a:r>
+              <a:rPr lang="en-GB" sz="1200" b="0" i="0" u="none" strike="noStrike" dirty="0">
+                <a:solidFill>
+                  <a:srgbClr val="000000"/>
+                </a:solidFill>
+                <a:effectLst/>
+                <a:latin typeface="Arial" panose="020B0604020202020204" pitchFamily="34" charset="0"/>
+                <a:cs typeface="Arial" panose="020B0604020202020204" pitchFamily="34" charset="0"/>
+              </a:rPr>
+              <a:t> </a:t>
+            </a:r>
+            <a:r>
+              <a:rPr lang="en-GB" sz="1200" b="0" i="0" u="none" strike="noStrike" dirty="0" err="1">
+                <a:solidFill>
+                  <a:srgbClr val="000000"/>
+                </a:solidFill>
+                <a:effectLst/>
+                <a:latin typeface="Arial" panose="020B0604020202020204" pitchFamily="34" charset="0"/>
+                <a:cs typeface="Arial" panose="020B0604020202020204" pitchFamily="34" charset="0"/>
+              </a:rPr>
+              <a:t>grupowej</a:t>
+            </a:r>
+            <a:r>
+              <a:rPr lang="en-GB" sz="1200" b="0" i="0" u="none" strike="noStrike" dirty="0">
+                <a:solidFill>
+                  <a:srgbClr val="000000"/>
+                </a:solidFill>
+                <a:effectLst/>
+                <a:latin typeface="Arial" panose="020B0604020202020204" pitchFamily="34" charset="0"/>
+                <a:cs typeface="Arial" panose="020B0604020202020204" pitchFamily="34" charset="0"/>
+              </a:rPr>
+              <a:t> </a:t>
+            </a:r>
+            <a:r>
+              <a:rPr lang="en-GB" sz="1200" b="0" i="0" u="none" strike="noStrike" dirty="0" err="1">
+                <a:solidFill>
+                  <a:srgbClr val="000000"/>
+                </a:solidFill>
+                <a:effectLst/>
+                <a:latin typeface="Arial" panose="020B0604020202020204" pitchFamily="34" charset="0"/>
+                <a:cs typeface="Arial" panose="020B0604020202020204" pitchFamily="34" charset="0"/>
+              </a:rPr>
+              <a:t>uczniów</a:t>
+            </a:r>
+            <a:r>
+              <a:rPr lang="en-GB" sz="1200" b="0" i="0" u="none" strike="noStrike" dirty="0">
+                <a:solidFill>
+                  <a:srgbClr val="000000"/>
+                </a:solidFill>
+                <a:effectLst/>
+                <a:latin typeface="Arial" panose="020B0604020202020204" pitchFamily="34" charset="0"/>
+                <a:cs typeface="Arial" panose="020B0604020202020204" pitchFamily="34" charset="0"/>
+              </a:rPr>
+              <a:t>.</a:t>
+            </a:r>
+          </a:p>
+          <a:p>
+            <a:r>
+              <a:rPr lang="en-GB" sz="1200" b="0" i="0" u="none" strike="noStrike" dirty="0" err="1">
+                <a:solidFill>
+                  <a:srgbClr val="000000"/>
+                </a:solidFill>
+                <a:effectLst/>
+                <a:latin typeface="Arial" panose="020B0604020202020204" pitchFamily="34" charset="0"/>
+                <a:cs typeface="Arial" panose="020B0604020202020204" pitchFamily="34" charset="0"/>
+              </a:rPr>
+              <a:t>Wykorzystanie</a:t>
+            </a:r>
+            <a:r>
+              <a:rPr lang="en-GB" sz="1200" b="0" i="0" u="none" strike="noStrike" dirty="0">
+                <a:solidFill>
+                  <a:srgbClr val="000000"/>
+                </a:solidFill>
+                <a:effectLst/>
+                <a:latin typeface="Arial" panose="020B0604020202020204" pitchFamily="34" charset="0"/>
+                <a:cs typeface="Arial" panose="020B0604020202020204" pitchFamily="34" charset="0"/>
+              </a:rPr>
+              <a:t> </a:t>
+            </a:r>
+            <a:r>
+              <a:rPr lang="en-GB" sz="1200" b="0" i="0" u="none" strike="noStrike" dirty="0" err="1">
+                <a:solidFill>
+                  <a:srgbClr val="000000"/>
+                </a:solidFill>
+                <a:effectLst/>
+                <a:latin typeface="Arial" panose="020B0604020202020204" pitchFamily="34" charset="0"/>
+                <a:cs typeface="Arial" panose="020B0604020202020204" pitchFamily="34" charset="0"/>
+              </a:rPr>
+              <a:t>nowoczesnych</a:t>
+            </a:r>
+            <a:r>
+              <a:rPr lang="en-GB" sz="1200" b="0" i="0" u="none" strike="noStrike" dirty="0">
+                <a:solidFill>
+                  <a:srgbClr val="000000"/>
+                </a:solidFill>
+                <a:effectLst/>
+                <a:latin typeface="Arial" panose="020B0604020202020204" pitchFamily="34" charset="0"/>
+                <a:cs typeface="Arial" panose="020B0604020202020204" pitchFamily="34" charset="0"/>
+              </a:rPr>
+              <a:t> </a:t>
+            </a:r>
+            <a:r>
+              <a:rPr lang="en-GB" sz="1200" b="0" i="0" u="none" strike="noStrike" dirty="0" err="1">
+                <a:solidFill>
+                  <a:srgbClr val="000000"/>
+                </a:solidFill>
+                <a:effectLst/>
+                <a:latin typeface="Arial" panose="020B0604020202020204" pitchFamily="34" charset="0"/>
+                <a:cs typeface="Arial" panose="020B0604020202020204" pitchFamily="34" charset="0"/>
+              </a:rPr>
+              <a:t>technologii</a:t>
+            </a:r>
+            <a:r>
+              <a:rPr lang="en-GB" sz="1200" b="0" i="0" u="none" strike="noStrike" dirty="0">
+                <a:solidFill>
+                  <a:srgbClr val="000000"/>
+                </a:solidFill>
+                <a:effectLst/>
+                <a:latin typeface="Arial" panose="020B0604020202020204" pitchFamily="34" charset="0"/>
+                <a:cs typeface="Arial" panose="020B0604020202020204" pitchFamily="34" charset="0"/>
+              </a:rPr>
+              <a:t> </a:t>
+            </a:r>
+            <a:r>
+              <a:rPr lang="en-GB" sz="1200" b="0" i="0" u="none" strike="noStrike" dirty="0" err="1">
+                <a:solidFill>
+                  <a:srgbClr val="000000"/>
+                </a:solidFill>
+                <a:effectLst/>
+                <a:latin typeface="Arial" panose="020B0604020202020204" pitchFamily="34" charset="0"/>
+                <a:cs typeface="Arial" panose="020B0604020202020204" pitchFamily="34" charset="0"/>
+              </a:rPr>
+              <a:t>takich</a:t>
+            </a:r>
+            <a:r>
+              <a:rPr lang="en-GB" sz="1200" b="0" i="0" u="none" strike="noStrike" dirty="0">
+                <a:solidFill>
+                  <a:srgbClr val="000000"/>
+                </a:solidFill>
+                <a:effectLst/>
+                <a:latin typeface="Arial" panose="020B0604020202020204" pitchFamily="34" charset="0"/>
+                <a:cs typeface="Arial" panose="020B0604020202020204" pitchFamily="34" charset="0"/>
+              </a:rPr>
+              <a:t> jak Laravel, Vue, </a:t>
+            </a:r>
+            <a:r>
+              <a:rPr lang="en-GB" sz="1200" b="0" i="0" u="none" strike="noStrike" dirty="0" err="1">
+                <a:solidFill>
+                  <a:srgbClr val="000000"/>
+                </a:solidFill>
+                <a:effectLst/>
+                <a:latin typeface="Arial" panose="020B0604020202020204" pitchFamily="34" charset="0"/>
+                <a:cs typeface="Arial" panose="020B0604020202020204" pitchFamily="34" charset="0"/>
+              </a:rPr>
+              <a:t>Inertia.js</a:t>
+            </a:r>
+            <a:r>
+              <a:rPr lang="en-GB" sz="1200" b="0" i="0" u="none" strike="noStrike" dirty="0">
+                <a:solidFill>
+                  <a:srgbClr val="000000"/>
+                </a:solidFill>
+                <a:effectLst/>
+                <a:latin typeface="Arial" panose="020B0604020202020204" pitchFamily="34" charset="0"/>
+                <a:cs typeface="Arial" panose="020B0604020202020204" pitchFamily="34" charset="0"/>
+              </a:rPr>
+              <a:t>, Ziggy </a:t>
+            </a:r>
+            <a:r>
+              <a:rPr lang="en-GB" sz="1200" b="0" i="0" u="none" strike="noStrike" dirty="0" err="1">
+                <a:solidFill>
+                  <a:srgbClr val="000000"/>
+                </a:solidFill>
+                <a:effectLst/>
+                <a:latin typeface="Arial" panose="020B0604020202020204" pitchFamily="34" charset="0"/>
+                <a:cs typeface="Arial" panose="020B0604020202020204" pitchFamily="34" charset="0"/>
+              </a:rPr>
+              <a:t>i</a:t>
+            </a:r>
+            <a:r>
+              <a:rPr lang="en-GB" sz="1200" b="0" i="0" u="none" strike="noStrike" dirty="0">
+                <a:solidFill>
+                  <a:srgbClr val="000000"/>
+                </a:solidFill>
+                <a:effectLst/>
+                <a:latin typeface="Arial" panose="020B0604020202020204" pitchFamily="34" charset="0"/>
+                <a:cs typeface="Arial" panose="020B0604020202020204" pitchFamily="34" charset="0"/>
+              </a:rPr>
+              <a:t> Tailwind CSS </a:t>
+            </a:r>
+            <a:r>
+              <a:rPr lang="en-GB" sz="1200" b="0" i="0" u="none" strike="noStrike" dirty="0" err="1">
+                <a:solidFill>
+                  <a:srgbClr val="000000"/>
+                </a:solidFill>
+                <a:effectLst/>
+                <a:latin typeface="Arial" panose="020B0604020202020204" pitchFamily="34" charset="0"/>
+                <a:cs typeface="Arial" panose="020B0604020202020204" pitchFamily="34" charset="0"/>
+              </a:rPr>
+              <a:t>zapewnia</a:t>
+            </a:r>
+            <a:r>
+              <a:rPr lang="en-GB" sz="1200" b="0" i="0" u="none" strike="noStrike" dirty="0">
+                <a:solidFill>
+                  <a:srgbClr val="000000"/>
+                </a:solidFill>
+                <a:effectLst/>
+                <a:latin typeface="Arial" panose="020B0604020202020204" pitchFamily="34" charset="0"/>
+                <a:cs typeface="Arial" panose="020B0604020202020204" pitchFamily="34" charset="0"/>
+              </a:rPr>
+              <a:t> </a:t>
+            </a:r>
+            <a:r>
+              <a:rPr lang="en-GB" sz="1200" b="0" i="0" u="none" strike="noStrike" dirty="0" err="1">
+                <a:solidFill>
+                  <a:srgbClr val="000000"/>
+                </a:solidFill>
+                <a:effectLst/>
+                <a:latin typeface="Arial" panose="020B0604020202020204" pitchFamily="34" charset="0"/>
+                <a:cs typeface="Arial" panose="020B0604020202020204" pitchFamily="34" charset="0"/>
+              </a:rPr>
+              <a:t>wydajność</a:t>
+            </a:r>
+            <a:r>
+              <a:rPr lang="en-GB" sz="1200" b="0" i="0" u="none" strike="noStrike" dirty="0">
+                <a:solidFill>
+                  <a:srgbClr val="000000"/>
+                </a:solidFill>
+                <a:effectLst/>
+                <a:latin typeface="Arial" panose="020B0604020202020204" pitchFamily="34" charset="0"/>
+                <a:cs typeface="Arial" panose="020B0604020202020204" pitchFamily="34" charset="0"/>
+              </a:rPr>
+              <a:t> </a:t>
+            </a:r>
+            <a:r>
+              <a:rPr lang="en-GB" sz="1200" b="0" i="0" u="none" strike="noStrike" dirty="0" err="1">
+                <a:solidFill>
+                  <a:srgbClr val="000000"/>
+                </a:solidFill>
+                <a:effectLst/>
+                <a:latin typeface="Arial" panose="020B0604020202020204" pitchFamily="34" charset="0"/>
+                <a:cs typeface="Arial" panose="020B0604020202020204" pitchFamily="34" charset="0"/>
+              </a:rPr>
+              <a:t>iintuicyjność</a:t>
+            </a:r>
+            <a:r>
+              <a:rPr lang="en-GB" sz="1200" b="0" i="0" u="none" strike="noStrike" dirty="0">
+                <a:solidFill>
+                  <a:srgbClr val="000000"/>
+                </a:solidFill>
+                <a:effectLst/>
+                <a:latin typeface="Arial" panose="020B0604020202020204" pitchFamily="34" charset="0"/>
+                <a:cs typeface="Arial" panose="020B0604020202020204" pitchFamily="34" charset="0"/>
+              </a:rPr>
+              <a:t> </a:t>
+            </a:r>
+            <a:r>
+              <a:rPr lang="en-GB" sz="1200" b="0" i="0" u="none" strike="noStrike" dirty="0" err="1">
+                <a:solidFill>
+                  <a:srgbClr val="000000"/>
+                </a:solidFill>
+                <a:effectLst/>
+                <a:latin typeface="Arial" panose="020B0604020202020204" pitchFamily="34" charset="0"/>
+                <a:cs typeface="Arial" panose="020B0604020202020204" pitchFamily="34" charset="0"/>
+              </a:rPr>
+              <a:t>aplikacji</a:t>
+            </a:r>
+            <a:r>
+              <a:rPr lang="en-GB" sz="1200" b="0" i="0" u="none" strike="noStrike" dirty="0">
+                <a:solidFill>
+                  <a:srgbClr val="000000"/>
+                </a:solidFill>
+                <a:effectLst/>
+                <a:latin typeface="Arial" panose="020B0604020202020204" pitchFamily="34" charset="0"/>
+                <a:cs typeface="Arial" panose="020B0604020202020204" pitchFamily="34" charset="0"/>
+              </a:rPr>
+              <a:t>.</a:t>
+            </a:r>
+            <a:endParaRPr lang="en-GB" sz="1200" dirty="0">
+              <a:solidFill>
+                <a:srgbClr val="000000"/>
+              </a:solidFill>
+              <a:latin typeface="Arial" panose="020B0604020202020204" pitchFamily="34" charset="0"/>
+              <a:cs typeface="Arial" panose="020B0604020202020204" pitchFamily="34" charset="0"/>
+            </a:endParaRPr>
+          </a:p>
+          <a:p>
+            <a:r>
+              <a:rPr lang="en-GB" sz="1200" b="0" i="0" u="none" strike="noStrike" dirty="0" err="1">
+                <a:solidFill>
+                  <a:srgbClr val="000000"/>
+                </a:solidFill>
+                <a:effectLst/>
+                <a:latin typeface="Arial" panose="020B0604020202020204" pitchFamily="34" charset="0"/>
+                <a:cs typeface="Arial" panose="020B0604020202020204" pitchFamily="34" charset="0"/>
+              </a:rPr>
+              <a:t>Integracja</a:t>
+            </a:r>
+            <a:r>
+              <a:rPr lang="en-GB" sz="1200" b="0" i="0" u="none" strike="noStrike" dirty="0">
+                <a:solidFill>
+                  <a:srgbClr val="000000"/>
+                </a:solidFill>
+                <a:effectLst/>
+                <a:latin typeface="Arial" panose="020B0604020202020204" pitchFamily="34" charset="0"/>
+                <a:cs typeface="Arial" panose="020B0604020202020204" pitchFamily="34" charset="0"/>
+              </a:rPr>
+              <a:t> z </a:t>
+            </a:r>
+            <a:r>
+              <a:rPr lang="en-GB" sz="1200" b="0" i="0" u="none" strike="noStrike" dirty="0" err="1">
+                <a:solidFill>
+                  <a:srgbClr val="000000"/>
+                </a:solidFill>
+                <a:effectLst/>
+                <a:latin typeface="Arial" panose="020B0604020202020204" pitchFamily="34" charset="0"/>
+                <a:cs typeface="Arial" panose="020B0604020202020204" pitchFamily="34" charset="0"/>
+              </a:rPr>
+              <a:t>Mailgun</a:t>
+            </a:r>
+            <a:r>
+              <a:rPr lang="en-GB" sz="1200" b="0" i="0" u="none" strike="noStrike" dirty="0">
+                <a:solidFill>
+                  <a:srgbClr val="000000"/>
+                </a:solidFill>
+                <a:effectLst/>
+                <a:latin typeface="Arial" panose="020B0604020202020204" pitchFamily="34" charset="0"/>
+                <a:cs typeface="Arial" panose="020B0604020202020204" pitchFamily="34" charset="0"/>
+              </a:rPr>
+              <a:t> </a:t>
+            </a:r>
+            <a:r>
+              <a:rPr lang="en-GB" sz="1200" b="0" i="0" u="none" strike="noStrike" dirty="0" err="1">
+                <a:solidFill>
+                  <a:srgbClr val="000000"/>
+                </a:solidFill>
+                <a:effectLst/>
+                <a:latin typeface="Arial" panose="020B0604020202020204" pitchFamily="34" charset="0"/>
+                <a:cs typeface="Arial" panose="020B0604020202020204" pitchFamily="34" charset="0"/>
+              </a:rPr>
+              <a:t>oraz</a:t>
+            </a:r>
+            <a:r>
+              <a:rPr lang="en-GB" sz="1200" b="0" i="0" u="none" strike="noStrike" dirty="0">
+                <a:solidFill>
+                  <a:srgbClr val="000000"/>
+                </a:solidFill>
+                <a:effectLst/>
+                <a:latin typeface="Arial" panose="020B0604020202020204" pitchFamily="34" charset="0"/>
+                <a:cs typeface="Arial" panose="020B0604020202020204" pitchFamily="34" charset="0"/>
+              </a:rPr>
+              <a:t> </a:t>
+            </a:r>
+            <a:r>
+              <a:rPr lang="en-GB" sz="1200" b="0" i="0" u="none" strike="noStrike" dirty="0" err="1">
+                <a:solidFill>
+                  <a:srgbClr val="000000"/>
+                </a:solidFill>
+                <a:effectLst/>
+                <a:latin typeface="Arial" panose="020B0604020202020204" pitchFamily="34" charset="0"/>
+                <a:cs typeface="Arial" panose="020B0604020202020204" pitchFamily="34" charset="0"/>
+              </a:rPr>
+              <a:t>wdrożenie</a:t>
+            </a:r>
+            <a:r>
+              <a:rPr lang="en-GB" sz="1200" b="0" i="0" u="none" strike="noStrike" dirty="0">
+                <a:solidFill>
+                  <a:srgbClr val="000000"/>
+                </a:solidFill>
+                <a:effectLst/>
+                <a:latin typeface="Arial" panose="020B0604020202020204" pitchFamily="34" charset="0"/>
+                <a:cs typeface="Arial" panose="020B0604020202020204" pitchFamily="34" charset="0"/>
+              </a:rPr>
+              <a:t> </a:t>
+            </a:r>
+            <a:r>
+              <a:rPr lang="en-GB" sz="1200" b="0" i="0" u="none" strike="noStrike" dirty="0" err="1">
+                <a:solidFill>
+                  <a:srgbClr val="000000"/>
+                </a:solidFill>
+                <a:effectLst/>
+                <a:latin typeface="Arial" panose="020B0604020202020204" pitchFamily="34" charset="0"/>
+                <a:cs typeface="Arial" panose="020B0604020202020204" pitchFamily="34" charset="0"/>
+              </a:rPr>
+              <a:t>na</a:t>
+            </a:r>
+            <a:r>
+              <a:rPr lang="en-GB" sz="1200" b="0" i="0" u="none" strike="noStrike" dirty="0">
+                <a:solidFill>
+                  <a:srgbClr val="000000"/>
+                </a:solidFill>
+                <a:effectLst/>
+                <a:latin typeface="Arial" panose="020B0604020202020204" pitchFamily="34" charset="0"/>
+                <a:cs typeface="Arial" panose="020B0604020202020204" pitchFamily="34" charset="0"/>
+              </a:rPr>
+              <a:t> </a:t>
+            </a:r>
+            <a:r>
+              <a:rPr lang="en-GB" sz="1200" b="0" i="0" u="none" strike="noStrike" dirty="0" err="1">
+                <a:solidFill>
+                  <a:srgbClr val="000000"/>
+                </a:solidFill>
+                <a:effectLst/>
+                <a:latin typeface="Arial" panose="020B0604020202020204" pitchFamily="34" charset="0"/>
+                <a:cs typeface="Arial" panose="020B0604020202020204" pitchFamily="34" charset="0"/>
+              </a:rPr>
+              <a:t>Dockerze</a:t>
+            </a:r>
+            <a:r>
+              <a:rPr lang="en-GB" sz="1200" b="0" i="0" u="none" strike="noStrike" dirty="0">
+                <a:solidFill>
+                  <a:srgbClr val="000000"/>
+                </a:solidFill>
+                <a:effectLst/>
+                <a:latin typeface="Arial" panose="020B0604020202020204" pitchFamily="34" charset="0"/>
+                <a:cs typeface="Arial" panose="020B0604020202020204" pitchFamily="34" charset="0"/>
+              </a:rPr>
+              <a:t> </a:t>
+            </a:r>
+            <a:r>
+              <a:rPr lang="en-GB" sz="1200" b="0" i="0" u="none" strike="noStrike" dirty="0" err="1">
+                <a:solidFill>
+                  <a:srgbClr val="000000"/>
+                </a:solidFill>
+                <a:effectLst/>
+                <a:latin typeface="Arial" panose="020B0604020202020204" pitchFamily="34" charset="0"/>
+                <a:cs typeface="Arial" panose="020B0604020202020204" pitchFamily="34" charset="0"/>
+              </a:rPr>
+              <a:t>gwarantują</a:t>
+            </a:r>
+            <a:r>
+              <a:rPr lang="en-GB" sz="1200" b="0" i="0" u="none" strike="noStrike" dirty="0">
+                <a:solidFill>
+                  <a:srgbClr val="000000"/>
+                </a:solidFill>
+                <a:effectLst/>
+                <a:latin typeface="Arial" panose="020B0604020202020204" pitchFamily="34" charset="0"/>
+                <a:cs typeface="Arial" panose="020B0604020202020204" pitchFamily="34" charset="0"/>
+              </a:rPr>
+              <a:t> </a:t>
+            </a:r>
+            <a:r>
+              <a:rPr lang="en-GB" sz="1200" b="0" i="0" u="none" strike="noStrike" dirty="0" err="1">
+                <a:solidFill>
+                  <a:srgbClr val="000000"/>
+                </a:solidFill>
+                <a:effectLst/>
+                <a:latin typeface="Arial" panose="020B0604020202020204" pitchFamily="34" charset="0"/>
+                <a:cs typeface="Arial" panose="020B0604020202020204" pitchFamily="34" charset="0"/>
+              </a:rPr>
+              <a:t>niezawodność</a:t>
+            </a:r>
+            <a:r>
+              <a:rPr lang="en-GB" sz="1200" b="0" i="0" u="none" strike="noStrike" dirty="0">
+                <a:solidFill>
+                  <a:srgbClr val="000000"/>
+                </a:solidFill>
+                <a:effectLst/>
+                <a:latin typeface="Arial" panose="020B0604020202020204" pitchFamily="34" charset="0"/>
+                <a:cs typeface="Arial" panose="020B0604020202020204" pitchFamily="34" charset="0"/>
+              </a:rPr>
+              <a:t> </a:t>
+            </a:r>
+            <a:r>
+              <a:rPr lang="en-GB" sz="1200" b="0" i="0" u="none" strike="noStrike" dirty="0" err="1">
+                <a:solidFill>
+                  <a:srgbClr val="000000"/>
+                </a:solidFill>
+                <a:effectLst/>
+                <a:latin typeface="Arial" panose="020B0604020202020204" pitchFamily="34" charset="0"/>
+                <a:cs typeface="Arial" panose="020B0604020202020204" pitchFamily="34" charset="0"/>
+              </a:rPr>
+              <a:t>i</a:t>
+            </a:r>
+            <a:r>
+              <a:rPr lang="en-GB" sz="1200" b="0" i="0" u="none" strike="noStrike" dirty="0">
+                <a:solidFill>
+                  <a:srgbClr val="000000"/>
+                </a:solidFill>
+                <a:effectLst/>
+                <a:latin typeface="Arial" panose="020B0604020202020204" pitchFamily="34" charset="0"/>
+                <a:cs typeface="Arial" panose="020B0604020202020204" pitchFamily="34" charset="0"/>
+              </a:rPr>
+              <a:t> </a:t>
+            </a:r>
+            <a:r>
+              <a:rPr lang="en-GB" sz="1200" b="0" i="0" u="none" strike="noStrike" dirty="0" err="1">
+                <a:solidFill>
+                  <a:srgbClr val="000000"/>
+                </a:solidFill>
+                <a:effectLst/>
+                <a:latin typeface="Arial" panose="020B0604020202020204" pitchFamily="34" charset="0"/>
+                <a:cs typeface="Arial" panose="020B0604020202020204" pitchFamily="34" charset="0"/>
+              </a:rPr>
+              <a:t>skalowalność</a:t>
+            </a:r>
+            <a:r>
+              <a:rPr lang="en-GB" sz="1200" b="0" i="0" u="none" strike="noStrike" dirty="0">
+                <a:solidFill>
+                  <a:srgbClr val="000000"/>
+                </a:solidFill>
+                <a:effectLst/>
+                <a:latin typeface="Arial" panose="020B0604020202020204" pitchFamily="34" charset="0"/>
+                <a:cs typeface="Arial" panose="020B0604020202020204" pitchFamily="34" charset="0"/>
+              </a:rPr>
+              <a:t> </a:t>
+            </a:r>
+            <a:r>
+              <a:rPr lang="en-GB" sz="1200" b="0" i="0" u="none" strike="noStrike" dirty="0" err="1">
+                <a:solidFill>
+                  <a:srgbClr val="000000"/>
+                </a:solidFill>
+                <a:effectLst/>
+                <a:latin typeface="Arial" panose="020B0604020202020204" pitchFamily="34" charset="0"/>
+                <a:cs typeface="Arial" panose="020B0604020202020204" pitchFamily="34" charset="0"/>
+              </a:rPr>
+              <a:t>systemu</a:t>
+            </a:r>
+            <a:r>
+              <a:rPr lang="en-GB" sz="1200" b="0" i="0" u="none" strike="noStrike" dirty="0">
+                <a:solidFill>
+                  <a:srgbClr val="000000"/>
+                </a:solidFill>
+                <a:effectLst/>
+                <a:latin typeface="Arial" panose="020B0604020202020204" pitchFamily="34" charset="0"/>
+                <a:cs typeface="Arial" panose="020B0604020202020204" pitchFamily="34" charset="0"/>
+              </a:rPr>
+              <a:t>.</a:t>
+            </a:r>
+          </a:p>
+          <a:p>
+            <a:r>
+              <a:rPr lang="en-GB" sz="1200" b="0" i="0" u="none" strike="noStrike" dirty="0" err="1">
+                <a:solidFill>
+                  <a:srgbClr val="000000"/>
+                </a:solidFill>
+                <a:effectLst/>
+                <a:latin typeface="Arial" panose="020B0604020202020204" pitchFamily="34" charset="0"/>
+                <a:cs typeface="Arial" panose="020B0604020202020204" pitchFamily="34" charset="0"/>
+              </a:rPr>
+              <a:t>Planowane</a:t>
+            </a:r>
+            <a:r>
+              <a:rPr lang="en-GB" sz="1200" b="0" i="0" u="none" strike="noStrike" dirty="0">
+                <a:solidFill>
+                  <a:srgbClr val="000000"/>
+                </a:solidFill>
+                <a:effectLst/>
+                <a:latin typeface="Arial" panose="020B0604020202020204" pitchFamily="34" charset="0"/>
+                <a:cs typeface="Arial" panose="020B0604020202020204" pitchFamily="34" charset="0"/>
+              </a:rPr>
+              <a:t> </a:t>
+            </a:r>
+            <a:r>
+              <a:rPr lang="en-GB" sz="1200" b="0" i="0" u="none" strike="noStrike" dirty="0" err="1">
+                <a:solidFill>
+                  <a:srgbClr val="000000"/>
+                </a:solidFill>
+                <a:effectLst/>
+                <a:latin typeface="Arial" panose="020B0604020202020204" pitchFamily="34" charset="0"/>
+                <a:cs typeface="Arial" panose="020B0604020202020204" pitchFamily="34" charset="0"/>
+              </a:rPr>
+              <a:t>dalsze</a:t>
+            </a:r>
+            <a:r>
+              <a:rPr lang="en-GB" sz="1200" b="0" i="0" u="none" strike="noStrike" dirty="0">
+                <a:solidFill>
+                  <a:srgbClr val="000000"/>
+                </a:solidFill>
+                <a:effectLst/>
+                <a:latin typeface="Arial" panose="020B0604020202020204" pitchFamily="34" charset="0"/>
+                <a:cs typeface="Arial" panose="020B0604020202020204" pitchFamily="34" charset="0"/>
+              </a:rPr>
+              <a:t> </a:t>
+            </a:r>
+            <a:r>
+              <a:rPr lang="en-GB" sz="1200" b="0" i="0" u="none" strike="noStrike" dirty="0" err="1">
+                <a:solidFill>
+                  <a:srgbClr val="000000"/>
+                </a:solidFill>
+                <a:effectLst/>
+                <a:latin typeface="Arial" panose="020B0604020202020204" pitchFamily="34" charset="0"/>
+                <a:cs typeface="Arial" panose="020B0604020202020204" pitchFamily="34" charset="0"/>
+              </a:rPr>
+              <a:t>rozwijanie</a:t>
+            </a:r>
+            <a:r>
+              <a:rPr lang="en-GB" sz="1200" b="0" i="0" u="none" strike="noStrike" dirty="0">
+                <a:solidFill>
+                  <a:srgbClr val="000000"/>
+                </a:solidFill>
+                <a:effectLst/>
+                <a:latin typeface="Arial" panose="020B0604020202020204" pitchFamily="34" charset="0"/>
+                <a:cs typeface="Arial" panose="020B0604020202020204" pitchFamily="34" charset="0"/>
+              </a:rPr>
+              <a:t> </a:t>
+            </a:r>
+            <a:r>
+              <a:rPr lang="en-GB" sz="1200" b="0" i="0" u="none" strike="noStrike" dirty="0" err="1">
+                <a:solidFill>
+                  <a:srgbClr val="000000"/>
+                </a:solidFill>
+                <a:effectLst/>
+                <a:latin typeface="Arial" panose="020B0604020202020204" pitchFamily="34" charset="0"/>
+                <a:cs typeface="Arial" panose="020B0604020202020204" pitchFamily="34" charset="0"/>
+              </a:rPr>
+              <a:t>funkcjonalności</a:t>
+            </a:r>
+            <a:r>
+              <a:rPr lang="en-GB" sz="1200" b="0" i="0" u="none" strike="noStrike" dirty="0">
+                <a:solidFill>
+                  <a:srgbClr val="000000"/>
+                </a:solidFill>
+                <a:effectLst/>
+                <a:latin typeface="Arial" panose="020B0604020202020204" pitchFamily="34" charset="0"/>
+                <a:cs typeface="Arial" panose="020B0604020202020204" pitchFamily="34" charset="0"/>
+              </a:rPr>
+              <a:t> </a:t>
+            </a:r>
+            <a:r>
+              <a:rPr lang="en-GB" sz="1200" b="0" i="0" u="none" strike="noStrike" dirty="0" err="1">
+                <a:solidFill>
+                  <a:srgbClr val="000000"/>
+                </a:solidFill>
+                <a:effectLst/>
+                <a:latin typeface="Arial" panose="020B0604020202020204" pitchFamily="34" charset="0"/>
+                <a:cs typeface="Arial" panose="020B0604020202020204" pitchFamily="34" charset="0"/>
+              </a:rPr>
+              <a:t>aplikacji</a:t>
+            </a:r>
+            <a:r>
+              <a:rPr lang="en-GB" sz="1200" b="0" i="0" u="none" strike="noStrike" dirty="0">
+                <a:solidFill>
+                  <a:srgbClr val="000000"/>
+                </a:solidFill>
+                <a:effectLst/>
+                <a:latin typeface="Arial" panose="020B0604020202020204" pitchFamily="34" charset="0"/>
+                <a:cs typeface="Arial" panose="020B0604020202020204" pitchFamily="34" charset="0"/>
+              </a:rPr>
+              <a:t> w </a:t>
+            </a:r>
+            <a:r>
+              <a:rPr lang="en-GB" sz="1200" b="0" i="0" u="none" strike="noStrike" dirty="0" err="1">
+                <a:solidFill>
+                  <a:srgbClr val="000000"/>
+                </a:solidFill>
+                <a:effectLst/>
+                <a:latin typeface="Arial" panose="020B0604020202020204" pitchFamily="34" charset="0"/>
+                <a:cs typeface="Arial" panose="020B0604020202020204" pitchFamily="34" charset="0"/>
+              </a:rPr>
+              <a:t>oparciu</a:t>
+            </a:r>
+            <a:r>
+              <a:rPr lang="en-GB" sz="1200" b="0" i="0" u="none" strike="noStrike" dirty="0">
+                <a:solidFill>
+                  <a:srgbClr val="000000"/>
+                </a:solidFill>
+                <a:effectLst/>
+                <a:latin typeface="Arial" panose="020B0604020202020204" pitchFamily="34" charset="0"/>
+                <a:cs typeface="Arial" panose="020B0604020202020204" pitchFamily="34" charset="0"/>
+              </a:rPr>
+              <a:t> o feedback </a:t>
+            </a:r>
+            <a:r>
+              <a:rPr lang="en-GB" sz="1200" b="0" i="0" u="none" strike="noStrike" dirty="0" err="1">
+                <a:solidFill>
+                  <a:srgbClr val="000000"/>
+                </a:solidFill>
+                <a:effectLst/>
+                <a:latin typeface="Arial" panose="020B0604020202020204" pitchFamily="34" charset="0"/>
+                <a:cs typeface="Arial" panose="020B0604020202020204" pitchFamily="34" charset="0"/>
+              </a:rPr>
+              <a:t>użytkowników</a:t>
+            </a:r>
+            <a:r>
+              <a:rPr lang="en-GB" sz="1200" b="0" i="0" u="none" strike="noStrike" dirty="0">
+                <a:solidFill>
+                  <a:srgbClr val="000000"/>
+                </a:solidFill>
+                <a:effectLst/>
+                <a:latin typeface="Arial" panose="020B0604020202020204" pitchFamily="34" charset="0"/>
+                <a:cs typeface="Arial" panose="020B0604020202020204" pitchFamily="34" charset="0"/>
+              </a:rPr>
+              <a:t>.</a:t>
+            </a:r>
+            <a:endParaRPr lang="en-GB" sz="1200" dirty="0">
+              <a:solidFill>
+                <a:srgbClr val="000000"/>
+              </a:solidFill>
+              <a:latin typeface="Arial" panose="020B0604020202020204" pitchFamily="34" charset="0"/>
+              <a:cs typeface="Arial" panose="020B0604020202020204" pitchFamily="34" charset="0"/>
+            </a:endParaRPr>
+          </a:p>
+          <a:p>
+            <a:endParaRPr lang="en-PL" dirty="0"/>
+          </a:p>
+        </p:txBody>
+      </p:sp>
+    </p:spTree>
+    <p:extLst>
+      <p:ext uri="{BB962C8B-B14F-4D97-AF65-F5344CB8AC3E}">
+        <p14:creationId xmlns:p14="http://schemas.microsoft.com/office/powerpoint/2010/main" val="1431280638"/>
+      </p:ext>
+    </p:extLst>
+  </p:cSld>
+  <p:clrMapOvr>
+    <a:masterClrMapping/>
+  </p:clrMapOvr>
+</p:sld>
+</file>
+
 <file path=ppt/theme/theme1.xml><?xml version="1.0" encoding="utf-8"?>
-<a:theme xmlns:a="http://schemas.openxmlformats.org/drawingml/2006/main" xmlns:r="http://schemas.openxmlformats.org/officeDocument/2006/relationships" name="Shift">
+<a:theme xmlns:a="http://schemas.openxmlformats.org/drawingml/2006/main" name="Shift">
   <a:themeElements>
     <a:clrScheme name="Shift">
       <a:dk1>
@@ -9827,11 +12744,13 @@
       </a:bgFillStyleLst>
     </a:fmtScheme>
   </a:themeElements>
+  <a:objectDefaults/>
+  <a:extraClrSchemeLst/>
 </a:theme>
 </file>
 
 <file path=ppt/theme/theme2.xml><?xml version="1.0" encoding="utf-8"?>
-<a:theme xmlns:a="http://schemas.openxmlformats.org/drawingml/2006/main" xmlns:r="http://schemas.openxmlformats.org/officeDocument/2006/relationships">
+<a:theme xmlns:a="http://schemas.openxmlformats.org/drawingml/2006/main">
   <a:themeElements>
     <a:clrScheme name="Default">
       <a:dk1>
@@ -10106,5 +13025,7 @@
       </a:bgFillStyleLst>
     </a:fmtScheme>
   </a:themeElements>
+  <a:objectDefaults/>
+  <a:extraClrSchemeLst/>
 </a:theme>
 </file>